--- a/slides/ddl-w6l1.pptx
+++ b/slides/ddl-w6l1.pptx
@@ -5,23 +5,29 @@
     <p:sldMasterId id="2147483649" r:id="rId1"/>
   </p:sldMasterIdLst>
   <p:notesMasterIdLst>
-    <p:notesMasterId r:id="rId13"/>
+    <p:notesMasterId r:id="rId19"/>
   </p:notesMasterIdLst>
   <p:handoutMasterIdLst>
-    <p:handoutMasterId r:id="rId14"/>
+    <p:handoutMasterId r:id="rId20"/>
   </p:handoutMasterIdLst>
   <p:sldIdLst>
-    <p:sldId id="256" r:id="rId2"/>
-    <p:sldId id="263" r:id="rId3"/>
-    <p:sldId id="264" r:id="rId4"/>
-    <p:sldId id="265" r:id="rId5"/>
-    <p:sldId id="267" r:id="rId6"/>
-    <p:sldId id="268" r:id="rId7"/>
-    <p:sldId id="269" r:id="rId8"/>
-    <p:sldId id="270" r:id="rId9"/>
-    <p:sldId id="271" r:id="rId10"/>
-    <p:sldId id="272" r:id="rId11"/>
-    <p:sldId id="275" r:id="rId12"/>
+    <p:sldId id="276" r:id="rId2"/>
+    <p:sldId id="278" r:id="rId3"/>
+    <p:sldId id="280" r:id="rId4"/>
+    <p:sldId id="279" r:id="rId5"/>
+    <p:sldId id="277" r:id="rId6"/>
+    <p:sldId id="292" r:id="rId7"/>
+    <p:sldId id="293" r:id="rId8"/>
+    <p:sldId id="294" r:id="rId9"/>
+    <p:sldId id="290" r:id="rId10"/>
+    <p:sldId id="289" r:id="rId11"/>
+    <p:sldId id="281" r:id="rId12"/>
+    <p:sldId id="286" r:id="rId13"/>
+    <p:sldId id="282" r:id="rId14"/>
+    <p:sldId id="287" r:id="rId15"/>
+    <p:sldId id="283" r:id="rId16"/>
+    <p:sldId id="284" r:id="rId17"/>
+    <p:sldId id="288" r:id="rId18"/>
   </p:sldIdLst>
   <p:sldSz cx="9144000" cy="6858000" type="screen4x3"/>
   <p:notesSz cx="6858000" cy="9144000"/>
@@ -150,6 +156,40 @@
       </a:defRPr>
     </a:lvl9pPr>
   </p:defaultTextStyle>
+  <p:extLst>
+    <p:ext uri="{EFAFB233-063F-42B5-8137-9DF3F51BA10A}">
+      <p15:sldGuideLst xmlns:p15="http://schemas.microsoft.com/office/powerpoint/2012/main">
+        <p15:guide id="1" orient="horz" pos="2160">
+          <p15:clr>
+            <a:srgbClr val="A4A3A4"/>
+          </p15:clr>
+        </p15:guide>
+        <p15:guide id="2" orient="horz" pos="866">
+          <p15:clr>
+            <a:srgbClr val="A4A3A4"/>
+          </p15:clr>
+        </p15:guide>
+        <p15:guide id="3" pos="2880">
+          <p15:clr>
+            <a:srgbClr val="A4A3A4"/>
+          </p15:clr>
+        </p15:guide>
+        <p15:guide id="4" pos="476">
+          <p15:clr>
+            <a:srgbClr val="A4A3A4"/>
+          </p15:clr>
+        </p15:guide>
+        <p15:guide id="5" pos="1111">
+          <p15:clr>
+            <a:srgbClr val="A4A3A4"/>
+          </p15:clr>
+        </p15:guide>
+      </p15:sldGuideLst>
+    </p:ext>
+    <p:ext uri="{2D200454-40CA-4A62-9FC3-DE9A4176ACB9}">
+      <p15:notesGuideLst xmlns:p15="http://schemas.microsoft.com/office/powerpoint/2012/main"/>
+    </p:ext>
+  </p:extLst>
 </p:presentation>
 </file>
 
@@ -266,7 +306,7 @@
             <a:fld id="{373F1B60-BDF4-4D63-AD79-99D5A5B1DF99}" type="datetime1">
               <a:rPr lang="en-US"/>
               <a:pPr/>
-              <a:t>2/19/2013</a:t>
+              <a:t>12/12/2018</a:t>
             </a:fld>
             <a:endParaRPr lang="en-US"/>
           </a:p>
@@ -485,7 +525,7 @@
             <a:fld id="{4387A7AA-DFE9-4771-BEDE-3294FCEBFB02}" type="datetime1">
               <a:rPr lang="en-US"/>
               <a:pPr/>
-              <a:t>2/19/2013</a:t>
+              <a:t>12/12/2018</a:t>
             </a:fld>
             <a:endParaRPr lang="en-US"/>
           </a:p>
@@ -495,7 +535,7 @@
         <p:nvSpPr>
           <p:cNvPr id="50180" name="Rectangle 4"/>
           <p:cNvSpPr>
-            <a:spLocks noRot="1" noChangeArrowheads="1" noTextEdit="1"/>
+            <a:spLocks noGrp="1" noRot="1" noChangeAspect="1" noChangeArrowheads="1" noTextEdit="1"/>
           </p:cNvSpPr>
           <p:nvPr>
             <p:ph type="sldImg" idx="2"/>
@@ -876,7 +916,7 @@
             <a:fld id="{8541E2CD-DBF4-40F9-B6F8-EEFD0DF8A138}" type="datetime1">
               <a:rPr lang="en-US"/>
               <a:pPr/>
-              <a:t>2/19/2013</a:t>
+              <a:t>12/12/2018</a:t>
             </a:fld>
             <a:endParaRPr lang="en-US"/>
           </a:p>
@@ -936,7 +976,7 @@
         <p:nvSpPr>
           <p:cNvPr id="182274" name="Rectangle 2"/>
           <p:cNvSpPr>
-            <a:spLocks noRot="1" noChangeArrowheads="1" noTextEdit="1"/>
+            <a:spLocks noGrp="1" noRot="1" noChangeAspect="1" noChangeArrowheads="1" noTextEdit="1"/>
           </p:cNvSpPr>
           <p:nvPr>
             <p:ph type="sldImg"/>
@@ -966,1586 +1006,11 @@
         </p:txBody>
       </p:sp>
     </p:spTree>
-  </p:cSld>
-  <p:clrMapOvr>
-    <a:masterClrMapping/>
-  </p:clrMapOvr>
-</p:notes>
-</file>
-
-<file path=ppt/notesSlides/notesSlide10.xml><?xml version="1.0" encoding="utf-8"?>
-<p:notes xmlns:a="http://schemas.openxmlformats.org/drawingml/2006/main" xmlns:r="http://schemas.openxmlformats.org/officeDocument/2006/relationships" xmlns:p="http://schemas.openxmlformats.org/presentationml/2006/main">
-  <p:cSld>
-    <p:spTree>
-      <p:nvGrpSpPr>
-        <p:cNvPr id="1" name=""/>
-        <p:cNvGrpSpPr/>
-        <p:nvPr/>
-      </p:nvGrpSpPr>
-      <p:grpSpPr>
-        <a:xfrm>
-          <a:off x="0" y="0"/>
-          <a:ext cx="0" cy="0"/>
-          <a:chOff x="0" y="0"/>
-          <a:chExt cx="0" cy="0"/>
-        </a:xfrm>
-      </p:grpSpPr>
-      <p:sp>
-        <p:nvSpPr>
-          <p:cNvPr id="4" name="Rectangle 2"/>
-          <p:cNvSpPr>
-            <a:spLocks noGrp="1" noChangeArrowheads="1"/>
-          </p:cNvSpPr>
-          <p:nvPr>
-            <p:ph type="hdr" sz="quarter"/>
-          </p:nvPr>
-        </p:nvSpPr>
-        <p:spPr>
-          <a:ln/>
-        </p:spPr>
-        <p:txBody>
-          <a:bodyPr/>
-          <a:lstStyle/>
-          <a:p>
-            <a:r>
-              <a:rPr lang="en-US"/>
-              <a:t>xxxxxxxxxxxxxxx</a:t>
-            </a:r>
-          </a:p>
-        </p:txBody>
-      </p:sp>
-      <p:sp>
-        <p:nvSpPr>
-          <p:cNvPr id="5" name="Rectangle 3"/>
-          <p:cNvSpPr>
-            <a:spLocks noGrp="1" noChangeArrowheads="1"/>
-          </p:cNvSpPr>
-          <p:nvPr>
-            <p:ph type="dt" idx="1"/>
-          </p:nvPr>
-        </p:nvSpPr>
-        <p:spPr>
-          <a:ln/>
-        </p:spPr>
-        <p:txBody>
-          <a:bodyPr/>
-          <a:lstStyle/>
-          <a:p>
-            <a:fld id="{A3734206-9E0D-45A8-9A9C-E9E820231454}" type="datetime1">
-              <a:rPr lang="en-US"/>
-              <a:pPr/>
-              <a:t>2/19/2013</a:t>
-            </a:fld>
-            <a:endParaRPr lang="en-US"/>
-          </a:p>
-        </p:txBody>
-      </p:sp>
-      <p:sp>
-        <p:nvSpPr>
-          <p:cNvPr id="6" name="Rectangle 6"/>
-          <p:cNvSpPr>
-            <a:spLocks noGrp="1" noChangeArrowheads="1"/>
-          </p:cNvSpPr>
-          <p:nvPr>
-            <p:ph type="ftr" sz="quarter" idx="4"/>
-          </p:nvPr>
-        </p:nvSpPr>
-        <p:spPr>
-          <a:ln/>
-        </p:spPr>
-        <p:txBody>
-          <a:bodyPr/>
-          <a:lstStyle/>
-          <a:p>
-            <a:r>
-              <a:rPr lang="en-US"/>
-              <a:t>xxxxxxxxxxxxx</a:t>
-            </a:r>
-          </a:p>
-        </p:txBody>
-      </p:sp>
-      <p:sp>
-        <p:nvSpPr>
-          <p:cNvPr id="7" name="Rectangle 7"/>
-          <p:cNvSpPr>
-            <a:spLocks noGrp="1" noChangeArrowheads="1"/>
-          </p:cNvSpPr>
-          <p:nvPr>
-            <p:ph type="sldNum" sz="quarter" idx="5"/>
-          </p:nvPr>
-        </p:nvSpPr>
-        <p:spPr>
-          <a:ln/>
-        </p:spPr>
-        <p:txBody>
-          <a:bodyPr/>
-          <a:lstStyle/>
-          <a:p>
-            <a:fld id="{3E24F508-BEE9-43B6-9C9C-05A1D82BD706}" type="slidenum">
-              <a:rPr lang="en-US"/>
-              <a:pPr/>
-              <a:t>10</a:t>
-            </a:fld>
-            <a:endParaRPr lang="en-US"/>
-          </a:p>
-        </p:txBody>
-      </p:sp>
-      <p:sp>
-        <p:nvSpPr>
-          <p:cNvPr id="191490" name="Rectangle 2"/>
-          <p:cNvSpPr>
-            <a:spLocks noRot="1" noChangeArrowheads="1" noTextEdit="1"/>
-          </p:cNvSpPr>
-          <p:nvPr>
-            <p:ph type="sldImg"/>
-          </p:nvPr>
-        </p:nvSpPr>
-        <p:spPr>
-          <a:ln/>
-        </p:spPr>
-      </p:sp>
-      <p:sp>
-        <p:nvSpPr>
-          <p:cNvPr id="191491" name="Rectangle 3"/>
-          <p:cNvSpPr>
-            <a:spLocks noGrp="1" noChangeArrowheads="1"/>
-          </p:cNvSpPr>
-          <p:nvPr>
-            <p:ph type="body" idx="1"/>
-          </p:nvPr>
-        </p:nvSpPr>
-        <p:spPr/>
-        <p:txBody>
-          <a:bodyPr/>
-          <a:lstStyle/>
-          <a:p>
-            <a:endParaRPr lang="nl-NL"/>
-          </a:p>
-        </p:txBody>
-      </p:sp>
-    </p:spTree>
-  </p:cSld>
-  <p:clrMapOvr>
-    <a:masterClrMapping/>
-  </p:clrMapOvr>
-</p:notes>
-</file>
-
-<file path=ppt/notesSlides/notesSlide11.xml><?xml version="1.0" encoding="utf-8"?>
-<p:notes xmlns:a="http://schemas.openxmlformats.org/drawingml/2006/main" xmlns:r="http://schemas.openxmlformats.org/officeDocument/2006/relationships" xmlns:p="http://schemas.openxmlformats.org/presentationml/2006/main">
-  <p:cSld>
-    <p:spTree>
-      <p:nvGrpSpPr>
-        <p:cNvPr id="1" name=""/>
-        <p:cNvGrpSpPr/>
-        <p:nvPr/>
-      </p:nvGrpSpPr>
-      <p:grpSpPr>
-        <a:xfrm>
-          <a:off x="0" y="0"/>
-          <a:ext cx="0" cy="0"/>
-          <a:chOff x="0" y="0"/>
-          <a:chExt cx="0" cy="0"/>
-        </a:xfrm>
-      </p:grpSpPr>
-      <p:sp>
-        <p:nvSpPr>
-          <p:cNvPr id="4" name="Rectangle 2"/>
-          <p:cNvSpPr>
-            <a:spLocks noGrp="1" noChangeArrowheads="1"/>
-          </p:cNvSpPr>
-          <p:nvPr>
-            <p:ph type="hdr" sz="quarter"/>
-          </p:nvPr>
-        </p:nvSpPr>
-        <p:spPr>
-          <a:ln/>
-        </p:spPr>
-        <p:txBody>
-          <a:bodyPr/>
-          <a:lstStyle/>
-          <a:p>
-            <a:r>
-              <a:rPr lang="en-US"/>
-              <a:t>xxxxxxxxxxxxxxx</a:t>
-            </a:r>
-          </a:p>
-        </p:txBody>
-      </p:sp>
-      <p:sp>
-        <p:nvSpPr>
-          <p:cNvPr id="5" name="Rectangle 3"/>
-          <p:cNvSpPr>
-            <a:spLocks noGrp="1" noChangeArrowheads="1"/>
-          </p:cNvSpPr>
-          <p:nvPr>
-            <p:ph type="dt" idx="1"/>
-          </p:nvPr>
-        </p:nvSpPr>
-        <p:spPr>
-          <a:ln/>
-        </p:spPr>
-        <p:txBody>
-          <a:bodyPr/>
-          <a:lstStyle/>
-          <a:p>
-            <a:fld id="{E01E3979-3EA1-4091-9A9F-0CDBD48FB10C}" type="datetime1">
-              <a:rPr lang="en-US"/>
-              <a:pPr/>
-              <a:t>2/19/2013</a:t>
-            </a:fld>
-            <a:endParaRPr lang="en-US"/>
-          </a:p>
-        </p:txBody>
-      </p:sp>
-      <p:sp>
-        <p:nvSpPr>
-          <p:cNvPr id="6" name="Rectangle 6"/>
-          <p:cNvSpPr>
-            <a:spLocks noGrp="1" noChangeArrowheads="1"/>
-          </p:cNvSpPr>
-          <p:nvPr>
-            <p:ph type="ftr" sz="quarter" idx="4"/>
-          </p:nvPr>
-        </p:nvSpPr>
-        <p:spPr>
-          <a:ln/>
-        </p:spPr>
-        <p:txBody>
-          <a:bodyPr/>
-          <a:lstStyle/>
-          <a:p>
-            <a:r>
-              <a:rPr lang="en-US"/>
-              <a:t>xxxxxxxxxxxxx</a:t>
-            </a:r>
-          </a:p>
-        </p:txBody>
-      </p:sp>
-      <p:sp>
-        <p:nvSpPr>
-          <p:cNvPr id="7" name="Rectangle 7"/>
-          <p:cNvSpPr>
-            <a:spLocks noGrp="1" noChangeArrowheads="1"/>
-          </p:cNvSpPr>
-          <p:nvPr>
-            <p:ph type="sldNum" sz="quarter" idx="5"/>
-          </p:nvPr>
-        </p:nvSpPr>
-        <p:spPr>
-          <a:ln/>
-        </p:spPr>
-        <p:txBody>
-          <a:bodyPr/>
-          <a:lstStyle/>
-          <a:p>
-            <a:fld id="{66654B76-19AB-4A8A-A997-35CF46824B95}" type="slidenum">
-              <a:rPr lang="en-US"/>
-              <a:pPr/>
-              <a:t>11</a:t>
-            </a:fld>
-            <a:endParaRPr lang="en-US"/>
-          </a:p>
-        </p:txBody>
-      </p:sp>
-      <p:sp>
-        <p:nvSpPr>
-          <p:cNvPr id="192514" name="Rectangle 2"/>
-          <p:cNvSpPr>
-            <a:spLocks noRot="1" noChangeArrowheads="1" noTextEdit="1"/>
-          </p:cNvSpPr>
-          <p:nvPr>
-            <p:ph type="sldImg"/>
-          </p:nvPr>
-        </p:nvSpPr>
-        <p:spPr>
-          <a:ln/>
-        </p:spPr>
-      </p:sp>
-      <p:sp>
-        <p:nvSpPr>
-          <p:cNvPr id="192515" name="Rectangle 3"/>
-          <p:cNvSpPr>
-            <a:spLocks noGrp="1" noChangeArrowheads="1"/>
-          </p:cNvSpPr>
-          <p:nvPr>
-            <p:ph type="body" idx="1"/>
-          </p:nvPr>
-        </p:nvSpPr>
-        <p:spPr/>
-        <p:txBody>
-          <a:bodyPr/>
-          <a:lstStyle/>
-          <a:p>
-            <a:endParaRPr lang="nl-NL"/>
-          </a:p>
-        </p:txBody>
-      </p:sp>
-    </p:spTree>
-  </p:cSld>
-  <p:clrMapOvr>
-    <a:masterClrMapping/>
-  </p:clrMapOvr>
-</p:notes>
-</file>
-
-<file path=ppt/notesSlides/notesSlide2.xml><?xml version="1.0" encoding="utf-8"?>
-<p:notes xmlns:a="http://schemas.openxmlformats.org/drawingml/2006/main" xmlns:r="http://schemas.openxmlformats.org/officeDocument/2006/relationships" xmlns:p="http://schemas.openxmlformats.org/presentationml/2006/main">
-  <p:cSld>
-    <p:spTree>
-      <p:nvGrpSpPr>
-        <p:cNvPr id="1" name=""/>
-        <p:cNvGrpSpPr/>
-        <p:nvPr/>
-      </p:nvGrpSpPr>
-      <p:grpSpPr>
-        <a:xfrm>
-          <a:off x="0" y="0"/>
-          <a:ext cx="0" cy="0"/>
-          <a:chOff x="0" y="0"/>
-          <a:chExt cx="0" cy="0"/>
-        </a:xfrm>
-      </p:grpSpPr>
-      <p:sp>
-        <p:nvSpPr>
-          <p:cNvPr id="4" name="Rectangle 2"/>
-          <p:cNvSpPr>
-            <a:spLocks noGrp="1" noChangeArrowheads="1"/>
-          </p:cNvSpPr>
-          <p:nvPr>
-            <p:ph type="hdr" sz="quarter"/>
-          </p:nvPr>
-        </p:nvSpPr>
-        <p:spPr>
-          <a:ln/>
-        </p:spPr>
-        <p:txBody>
-          <a:bodyPr/>
-          <a:lstStyle/>
-          <a:p>
-            <a:r>
-              <a:rPr lang="en-US"/>
-              <a:t>xxxxxxxxxxxxxxx</a:t>
-            </a:r>
-          </a:p>
-        </p:txBody>
-      </p:sp>
-      <p:sp>
-        <p:nvSpPr>
-          <p:cNvPr id="5" name="Rectangle 3"/>
-          <p:cNvSpPr>
-            <a:spLocks noGrp="1" noChangeArrowheads="1"/>
-          </p:cNvSpPr>
-          <p:nvPr>
-            <p:ph type="dt" idx="1"/>
-          </p:nvPr>
-        </p:nvSpPr>
-        <p:spPr>
-          <a:ln/>
-        </p:spPr>
-        <p:txBody>
-          <a:bodyPr/>
-          <a:lstStyle/>
-          <a:p>
-            <a:fld id="{D75D9CB6-A154-4961-BE96-B8A670095A3E}" type="datetime1">
-              <a:rPr lang="en-US"/>
-              <a:pPr/>
-              <a:t>2/19/2013</a:t>
-            </a:fld>
-            <a:endParaRPr lang="en-US"/>
-          </a:p>
-        </p:txBody>
-      </p:sp>
-      <p:sp>
-        <p:nvSpPr>
-          <p:cNvPr id="6" name="Rectangle 6"/>
-          <p:cNvSpPr>
-            <a:spLocks noGrp="1" noChangeArrowheads="1"/>
-          </p:cNvSpPr>
-          <p:nvPr>
-            <p:ph type="ftr" sz="quarter" idx="4"/>
-          </p:nvPr>
-        </p:nvSpPr>
-        <p:spPr>
-          <a:ln/>
-        </p:spPr>
-        <p:txBody>
-          <a:bodyPr/>
-          <a:lstStyle/>
-          <a:p>
-            <a:r>
-              <a:rPr lang="en-US"/>
-              <a:t>xxxxxxxxxxxxx</a:t>
-            </a:r>
-          </a:p>
-        </p:txBody>
-      </p:sp>
-      <p:sp>
-        <p:nvSpPr>
-          <p:cNvPr id="7" name="Rectangle 7"/>
-          <p:cNvSpPr>
-            <a:spLocks noGrp="1" noChangeArrowheads="1"/>
-          </p:cNvSpPr>
-          <p:nvPr>
-            <p:ph type="sldNum" sz="quarter" idx="5"/>
-          </p:nvPr>
-        </p:nvSpPr>
-        <p:spPr>
-          <a:ln/>
-        </p:spPr>
-        <p:txBody>
-          <a:bodyPr/>
-          <a:lstStyle/>
-          <a:p>
-            <a:fld id="{9670D17F-B3A3-4718-8A92-DA29315C8C76}" type="slidenum">
-              <a:rPr lang="en-US"/>
-              <a:pPr/>
-              <a:t>2</a:t>
-            </a:fld>
-            <a:endParaRPr lang="en-US"/>
-          </a:p>
-        </p:txBody>
-      </p:sp>
-      <p:sp>
-        <p:nvSpPr>
-          <p:cNvPr id="183298" name="Rectangle 2"/>
-          <p:cNvSpPr>
-            <a:spLocks noRot="1" noChangeArrowheads="1" noTextEdit="1"/>
-          </p:cNvSpPr>
-          <p:nvPr>
-            <p:ph type="sldImg"/>
-          </p:nvPr>
-        </p:nvSpPr>
-        <p:spPr>
-          <a:ln/>
-        </p:spPr>
-      </p:sp>
-      <p:sp>
-        <p:nvSpPr>
-          <p:cNvPr id="183299" name="Rectangle 3"/>
-          <p:cNvSpPr>
-            <a:spLocks noGrp="1" noChangeArrowheads="1"/>
-          </p:cNvSpPr>
-          <p:nvPr>
-            <p:ph type="body" idx="1"/>
-          </p:nvPr>
-        </p:nvSpPr>
-        <p:spPr/>
-        <p:txBody>
-          <a:bodyPr/>
-          <a:lstStyle/>
-          <a:p>
-            <a:endParaRPr lang="nl-NL"/>
-          </a:p>
-        </p:txBody>
-      </p:sp>
-    </p:spTree>
-  </p:cSld>
-  <p:clrMapOvr>
-    <a:masterClrMapping/>
-  </p:clrMapOvr>
-</p:notes>
-</file>
-
-<file path=ppt/notesSlides/notesSlide3.xml><?xml version="1.0" encoding="utf-8"?>
-<p:notes xmlns:a="http://schemas.openxmlformats.org/drawingml/2006/main" xmlns:r="http://schemas.openxmlformats.org/officeDocument/2006/relationships" xmlns:p="http://schemas.openxmlformats.org/presentationml/2006/main">
-  <p:cSld>
-    <p:spTree>
-      <p:nvGrpSpPr>
-        <p:cNvPr id="1" name=""/>
-        <p:cNvGrpSpPr/>
-        <p:nvPr/>
-      </p:nvGrpSpPr>
-      <p:grpSpPr>
-        <a:xfrm>
-          <a:off x="0" y="0"/>
-          <a:ext cx="0" cy="0"/>
-          <a:chOff x="0" y="0"/>
-          <a:chExt cx="0" cy="0"/>
-        </a:xfrm>
-      </p:grpSpPr>
-      <p:sp>
-        <p:nvSpPr>
-          <p:cNvPr id="4" name="Rectangle 2"/>
-          <p:cNvSpPr>
-            <a:spLocks noGrp="1" noChangeArrowheads="1"/>
-          </p:cNvSpPr>
-          <p:nvPr>
-            <p:ph type="hdr" sz="quarter"/>
-          </p:nvPr>
-        </p:nvSpPr>
-        <p:spPr>
-          <a:ln/>
-        </p:spPr>
-        <p:txBody>
-          <a:bodyPr/>
-          <a:lstStyle/>
-          <a:p>
-            <a:r>
-              <a:rPr lang="en-US"/>
-              <a:t>xxxxxxxxxxxxxxx</a:t>
-            </a:r>
-          </a:p>
-        </p:txBody>
-      </p:sp>
-      <p:sp>
-        <p:nvSpPr>
-          <p:cNvPr id="5" name="Rectangle 3"/>
-          <p:cNvSpPr>
-            <a:spLocks noGrp="1" noChangeArrowheads="1"/>
-          </p:cNvSpPr>
-          <p:nvPr>
-            <p:ph type="dt" idx="1"/>
-          </p:nvPr>
-        </p:nvSpPr>
-        <p:spPr>
-          <a:ln/>
-        </p:spPr>
-        <p:txBody>
-          <a:bodyPr/>
-          <a:lstStyle/>
-          <a:p>
-            <a:fld id="{FE64602E-BCD2-4C79-9F9B-2C05BD27637D}" type="datetime1">
-              <a:rPr lang="en-US"/>
-              <a:pPr/>
-              <a:t>2/19/2013</a:t>
-            </a:fld>
-            <a:endParaRPr lang="en-US"/>
-          </a:p>
-        </p:txBody>
-      </p:sp>
-      <p:sp>
-        <p:nvSpPr>
-          <p:cNvPr id="6" name="Rectangle 6"/>
-          <p:cNvSpPr>
-            <a:spLocks noGrp="1" noChangeArrowheads="1"/>
-          </p:cNvSpPr>
-          <p:nvPr>
-            <p:ph type="ftr" sz="quarter" idx="4"/>
-          </p:nvPr>
-        </p:nvSpPr>
-        <p:spPr>
-          <a:ln/>
-        </p:spPr>
-        <p:txBody>
-          <a:bodyPr/>
-          <a:lstStyle/>
-          <a:p>
-            <a:r>
-              <a:rPr lang="en-US"/>
-              <a:t>xxxxxxxxxxxxx</a:t>
-            </a:r>
-          </a:p>
-        </p:txBody>
-      </p:sp>
-      <p:sp>
-        <p:nvSpPr>
-          <p:cNvPr id="7" name="Rectangle 7"/>
-          <p:cNvSpPr>
-            <a:spLocks noGrp="1" noChangeArrowheads="1"/>
-          </p:cNvSpPr>
-          <p:nvPr>
-            <p:ph type="sldNum" sz="quarter" idx="5"/>
-          </p:nvPr>
-        </p:nvSpPr>
-        <p:spPr>
-          <a:ln/>
-        </p:spPr>
-        <p:txBody>
-          <a:bodyPr/>
-          <a:lstStyle/>
-          <a:p>
-            <a:fld id="{CDD309D1-08CF-441E-9DB4-960ECFE49892}" type="slidenum">
-              <a:rPr lang="en-US"/>
-              <a:pPr/>
-              <a:t>3</a:t>
-            </a:fld>
-            <a:endParaRPr lang="en-US"/>
-          </a:p>
-        </p:txBody>
-      </p:sp>
-      <p:sp>
-        <p:nvSpPr>
-          <p:cNvPr id="184322" name="Rectangle 2"/>
-          <p:cNvSpPr>
-            <a:spLocks noRot="1" noChangeArrowheads="1" noTextEdit="1"/>
-          </p:cNvSpPr>
-          <p:nvPr>
-            <p:ph type="sldImg"/>
-          </p:nvPr>
-        </p:nvSpPr>
-        <p:spPr>
-          <a:ln/>
-        </p:spPr>
-      </p:sp>
-      <p:sp>
-        <p:nvSpPr>
-          <p:cNvPr id="184323" name="Rectangle 3"/>
-          <p:cNvSpPr>
-            <a:spLocks noGrp="1" noChangeArrowheads="1"/>
-          </p:cNvSpPr>
-          <p:nvPr>
-            <p:ph type="body" idx="1"/>
-          </p:nvPr>
-        </p:nvSpPr>
-        <p:spPr/>
-        <p:txBody>
-          <a:bodyPr/>
-          <a:lstStyle/>
-          <a:p>
-            <a:endParaRPr lang="nl-NL"/>
-          </a:p>
-        </p:txBody>
-      </p:sp>
-    </p:spTree>
-  </p:cSld>
-  <p:clrMapOvr>
-    <a:masterClrMapping/>
-  </p:clrMapOvr>
-</p:notes>
-</file>
-
-<file path=ppt/notesSlides/notesSlide4.xml><?xml version="1.0" encoding="utf-8"?>
-<p:notes xmlns:a="http://schemas.openxmlformats.org/drawingml/2006/main" xmlns:r="http://schemas.openxmlformats.org/officeDocument/2006/relationships" xmlns:p="http://schemas.openxmlformats.org/presentationml/2006/main">
-  <p:cSld>
-    <p:spTree>
-      <p:nvGrpSpPr>
-        <p:cNvPr id="1" name=""/>
-        <p:cNvGrpSpPr/>
-        <p:nvPr/>
-      </p:nvGrpSpPr>
-      <p:grpSpPr>
-        <a:xfrm>
-          <a:off x="0" y="0"/>
-          <a:ext cx="0" cy="0"/>
-          <a:chOff x="0" y="0"/>
-          <a:chExt cx="0" cy="0"/>
-        </a:xfrm>
-      </p:grpSpPr>
-      <p:sp>
-        <p:nvSpPr>
-          <p:cNvPr id="4" name="Rectangle 2"/>
-          <p:cNvSpPr>
-            <a:spLocks noGrp="1" noChangeArrowheads="1"/>
-          </p:cNvSpPr>
-          <p:nvPr>
-            <p:ph type="hdr" sz="quarter"/>
-          </p:nvPr>
-        </p:nvSpPr>
-        <p:spPr>
-          <a:ln/>
-        </p:spPr>
-        <p:txBody>
-          <a:bodyPr/>
-          <a:lstStyle/>
-          <a:p>
-            <a:r>
-              <a:rPr lang="en-US"/>
-              <a:t>xxxxxxxxxxxxxxx</a:t>
-            </a:r>
-          </a:p>
-        </p:txBody>
-      </p:sp>
-      <p:sp>
-        <p:nvSpPr>
-          <p:cNvPr id="5" name="Rectangle 3"/>
-          <p:cNvSpPr>
-            <a:spLocks noGrp="1" noChangeArrowheads="1"/>
-          </p:cNvSpPr>
-          <p:nvPr>
-            <p:ph type="dt" idx="1"/>
-          </p:nvPr>
-        </p:nvSpPr>
-        <p:spPr>
-          <a:ln/>
-        </p:spPr>
-        <p:txBody>
-          <a:bodyPr/>
-          <a:lstStyle/>
-          <a:p>
-            <a:fld id="{3A9285C3-5D65-4A73-97EF-F314E52DFB4D}" type="datetime1">
-              <a:rPr lang="en-US"/>
-              <a:pPr/>
-              <a:t>2/19/2013</a:t>
-            </a:fld>
-            <a:endParaRPr lang="en-US"/>
-          </a:p>
-        </p:txBody>
-      </p:sp>
-      <p:sp>
-        <p:nvSpPr>
-          <p:cNvPr id="6" name="Rectangle 6"/>
-          <p:cNvSpPr>
-            <a:spLocks noGrp="1" noChangeArrowheads="1"/>
-          </p:cNvSpPr>
-          <p:nvPr>
-            <p:ph type="ftr" sz="quarter" idx="4"/>
-          </p:nvPr>
-        </p:nvSpPr>
-        <p:spPr>
-          <a:ln/>
-        </p:spPr>
-        <p:txBody>
-          <a:bodyPr/>
-          <a:lstStyle/>
-          <a:p>
-            <a:r>
-              <a:rPr lang="en-US"/>
-              <a:t>xxxxxxxxxxxxx</a:t>
-            </a:r>
-          </a:p>
-        </p:txBody>
-      </p:sp>
-      <p:sp>
-        <p:nvSpPr>
-          <p:cNvPr id="7" name="Rectangle 7"/>
-          <p:cNvSpPr>
-            <a:spLocks noGrp="1" noChangeArrowheads="1"/>
-          </p:cNvSpPr>
-          <p:nvPr>
-            <p:ph type="sldNum" sz="quarter" idx="5"/>
-          </p:nvPr>
-        </p:nvSpPr>
-        <p:spPr>
-          <a:ln/>
-        </p:spPr>
-        <p:txBody>
-          <a:bodyPr/>
-          <a:lstStyle/>
-          <a:p>
-            <a:fld id="{228D5BC3-B994-462F-A11D-9C2A0A52EDDD}" type="slidenum">
-              <a:rPr lang="en-US"/>
-              <a:pPr/>
-              <a:t>4</a:t>
-            </a:fld>
-            <a:endParaRPr lang="en-US"/>
-          </a:p>
-        </p:txBody>
-      </p:sp>
-      <p:sp>
-        <p:nvSpPr>
-          <p:cNvPr id="185346" name="Rectangle 2"/>
-          <p:cNvSpPr>
-            <a:spLocks noRot="1" noChangeArrowheads="1" noTextEdit="1"/>
-          </p:cNvSpPr>
-          <p:nvPr>
-            <p:ph type="sldImg"/>
-          </p:nvPr>
-        </p:nvSpPr>
-        <p:spPr>
-          <a:ln/>
-        </p:spPr>
-      </p:sp>
-      <p:sp>
-        <p:nvSpPr>
-          <p:cNvPr id="185347" name="Rectangle 3"/>
-          <p:cNvSpPr>
-            <a:spLocks noGrp="1" noChangeArrowheads="1"/>
-          </p:cNvSpPr>
-          <p:nvPr>
-            <p:ph type="body" idx="1"/>
-          </p:nvPr>
-        </p:nvSpPr>
-        <p:spPr/>
-        <p:txBody>
-          <a:bodyPr/>
-          <a:lstStyle/>
-          <a:p>
-            <a:endParaRPr lang="nl-NL"/>
-          </a:p>
-        </p:txBody>
-      </p:sp>
-    </p:spTree>
-  </p:cSld>
-  <p:clrMapOvr>
-    <a:masterClrMapping/>
-  </p:clrMapOvr>
-</p:notes>
-</file>
-
-<file path=ppt/notesSlides/notesSlide5.xml><?xml version="1.0" encoding="utf-8"?>
-<p:notes xmlns:a="http://schemas.openxmlformats.org/drawingml/2006/main" xmlns:r="http://schemas.openxmlformats.org/officeDocument/2006/relationships" xmlns:p="http://schemas.openxmlformats.org/presentationml/2006/main">
-  <p:cSld>
-    <p:spTree>
-      <p:nvGrpSpPr>
-        <p:cNvPr id="1" name=""/>
-        <p:cNvGrpSpPr/>
-        <p:nvPr/>
-      </p:nvGrpSpPr>
-      <p:grpSpPr>
-        <a:xfrm>
-          <a:off x="0" y="0"/>
-          <a:ext cx="0" cy="0"/>
-          <a:chOff x="0" y="0"/>
-          <a:chExt cx="0" cy="0"/>
-        </a:xfrm>
-      </p:grpSpPr>
-      <p:sp>
-        <p:nvSpPr>
-          <p:cNvPr id="4" name="Rectangle 2"/>
-          <p:cNvSpPr>
-            <a:spLocks noGrp="1" noChangeArrowheads="1"/>
-          </p:cNvSpPr>
-          <p:nvPr>
-            <p:ph type="hdr" sz="quarter"/>
-          </p:nvPr>
-        </p:nvSpPr>
-        <p:spPr>
-          <a:ln/>
-        </p:spPr>
-        <p:txBody>
-          <a:bodyPr/>
-          <a:lstStyle/>
-          <a:p>
-            <a:r>
-              <a:rPr lang="en-US"/>
-              <a:t>xxxxxxxxxxxxxxx</a:t>
-            </a:r>
-          </a:p>
-        </p:txBody>
-      </p:sp>
-      <p:sp>
-        <p:nvSpPr>
-          <p:cNvPr id="5" name="Rectangle 3"/>
-          <p:cNvSpPr>
-            <a:spLocks noGrp="1" noChangeArrowheads="1"/>
-          </p:cNvSpPr>
-          <p:nvPr>
-            <p:ph type="dt" idx="1"/>
-          </p:nvPr>
-        </p:nvSpPr>
-        <p:spPr>
-          <a:ln/>
-        </p:spPr>
-        <p:txBody>
-          <a:bodyPr/>
-          <a:lstStyle/>
-          <a:p>
-            <a:fld id="{A4B8657F-9B7B-42B4-A71A-56C1FB299691}" type="datetime1">
-              <a:rPr lang="en-US"/>
-              <a:pPr/>
-              <a:t>2/19/2013</a:t>
-            </a:fld>
-            <a:endParaRPr lang="en-US"/>
-          </a:p>
-        </p:txBody>
-      </p:sp>
-      <p:sp>
-        <p:nvSpPr>
-          <p:cNvPr id="6" name="Rectangle 6"/>
-          <p:cNvSpPr>
-            <a:spLocks noGrp="1" noChangeArrowheads="1"/>
-          </p:cNvSpPr>
-          <p:nvPr>
-            <p:ph type="ftr" sz="quarter" idx="4"/>
-          </p:nvPr>
-        </p:nvSpPr>
-        <p:spPr>
-          <a:ln/>
-        </p:spPr>
-        <p:txBody>
-          <a:bodyPr/>
-          <a:lstStyle/>
-          <a:p>
-            <a:r>
-              <a:rPr lang="en-US"/>
-              <a:t>xxxxxxxxxxxxx</a:t>
-            </a:r>
-          </a:p>
-        </p:txBody>
-      </p:sp>
-      <p:sp>
-        <p:nvSpPr>
-          <p:cNvPr id="7" name="Rectangle 7"/>
-          <p:cNvSpPr>
-            <a:spLocks noGrp="1" noChangeArrowheads="1"/>
-          </p:cNvSpPr>
-          <p:nvPr>
-            <p:ph type="sldNum" sz="quarter" idx="5"/>
-          </p:nvPr>
-        </p:nvSpPr>
-        <p:spPr>
-          <a:ln/>
-        </p:spPr>
-        <p:txBody>
-          <a:bodyPr/>
-          <a:lstStyle/>
-          <a:p>
-            <a:fld id="{98A3F1F1-1BE1-4826-8E66-04F9BEBFBA7E}" type="slidenum">
-              <a:rPr lang="en-US"/>
-              <a:pPr/>
-              <a:t>5</a:t>
-            </a:fld>
-            <a:endParaRPr lang="en-US"/>
-          </a:p>
-        </p:txBody>
-      </p:sp>
-      <p:sp>
-        <p:nvSpPr>
-          <p:cNvPr id="186370" name="Rectangle 2"/>
-          <p:cNvSpPr>
-            <a:spLocks noRot="1" noChangeArrowheads="1" noTextEdit="1"/>
-          </p:cNvSpPr>
-          <p:nvPr>
-            <p:ph type="sldImg"/>
-          </p:nvPr>
-        </p:nvSpPr>
-        <p:spPr>
-          <a:ln/>
-        </p:spPr>
-      </p:sp>
-      <p:sp>
-        <p:nvSpPr>
-          <p:cNvPr id="186371" name="Rectangle 3"/>
-          <p:cNvSpPr>
-            <a:spLocks noGrp="1" noChangeArrowheads="1"/>
-          </p:cNvSpPr>
-          <p:nvPr>
-            <p:ph type="body" idx="1"/>
-          </p:nvPr>
-        </p:nvSpPr>
-        <p:spPr/>
-        <p:txBody>
-          <a:bodyPr/>
-          <a:lstStyle/>
-          <a:p>
-            <a:endParaRPr lang="nl-NL"/>
-          </a:p>
-        </p:txBody>
-      </p:sp>
-    </p:spTree>
-  </p:cSld>
-  <p:clrMapOvr>
-    <a:masterClrMapping/>
-  </p:clrMapOvr>
-</p:notes>
-</file>
-
-<file path=ppt/notesSlides/notesSlide6.xml><?xml version="1.0" encoding="utf-8"?>
-<p:notes xmlns:a="http://schemas.openxmlformats.org/drawingml/2006/main" xmlns:r="http://schemas.openxmlformats.org/officeDocument/2006/relationships" xmlns:p="http://schemas.openxmlformats.org/presentationml/2006/main">
-  <p:cSld>
-    <p:spTree>
-      <p:nvGrpSpPr>
-        <p:cNvPr id="1" name=""/>
-        <p:cNvGrpSpPr/>
-        <p:nvPr/>
-      </p:nvGrpSpPr>
-      <p:grpSpPr>
-        <a:xfrm>
-          <a:off x="0" y="0"/>
-          <a:ext cx="0" cy="0"/>
-          <a:chOff x="0" y="0"/>
-          <a:chExt cx="0" cy="0"/>
-        </a:xfrm>
-      </p:grpSpPr>
-      <p:sp>
-        <p:nvSpPr>
-          <p:cNvPr id="4" name="Rectangle 2"/>
-          <p:cNvSpPr>
-            <a:spLocks noGrp="1" noChangeArrowheads="1"/>
-          </p:cNvSpPr>
-          <p:nvPr>
-            <p:ph type="hdr" sz="quarter"/>
-          </p:nvPr>
-        </p:nvSpPr>
-        <p:spPr>
-          <a:ln/>
-        </p:spPr>
-        <p:txBody>
-          <a:bodyPr/>
-          <a:lstStyle/>
-          <a:p>
-            <a:r>
-              <a:rPr lang="en-US"/>
-              <a:t>xxxxxxxxxxxxxxx</a:t>
-            </a:r>
-          </a:p>
-        </p:txBody>
-      </p:sp>
-      <p:sp>
-        <p:nvSpPr>
-          <p:cNvPr id="5" name="Rectangle 3"/>
-          <p:cNvSpPr>
-            <a:spLocks noGrp="1" noChangeArrowheads="1"/>
-          </p:cNvSpPr>
-          <p:nvPr>
-            <p:ph type="dt" idx="1"/>
-          </p:nvPr>
-        </p:nvSpPr>
-        <p:spPr>
-          <a:ln/>
-        </p:spPr>
-        <p:txBody>
-          <a:bodyPr/>
-          <a:lstStyle/>
-          <a:p>
-            <a:fld id="{2A04ECD9-CD1F-48DC-A3FA-02E8247F768F}" type="datetime1">
-              <a:rPr lang="en-US"/>
-              <a:pPr/>
-              <a:t>2/19/2013</a:t>
-            </a:fld>
-            <a:endParaRPr lang="en-US"/>
-          </a:p>
-        </p:txBody>
-      </p:sp>
-      <p:sp>
-        <p:nvSpPr>
-          <p:cNvPr id="6" name="Rectangle 6"/>
-          <p:cNvSpPr>
-            <a:spLocks noGrp="1" noChangeArrowheads="1"/>
-          </p:cNvSpPr>
-          <p:nvPr>
-            <p:ph type="ftr" sz="quarter" idx="4"/>
-          </p:nvPr>
-        </p:nvSpPr>
-        <p:spPr>
-          <a:ln/>
-        </p:spPr>
-        <p:txBody>
-          <a:bodyPr/>
-          <a:lstStyle/>
-          <a:p>
-            <a:r>
-              <a:rPr lang="en-US"/>
-              <a:t>xxxxxxxxxxxxx</a:t>
-            </a:r>
-          </a:p>
-        </p:txBody>
-      </p:sp>
-      <p:sp>
-        <p:nvSpPr>
-          <p:cNvPr id="7" name="Rectangle 7"/>
-          <p:cNvSpPr>
-            <a:spLocks noGrp="1" noChangeArrowheads="1"/>
-          </p:cNvSpPr>
-          <p:nvPr>
-            <p:ph type="sldNum" sz="quarter" idx="5"/>
-          </p:nvPr>
-        </p:nvSpPr>
-        <p:spPr>
-          <a:ln/>
-        </p:spPr>
-        <p:txBody>
-          <a:bodyPr/>
-          <a:lstStyle/>
-          <a:p>
-            <a:fld id="{A54D6D3A-60B6-4E2F-96FF-5A0A1570CE34}" type="slidenum">
-              <a:rPr lang="en-US"/>
-              <a:pPr/>
-              <a:t>6</a:t>
-            </a:fld>
-            <a:endParaRPr lang="en-US"/>
-          </a:p>
-        </p:txBody>
-      </p:sp>
-      <p:sp>
-        <p:nvSpPr>
-          <p:cNvPr id="187394" name="Rectangle 2"/>
-          <p:cNvSpPr>
-            <a:spLocks noRot="1" noChangeArrowheads="1" noTextEdit="1"/>
-          </p:cNvSpPr>
-          <p:nvPr>
-            <p:ph type="sldImg"/>
-          </p:nvPr>
-        </p:nvSpPr>
-        <p:spPr>
-          <a:ln/>
-        </p:spPr>
-      </p:sp>
-      <p:sp>
-        <p:nvSpPr>
-          <p:cNvPr id="187395" name="Rectangle 3"/>
-          <p:cNvSpPr>
-            <a:spLocks noGrp="1" noChangeArrowheads="1"/>
-          </p:cNvSpPr>
-          <p:nvPr>
-            <p:ph type="body" idx="1"/>
-          </p:nvPr>
-        </p:nvSpPr>
-        <p:spPr/>
-        <p:txBody>
-          <a:bodyPr/>
-          <a:lstStyle/>
-          <a:p>
-            <a:endParaRPr lang="nl-NL"/>
-          </a:p>
-        </p:txBody>
-      </p:sp>
-    </p:spTree>
-  </p:cSld>
-  <p:clrMapOvr>
-    <a:masterClrMapping/>
-  </p:clrMapOvr>
-</p:notes>
-</file>
-
-<file path=ppt/notesSlides/notesSlide7.xml><?xml version="1.0" encoding="utf-8"?>
-<p:notes xmlns:a="http://schemas.openxmlformats.org/drawingml/2006/main" xmlns:r="http://schemas.openxmlformats.org/officeDocument/2006/relationships" xmlns:p="http://schemas.openxmlformats.org/presentationml/2006/main">
-  <p:cSld>
-    <p:spTree>
-      <p:nvGrpSpPr>
-        <p:cNvPr id="1" name=""/>
-        <p:cNvGrpSpPr/>
-        <p:nvPr/>
-      </p:nvGrpSpPr>
-      <p:grpSpPr>
-        <a:xfrm>
-          <a:off x="0" y="0"/>
-          <a:ext cx="0" cy="0"/>
-          <a:chOff x="0" y="0"/>
-          <a:chExt cx="0" cy="0"/>
-        </a:xfrm>
-      </p:grpSpPr>
-      <p:sp>
-        <p:nvSpPr>
-          <p:cNvPr id="4" name="Rectangle 2"/>
-          <p:cNvSpPr>
-            <a:spLocks noGrp="1" noChangeArrowheads="1"/>
-          </p:cNvSpPr>
-          <p:nvPr>
-            <p:ph type="hdr" sz="quarter"/>
-          </p:nvPr>
-        </p:nvSpPr>
-        <p:spPr>
-          <a:ln/>
-        </p:spPr>
-        <p:txBody>
-          <a:bodyPr/>
-          <a:lstStyle/>
-          <a:p>
-            <a:r>
-              <a:rPr lang="en-US"/>
-              <a:t>xxxxxxxxxxxxxxx</a:t>
-            </a:r>
-          </a:p>
-        </p:txBody>
-      </p:sp>
-      <p:sp>
-        <p:nvSpPr>
-          <p:cNvPr id="5" name="Rectangle 3"/>
-          <p:cNvSpPr>
-            <a:spLocks noGrp="1" noChangeArrowheads="1"/>
-          </p:cNvSpPr>
-          <p:nvPr>
-            <p:ph type="dt" idx="1"/>
-          </p:nvPr>
-        </p:nvSpPr>
-        <p:spPr>
-          <a:ln/>
-        </p:spPr>
-        <p:txBody>
-          <a:bodyPr/>
-          <a:lstStyle/>
-          <a:p>
-            <a:fld id="{44D02D24-DF92-4868-A617-AFB17E64FD83}" type="datetime1">
-              <a:rPr lang="en-US"/>
-              <a:pPr/>
-              <a:t>2/19/2013</a:t>
-            </a:fld>
-            <a:endParaRPr lang="en-US"/>
-          </a:p>
-        </p:txBody>
-      </p:sp>
-      <p:sp>
-        <p:nvSpPr>
-          <p:cNvPr id="6" name="Rectangle 6"/>
-          <p:cNvSpPr>
-            <a:spLocks noGrp="1" noChangeArrowheads="1"/>
-          </p:cNvSpPr>
-          <p:nvPr>
-            <p:ph type="ftr" sz="quarter" idx="4"/>
-          </p:nvPr>
-        </p:nvSpPr>
-        <p:spPr>
-          <a:ln/>
-        </p:spPr>
-        <p:txBody>
-          <a:bodyPr/>
-          <a:lstStyle/>
-          <a:p>
-            <a:r>
-              <a:rPr lang="en-US"/>
-              <a:t>xxxxxxxxxxxxx</a:t>
-            </a:r>
-          </a:p>
-        </p:txBody>
-      </p:sp>
-      <p:sp>
-        <p:nvSpPr>
-          <p:cNvPr id="7" name="Rectangle 7"/>
-          <p:cNvSpPr>
-            <a:spLocks noGrp="1" noChangeArrowheads="1"/>
-          </p:cNvSpPr>
-          <p:nvPr>
-            <p:ph type="sldNum" sz="quarter" idx="5"/>
-          </p:nvPr>
-        </p:nvSpPr>
-        <p:spPr>
-          <a:ln/>
-        </p:spPr>
-        <p:txBody>
-          <a:bodyPr/>
-          <a:lstStyle/>
-          <a:p>
-            <a:fld id="{1CE20ECD-122A-431E-9180-D0AF6053AA97}" type="slidenum">
-              <a:rPr lang="en-US"/>
-              <a:pPr/>
-              <a:t>7</a:t>
-            </a:fld>
-            <a:endParaRPr lang="en-US"/>
-          </a:p>
-        </p:txBody>
-      </p:sp>
-      <p:sp>
-        <p:nvSpPr>
-          <p:cNvPr id="188418" name="Rectangle 2"/>
-          <p:cNvSpPr>
-            <a:spLocks noRot="1" noChangeArrowheads="1" noTextEdit="1"/>
-          </p:cNvSpPr>
-          <p:nvPr>
-            <p:ph type="sldImg"/>
-          </p:nvPr>
-        </p:nvSpPr>
-        <p:spPr>
-          <a:ln/>
-        </p:spPr>
-      </p:sp>
-      <p:sp>
-        <p:nvSpPr>
-          <p:cNvPr id="188419" name="Rectangle 3"/>
-          <p:cNvSpPr>
-            <a:spLocks noGrp="1" noChangeArrowheads="1"/>
-          </p:cNvSpPr>
-          <p:nvPr>
-            <p:ph type="body" idx="1"/>
-          </p:nvPr>
-        </p:nvSpPr>
-        <p:spPr/>
-        <p:txBody>
-          <a:bodyPr/>
-          <a:lstStyle/>
-          <a:p>
-            <a:endParaRPr lang="nl-NL"/>
-          </a:p>
-        </p:txBody>
-      </p:sp>
-    </p:spTree>
-  </p:cSld>
-  <p:clrMapOvr>
-    <a:masterClrMapping/>
-  </p:clrMapOvr>
-</p:notes>
-</file>
-
-<file path=ppt/notesSlides/notesSlide8.xml><?xml version="1.0" encoding="utf-8"?>
-<p:notes xmlns:a="http://schemas.openxmlformats.org/drawingml/2006/main" xmlns:r="http://schemas.openxmlformats.org/officeDocument/2006/relationships" xmlns:p="http://schemas.openxmlformats.org/presentationml/2006/main">
-  <p:cSld>
-    <p:spTree>
-      <p:nvGrpSpPr>
-        <p:cNvPr id="1" name=""/>
-        <p:cNvGrpSpPr/>
-        <p:nvPr/>
-      </p:nvGrpSpPr>
-      <p:grpSpPr>
-        <a:xfrm>
-          <a:off x="0" y="0"/>
-          <a:ext cx="0" cy="0"/>
-          <a:chOff x="0" y="0"/>
-          <a:chExt cx="0" cy="0"/>
-        </a:xfrm>
-      </p:grpSpPr>
-      <p:sp>
-        <p:nvSpPr>
-          <p:cNvPr id="4" name="Rectangle 2"/>
-          <p:cNvSpPr>
-            <a:spLocks noGrp="1" noChangeArrowheads="1"/>
-          </p:cNvSpPr>
-          <p:nvPr>
-            <p:ph type="hdr" sz="quarter"/>
-          </p:nvPr>
-        </p:nvSpPr>
-        <p:spPr>
-          <a:ln/>
-        </p:spPr>
-        <p:txBody>
-          <a:bodyPr/>
-          <a:lstStyle/>
-          <a:p>
-            <a:r>
-              <a:rPr lang="en-US"/>
-              <a:t>xxxxxxxxxxxxxxx</a:t>
-            </a:r>
-          </a:p>
-        </p:txBody>
-      </p:sp>
-      <p:sp>
-        <p:nvSpPr>
-          <p:cNvPr id="5" name="Rectangle 3"/>
-          <p:cNvSpPr>
-            <a:spLocks noGrp="1" noChangeArrowheads="1"/>
-          </p:cNvSpPr>
-          <p:nvPr>
-            <p:ph type="dt" idx="1"/>
-          </p:nvPr>
-        </p:nvSpPr>
-        <p:spPr>
-          <a:ln/>
-        </p:spPr>
-        <p:txBody>
-          <a:bodyPr/>
-          <a:lstStyle/>
-          <a:p>
-            <a:fld id="{65156C2C-AC52-4106-9D3A-30D2E7496094}" type="datetime1">
-              <a:rPr lang="en-US"/>
-              <a:pPr/>
-              <a:t>2/19/2013</a:t>
-            </a:fld>
-            <a:endParaRPr lang="en-US"/>
-          </a:p>
-        </p:txBody>
-      </p:sp>
-      <p:sp>
-        <p:nvSpPr>
-          <p:cNvPr id="6" name="Rectangle 6"/>
-          <p:cNvSpPr>
-            <a:spLocks noGrp="1" noChangeArrowheads="1"/>
-          </p:cNvSpPr>
-          <p:nvPr>
-            <p:ph type="ftr" sz="quarter" idx="4"/>
-          </p:nvPr>
-        </p:nvSpPr>
-        <p:spPr>
-          <a:ln/>
-        </p:spPr>
-        <p:txBody>
-          <a:bodyPr/>
-          <a:lstStyle/>
-          <a:p>
-            <a:r>
-              <a:rPr lang="en-US"/>
-              <a:t>xxxxxxxxxxxxx</a:t>
-            </a:r>
-          </a:p>
-        </p:txBody>
-      </p:sp>
-      <p:sp>
-        <p:nvSpPr>
-          <p:cNvPr id="7" name="Rectangle 7"/>
-          <p:cNvSpPr>
-            <a:spLocks noGrp="1" noChangeArrowheads="1"/>
-          </p:cNvSpPr>
-          <p:nvPr>
-            <p:ph type="sldNum" sz="quarter" idx="5"/>
-          </p:nvPr>
-        </p:nvSpPr>
-        <p:spPr>
-          <a:ln/>
-        </p:spPr>
-        <p:txBody>
-          <a:bodyPr/>
-          <a:lstStyle/>
-          <a:p>
-            <a:fld id="{22015A77-993A-47B7-8DFA-A8FC7083A1A9}" type="slidenum">
-              <a:rPr lang="en-US"/>
-              <a:pPr/>
-              <a:t>8</a:t>
-            </a:fld>
-            <a:endParaRPr lang="en-US"/>
-          </a:p>
-        </p:txBody>
-      </p:sp>
-      <p:sp>
-        <p:nvSpPr>
-          <p:cNvPr id="189442" name="Rectangle 2"/>
-          <p:cNvSpPr>
-            <a:spLocks noRot="1" noChangeArrowheads="1" noTextEdit="1"/>
-          </p:cNvSpPr>
-          <p:nvPr>
-            <p:ph type="sldImg"/>
-          </p:nvPr>
-        </p:nvSpPr>
-        <p:spPr>
-          <a:ln/>
-        </p:spPr>
-      </p:sp>
-      <p:sp>
-        <p:nvSpPr>
-          <p:cNvPr id="189443" name="Rectangle 3"/>
-          <p:cNvSpPr>
-            <a:spLocks noGrp="1" noChangeArrowheads="1"/>
-          </p:cNvSpPr>
-          <p:nvPr>
-            <p:ph type="body" idx="1"/>
-          </p:nvPr>
-        </p:nvSpPr>
-        <p:spPr/>
-        <p:txBody>
-          <a:bodyPr/>
-          <a:lstStyle/>
-          <a:p>
-            <a:endParaRPr lang="nl-NL"/>
-          </a:p>
-        </p:txBody>
-      </p:sp>
-    </p:spTree>
-  </p:cSld>
-  <p:clrMapOvr>
-    <a:masterClrMapping/>
-  </p:clrMapOvr>
-</p:notes>
-</file>
-
-<file path=ppt/notesSlides/notesSlide9.xml><?xml version="1.0" encoding="utf-8"?>
-<p:notes xmlns:a="http://schemas.openxmlformats.org/drawingml/2006/main" xmlns:r="http://schemas.openxmlformats.org/officeDocument/2006/relationships" xmlns:p="http://schemas.openxmlformats.org/presentationml/2006/main">
-  <p:cSld>
-    <p:spTree>
-      <p:nvGrpSpPr>
-        <p:cNvPr id="1" name=""/>
-        <p:cNvGrpSpPr/>
-        <p:nvPr/>
-      </p:nvGrpSpPr>
-      <p:grpSpPr>
-        <a:xfrm>
-          <a:off x="0" y="0"/>
-          <a:ext cx="0" cy="0"/>
-          <a:chOff x="0" y="0"/>
-          <a:chExt cx="0" cy="0"/>
-        </a:xfrm>
-      </p:grpSpPr>
-      <p:sp>
-        <p:nvSpPr>
-          <p:cNvPr id="4" name="Rectangle 2"/>
-          <p:cNvSpPr>
-            <a:spLocks noGrp="1" noChangeArrowheads="1"/>
-          </p:cNvSpPr>
-          <p:nvPr>
-            <p:ph type="hdr" sz="quarter"/>
-          </p:nvPr>
-        </p:nvSpPr>
-        <p:spPr>
-          <a:ln/>
-        </p:spPr>
-        <p:txBody>
-          <a:bodyPr/>
-          <a:lstStyle/>
-          <a:p>
-            <a:r>
-              <a:rPr lang="en-US"/>
-              <a:t>xxxxxxxxxxxxxxx</a:t>
-            </a:r>
-          </a:p>
-        </p:txBody>
-      </p:sp>
-      <p:sp>
-        <p:nvSpPr>
-          <p:cNvPr id="5" name="Rectangle 3"/>
-          <p:cNvSpPr>
-            <a:spLocks noGrp="1" noChangeArrowheads="1"/>
-          </p:cNvSpPr>
-          <p:nvPr>
-            <p:ph type="dt" idx="1"/>
-          </p:nvPr>
-        </p:nvSpPr>
-        <p:spPr>
-          <a:ln/>
-        </p:spPr>
-        <p:txBody>
-          <a:bodyPr/>
-          <a:lstStyle/>
-          <a:p>
-            <a:fld id="{6D2115F2-323E-4739-AAA5-A0527194E8D9}" type="datetime1">
-              <a:rPr lang="en-US"/>
-              <a:pPr/>
-              <a:t>2/19/2013</a:t>
-            </a:fld>
-            <a:endParaRPr lang="en-US"/>
-          </a:p>
-        </p:txBody>
-      </p:sp>
-      <p:sp>
-        <p:nvSpPr>
-          <p:cNvPr id="6" name="Rectangle 6"/>
-          <p:cNvSpPr>
-            <a:spLocks noGrp="1" noChangeArrowheads="1"/>
-          </p:cNvSpPr>
-          <p:nvPr>
-            <p:ph type="ftr" sz="quarter" idx="4"/>
-          </p:nvPr>
-        </p:nvSpPr>
-        <p:spPr>
-          <a:ln/>
-        </p:spPr>
-        <p:txBody>
-          <a:bodyPr/>
-          <a:lstStyle/>
-          <a:p>
-            <a:r>
-              <a:rPr lang="en-US"/>
-              <a:t>xxxxxxxxxxxxx</a:t>
-            </a:r>
-          </a:p>
-        </p:txBody>
-      </p:sp>
-      <p:sp>
-        <p:nvSpPr>
-          <p:cNvPr id="7" name="Rectangle 7"/>
-          <p:cNvSpPr>
-            <a:spLocks noGrp="1" noChangeArrowheads="1"/>
-          </p:cNvSpPr>
-          <p:nvPr>
-            <p:ph type="sldNum" sz="quarter" idx="5"/>
-          </p:nvPr>
-        </p:nvSpPr>
-        <p:spPr>
-          <a:ln/>
-        </p:spPr>
-        <p:txBody>
-          <a:bodyPr/>
-          <a:lstStyle/>
-          <a:p>
-            <a:fld id="{AD2C158C-A258-478D-9F91-4BA9D35DE1F3}" type="slidenum">
-              <a:rPr lang="en-US"/>
-              <a:pPr/>
-              <a:t>9</a:t>
-            </a:fld>
-            <a:endParaRPr lang="en-US"/>
-          </a:p>
-        </p:txBody>
-      </p:sp>
-      <p:sp>
-        <p:nvSpPr>
-          <p:cNvPr id="190466" name="Rectangle 2"/>
-          <p:cNvSpPr>
-            <a:spLocks noRot="1" noChangeArrowheads="1" noTextEdit="1"/>
-          </p:cNvSpPr>
-          <p:nvPr>
-            <p:ph type="sldImg"/>
-          </p:nvPr>
-        </p:nvSpPr>
-        <p:spPr>
-          <a:ln/>
-        </p:spPr>
-      </p:sp>
-      <p:sp>
-        <p:nvSpPr>
-          <p:cNvPr id="190467" name="Rectangle 3"/>
-          <p:cNvSpPr>
-            <a:spLocks noGrp="1" noChangeArrowheads="1"/>
-          </p:cNvSpPr>
-          <p:nvPr>
-            <p:ph type="body" idx="1"/>
-          </p:nvPr>
-        </p:nvSpPr>
-        <p:spPr/>
-        <p:txBody>
-          <a:bodyPr/>
-          <a:lstStyle/>
-          <a:p>
-            <a:endParaRPr lang="nl-NL"/>
-          </a:p>
-        </p:txBody>
-      </p:sp>
-    </p:spTree>
+    <p:extLst>
+      <p:ext uri="{BB962C8B-B14F-4D97-AF65-F5344CB8AC3E}">
+        <p14:creationId xmlns:p14="http://schemas.microsoft.com/office/powerpoint/2010/main" val="3656171195"/>
+      </p:ext>
+    </p:extLst>
   </p:cSld>
   <p:clrMapOvr>
     <a:masterClrMapping/>
@@ -2671,7 +1136,7 @@
             <a:fld id="{93F21019-3A00-48AC-9663-40DF67A83229}" type="datetime1">
               <a:rPr lang="en-US"/>
               <a:pPr/>
-              <a:t>2/19/2013</a:t>
+              <a:t>12/12/2018</a:t>
             </a:fld>
             <a:endParaRPr lang="en-US">
               <a:solidFill>
@@ -2857,7 +1322,7 @@
             <a:fld id="{8B2EF9C8-0AC3-4A53-9A61-1834A571F420}" type="datetime1">
               <a:rPr lang="en-US"/>
               <a:pPr/>
-              <a:t>2/19/2013</a:t>
+              <a:t>12/12/2018</a:t>
             </a:fld>
             <a:endParaRPr lang="en-US" sz="1400">
               <a:solidFill>
@@ -3054,7 +1519,7 @@
             <a:fld id="{F02960F3-A385-4905-A491-FDC17E063DD1}" type="datetime1">
               <a:rPr lang="en-US"/>
               <a:pPr/>
-              <a:t>2/19/2013</a:t>
+              <a:t>12/12/2018</a:t>
             </a:fld>
             <a:endParaRPr lang="en-US" sz="1400">
               <a:solidFill>
@@ -3313,7 +1778,7 @@
             <a:fld id="{CD3AD70A-8E2A-47B5-AC18-ABBB5A8E737D}" type="datetime1">
               <a:rPr lang="en-US"/>
               <a:pPr/>
-              <a:t>2/19/2013</a:t>
+              <a:t>12/12/2018</a:t>
             </a:fld>
             <a:endParaRPr lang="en-US" sz="1400">
               <a:solidFill>
@@ -3549,7 +2014,7 @@
             <a:fld id="{07008C2E-9BD6-496B-BFC3-B4A975EBC85E}" type="datetime1">
               <a:rPr lang="en-US"/>
               <a:pPr/>
-              <a:t>2/19/2013</a:t>
+              <a:t>12/12/2018</a:t>
             </a:fld>
             <a:endParaRPr lang="en-US" sz="1400">
               <a:solidFill>
@@ -3728,7 +2193,7 @@
             <a:fld id="{1AA2C3CF-866C-4FDE-B76D-4E9536901630}" type="datetime1">
               <a:rPr lang="en-US"/>
               <a:pPr/>
-              <a:t>2/19/2013</a:t>
+              <a:t>12/12/2018</a:t>
             </a:fld>
             <a:endParaRPr lang="en-US" sz="1400">
               <a:solidFill>
@@ -3907,7 +2372,7 @@
             <a:fld id="{555EE259-FE08-4558-B721-B189FFE77284}" type="datetime1">
               <a:rPr lang="en-US"/>
               <a:pPr/>
-              <a:t>2/19/2013</a:t>
+              <a:t>12/12/2018</a:t>
             </a:fld>
             <a:endParaRPr lang="en-US" sz="1400">
               <a:solidFill>
@@ -4176,7 +2641,7 @@
             <a:fld id="{0AF4064E-5624-49AB-B7C6-E301A8F6B1FF}" type="datetime1">
               <a:rPr lang="en-US"/>
               <a:pPr/>
-              <a:t>2/19/2013</a:t>
+              <a:t>12/12/2018</a:t>
             </a:fld>
             <a:endParaRPr lang="en-US" sz="1400">
               <a:solidFill>
@@ -4373,7 +2838,7 @@
             <a:fld id="{CBC97FCD-6C54-4833-B032-BFBCDFA8379D}" type="datetime1">
               <a:rPr lang="en-US"/>
               <a:pPr/>
-              <a:t>2/19/2013</a:t>
+              <a:t>12/12/2018</a:t>
             </a:fld>
             <a:endParaRPr lang="en-US" sz="1400">
               <a:solidFill>
@@ -4582,7 +3047,7 @@
             <a:fld id="{F04AA577-515A-431F-98B6-3B03494ABB11}" type="datetime1">
               <a:rPr lang="en-US"/>
               <a:pPr/>
-              <a:t>2/19/2013</a:t>
+              <a:t>12/12/2018</a:t>
             </a:fld>
             <a:endParaRPr lang="en-US" sz="1400">
               <a:solidFill>
@@ -4887,7 +3352,7 @@
             <a:fld id="{6475F1A4-C474-4345-A800-2F40B0E4E70C}" type="datetime1">
               <a:rPr lang="en-US"/>
               <a:pPr/>
-              <a:t>2/19/2013</a:t>
+              <a:t>12/12/2018</a:t>
             </a:fld>
             <a:endParaRPr lang="en-US" sz="1400">
               <a:solidFill>
@@ -5331,7 +3796,7 @@
             <a:fld id="{7BA535AB-820E-4207-9DA8-5F37106C7AF4}" type="datetime1">
               <a:rPr lang="en-US"/>
               <a:pPr/>
-              <a:t>2/19/2013</a:t>
+              <a:t>12/12/2018</a:t>
             </a:fld>
             <a:endParaRPr lang="en-US" sz="1400">
               <a:solidFill>
@@ -5466,7 +3931,7 @@
             <a:fld id="{0A7E69FA-D7EE-42C0-9117-1971B541885F}" type="datetime1">
               <a:rPr lang="en-US"/>
               <a:pPr/>
-              <a:t>2/19/2013</a:t>
+              <a:t>12/12/2018</a:t>
             </a:fld>
             <a:endParaRPr lang="en-US" sz="1400">
               <a:solidFill>
@@ -5578,7 +4043,7 @@
             <a:fld id="{10D7644E-1B5D-4325-BA79-338DF2B89B56}" type="datetime1">
               <a:rPr lang="en-US"/>
               <a:pPr/>
-              <a:t>2/19/2013</a:t>
+              <a:t>12/12/2018</a:t>
             </a:fld>
             <a:endParaRPr lang="en-US" sz="1400">
               <a:solidFill>
@@ -5872,7 +4337,7 @@
             <a:fld id="{B790C882-0B74-4932-8998-E9ABB8AF1740}" type="datetime1">
               <a:rPr lang="en-US"/>
               <a:pPr/>
-              <a:t>2/19/2013</a:t>
+              <a:t>12/12/2018</a:t>
             </a:fld>
             <a:endParaRPr lang="en-US" sz="1400">
               <a:solidFill>
@@ -6142,7 +4607,7 @@
             <a:fld id="{9DC585DC-AE7D-44C1-90AB-C3A391DEA065}" type="datetime1">
               <a:rPr lang="en-US"/>
               <a:pPr/>
-              <a:t>2/19/2013</a:t>
+              <a:t>12/12/2018</a:t>
             </a:fld>
             <a:endParaRPr lang="en-US" sz="1400">
               <a:solidFill>
@@ -6406,7 +4871,7 @@
             <a:fld id="{256CE565-1940-4E5F-9190-C0815CEAAA9D}" type="datetime1">
               <a:rPr lang="en-US"/>
               <a:pPr/>
-              <a:t>2/19/2013</a:t>
+              <a:t>12/12/2018</a:t>
             </a:fld>
             <a:endParaRPr lang="en-US"/>
           </a:p>
@@ -6976,15 +5441,68 @@
             <p:ph type="ctrTitle"/>
           </p:nvPr>
         </p:nvSpPr>
-        <p:spPr/>
+        <p:spPr>
+          <a:xfrm>
+            <a:off x="1798638" y="2286000"/>
+            <a:ext cx="6583362" cy="2185214"/>
+          </a:xfrm>
+        </p:spPr>
         <p:txBody>
           <a:bodyPr/>
           <a:lstStyle/>
           <a:p>
             <a:r>
-              <a:rPr lang="en-US"/>
-              <a:t>HU powerpoint-presentatie</a:t>
-            </a:r>
+              <a:rPr lang="en-US" dirty="0" smtClean="0"/>
+              <a:t>Data-driven learning</a:t>
+            </a:r>
+            <a:br>
+              <a:rPr lang="en-US" dirty="0" smtClean="0"/>
+            </a:br>
+            <a:r>
+              <a:rPr lang="en-US" sz="2400" dirty="0" smtClean="0"/>
+              <a:t>W6 L1:</a:t>
+            </a:r>
+            <a:r>
+              <a:rPr lang="en-US" sz="2400" dirty="0" smtClean="0"/>
+              <a:t/>
+            </a:r>
+            <a:br>
+              <a:rPr lang="en-US" sz="2400" dirty="0" smtClean="0"/>
+            </a:br>
+            <a:r>
+              <a:rPr lang="en-US" sz="2000" dirty="0" smtClean="0"/>
+              <a:t>Machine learning: supervised learning</a:t>
+            </a:r>
+            <a:r>
+              <a:rPr lang="en-US" sz="2000" dirty="0" smtClean="0"/>
+              <a:t/>
+            </a:r>
+            <a:br>
+              <a:rPr lang="en-US" sz="2000" dirty="0" smtClean="0"/>
+            </a:br>
+            <a:r>
+              <a:rPr lang="en-US" sz="2000" i="1" dirty="0" smtClean="0"/>
+              <a:t>k</a:t>
+            </a:r>
+            <a:r>
+              <a:rPr lang="en-US" sz="2000" dirty="0" smtClean="0"/>
+              <a:t>-means</a:t>
+            </a:r>
+            <a:br>
+              <a:rPr lang="en-US" sz="2000" dirty="0" smtClean="0"/>
+            </a:br>
+            <a:r>
+              <a:rPr lang="en-US" sz="2000" smtClean="0"/>
+              <a:t>Feature engineering</a:t>
+            </a:r>
+            <a:r>
+              <a:rPr lang="en-US" sz="2000" dirty="0" smtClean="0"/>
+              <a:t/>
+            </a:r>
+            <a:br>
+              <a:rPr lang="en-US" sz="2000" dirty="0" smtClean="0"/>
+            </a:br>
+            <a:endParaRPr lang="en-US" sz="2000" dirty="0"/>
           </a:p>
         </p:txBody>
       </p:sp>
@@ -7001,21 +5519,39 @@
         <p:spPr>
           <a:xfrm>
             <a:off x="1798638" y="3886200"/>
-            <a:ext cx="6583362" cy="336550"/>
+            <a:ext cx="6583362" cy="1569660"/>
           </a:xfrm>
         </p:spPr>
         <p:txBody>
           <a:bodyPr/>
           <a:lstStyle/>
           <a:p>
-            <a:r>
-              <a:rPr lang="en-US"/>
-              <a:t>Voorbeelden en suggesties</a:t>
-            </a:r>
+            <a:endParaRPr lang="en-US" dirty="0" smtClean="0"/>
+          </a:p>
+          <a:p>
+            <a:endParaRPr lang="en-US" dirty="0"/>
+          </a:p>
+          <a:p>
+            <a:endParaRPr lang="en-US" dirty="0" smtClean="0"/>
+          </a:p>
+          <a:p>
+            <a:endParaRPr lang="en-US" dirty="0"/>
+          </a:p>
+          <a:p>
+            <a:r>
+              <a:rPr lang="en-US" dirty="0" smtClean="0"/>
+              <a:t>Jonas Moons</a:t>
+            </a:r>
+            <a:endParaRPr lang="en-US" dirty="0"/>
           </a:p>
         </p:txBody>
       </p:sp>
     </p:spTree>
+    <p:extLst>
+      <p:ext uri="{BB962C8B-B14F-4D97-AF65-F5344CB8AC3E}">
+        <p14:creationId xmlns:p14="http://schemas.microsoft.com/office/powerpoint/2010/main" val="744342908"/>
+      </p:ext>
+    </p:extLst>
   </p:cSld>
   <p:clrMapOvr>
     <a:masterClrMapping/>
@@ -7049,9 +5585,9 @@
       </p:grpSpPr>
       <p:sp>
         <p:nvSpPr>
-          <p:cNvPr id="176130" name="Rectangle 2"/>
-          <p:cNvSpPr>
-            <a:spLocks noGrp="1" noChangeArrowheads="1"/>
+          <p:cNvPr id="2" name="Titel 1"/>
+          <p:cNvSpPr>
+            <a:spLocks noGrp="1"/>
           </p:cNvSpPr>
           <p:nvPr>
             <p:ph type="title"/>
@@ -7063,1473 +5599,65 @@
           <a:lstStyle/>
           <a:p>
             <a:r>
-              <a:rPr lang="en-US"/>
-              <a:t>HU ppt [tabel]</a:t>
-            </a:r>
-          </a:p>
-        </p:txBody>
-      </p:sp>
-      <p:graphicFrame>
-        <p:nvGraphicFramePr>
-          <p:cNvPr id="176488" name="Group 360"/>
-          <p:cNvGraphicFramePr>
-            <a:graphicFrameLocks noGrp="1"/>
-          </p:cNvGraphicFramePr>
-          <p:nvPr>
-            <p:ph type="tbl" idx="1"/>
-          </p:nvPr>
-        </p:nvGraphicFramePr>
-        <p:xfrm>
-          <a:off x="762000" y="1762125"/>
-          <a:ext cx="7620000" cy="2540002"/>
-        </p:xfrm>
-        <a:graphic>
-          <a:graphicData uri="http://schemas.openxmlformats.org/drawingml/2006/table">
-            <a:tbl>
-              <a:tblPr/>
-              <a:tblGrid>
-                <a:gridCol w="1905000"/>
-                <a:gridCol w="1905000"/>
-                <a:gridCol w="1905000"/>
-                <a:gridCol w="1905000"/>
-              </a:tblGrid>
-              <a:tr h="636588">
-                <a:tc>
-                  <a:txBody>
-                    <a:bodyPr/>
-                    <a:lstStyle/>
-                    <a:p>
-                      <a:pPr marL="0" marR="0" lvl="0" indent="0" algn="l" defTabSz="914400" rtl="0" eaLnBrk="1" fontAlgn="base" latinLnBrk="0" hangingPunct="1">
-                        <a:lnSpc>
-                          <a:spcPct val="100000"/>
-                        </a:lnSpc>
-                        <a:spcBef>
-                          <a:spcPct val="20000"/>
-                        </a:spcBef>
-                        <a:spcAft>
-                          <a:spcPct val="0"/>
-                        </a:spcAft>
-                        <a:buClr>
-                          <a:srgbClr val="ED0010"/>
-                        </a:buClr>
-                        <a:buSzPct val="60000"/>
-                        <a:buFont typeface="Zapf Dingbats" charset="2"/>
-                        <a:buNone/>
-                        <a:tabLst/>
-                      </a:pPr>
-                      <a:endParaRPr kumimoji="0" lang="nl-NL" sz="2400" b="0" i="0" u="none" strike="noStrike" cap="none" normalizeH="0" baseline="0" smtClean="0">
-                        <a:ln>
-                          <a:noFill/>
-                        </a:ln>
-                        <a:solidFill>
-                          <a:srgbClr val="000000"/>
-                        </a:solidFill>
-                        <a:effectLst/>
-                        <a:latin typeface="Arial" charset="0"/>
-                      </a:endParaRPr>
-                    </a:p>
-                  </a:txBody>
-                  <a:tcPr horzOverflow="overflow">
-                    <a:lnL w="12700" cap="flat" cmpd="sng" algn="ctr">
-                      <a:solidFill>
-                        <a:schemeClr val="bg1"/>
-                      </a:solidFill>
-                      <a:prstDash val="solid"/>
-                      <a:round/>
-                      <a:headEnd type="none" w="med" len="med"/>
-                      <a:tailEnd type="none" w="med" len="med"/>
-                    </a:lnL>
-                    <a:lnR w="28575" cap="flat" cmpd="sng" algn="ctr">
-                      <a:solidFill>
-                        <a:schemeClr val="bg1"/>
-                      </a:solidFill>
-                      <a:prstDash val="solid"/>
-                      <a:round/>
-                      <a:headEnd type="none" w="med" len="med"/>
-                      <a:tailEnd type="none" w="med" len="med"/>
-                    </a:lnR>
-                    <a:lnT w="12700" cap="flat" cmpd="sng" algn="ctr">
-                      <a:solidFill>
-                        <a:schemeClr val="bg1"/>
-                      </a:solidFill>
-                      <a:prstDash val="solid"/>
-                      <a:round/>
-                      <a:headEnd type="none" w="med" len="med"/>
-                      <a:tailEnd type="none" w="med" len="med"/>
-                    </a:lnT>
-                    <a:lnB w="28575" cap="flat" cmpd="sng" algn="ctr">
-                      <a:solidFill>
-                        <a:schemeClr val="bg1"/>
-                      </a:solidFill>
-                      <a:prstDash val="solid"/>
-                      <a:round/>
-                      <a:headEnd type="none" w="med" len="med"/>
-                      <a:tailEnd type="none" w="med" len="med"/>
-                    </a:lnB>
-                    <a:lnTlToBr>
-                      <a:noFill/>
-                    </a:lnTlToBr>
-                    <a:lnBlToTr>
-                      <a:noFill/>
-                    </a:lnBlToTr>
-                    <a:solidFill>
-                      <a:schemeClr val="accent1"/>
-                    </a:solidFill>
-                  </a:tcPr>
-                </a:tc>
-                <a:tc>
-                  <a:txBody>
-                    <a:bodyPr/>
-                    <a:lstStyle/>
-                    <a:p>
-                      <a:pPr marL="0" marR="0" lvl="0" indent="0" algn="l" defTabSz="914400" rtl="0" eaLnBrk="1" fontAlgn="base" latinLnBrk="0" hangingPunct="1">
-                        <a:lnSpc>
-                          <a:spcPct val="100000"/>
-                        </a:lnSpc>
-                        <a:spcBef>
-                          <a:spcPct val="20000"/>
-                        </a:spcBef>
-                        <a:spcAft>
-                          <a:spcPct val="0"/>
-                        </a:spcAft>
-                        <a:buClr>
-                          <a:srgbClr val="ED0010"/>
-                        </a:buClr>
-                        <a:buSzPct val="60000"/>
-                        <a:buFont typeface="Zapf Dingbats" charset="2"/>
-                        <a:buNone/>
-                        <a:tabLst/>
-                      </a:pPr>
-                      <a:r>
-                        <a:rPr kumimoji="0" lang="en-US" sz="2400" b="1" i="0" u="none" strike="noStrike" cap="none" normalizeH="0" baseline="0" smtClean="0">
-                          <a:ln>
-                            <a:noFill/>
-                          </a:ln>
-                          <a:solidFill>
-                            <a:srgbClr val="000000"/>
-                          </a:solidFill>
-                          <a:effectLst/>
-                          <a:latin typeface="Arial" charset="0"/>
-                        </a:rPr>
-                        <a:t>Instituut</a:t>
-                      </a:r>
-                      <a:endParaRPr kumimoji="0" lang="en-US" sz="2400" b="0" i="0" u="none" strike="noStrike" cap="none" normalizeH="0" baseline="0" smtClean="0">
-                        <a:ln>
-                          <a:noFill/>
-                        </a:ln>
-                        <a:solidFill>
-                          <a:srgbClr val="000000"/>
-                        </a:solidFill>
-                        <a:effectLst/>
-                        <a:latin typeface="Arial" charset="0"/>
-                      </a:endParaRPr>
-                    </a:p>
-                  </a:txBody>
-                  <a:tcPr horzOverflow="overflow">
-                    <a:lnL w="28575" cap="flat" cmpd="sng" algn="ctr">
-                      <a:solidFill>
-                        <a:schemeClr val="bg1"/>
-                      </a:solidFill>
-                      <a:prstDash val="solid"/>
-                      <a:round/>
-                      <a:headEnd type="none" w="med" len="med"/>
-                      <a:tailEnd type="none" w="med" len="med"/>
-                    </a:lnL>
-                    <a:lnR w="28575" cap="flat" cmpd="sng" algn="ctr">
-                      <a:solidFill>
-                        <a:schemeClr val="bg1"/>
-                      </a:solidFill>
-                      <a:prstDash val="solid"/>
-                      <a:round/>
-                      <a:headEnd type="none" w="med" len="med"/>
-                      <a:tailEnd type="none" w="med" len="med"/>
-                    </a:lnR>
-                    <a:lnT w="12700" cap="flat" cmpd="sng" algn="ctr">
-                      <a:solidFill>
-                        <a:schemeClr val="bg1"/>
-                      </a:solidFill>
-                      <a:prstDash val="solid"/>
-                      <a:round/>
-                      <a:headEnd type="none" w="med" len="med"/>
-                      <a:tailEnd type="none" w="med" len="med"/>
-                    </a:lnT>
-                    <a:lnB w="28575" cap="flat" cmpd="sng" algn="ctr">
-                      <a:solidFill>
-                        <a:schemeClr val="bg1"/>
-                      </a:solidFill>
-                      <a:prstDash val="solid"/>
-                      <a:round/>
-                      <a:headEnd type="none" w="med" len="med"/>
-                      <a:tailEnd type="none" w="med" len="med"/>
-                    </a:lnB>
-                    <a:lnTlToBr>
-                      <a:noFill/>
-                    </a:lnTlToBr>
-                    <a:lnBlToTr>
-                      <a:noFill/>
-                    </a:lnBlToTr>
-                    <a:solidFill>
-                      <a:schemeClr val="accent1"/>
-                    </a:solidFill>
-                  </a:tcPr>
-                </a:tc>
-                <a:tc>
-                  <a:txBody>
-                    <a:bodyPr/>
-                    <a:lstStyle/>
-                    <a:p>
-                      <a:pPr marL="0" marR="0" lvl="0" indent="0" algn="l" defTabSz="914400" rtl="0" eaLnBrk="1" fontAlgn="base" latinLnBrk="0" hangingPunct="1">
-                        <a:lnSpc>
-                          <a:spcPct val="100000"/>
-                        </a:lnSpc>
-                        <a:spcBef>
-                          <a:spcPct val="20000"/>
-                        </a:spcBef>
-                        <a:spcAft>
-                          <a:spcPct val="0"/>
-                        </a:spcAft>
-                        <a:buClr>
-                          <a:srgbClr val="ED0010"/>
-                        </a:buClr>
-                        <a:buSzPct val="60000"/>
-                        <a:buFont typeface="Zapf Dingbats" charset="2"/>
-                        <a:buNone/>
-                        <a:tabLst/>
-                      </a:pPr>
-                      <a:r>
-                        <a:rPr kumimoji="0" lang="en-US" sz="2400" b="1" i="0" u="none" strike="noStrike" cap="none" normalizeH="0" baseline="0" smtClean="0">
-                          <a:ln>
-                            <a:noFill/>
-                          </a:ln>
-                          <a:solidFill>
-                            <a:srgbClr val="000000"/>
-                          </a:solidFill>
-                          <a:effectLst/>
-                          <a:latin typeface="Arial" charset="0"/>
-                        </a:rPr>
-                        <a:t>academie</a:t>
-                      </a:r>
-                    </a:p>
-                  </a:txBody>
-                  <a:tcPr horzOverflow="overflow">
-                    <a:lnL w="28575" cap="flat" cmpd="sng" algn="ctr">
-                      <a:solidFill>
-                        <a:schemeClr val="bg1"/>
-                      </a:solidFill>
-                      <a:prstDash val="solid"/>
-                      <a:round/>
-                      <a:headEnd type="none" w="med" len="med"/>
-                      <a:tailEnd type="none" w="med" len="med"/>
-                    </a:lnL>
-                    <a:lnR w="28575" cap="flat" cmpd="sng" algn="ctr">
-                      <a:solidFill>
-                        <a:schemeClr val="bg1"/>
-                      </a:solidFill>
-                      <a:prstDash val="solid"/>
-                      <a:round/>
-                      <a:headEnd type="none" w="med" len="med"/>
-                      <a:tailEnd type="none" w="med" len="med"/>
-                    </a:lnR>
-                    <a:lnT w="12700" cap="flat" cmpd="sng" algn="ctr">
-                      <a:solidFill>
-                        <a:schemeClr val="bg1"/>
-                      </a:solidFill>
-                      <a:prstDash val="solid"/>
-                      <a:round/>
-                      <a:headEnd type="none" w="med" len="med"/>
-                      <a:tailEnd type="none" w="med" len="med"/>
-                    </a:lnT>
-                    <a:lnB w="28575" cap="flat" cmpd="sng" algn="ctr">
-                      <a:solidFill>
-                        <a:schemeClr val="bg1"/>
-                      </a:solidFill>
-                      <a:prstDash val="solid"/>
-                      <a:round/>
-                      <a:headEnd type="none" w="med" len="med"/>
-                      <a:tailEnd type="none" w="med" len="med"/>
-                    </a:lnB>
-                    <a:lnTlToBr>
-                      <a:noFill/>
-                    </a:lnTlToBr>
-                    <a:lnBlToTr>
-                      <a:noFill/>
-                    </a:lnBlToTr>
-                    <a:solidFill>
-                      <a:schemeClr val="accent1"/>
-                    </a:solidFill>
-                  </a:tcPr>
-                </a:tc>
-                <a:tc>
-                  <a:txBody>
-                    <a:bodyPr/>
-                    <a:lstStyle/>
-                    <a:p>
-                      <a:pPr marL="0" marR="0" lvl="0" indent="0" algn="l" defTabSz="914400" rtl="0" eaLnBrk="1" fontAlgn="base" latinLnBrk="0" hangingPunct="1">
-                        <a:lnSpc>
-                          <a:spcPct val="100000"/>
-                        </a:lnSpc>
-                        <a:spcBef>
-                          <a:spcPct val="20000"/>
-                        </a:spcBef>
-                        <a:spcAft>
-                          <a:spcPct val="0"/>
-                        </a:spcAft>
-                        <a:buClr>
-                          <a:srgbClr val="ED0010"/>
-                        </a:buClr>
-                        <a:buSzPct val="60000"/>
-                        <a:buFont typeface="Zapf Dingbats" charset="2"/>
-                        <a:buNone/>
-                        <a:tabLst/>
-                      </a:pPr>
-                      <a:r>
-                        <a:rPr kumimoji="0" lang="en-US" sz="2400" b="1" i="0" u="none" strike="noStrike" cap="none" normalizeH="0" baseline="0" smtClean="0">
-                          <a:ln>
-                            <a:noFill/>
-                          </a:ln>
-                          <a:solidFill>
-                            <a:srgbClr val="000000"/>
-                          </a:solidFill>
-                          <a:effectLst/>
-                          <a:latin typeface="Arial" charset="0"/>
-                        </a:rPr>
-                        <a:t>centrum</a:t>
-                      </a:r>
-                    </a:p>
-                  </a:txBody>
-                  <a:tcPr horzOverflow="overflow">
-                    <a:lnL w="28575" cap="flat" cmpd="sng" algn="ctr">
-                      <a:solidFill>
-                        <a:schemeClr val="bg1"/>
-                      </a:solidFill>
-                      <a:prstDash val="solid"/>
-                      <a:round/>
-                      <a:headEnd type="none" w="med" len="med"/>
-                      <a:tailEnd type="none" w="med" len="med"/>
-                    </a:lnL>
-                    <a:lnR w="12700" cap="flat" cmpd="sng" algn="ctr">
-                      <a:solidFill>
-                        <a:schemeClr val="bg1"/>
-                      </a:solidFill>
-                      <a:prstDash val="solid"/>
-                      <a:round/>
-                      <a:headEnd type="none" w="med" len="med"/>
-                      <a:tailEnd type="none" w="med" len="med"/>
-                    </a:lnR>
-                    <a:lnT w="12700" cap="flat" cmpd="sng" algn="ctr">
-                      <a:solidFill>
-                        <a:schemeClr val="bg1"/>
-                      </a:solidFill>
-                      <a:prstDash val="solid"/>
-                      <a:round/>
-                      <a:headEnd type="none" w="med" len="med"/>
-                      <a:tailEnd type="none" w="med" len="med"/>
-                    </a:lnT>
-                    <a:lnB w="28575" cap="flat" cmpd="sng" algn="ctr">
-                      <a:solidFill>
-                        <a:schemeClr val="bg1"/>
-                      </a:solidFill>
-                      <a:prstDash val="solid"/>
-                      <a:round/>
-                      <a:headEnd type="none" w="med" len="med"/>
-                      <a:tailEnd type="none" w="med" len="med"/>
-                    </a:lnB>
-                    <a:lnTlToBr>
-                      <a:noFill/>
-                    </a:lnTlToBr>
-                    <a:lnBlToTr>
-                      <a:noFill/>
-                    </a:lnBlToTr>
-                    <a:solidFill>
-                      <a:schemeClr val="accent1"/>
-                    </a:solidFill>
-                  </a:tcPr>
-                </a:tc>
-              </a:tr>
-              <a:tr h="633413">
-                <a:tc>
-                  <a:txBody>
-                    <a:bodyPr/>
-                    <a:lstStyle/>
-                    <a:p>
-                      <a:pPr marL="0" marR="0" lvl="0" indent="0" algn="l" defTabSz="914400" rtl="0" eaLnBrk="1" fontAlgn="base" latinLnBrk="0" hangingPunct="1">
-                        <a:lnSpc>
-                          <a:spcPct val="100000"/>
-                        </a:lnSpc>
-                        <a:spcBef>
-                          <a:spcPct val="20000"/>
-                        </a:spcBef>
-                        <a:spcAft>
-                          <a:spcPct val="0"/>
-                        </a:spcAft>
-                        <a:buClr>
-                          <a:srgbClr val="ED0010"/>
-                        </a:buClr>
-                        <a:buSzPct val="60000"/>
-                        <a:buFont typeface="Zapf Dingbats" charset="2"/>
-                        <a:buNone/>
-                        <a:tabLst/>
-                      </a:pPr>
-                      <a:r>
-                        <a:rPr kumimoji="0" lang="en-US" sz="2400" b="1" i="0" u="none" strike="noStrike" cap="none" normalizeH="0" baseline="0" smtClean="0">
-                          <a:ln>
-                            <a:noFill/>
-                          </a:ln>
-                          <a:solidFill>
-                            <a:srgbClr val="000000"/>
-                          </a:solidFill>
-                          <a:effectLst/>
-                          <a:latin typeface="Arial" charset="0"/>
-                        </a:rPr>
-                        <a:t>2003</a:t>
-                      </a:r>
-                      <a:endParaRPr kumimoji="0" lang="en-US" sz="2400" b="0" i="0" u="none" strike="noStrike" cap="none" normalizeH="0" baseline="0" smtClean="0">
-                        <a:ln>
-                          <a:noFill/>
-                        </a:ln>
-                        <a:solidFill>
-                          <a:srgbClr val="000000"/>
-                        </a:solidFill>
-                        <a:effectLst/>
-                        <a:latin typeface="Arial" charset="0"/>
-                      </a:endParaRPr>
-                    </a:p>
-                  </a:txBody>
-                  <a:tcPr horzOverflow="overflow">
-                    <a:lnL w="12700" cap="flat" cmpd="sng" algn="ctr">
-                      <a:solidFill>
-                        <a:schemeClr val="bg1"/>
-                      </a:solidFill>
-                      <a:prstDash val="solid"/>
-                      <a:round/>
-                      <a:headEnd type="none" w="med" len="med"/>
-                      <a:tailEnd type="none" w="med" len="med"/>
-                    </a:lnL>
-                    <a:lnR w="28575" cap="flat" cmpd="sng" algn="ctr">
-                      <a:solidFill>
-                        <a:schemeClr val="bg1"/>
-                      </a:solidFill>
-                      <a:prstDash val="solid"/>
-                      <a:round/>
-                      <a:headEnd type="none" w="med" len="med"/>
-                      <a:tailEnd type="none" w="med" len="med"/>
-                    </a:lnR>
-                    <a:lnT w="28575" cap="flat" cmpd="sng" algn="ctr">
-                      <a:solidFill>
-                        <a:schemeClr val="bg1"/>
-                      </a:solidFill>
-                      <a:prstDash val="solid"/>
-                      <a:round/>
-                      <a:headEnd type="none" w="med" len="med"/>
-                      <a:tailEnd type="none" w="med" len="med"/>
-                    </a:lnT>
-                    <a:lnB w="28575" cap="flat" cmpd="sng" algn="ctr">
-                      <a:solidFill>
-                        <a:schemeClr val="bg1"/>
-                      </a:solidFill>
-                      <a:prstDash val="solid"/>
-                      <a:round/>
-                      <a:headEnd type="none" w="med" len="med"/>
-                      <a:tailEnd type="none" w="med" len="med"/>
-                    </a:lnB>
-                    <a:lnTlToBr>
-                      <a:noFill/>
-                    </a:lnTlToBr>
-                    <a:lnBlToTr>
-                      <a:noFill/>
-                    </a:lnBlToTr>
-                    <a:solidFill>
-                      <a:schemeClr val="accent1"/>
-                    </a:solidFill>
-                  </a:tcPr>
-                </a:tc>
-                <a:tc>
-                  <a:txBody>
-                    <a:bodyPr/>
-                    <a:lstStyle/>
-                    <a:p>
-                      <a:pPr marL="0" marR="0" lvl="0" indent="0" algn="l" defTabSz="914400" rtl="0" eaLnBrk="1" fontAlgn="base" latinLnBrk="0" hangingPunct="1">
-                        <a:lnSpc>
-                          <a:spcPct val="100000"/>
-                        </a:lnSpc>
-                        <a:spcBef>
-                          <a:spcPct val="20000"/>
-                        </a:spcBef>
-                        <a:spcAft>
-                          <a:spcPct val="0"/>
-                        </a:spcAft>
-                        <a:buClr>
-                          <a:srgbClr val="ED0010"/>
-                        </a:buClr>
-                        <a:buSzPct val="60000"/>
-                        <a:buFont typeface="Zapf Dingbats" charset="2"/>
-                        <a:buNone/>
-                        <a:tabLst/>
-                      </a:pPr>
-                      <a:r>
-                        <a:rPr kumimoji="0" lang="en-US" sz="2400" b="0" i="0" u="none" strike="noStrike" cap="none" normalizeH="0" baseline="0" smtClean="0">
-                          <a:ln>
-                            <a:noFill/>
-                          </a:ln>
-                          <a:solidFill>
-                            <a:srgbClr val="000000"/>
-                          </a:solidFill>
-                          <a:effectLst/>
-                          <a:latin typeface="Arial" charset="0"/>
-                        </a:rPr>
-                        <a:t>30%</a:t>
-                      </a:r>
-                    </a:p>
-                  </a:txBody>
-                  <a:tcPr horzOverflow="overflow">
-                    <a:lnL w="28575" cap="flat" cmpd="sng" algn="ctr">
-                      <a:solidFill>
-                        <a:schemeClr val="bg1"/>
-                      </a:solidFill>
-                      <a:prstDash val="solid"/>
-                      <a:round/>
-                      <a:headEnd type="none" w="med" len="med"/>
-                      <a:tailEnd type="none" w="med" len="med"/>
-                    </a:lnL>
-                    <a:lnR w="28575" cap="flat" cmpd="sng" algn="ctr">
-                      <a:solidFill>
-                        <a:schemeClr val="bg1"/>
-                      </a:solidFill>
-                      <a:prstDash val="solid"/>
-                      <a:round/>
-                      <a:headEnd type="none" w="med" len="med"/>
-                      <a:tailEnd type="none" w="med" len="med"/>
-                    </a:lnR>
-                    <a:lnT w="28575" cap="flat" cmpd="sng" algn="ctr">
-                      <a:solidFill>
-                        <a:schemeClr val="bg1"/>
-                      </a:solidFill>
-                      <a:prstDash val="solid"/>
-                      <a:round/>
-                      <a:headEnd type="none" w="med" len="med"/>
-                      <a:tailEnd type="none" w="med" len="med"/>
-                    </a:lnT>
-                    <a:lnB w="28575" cap="flat" cmpd="sng" algn="ctr">
-                      <a:solidFill>
-                        <a:schemeClr val="bg1"/>
-                      </a:solidFill>
-                      <a:prstDash val="solid"/>
-                      <a:round/>
-                      <a:headEnd type="none" w="med" len="med"/>
-                      <a:tailEnd type="none" w="med" len="med"/>
-                    </a:lnB>
-                    <a:lnTlToBr>
-                      <a:noFill/>
-                    </a:lnTlToBr>
-                    <a:lnBlToTr>
-                      <a:noFill/>
-                    </a:lnBlToTr>
-                    <a:solidFill>
-                      <a:schemeClr val="accent1"/>
-                    </a:solidFill>
-                  </a:tcPr>
-                </a:tc>
-                <a:tc>
-                  <a:txBody>
-                    <a:bodyPr/>
-                    <a:lstStyle/>
-                    <a:p>
-                      <a:pPr marL="0" marR="0" lvl="0" indent="0" algn="l" defTabSz="914400" rtl="0" eaLnBrk="1" fontAlgn="base" latinLnBrk="0" hangingPunct="1">
-                        <a:lnSpc>
-                          <a:spcPct val="100000"/>
-                        </a:lnSpc>
-                        <a:spcBef>
-                          <a:spcPct val="20000"/>
-                        </a:spcBef>
-                        <a:spcAft>
-                          <a:spcPct val="0"/>
-                        </a:spcAft>
-                        <a:buClr>
-                          <a:srgbClr val="ED0010"/>
-                        </a:buClr>
-                        <a:buSzPct val="60000"/>
-                        <a:buFont typeface="Zapf Dingbats" charset="2"/>
-                        <a:buNone/>
-                        <a:tabLst/>
-                      </a:pPr>
-                      <a:r>
-                        <a:rPr kumimoji="0" lang="en-US" sz="2400" b="0" i="0" u="none" strike="noStrike" cap="none" normalizeH="0" baseline="0" smtClean="0">
-                          <a:ln>
-                            <a:noFill/>
-                          </a:ln>
-                          <a:solidFill>
-                            <a:srgbClr val="000000"/>
-                          </a:solidFill>
-                          <a:effectLst/>
-                          <a:latin typeface="Arial" charset="0"/>
-                        </a:rPr>
-                        <a:t>28%</a:t>
-                      </a:r>
-                    </a:p>
-                  </a:txBody>
-                  <a:tcPr horzOverflow="overflow">
-                    <a:lnL w="28575" cap="flat" cmpd="sng" algn="ctr">
-                      <a:solidFill>
-                        <a:schemeClr val="bg1"/>
-                      </a:solidFill>
-                      <a:prstDash val="solid"/>
-                      <a:round/>
-                      <a:headEnd type="none" w="med" len="med"/>
-                      <a:tailEnd type="none" w="med" len="med"/>
-                    </a:lnL>
-                    <a:lnR w="28575" cap="flat" cmpd="sng" algn="ctr">
-                      <a:solidFill>
-                        <a:schemeClr val="bg1"/>
-                      </a:solidFill>
-                      <a:prstDash val="solid"/>
-                      <a:round/>
-                      <a:headEnd type="none" w="med" len="med"/>
-                      <a:tailEnd type="none" w="med" len="med"/>
-                    </a:lnR>
-                    <a:lnT w="28575" cap="flat" cmpd="sng" algn="ctr">
-                      <a:solidFill>
-                        <a:schemeClr val="bg1"/>
-                      </a:solidFill>
-                      <a:prstDash val="solid"/>
-                      <a:round/>
-                      <a:headEnd type="none" w="med" len="med"/>
-                      <a:tailEnd type="none" w="med" len="med"/>
-                    </a:lnT>
-                    <a:lnB w="28575" cap="flat" cmpd="sng" algn="ctr">
-                      <a:solidFill>
-                        <a:schemeClr val="bg1"/>
-                      </a:solidFill>
-                      <a:prstDash val="solid"/>
-                      <a:round/>
-                      <a:headEnd type="none" w="med" len="med"/>
-                      <a:tailEnd type="none" w="med" len="med"/>
-                    </a:lnB>
-                    <a:lnTlToBr>
-                      <a:noFill/>
-                    </a:lnTlToBr>
-                    <a:lnBlToTr>
-                      <a:noFill/>
-                    </a:lnBlToTr>
-                    <a:solidFill>
-                      <a:schemeClr val="accent1"/>
-                    </a:solidFill>
-                  </a:tcPr>
-                </a:tc>
-                <a:tc>
-                  <a:txBody>
-                    <a:bodyPr/>
-                    <a:lstStyle/>
-                    <a:p>
-                      <a:pPr marL="0" marR="0" lvl="0" indent="0" algn="l" defTabSz="914400" rtl="0" eaLnBrk="1" fontAlgn="base" latinLnBrk="0" hangingPunct="1">
-                        <a:lnSpc>
-                          <a:spcPct val="100000"/>
-                        </a:lnSpc>
-                        <a:spcBef>
-                          <a:spcPct val="20000"/>
-                        </a:spcBef>
-                        <a:spcAft>
-                          <a:spcPct val="0"/>
-                        </a:spcAft>
-                        <a:buClr>
-                          <a:srgbClr val="ED0010"/>
-                        </a:buClr>
-                        <a:buSzPct val="60000"/>
-                        <a:buFont typeface="Zapf Dingbats" charset="2"/>
-                        <a:buNone/>
-                        <a:tabLst/>
-                      </a:pPr>
-                      <a:r>
-                        <a:rPr kumimoji="0" lang="en-US" sz="2400" b="0" i="0" u="none" strike="noStrike" cap="none" normalizeH="0" baseline="0" smtClean="0">
-                          <a:ln>
-                            <a:noFill/>
-                          </a:ln>
-                          <a:solidFill>
-                            <a:srgbClr val="000000"/>
-                          </a:solidFill>
-                          <a:effectLst/>
-                          <a:latin typeface="Arial" charset="0"/>
-                        </a:rPr>
-                        <a:t>32%</a:t>
-                      </a:r>
-                    </a:p>
-                  </a:txBody>
-                  <a:tcPr horzOverflow="overflow">
-                    <a:lnL w="28575" cap="flat" cmpd="sng" algn="ctr">
-                      <a:solidFill>
-                        <a:schemeClr val="bg1"/>
-                      </a:solidFill>
-                      <a:prstDash val="solid"/>
-                      <a:round/>
-                      <a:headEnd type="none" w="med" len="med"/>
-                      <a:tailEnd type="none" w="med" len="med"/>
-                    </a:lnL>
-                    <a:lnR w="12700" cap="flat" cmpd="sng" algn="ctr">
-                      <a:solidFill>
-                        <a:schemeClr val="bg1"/>
-                      </a:solidFill>
-                      <a:prstDash val="solid"/>
-                      <a:round/>
-                      <a:headEnd type="none" w="med" len="med"/>
-                      <a:tailEnd type="none" w="med" len="med"/>
-                    </a:lnR>
-                    <a:lnT w="28575" cap="flat" cmpd="sng" algn="ctr">
-                      <a:solidFill>
-                        <a:schemeClr val="bg1"/>
-                      </a:solidFill>
-                      <a:prstDash val="solid"/>
-                      <a:round/>
-                      <a:headEnd type="none" w="med" len="med"/>
-                      <a:tailEnd type="none" w="med" len="med"/>
-                    </a:lnT>
-                    <a:lnB w="28575" cap="flat" cmpd="sng" algn="ctr">
-                      <a:solidFill>
-                        <a:schemeClr val="bg1"/>
-                      </a:solidFill>
-                      <a:prstDash val="solid"/>
-                      <a:round/>
-                      <a:headEnd type="none" w="med" len="med"/>
-                      <a:tailEnd type="none" w="med" len="med"/>
-                    </a:lnB>
-                    <a:lnTlToBr>
-                      <a:noFill/>
-                    </a:lnTlToBr>
-                    <a:lnBlToTr>
-                      <a:noFill/>
-                    </a:lnBlToTr>
-                    <a:solidFill>
-                      <a:schemeClr val="accent1"/>
-                    </a:solidFill>
-                  </a:tcPr>
-                </a:tc>
-              </a:tr>
-              <a:tr h="636588">
-                <a:tc>
-                  <a:txBody>
-                    <a:bodyPr/>
-                    <a:lstStyle/>
-                    <a:p>
-                      <a:pPr marL="0" marR="0" lvl="0" indent="0" algn="l" defTabSz="914400" rtl="0" eaLnBrk="1" fontAlgn="base" latinLnBrk="0" hangingPunct="1">
-                        <a:lnSpc>
-                          <a:spcPct val="100000"/>
-                        </a:lnSpc>
-                        <a:spcBef>
-                          <a:spcPct val="20000"/>
-                        </a:spcBef>
-                        <a:spcAft>
-                          <a:spcPct val="0"/>
-                        </a:spcAft>
-                        <a:buClr>
-                          <a:srgbClr val="ED0010"/>
-                        </a:buClr>
-                        <a:buSzPct val="60000"/>
-                        <a:buFont typeface="Zapf Dingbats" charset="2"/>
-                        <a:buNone/>
-                        <a:tabLst/>
-                      </a:pPr>
-                      <a:r>
-                        <a:rPr kumimoji="0" lang="en-US" sz="2400" b="1" i="0" u="none" strike="noStrike" cap="none" normalizeH="0" baseline="0" smtClean="0">
-                          <a:ln>
-                            <a:noFill/>
-                          </a:ln>
-                          <a:solidFill>
-                            <a:srgbClr val="000000"/>
-                          </a:solidFill>
-                          <a:effectLst/>
-                          <a:latin typeface="Arial" charset="0"/>
-                        </a:rPr>
-                        <a:t>2004</a:t>
-                      </a:r>
-                      <a:endParaRPr kumimoji="0" lang="en-US" sz="2400" b="0" i="0" u="none" strike="noStrike" cap="none" normalizeH="0" baseline="0" smtClean="0">
-                        <a:ln>
-                          <a:noFill/>
-                        </a:ln>
-                        <a:solidFill>
-                          <a:srgbClr val="000000"/>
-                        </a:solidFill>
-                        <a:effectLst/>
-                        <a:latin typeface="Arial" charset="0"/>
-                      </a:endParaRPr>
-                    </a:p>
-                  </a:txBody>
-                  <a:tcPr horzOverflow="overflow">
-                    <a:lnL w="12700" cap="flat" cmpd="sng" algn="ctr">
-                      <a:solidFill>
-                        <a:schemeClr val="bg1"/>
-                      </a:solidFill>
-                      <a:prstDash val="solid"/>
-                      <a:round/>
-                      <a:headEnd type="none" w="med" len="med"/>
-                      <a:tailEnd type="none" w="med" len="med"/>
-                    </a:lnL>
-                    <a:lnR w="28575" cap="flat" cmpd="sng" algn="ctr">
-                      <a:solidFill>
-                        <a:schemeClr val="bg1"/>
-                      </a:solidFill>
-                      <a:prstDash val="solid"/>
-                      <a:round/>
-                      <a:headEnd type="none" w="med" len="med"/>
-                      <a:tailEnd type="none" w="med" len="med"/>
-                    </a:lnR>
-                    <a:lnT w="28575" cap="flat" cmpd="sng" algn="ctr">
-                      <a:solidFill>
-                        <a:schemeClr val="bg1"/>
-                      </a:solidFill>
-                      <a:prstDash val="solid"/>
-                      <a:round/>
-                      <a:headEnd type="none" w="med" len="med"/>
-                      <a:tailEnd type="none" w="med" len="med"/>
-                    </a:lnT>
-                    <a:lnB w="28575" cap="flat" cmpd="sng" algn="ctr">
-                      <a:solidFill>
-                        <a:schemeClr val="bg1"/>
-                      </a:solidFill>
-                      <a:prstDash val="solid"/>
-                      <a:round/>
-                      <a:headEnd type="none" w="med" len="med"/>
-                      <a:tailEnd type="none" w="med" len="med"/>
-                    </a:lnB>
-                    <a:lnTlToBr>
-                      <a:noFill/>
-                    </a:lnTlToBr>
-                    <a:lnBlToTr>
-                      <a:noFill/>
-                    </a:lnBlToTr>
-                    <a:solidFill>
-                      <a:schemeClr val="accent1"/>
-                    </a:solidFill>
-                  </a:tcPr>
-                </a:tc>
-                <a:tc>
-                  <a:txBody>
-                    <a:bodyPr/>
-                    <a:lstStyle/>
-                    <a:p>
-                      <a:pPr marL="0" marR="0" lvl="0" indent="0" algn="l" defTabSz="914400" rtl="0" eaLnBrk="1" fontAlgn="base" latinLnBrk="0" hangingPunct="1">
-                        <a:lnSpc>
-                          <a:spcPct val="100000"/>
-                        </a:lnSpc>
-                        <a:spcBef>
-                          <a:spcPct val="20000"/>
-                        </a:spcBef>
-                        <a:spcAft>
-                          <a:spcPct val="0"/>
-                        </a:spcAft>
-                        <a:buClr>
-                          <a:srgbClr val="ED0010"/>
-                        </a:buClr>
-                        <a:buSzPct val="60000"/>
-                        <a:buFont typeface="Zapf Dingbats" charset="2"/>
-                        <a:buNone/>
-                        <a:tabLst/>
-                      </a:pPr>
-                      <a:r>
-                        <a:rPr kumimoji="0" lang="en-US" sz="2400" b="0" i="0" u="none" strike="noStrike" cap="none" normalizeH="0" baseline="0" smtClean="0">
-                          <a:ln>
-                            <a:noFill/>
-                          </a:ln>
-                          <a:solidFill>
-                            <a:srgbClr val="000000"/>
-                          </a:solidFill>
-                          <a:effectLst/>
-                          <a:latin typeface="Arial" charset="0"/>
-                        </a:rPr>
-                        <a:t>28%</a:t>
-                      </a:r>
-                    </a:p>
-                  </a:txBody>
-                  <a:tcPr horzOverflow="overflow">
-                    <a:lnL w="28575" cap="flat" cmpd="sng" algn="ctr">
-                      <a:solidFill>
-                        <a:schemeClr val="bg1"/>
-                      </a:solidFill>
-                      <a:prstDash val="solid"/>
-                      <a:round/>
-                      <a:headEnd type="none" w="med" len="med"/>
-                      <a:tailEnd type="none" w="med" len="med"/>
-                    </a:lnL>
-                    <a:lnR w="28575" cap="flat" cmpd="sng" algn="ctr">
-                      <a:solidFill>
-                        <a:schemeClr val="bg1"/>
-                      </a:solidFill>
-                      <a:prstDash val="solid"/>
-                      <a:round/>
-                      <a:headEnd type="none" w="med" len="med"/>
-                      <a:tailEnd type="none" w="med" len="med"/>
-                    </a:lnR>
-                    <a:lnT w="28575" cap="flat" cmpd="sng" algn="ctr">
-                      <a:solidFill>
-                        <a:schemeClr val="bg1"/>
-                      </a:solidFill>
-                      <a:prstDash val="solid"/>
-                      <a:round/>
-                      <a:headEnd type="none" w="med" len="med"/>
-                      <a:tailEnd type="none" w="med" len="med"/>
-                    </a:lnT>
-                    <a:lnB w="28575" cap="flat" cmpd="sng" algn="ctr">
-                      <a:solidFill>
-                        <a:schemeClr val="bg1"/>
-                      </a:solidFill>
-                      <a:prstDash val="solid"/>
-                      <a:round/>
-                      <a:headEnd type="none" w="med" len="med"/>
-                      <a:tailEnd type="none" w="med" len="med"/>
-                    </a:lnB>
-                    <a:lnTlToBr>
-                      <a:noFill/>
-                    </a:lnTlToBr>
-                    <a:lnBlToTr>
-                      <a:noFill/>
-                    </a:lnBlToTr>
-                    <a:solidFill>
-                      <a:schemeClr val="accent1"/>
-                    </a:solidFill>
-                  </a:tcPr>
-                </a:tc>
-                <a:tc>
-                  <a:txBody>
-                    <a:bodyPr/>
-                    <a:lstStyle/>
-                    <a:p>
-                      <a:pPr marL="0" marR="0" lvl="0" indent="0" algn="l" defTabSz="914400" rtl="0" eaLnBrk="1" fontAlgn="base" latinLnBrk="0" hangingPunct="1">
-                        <a:lnSpc>
-                          <a:spcPct val="100000"/>
-                        </a:lnSpc>
-                        <a:spcBef>
-                          <a:spcPct val="20000"/>
-                        </a:spcBef>
-                        <a:spcAft>
-                          <a:spcPct val="0"/>
-                        </a:spcAft>
-                        <a:buClr>
-                          <a:srgbClr val="ED0010"/>
-                        </a:buClr>
-                        <a:buSzPct val="60000"/>
-                        <a:buFont typeface="Zapf Dingbats" charset="2"/>
-                        <a:buNone/>
-                        <a:tabLst/>
-                      </a:pPr>
-                      <a:r>
-                        <a:rPr kumimoji="0" lang="en-US" sz="2400" b="0" i="0" u="none" strike="noStrike" cap="none" normalizeH="0" baseline="0" smtClean="0">
-                          <a:ln>
-                            <a:noFill/>
-                          </a:ln>
-                          <a:solidFill>
-                            <a:srgbClr val="000000"/>
-                          </a:solidFill>
-                          <a:effectLst/>
-                          <a:latin typeface="Arial" charset="0"/>
-                        </a:rPr>
-                        <a:t>32%</a:t>
-                      </a:r>
-                    </a:p>
-                  </a:txBody>
-                  <a:tcPr horzOverflow="overflow">
-                    <a:lnL w="28575" cap="flat" cmpd="sng" algn="ctr">
-                      <a:solidFill>
-                        <a:schemeClr val="bg1"/>
-                      </a:solidFill>
-                      <a:prstDash val="solid"/>
-                      <a:round/>
-                      <a:headEnd type="none" w="med" len="med"/>
-                      <a:tailEnd type="none" w="med" len="med"/>
-                    </a:lnL>
-                    <a:lnR w="28575" cap="flat" cmpd="sng" algn="ctr">
-                      <a:solidFill>
-                        <a:schemeClr val="bg1"/>
-                      </a:solidFill>
-                      <a:prstDash val="solid"/>
-                      <a:round/>
-                      <a:headEnd type="none" w="med" len="med"/>
-                      <a:tailEnd type="none" w="med" len="med"/>
-                    </a:lnR>
-                    <a:lnT w="28575" cap="flat" cmpd="sng" algn="ctr">
-                      <a:solidFill>
-                        <a:schemeClr val="bg1"/>
-                      </a:solidFill>
-                      <a:prstDash val="solid"/>
-                      <a:round/>
-                      <a:headEnd type="none" w="med" len="med"/>
-                      <a:tailEnd type="none" w="med" len="med"/>
-                    </a:lnT>
-                    <a:lnB w="28575" cap="flat" cmpd="sng" algn="ctr">
-                      <a:solidFill>
-                        <a:schemeClr val="bg1"/>
-                      </a:solidFill>
-                      <a:prstDash val="solid"/>
-                      <a:round/>
-                      <a:headEnd type="none" w="med" len="med"/>
-                      <a:tailEnd type="none" w="med" len="med"/>
-                    </a:lnB>
-                    <a:lnTlToBr>
-                      <a:noFill/>
-                    </a:lnTlToBr>
-                    <a:lnBlToTr>
-                      <a:noFill/>
-                    </a:lnBlToTr>
-                    <a:solidFill>
-                      <a:schemeClr val="accent1"/>
-                    </a:solidFill>
-                  </a:tcPr>
-                </a:tc>
-                <a:tc>
-                  <a:txBody>
-                    <a:bodyPr/>
-                    <a:lstStyle/>
-                    <a:p>
-                      <a:pPr marL="0" marR="0" lvl="0" indent="0" algn="l" defTabSz="914400" rtl="0" eaLnBrk="1" fontAlgn="base" latinLnBrk="0" hangingPunct="1">
-                        <a:lnSpc>
-                          <a:spcPct val="100000"/>
-                        </a:lnSpc>
-                        <a:spcBef>
-                          <a:spcPct val="20000"/>
-                        </a:spcBef>
-                        <a:spcAft>
-                          <a:spcPct val="0"/>
-                        </a:spcAft>
-                        <a:buClr>
-                          <a:srgbClr val="ED0010"/>
-                        </a:buClr>
-                        <a:buSzPct val="60000"/>
-                        <a:buFont typeface="Zapf Dingbats" charset="2"/>
-                        <a:buNone/>
-                        <a:tabLst/>
-                      </a:pPr>
-                      <a:r>
-                        <a:rPr kumimoji="0" lang="en-US" sz="2400" b="0" i="0" u="none" strike="noStrike" cap="none" normalizeH="0" baseline="0" smtClean="0">
-                          <a:ln>
-                            <a:noFill/>
-                          </a:ln>
-                          <a:solidFill>
-                            <a:srgbClr val="000000"/>
-                          </a:solidFill>
-                          <a:effectLst/>
-                          <a:latin typeface="Arial" charset="0"/>
-                        </a:rPr>
-                        <a:t>30%</a:t>
-                      </a:r>
-                    </a:p>
-                  </a:txBody>
-                  <a:tcPr horzOverflow="overflow">
-                    <a:lnL w="28575" cap="flat" cmpd="sng" algn="ctr">
-                      <a:solidFill>
-                        <a:schemeClr val="bg1"/>
-                      </a:solidFill>
-                      <a:prstDash val="solid"/>
-                      <a:round/>
-                      <a:headEnd type="none" w="med" len="med"/>
-                      <a:tailEnd type="none" w="med" len="med"/>
-                    </a:lnL>
-                    <a:lnR w="12700" cap="flat" cmpd="sng" algn="ctr">
-                      <a:solidFill>
-                        <a:schemeClr val="bg1"/>
-                      </a:solidFill>
-                      <a:prstDash val="solid"/>
-                      <a:round/>
-                      <a:headEnd type="none" w="med" len="med"/>
-                      <a:tailEnd type="none" w="med" len="med"/>
-                    </a:lnR>
-                    <a:lnT w="28575" cap="flat" cmpd="sng" algn="ctr">
-                      <a:solidFill>
-                        <a:schemeClr val="bg1"/>
-                      </a:solidFill>
-                      <a:prstDash val="solid"/>
-                      <a:round/>
-                      <a:headEnd type="none" w="med" len="med"/>
-                      <a:tailEnd type="none" w="med" len="med"/>
-                    </a:lnT>
-                    <a:lnB w="28575" cap="flat" cmpd="sng" algn="ctr">
-                      <a:solidFill>
-                        <a:schemeClr val="bg1"/>
-                      </a:solidFill>
-                      <a:prstDash val="solid"/>
-                      <a:round/>
-                      <a:headEnd type="none" w="med" len="med"/>
-                      <a:tailEnd type="none" w="med" len="med"/>
-                    </a:lnB>
-                    <a:lnTlToBr>
-                      <a:noFill/>
-                    </a:lnTlToBr>
-                    <a:lnBlToTr>
-                      <a:noFill/>
-                    </a:lnBlToTr>
-                    <a:solidFill>
-                      <a:schemeClr val="accent1"/>
-                    </a:solidFill>
-                  </a:tcPr>
-                </a:tc>
-              </a:tr>
-              <a:tr h="633413">
-                <a:tc>
-                  <a:txBody>
-                    <a:bodyPr/>
-                    <a:lstStyle/>
-                    <a:p>
-                      <a:pPr marL="0" marR="0" lvl="0" indent="0" algn="l" defTabSz="914400" rtl="0" eaLnBrk="1" fontAlgn="base" latinLnBrk="0" hangingPunct="1">
-                        <a:lnSpc>
-                          <a:spcPct val="100000"/>
-                        </a:lnSpc>
-                        <a:spcBef>
-                          <a:spcPct val="20000"/>
-                        </a:spcBef>
-                        <a:spcAft>
-                          <a:spcPct val="0"/>
-                        </a:spcAft>
-                        <a:buClr>
-                          <a:srgbClr val="ED0010"/>
-                        </a:buClr>
-                        <a:buSzPct val="60000"/>
-                        <a:buFont typeface="Zapf Dingbats" charset="2"/>
-                        <a:buNone/>
-                        <a:tabLst/>
-                      </a:pPr>
-                      <a:r>
-                        <a:rPr kumimoji="0" lang="en-US" sz="2400" b="1" i="0" u="none" strike="noStrike" cap="none" normalizeH="0" baseline="0" smtClean="0">
-                          <a:ln>
-                            <a:noFill/>
-                          </a:ln>
-                          <a:solidFill>
-                            <a:srgbClr val="000000"/>
-                          </a:solidFill>
-                          <a:effectLst/>
-                          <a:latin typeface="Arial" charset="0"/>
-                        </a:rPr>
-                        <a:t>2005</a:t>
-                      </a:r>
-                      <a:endParaRPr kumimoji="0" lang="en-US" sz="2400" b="0" i="0" u="none" strike="noStrike" cap="none" normalizeH="0" baseline="0" smtClean="0">
-                        <a:ln>
-                          <a:noFill/>
-                        </a:ln>
-                        <a:solidFill>
-                          <a:srgbClr val="000000"/>
-                        </a:solidFill>
-                        <a:effectLst/>
-                        <a:latin typeface="Arial" charset="0"/>
-                      </a:endParaRPr>
-                    </a:p>
-                  </a:txBody>
-                  <a:tcPr horzOverflow="overflow">
-                    <a:lnL w="12700" cap="flat" cmpd="sng" algn="ctr">
-                      <a:solidFill>
-                        <a:schemeClr val="bg1"/>
-                      </a:solidFill>
-                      <a:prstDash val="solid"/>
-                      <a:round/>
-                      <a:headEnd type="none" w="med" len="med"/>
-                      <a:tailEnd type="none" w="med" len="med"/>
-                    </a:lnL>
-                    <a:lnR w="28575" cap="flat" cmpd="sng" algn="ctr">
-                      <a:solidFill>
-                        <a:schemeClr val="bg1"/>
-                      </a:solidFill>
-                      <a:prstDash val="solid"/>
-                      <a:round/>
-                      <a:headEnd type="none" w="med" len="med"/>
-                      <a:tailEnd type="none" w="med" len="med"/>
-                    </a:lnR>
-                    <a:lnT w="28575" cap="flat" cmpd="sng" algn="ctr">
-                      <a:solidFill>
-                        <a:schemeClr val="bg1"/>
-                      </a:solidFill>
-                      <a:prstDash val="solid"/>
-                      <a:round/>
-                      <a:headEnd type="none" w="med" len="med"/>
-                      <a:tailEnd type="none" w="med" len="med"/>
-                    </a:lnT>
-                    <a:lnB w="12700" cap="flat" cmpd="sng" algn="ctr">
-                      <a:solidFill>
-                        <a:schemeClr val="bg1"/>
-                      </a:solidFill>
-                      <a:prstDash val="solid"/>
-                      <a:round/>
-                      <a:headEnd type="none" w="med" len="med"/>
-                      <a:tailEnd type="none" w="med" len="med"/>
-                    </a:lnB>
-                    <a:lnTlToBr>
-                      <a:noFill/>
-                    </a:lnTlToBr>
-                    <a:lnBlToTr>
-                      <a:noFill/>
-                    </a:lnBlToTr>
-                    <a:solidFill>
-                      <a:schemeClr val="accent1"/>
-                    </a:solidFill>
-                  </a:tcPr>
-                </a:tc>
-                <a:tc>
-                  <a:txBody>
-                    <a:bodyPr/>
-                    <a:lstStyle/>
-                    <a:p>
-                      <a:pPr marL="0" marR="0" lvl="0" indent="0" algn="l" defTabSz="914400" rtl="0" eaLnBrk="1" fontAlgn="base" latinLnBrk="0" hangingPunct="1">
-                        <a:lnSpc>
-                          <a:spcPct val="100000"/>
-                        </a:lnSpc>
-                        <a:spcBef>
-                          <a:spcPct val="20000"/>
-                        </a:spcBef>
-                        <a:spcAft>
-                          <a:spcPct val="0"/>
-                        </a:spcAft>
-                        <a:buClr>
-                          <a:srgbClr val="ED0010"/>
-                        </a:buClr>
-                        <a:buSzPct val="60000"/>
-                        <a:buFont typeface="Zapf Dingbats" charset="2"/>
-                        <a:buNone/>
-                        <a:tabLst/>
-                      </a:pPr>
-                      <a:r>
-                        <a:rPr kumimoji="0" lang="en-US" sz="2400" b="0" i="0" u="none" strike="noStrike" cap="none" normalizeH="0" baseline="0" smtClean="0">
-                          <a:ln>
-                            <a:noFill/>
-                          </a:ln>
-                          <a:solidFill>
-                            <a:srgbClr val="000000"/>
-                          </a:solidFill>
-                          <a:effectLst/>
-                          <a:latin typeface="Arial" charset="0"/>
-                        </a:rPr>
-                        <a:t>32%</a:t>
-                      </a:r>
-                    </a:p>
-                  </a:txBody>
-                  <a:tcPr horzOverflow="overflow">
-                    <a:lnL w="28575" cap="flat" cmpd="sng" algn="ctr">
-                      <a:solidFill>
-                        <a:schemeClr val="bg1"/>
-                      </a:solidFill>
-                      <a:prstDash val="solid"/>
-                      <a:round/>
-                      <a:headEnd type="none" w="med" len="med"/>
-                      <a:tailEnd type="none" w="med" len="med"/>
-                    </a:lnL>
-                    <a:lnR w="28575" cap="flat" cmpd="sng" algn="ctr">
-                      <a:solidFill>
-                        <a:schemeClr val="bg1"/>
-                      </a:solidFill>
-                      <a:prstDash val="solid"/>
-                      <a:round/>
-                      <a:headEnd type="none" w="med" len="med"/>
-                      <a:tailEnd type="none" w="med" len="med"/>
-                    </a:lnR>
-                    <a:lnT w="28575" cap="flat" cmpd="sng" algn="ctr">
-                      <a:solidFill>
-                        <a:schemeClr val="bg1"/>
-                      </a:solidFill>
-                      <a:prstDash val="solid"/>
-                      <a:round/>
-                      <a:headEnd type="none" w="med" len="med"/>
-                      <a:tailEnd type="none" w="med" len="med"/>
-                    </a:lnT>
-                    <a:lnB w="12700" cap="flat" cmpd="sng" algn="ctr">
-                      <a:solidFill>
-                        <a:schemeClr val="bg1"/>
-                      </a:solidFill>
-                      <a:prstDash val="solid"/>
-                      <a:round/>
-                      <a:headEnd type="none" w="med" len="med"/>
-                      <a:tailEnd type="none" w="med" len="med"/>
-                    </a:lnB>
-                    <a:lnTlToBr>
-                      <a:noFill/>
-                    </a:lnTlToBr>
-                    <a:lnBlToTr>
-                      <a:noFill/>
-                    </a:lnBlToTr>
-                    <a:solidFill>
-                      <a:schemeClr val="accent1"/>
-                    </a:solidFill>
-                  </a:tcPr>
-                </a:tc>
-                <a:tc>
-                  <a:txBody>
-                    <a:bodyPr/>
-                    <a:lstStyle/>
-                    <a:p>
-                      <a:pPr marL="0" marR="0" lvl="0" indent="0" algn="l" defTabSz="914400" rtl="0" eaLnBrk="1" fontAlgn="base" latinLnBrk="0" hangingPunct="1">
-                        <a:lnSpc>
-                          <a:spcPct val="100000"/>
-                        </a:lnSpc>
-                        <a:spcBef>
-                          <a:spcPct val="20000"/>
-                        </a:spcBef>
-                        <a:spcAft>
-                          <a:spcPct val="0"/>
-                        </a:spcAft>
-                        <a:buClr>
-                          <a:srgbClr val="ED0010"/>
-                        </a:buClr>
-                        <a:buSzPct val="60000"/>
-                        <a:buFont typeface="Zapf Dingbats" charset="2"/>
-                        <a:buNone/>
-                        <a:tabLst/>
-                      </a:pPr>
-                      <a:r>
-                        <a:rPr kumimoji="0" lang="en-US" sz="2400" b="0" i="0" u="none" strike="noStrike" cap="none" normalizeH="0" baseline="0" smtClean="0">
-                          <a:ln>
-                            <a:noFill/>
-                          </a:ln>
-                          <a:solidFill>
-                            <a:srgbClr val="000000"/>
-                          </a:solidFill>
-                          <a:effectLst/>
-                          <a:latin typeface="Arial" charset="0"/>
-                        </a:rPr>
-                        <a:t>30%</a:t>
-                      </a:r>
-                    </a:p>
-                  </a:txBody>
-                  <a:tcPr horzOverflow="overflow">
-                    <a:lnL w="28575" cap="flat" cmpd="sng" algn="ctr">
-                      <a:solidFill>
-                        <a:schemeClr val="bg1"/>
-                      </a:solidFill>
-                      <a:prstDash val="solid"/>
-                      <a:round/>
-                      <a:headEnd type="none" w="med" len="med"/>
-                      <a:tailEnd type="none" w="med" len="med"/>
-                    </a:lnL>
-                    <a:lnR w="28575" cap="flat" cmpd="sng" algn="ctr">
-                      <a:solidFill>
-                        <a:schemeClr val="bg1"/>
-                      </a:solidFill>
-                      <a:prstDash val="solid"/>
-                      <a:round/>
-                      <a:headEnd type="none" w="med" len="med"/>
-                      <a:tailEnd type="none" w="med" len="med"/>
-                    </a:lnR>
-                    <a:lnT w="28575" cap="flat" cmpd="sng" algn="ctr">
-                      <a:solidFill>
-                        <a:schemeClr val="bg1"/>
-                      </a:solidFill>
-                      <a:prstDash val="solid"/>
-                      <a:round/>
-                      <a:headEnd type="none" w="med" len="med"/>
-                      <a:tailEnd type="none" w="med" len="med"/>
-                    </a:lnT>
-                    <a:lnB w="12700" cap="flat" cmpd="sng" algn="ctr">
-                      <a:solidFill>
-                        <a:schemeClr val="bg1"/>
-                      </a:solidFill>
-                      <a:prstDash val="solid"/>
-                      <a:round/>
-                      <a:headEnd type="none" w="med" len="med"/>
-                      <a:tailEnd type="none" w="med" len="med"/>
-                    </a:lnB>
-                    <a:lnTlToBr>
-                      <a:noFill/>
-                    </a:lnTlToBr>
-                    <a:lnBlToTr>
-                      <a:noFill/>
-                    </a:lnBlToTr>
-                    <a:solidFill>
-                      <a:schemeClr val="accent1"/>
-                    </a:solidFill>
-                  </a:tcPr>
-                </a:tc>
-                <a:tc>
-                  <a:txBody>
-                    <a:bodyPr/>
-                    <a:lstStyle/>
-                    <a:p>
-                      <a:pPr marL="0" marR="0" lvl="0" indent="0" algn="l" defTabSz="914400" rtl="0" eaLnBrk="1" fontAlgn="base" latinLnBrk="0" hangingPunct="1">
-                        <a:lnSpc>
-                          <a:spcPct val="100000"/>
-                        </a:lnSpc>
-                        <a:spcBef>
-                          <a:spcPct val="20000"/>
-                        </a:spcBef>
-                        <a:spcAft>
-                          <a:spcPct val="0"/>
-                        </a:spcAft>
-                        <a:buClr>
-                          <a:srgbClr val="ED0010"/>
-                        </a:buClr>
-                        <a:buSzPct val="60000"/>
-                        <a:buFont typeface="Zapf Dingbats" charset="2"/>
-                        <a:buNone/>
-                        <a:tabLst/>
-                      </a:pPr>
-                      <a:r>
-                        <a:rPr kumimoji="0" lang="en-US" sz="2400" b="0" i="0" u="none" strike="noStrike" cap="none" normalizeH="0" baseline="0" smtClean="0">
-                          <a:ln>
-                            <a:noFill/>
-                          </a:ln>
-                          <a:solidFill>
-                            <a:srgbClr val="000000"/>
-                          </a:solidFill>
-                          <a:effectLst/>
-                          <a:latin typeface="Arial" charset="0"/>
-                        </a:rPr>
-                        <a:t>28%</a:t>
-                      </a:r>
-                    </a:p>
-                  </a:txBody>
-                  <a:tcPr horzOverflow="overflow">
-                    <a:lnL w="28575" cap="flat" cmpd="sng" algn="ctr">
-                      <a:solidFill>
-                        <a:schemeClr val="bg1"/>
-                      </a:solidFill>
-                      <a:prstDash val="solid"/>
-                      <a:round/>
-                      <a:headEnd type="none" w="med" len="med"/>
-                      <a:tailEnd type="none" w="med" len="med"/>
-                    </a:lnL>
-                    <a:lnR w="12700" cap="flat" cmpd="sng" algn="ctr">
-                      <a:solidFill>
-                        <a:schemeClr val="bg1"/>
-                      </a:solidFill>
-                      <a:prstDash val="solid"/>
-                      <a:round/>
-                      <a:headEnd type="none" w="med" len="med"/>
-                      <a:tailEnd type="none" w="med" len="med"/>
-                    </a:lnR>
-                    <a:lnT w="28575" cap="flat" cmpd="sng" algn="ctr">
-                      <a:solidFill>
-                        <a:schemeClr val="bg1"/>
-                      </a:solidFill>
-                      <a:prstDash val="solid"/>
-                      <a:round/>
-                      <a:headEnd type="none" w="med" len="med"/>
-                      <a:tailEnd type="none" w="med" len="med"/>
-                    </a:lnT>
-                    <a:lnB w="12700" cap="flat" cmpd="sng" algn="ctr">
-                      <a:solidFill>
-                        <a:schemeClr val="bg1"/>
-                      </a:solidFill>
-                      <a:prstDash val="solid"/>
-                      <a:round/>
-                      <a:headEnd type="none" w="med" len="med"/>
-                      <a:tailEnd type="none" w="med" len="med"/>
-                    </a:lnB>
-                    <a:lnTlToBr>
-                      <a:noFill/>
-                    </a:lnTlToBr>
-                    <a:lnBlToTr>
-                      <a:noFill/>
-                    </a:lnBlToTr>
-                    <a:solidFill>
-                      <a:schemeClr val="accent1"/>
-                    </a:solidFill>
-                  </a:tcPr>
-                </a:tc>
-              </a:tr>
-            </a:tbl>
-          </a:graphicData>
-        </a:graphic>
-      </p:graphicFrame>
+              <a:rPr lang="nl-NL" dirty="0" err="1" smtClean="0"/>
+              <a:t>Algorithms</a:t>
+            </a:r>
+            <a:endParaRPr lang="nl-NL" dirty="0"/>
+          </a:p>
+        </p:txBody>
+      </p:sp>
+      <p:sp>
+        <p:nvSpPr>
+          <p:cNvPr id="3" name="Tijdelijke aanduiding voor inhoud 2"/>
+          <p:cNvSpPr>
+            <a:spLocks noGrp="1"/>
+          </p:cNvSpPr>
+          <p:nvPr>
+            <p:ph idx="1"/>
+          </p:nvPr>
+        </p:nvSpPr>
+        <p:spPr>
+          <a:xfrm>
+            <a:off x="762000" y="1762125"/>
+            <a:ext cx="7881938" cy="1557349"/>
+          </a:xfrm>
+        </p:spPr>
+        <p:txBody>
+          <a:bodyPr/>
+          <a:lstStyle/>
+          <a:p>
+            <a:r>
+              <a:rPr lang="nl-NL" dirty="0" err="1" smtClean="0"/>
+              <a:t>Neural</a:t>
+            </a:r>
+            <a:r>
+              <a:rPr lang="nl-NL" dirty="0" smtClean="0"/>
+              <a:t> </a:t>
+            </a:r>
+            <a:r>
+              <a:rPr lang="nl-NL" dirty="0" err="1" smtClean="0"/>
+              <a:t>networks</a:t>
+            </a:r>
+            <a:endParaRPr lang="nl-NL" dirty="0" smtClean="0"/>
+          </a:p>
+          <a:p>
+            <a:endParaRPr lang="nl-NL" dirty="0"/>
+          </a:p>
+          <a:p>
+            <a:endParaRPr lang="nl-NL" dirty="0"/>
+          </a:p>
+        </p:txBody>
+      </p:sp>
     </p:spTree>
+    <p:extLst>
+      <p:ext uri="{BB962C8B-B14F-4D97-AF65-F5344CB8AC3E}">
+        <p14:creationId xmlns:p14="http://schemas.microsoft.com/office/powerpoint/2010/main" val="4116157416"/>
+      </p:ext>
+    </p:extLst>
   </p:cSld>
   <p:clrMapOvr>
     <a:masterClrMapping/>
   </p:clrMapOvr>
-  <p:timing>
-    <p:tnLst>
-      <p:par>
-        <p:cTn id="1" dur="indefinite" restart="never" nodeType="tmRoot"/>
-      </p:par>
-    </p:tnLst>
-  </p:timing>
 </p:sld>
 </file>
 
@@ -8552,12 +5680,12 @@
       </p:grpSpPr>
       <p:sp>
         <p:nvSpPr>
-          <p:cNvPr id="5" name="Tijdelijke aanduiding voor dianummer 5"/>
-          <p:cNvSpPr>
-            <a:spLocks noGrp="1"/>
-          </p:cNvSpPr>
-          <p:nvPr>
-            <p:ph type="sldNum" sz="quarter" idx="11"/>
+          <p:cNvPr id="2" name="Titel 1"/>
+          <p:cNvSpPr>
+            <a:spLocks noGrp="1"/>
+          </p:cNvSpPr>
+          <p:nvPr>
+            <p:ph type="title"/>
           </p:nvPr>
         </p:nvSpPr>
         <p:spPr/>
@@ -8565,118 +5693,539 @@
           <a:bodyPr/>
           <a:lstStyle/>
           <a:p>
-            <a:fld id="{E1AE7EA4-5A90-44E6-8B58-0534BBE8B606}" type="slidenum">
-              <a:rPr lang="en-US"/>
-              <a:pPr/>
-              <a:t>11</a:t>
-            </a:fld>
-            <a:endParaRPr lang="en-US"/>
-          </a:p>
-        </p:txBody>
-      </p:sp>
-      <p:sp>
-        <p:nvSpPr>
-          <p:cNvPr id="6" name="Tijdelijke aanduiding voor voettekst 6"/>
-          <p:cNvSpPr>
-            <a:spLocks noGrp="1"/>
-          </p:cNvSpPr>
-          <p:nvPr>
-            <p:ph type="ftr" sz="quarter" idx="12"/>
-          </p:nvPr>
-        </p:nvSpPr>
-        <p:spPr/>
-        <p:txBody>
-          <a:bodyPr/>
-          <a:lstStyle/>
-          <a:p>
-            <a:r>
-              <a:rPr lang="en-US"/>
-              <a:t>HU powerpoint template</a:t>
-            </a:r>
-            <a:endParaRPr lang="en-US" sz="1400"/>
-          </a:p>
-        </p:txBody>
-      </p:sp>
-      <p:sp>
-        <p:nvSpPr>
-          <p:cNvPr id="179202" name="Rectangle 2"/>
-          <p:cNvSpPr>
-            <a:spLocks noGrp="1" noChangeArrowheads="1"/>
-          </p:cNvSpPr>
-          <p:nvPr>
-            <p:ph type="title"/>
-          </p:nvPr>
-        </p:nvSpPr>
-        <p:spPr/>
-        <p:txBody>
-          <a:bodyPr/>
-          <a:lstStyle/>
-          <a:p>
-            <a:r>
-              <a:rPr lang="en-US"/>
-              <a:t>HU ppt [kop- en voetregels]</a:t>
-            </a:r>
-          </a:p>
-        </p:txBody>
-      </p:sp>
-      <p:sp>
-        <p:nvSpPr>
-          <p:cNvPr id="179203" name="Rectangle 3"/>
-          <p:cNvSpPr>
-            <a:spLocks noGrp="1" noChangeAspect="1" noChangeArrowheads="1"/>
-          </p:cNvSpPr>
-          <p:nvPr>
-            <p:ph type="body" sz="half" idx="1"/>
+            <a:r>
+              <a:rPr lang="nl-NL" dirty="0" smtClean="0"/>
+              <a:t>Topics</a:t>
+            </a:r>
+            <a:endParaRPr lang="nl-NL" dirty="0"/>
+          </a:p>
+        </p:txBody>
+      </p:sp>
+      <p:sp>
+        <p:nvSpPr>
+          <p:cNvPr id="3" name="Tijdelijke aanduiding voor inhoud 2"/>
+          <p:cNvSpPr>
+            <a:spLocks noGrp="1"/>
+          </p:cNvSpPr>
+          <p:nvPr>
+            <p:ph idx="1"/>
           </p:nvPr>
         </p:nvSpPr>
         <p:spPr>
           <a:xfrm>
-            <a:off x="457200" y="1762125"/>
-            <a:ext cx="4168775" cy="1552575"/>
+            <a:off x="762000" y="1762125"/>
+            <a:ext cx="7881938" cy="3120854"/>
           </a:xfrm>
         </p:spPr>
         <p:txBody>
           <a:bodyPr/>
           <a:lstStyle/>
           <a:p>
-            <a:pPr>
-              <a:buFont typeface="Zapf Dingbats" charset="2"/>
+            <a:r>
+              <a:rPr lang="nl-NL" sz="2400" dirty="0" smtClean="0"/>
+              <a:t>Machine </a:t>
+            </a:r>
+            <a:r>
+              <a:rPr lang="nl-NL" sz="2400" dirty="0" err="1" smtClean="0"/>
+              <a:t>learning</a:t>
+            </a:r>
+            <a:endParaRPr lang="nl-NL" sz="2400" dirty="0" smtClean="0"/>
+          </a:p>
+          <a:p>
+            <a:endParaRPr lang="nl-NL" sz="2400" dirty="0"/>
+          </a:p>
+          <a:p>
+            <a:r>
+              <a:rPr lang="nl-NL" sz="2400" i="1" dirty="0" smtClean="0"/>
+              <a:t>k</a:t>
+            </a:r>
+            <a:r>
+              <a:rPr lang="nl-NL" sz="2400" dirty="0" smtClean="0"/>
+              <a:t>-means </a:t>
+            </a:r>
+            <a:r>
+              <a:rPr lang="nl-NL" sz="2400" dirty="0" err="1" smtClean="0"/>
+              <a:t>algorithm</a:t>
+            </a:r>
+            <a:endParaRPr lang="nl-NL" sz="2400" dirty="0" smtClean="0"/>
+          </a:p>
+          <a:p>
+            <a:endParaRPr lang="nl-NL" sz="2400" i="1" dirty="0"/>
+          </a:p>
+          <a:p>
+            <a:r>
+              <a:rPr lang="nl-NL" sz="2400" dirty="0" err="1" smtClean="0"/>
+              <a:t>Assignment</a:t>
+            </a:r>
+            <a:r>
+              <a:rPr lang="nl-NL" sz="2400" dirty="0" smtClean="0"/>
+              <a:t> 3: Kaggle</a:t>
+            </a:r>
+          </a:p>
+          <a:p>
+            <a:endParaRPr lang="nl-NL" sz="2400" dirty="0"/>
+          </a:p>
+          <a:p>
+            <a:r>
+              <a:rPr lang="nl-NL" sz="2400" dirty="0" smtClean="0"/>
+              <a:t>Feature engineering</a:t>
+            </a:r>
+            <a:endParaRPr lang="nl-NL" sz="2400" dirty="0"/>
+          </a:p>
+        </p:txBody>
+      </p:sp>
+    </p:spTree>
+    <p:extLst>
+      <p:ext uri="{BB962C8B-B14F-4D97-AF65-F5344CB8AC3E}">
+        <p14:creationId xmlns:p14="http://schemas.microsoft.com/office/powerpoint/2010/main" val="2935812235"/>
+      </p:ext>
+    </p:extLst>
+  </p:cSld>
+  <p:clrMapOvr>
+    <a:masterClrMapping/>
+  </p:clrMapOvr>
+</p:sld>
+</file>
+
+<file path=ppt/slides/slide12.xml><?xml version="1.0" encoding="utf-8"?>
+<p:sld xmlns:a="http://schemas.openxmlformats.org/drawingml/2006/main" xmlns:r="http://schemas.openxmlformats.org/officeDocument/2006/relationships" xmlns:p="http://schemas.openxmlformats.org/presentationml/2006/main">
+  <p:cSld>
+    <p:spTree>
+      <p:nvGrpSpPr>
+        <p:cNvPr id="1" name=""/>
+        <p:cNvGrpSpPr/>
+        <p:nvPr/>
+      </p:nvGrpSpPr>
+      <p:grpSpPr>
+        <a:xfrm>
+          <a:off x="0" y="0"/>
+          <a:ext cx="0" cy="0"/>
+          <a:chOff x="0" y="0"/>
+          <a:chExt cx="0" cy="0"/>
+        </a:xfrm>
+      </p:grpSpPr>
+      <p:sp>
+        <p:nvSpPr>
+          <p:cNvPr id="2" name="Titel 1"/>
+          <p:cNvSpPr>
+            <a:spLocks noGrp="1"/>
+          </p:cNvSpPr>
+          <p:nvPr>
+            <p:ph type="title"/>
+          </p:nvPr>
+        </p:nvSpPr>
+        <p:spPr>
+          <a:xfrm>
+            <a:off x="827584" y="615351"/>
+            <a:ext cx="6172200" cy="584775"/>
+          </a:xfrm>
+        </p:spPr>
+        <p:txBody>
+          <a:bodyPr/>
+          <a:lstStyle/>
+          <a:p>
+            <a:r>
+              <a:rPr lang="nl-NL" dirty="0" err="1" smtClean="0"/>
+              <a:t>Exercise</a:t>
+            </a:r>
+            <a:r>
+              <a:rPr lang="nl-NL" dirty="0" smtClean="0"/>
+              <a:t> 1: </a:t>
+            </a:r>
+            <a:r>
+              <a:rPr lang="nl-NL" i="1" dirty="0" smtClean="0"/>
+              <a:t>k</a:t>
+            </a:r>
+            <a:r>
+              <a:rPr lang="nl-NL" dirty="0" smtClean="0"/>
+              <a:t>-means</a:t>
+            </a:r>
+            <a:endParaRPr lang="nl-NL" dirty="0"/>
+          </a:p>
+        </p:txBody>
+      </p:sp>
+      <p:sp>
+        <p:nvSpPr>
+          <p:cNvPr id="3" name="Tijdelijke aanduiding voor inhoud 2"/>
+          <p:cNvSpPr>
+            <a:spLocks noGrp="1"/>
+          </p:cNvSpPr>
+          <p:nvPr>
+            <p:ph idx="1"/>
+          </p:nvPr>
+        </p:nvSpPr>
+        <p:spPr>
+          <a:xfrm>
+            <a:off x="683568" y="1700808"/>
+            <a:ext cx="7881938" cy="2111347"/>
+          </a:xfrm>
+        </p:spPr>
+        <p:txBody>
+          <a:bodyPr/>
+          <a:lstStyle/>
+          <a:p>
+            <a:pPr marL="0" indent="0">
               <a:buNone/>
             </a:pPr>
-            <a:r>
-              <a:rPr lang="en-US" sz="2400"/>
-              <a:t>	Door ‘Footer’ te activeren in het hiernaast getoonde venster kunt u voetregels activeren</a:t>
-            </a:r>
-          </a:p>
-        </p:txBody>
-      </p:sp>
-      <p:pic>
-        <p:nvPicPr>
-          <p:cNvPr id="179209" name="Picture 9" descr="kop en voet.pdf                                                000C6298Macintosh HD                   BB707946:"/>
-          <p:cNvPicPr>
-            <a:picLocks noChangeAspect="1" noChangeArrowheads="1"/>
-          </p:cNvPicPr>
+            <a:endParaRPr lang="nl-NL" sz="1600" dirty="0" smtClean="0">
+              <a:latin typeface="Courier New" panose="02070309020205020404" pitchFamily="49" charset="0"/>
+              <a:cs typeface="Courier New" panose="02070309020205020404" pitchFamily="49" charset="0"/>
+            </a:endParaRPr>
+          </a:p>
+          <a:p>
+            <a:pPr marL="0" indent="0">
+              <a:buNone/>
+            </a:pPr>
+            <a:endParaRPr lang="nl-NL" sz="1600" dirty="0">
+              <a:latin typeface="Courier New" panose="02070309020205020404" pitchFamily="49" charset="0"/>
+              <a:cs typeface="Courier New" panose="02070309020205020404" pitchFamily="49" charset="0"/>
+            </a:endParaRPr>
+          </a:p>
+          <a:p>
+            <a:pPr marL="0" indent="0">
+              <a:buNone/>
+            </a:pPr>
+            <a:endParaRPr lang="nl-NL" sz="1600" dirty="0" smtClean="0">
+              <a:latin typeface="Courier New" panose="02070309020205020404" pitchFamily="49" charset="0"/>
+              <a:cs typeface="Courier New" panose="02070309020205020404" pitchFamily="49" charset="0"/>
+            </a:endParaRPr>
+          </a:p>
+          <a:p>
+            <a:pPr marL="0" indent="0">
+              <a:buNone/>
+            </a:pPr>
+            <a:endParaRPr lang="nl-NL" sz="1600" dirty="0">
+              <a:latin typeface="Courier New" panose="02070309020205020404" pitchFamily="49" charset="0"/>
+              <a:cs typeface="Courier New" panose="02070309020205020404" pitchFamily="49" charset="0"/>
+            </a:endParaRPr>
+          </a:p>
+          <a:p>
+            <a:pPr marL="0" indent="0">
+              <a:buNone/>
+            </a:pPr>
+            <a:endParaRPr lang="nl-NL" sz="1600" dirty="0" smtClean="0">
+              <a:latin typeface="Courier New" panose="02070309020205020404" pitchFamily="49" charset="0"/>
+              <a:cs typeface="Courier New" panose="02070309020205020404" pitchFamily="49" charset="0"/>
+            </a:endParaRPr>
+          </a:p>
+          <a:p>
+            <a:pPr marL="0" indent="0">
+              <a:buNone/>
+            </a:pPr>
+            <a:endParaRPr lang="nl-NL" sz="1600" dirty="0">
+              <a:latin typeface="Courier New" panose="02070309020205020404" pitchFamily="49" charset="0"/>
+              <a:cs typeface="Courier New" panose="02070309020205020404" pitchFamily="49" charset="0"/>
+            </a:endParaRPr>
+          </a:p>
+          <a:p>
+            <a:pPr marL="0" indent="0">
+              <a:buNone/>
+            </a:pPr>
+            <a:endParaRPr lang="nl-NL" sz="1600" dirty="0" smtClean="0">
+              <a:latin typeface="Courier New" panose="02070309020205020404" pitchFamily="49" charset="0"/>
+              <a:cs typeface="Courier New" panose="02070309020205020404" pitchFamily="49" charset="0"/>
+            </a:endParaRPr>
+          </a:p>
+        </p:txBody>
+      </p:sp>
+      <p:sp>
+        <p:nvSpPr>
+          <p:cNvPr id="4" name="Tijdelijke aanduiding voor inhoud 2"/>
+          <p:cNvSpPr txBox="1">
+            <a:spLocks/>
+          </p:cNvSpPr>
           <p:nvPr/>
-        </p:nvPicPr>
-        <p:blipFill>
-          <a:blip r:embed="rId3" r:link="rId4" cstate="print"/>
-          <a:srcRect/>
-          <a:stretch>
-            <a:fillRect/>
-          </a:stretch>
-        </p:blipFill>
+        </p:nvSpPr>
         <p:spPr bwMode="auto">
           <a:xfrm>
-            <a:off x="4876800" y="1828800"/>
-            <a:ext cx="3482975" cy="3657600"/>
+            <a:off x="827584" y="1722552"/>
+            <a:ext cx="7881938" cy="1397306"/>
           </a:xfrm>
           <a:prstGeom prst="rect">
             <a:avLst/>
           </a:prstGeom>
           <a:noFill/>
+          <a:ln w="9525">
+            <a:noFill/>
+            <a:miter lim="800000"/>
+            <a:headEnd/>
+            <a:tailEnd/>
+          </a:ln>
+          <a:effectLst/>
         </p:spPr>
-      </p:pic>
+        <p:txBody>
+          <a:bodyPr vert="horz" wrap="square" lIns="91440" tIns="45720" rIns="91440" bIns="45720" numCol="1" anchor="t" anchorCtr="0" compatLnSpc="1">
+            <a:prstTxWarp prst="textNoShape">
+              <a:avLst/>
+            </a:prstTxWarp>
+            <a:spAutoFit/>
+          </a:bodyPr>
+          <a:lstStyle>
+            <a:lvl1pPr marL="342900" indent="-342900" algn="l" rtl="0" fontAlgn="base">
+              <a:spcBef>
+                <a:spcPct val="20000"/>
+              </a:spcBef>
+              <a:spcAft>
+                <a:spcPct val="0"/>
+              </a:spcAft>
+              <a:buClr>
+                <a:srgbClr val="ED0010"/>
+              </a:buClr>
+              <a:buSzPct val="60000"/>
+              <a:buFont typeface="Zapf Dingbats" charset="2"/>
+              <a:buChar char="n"/>
+              <a:defRPr sz="2800">
+                <a:solidFill>
+                  <a:srgbClr val="000000"/>
+                </a:solidFill>
+                <a:latin typeface="+mn-lt"/>
+                <a:ea typeface="+mn-ea"/>
+                <a:cs typeface="+mn-cs"/>
+              </a:defRPr>
+            </a:lvl1pPr>
+            <a:lvl2pPr marL="819150" indent="-285750" algn="l" rtl="0" fontAlgn="base">
+              <a:spcBef>
+                <a:spcPct val="20000"/>
+              </a:spcBef>
+              <a:spcAft>
+                <a:spcPct val="0"/>
+              </a:spcAft>
+              <a:buClr>
+                <a:schemeClr val="accent1"/>
+              </a:buClr>
+              <a:buSzPct val="60000"/>
+              <a:buFont typeface="Zapf Dingbats" charset="2"/>
+              <a:buChar char="n"/>
+              <a:defRPr sz="2600">
+                <a:solidFill>
+                  <a:srgbClr val="000000"/>
+                </a:solidFill>
+                <a:latin typeface="+mn-lt"/>
+              </a:defRPr>
+            </a:lvl2pPr>
+            <a:lvl3pPr marL="1143000" indent="-228600" algn="l" rtl="0" fontAlgn="base">
+              <a:spcBef>
+                <a:spcPct val="20000"/>
+              </a:spcBef>
+              <a:spcAft>
+                <a:spcPct val="0"/>
+              </a:spcAft>
+              <a:buClr>
+                <a:schemeClr val="accent1"/>
+              </a:buClr>
+              <a:buSzPct val="60000"/>
+              <a:buFont typeface="Zapf Dingbats" charset="2"/>
+              <a:buChar char="n"/>
+              <a:defRPr sz="2400">
+                <a:solidFill>
+                  <a:srgbClr val="000000"/>
+                </a:solidFill>
+                <a:latin typeface="+mn-lt"/>
+              </a:defRPr>
+            </a:lvl3pPr>
+            <a:lvl4pPr marL="1562100" indent="-228600" algn="l" rtl="0" fontAlgn="base">
+              <a:spcBef>
+                <a:spcPct val="20000"/>
+              </a:spcBef>
+              <a:spcAft>
+                <a:spcPct val="0"/>
+              </a:spcAft>
+              <a:buClr>
+                <a:schemeClr val="accent1"/>
+              </a:buClr>
+              <a:buSzPct val="60000"/>
+              <a:buFont typeface="Zapf Dingbats" charset="2"/>
+              <a:buChar char="n"/>
+              <a:defRPr sz="2200">
+                <a:solidFill>
+                  <a:srgbClr val="000000"/>
+                </a:solidFill>
+                <a:latin typeface="+mn-lt"/>
+              </a:defRPr>
+            </a:lvl4pPr>
+            <a:lvl5pPr marL="1981200" indent="-228600" algn="l" rtl="0" fontAlgn="base">
+              <a:spcBef>
+                <a:spcPct val="20000"/>
+              </a:spcBef>
+              <a:spcAft>
+                <a:spcPct val="0"/>
+              </a:spcAft>
+              <a:buClr>
+                <a:schemeClr val="accent1"/>
+              </a:buClr>
+              <a:buSzPct val="60000"/>
+              <a:buFont typeface="Zapf Dingbats" charset="2"/>
+              <a:buChar char="n"/>
+              <a:defRPr sz="2000">
+                <a:solidFill>
+                  <a:srgbClr val="000000"/>
+                </a:solidFill>
+                <a:latin typeface="+mn-lt"/>
+              </a:defRPr>
+            </a:lvl5pPr>
+            <a:lvl6pPr marL="2438400" indent="-228600" algn="l" rtl="0" fontAlgn="base">
+              <a:spcBef>
+                <a:spcPct val="20000"/>
+              </a:spcBef>
+              <a:spcAft>
+                <a:spcPct val="0"/>
+              </a:spcAft>
+              <a:buClr>
+                <a:schemeClr val="accent1"/>
+              </a:buClr>
+              <a:buSzPct val="60000"/>
+              <a:buFont typeface="Zapf Dingbats" charset="2"/>
+              <a:buChar char="n"/>
+              <a:defRPr sz="2000">
+                <a:solidFill>
+                  <a:srgbClr val="000000"/>
+                </a:solidFill>
+                <a:latin typeface="+mn-lt"/>
+              </a:defRPr>
+            </a:lvl6pPr>
+            <a:lvl7pPr marL="2895600" indent="-228600" algn="l" rtl="0" fontAlgn="base">
+              <a:spcBef>
+                <a:spcPct val="20000"/>
+              </a:spcBef>
+              <a:spcAft>
+                <a:spcPct val="0"/>
+              </a:spcAft>
+              <a:buClr>
+                <a:schemeClr val="accent1"/>
+              </a:buClr>
+              <a:buSzPct val="60000"/>
+              <a:buFont typeface="Zapf Dingbats" charset="2"/>
+              <a:buChar char="n"/>
+              <a:defRPr sz="2000">
+                <a:solidFill>
+                  <a:srgbClr val="000000"/>
+                </a:solidFill>
+                <a:latin typeface="+mn-lt"/>
+              </a:defRPr>
+            </a:lvl7pPr>
+            <a:lvl8pPr marL="3352800" indent="-228600" algn="l" rtl="0" fontAlgn="base">
+              <a:spcBef>
+                <a:spcPct val="20000"/>
+              </a:spcBef>
+              <a:spcAft>
+                <a:spcPct val="0"/>
+              </a:spcAft>
+              <a:buClr>
+                <a:schemeClr val="accent1"/>
+              </a:buClr>
+              <a:buSzPct val="60000"/>
+              <a:buFont typeface="Zapf Dingbats" charset="2"/>
+              <a:buChar char="n"/>
+              <a:defRPr sz="2000">
+                <a:solidFill>
+                  <a:srgbClr val="000000"/>
+                </a:solidFill>
+                <a:latin typeface="+mn-lt"/>
+              </a:defRPr>
+            </a:lvl8pPr>
+            <a:lvl9pPr marL="3810000" indent="-228600" algn="l" rtl="0" fontAlgn="base">
+              <a:spcBef>
+                <a:spcPct val="20000"/>
+              </a:spcBef>
+              <a:spcAft>
+                <a:spcPct val="0"/>
+              </a:spcAft>
+              <a:buClr>
+                <a:schemeClr val="accent1"/>
+              </a:buClr>
+              <a:buSzPct val="60000"/>
+              <a:buFont typeface="Zapf Dingbats" charset="2"/>
+              <a:buChar char="n"/>
+              <a:defRPr sz="2000">
+                <a:solidFill>
+                  <a:srgbClr val="000000"/>
+                </a:solidFill>
+                <a:latin typeface="+mn-lt"/>
+              </a:defRPr>
+            </a:lvl9pPr>
+          </a:lstStyle>
+          <a:p>
+            <a:pPr marL="0" indent="0">
+              <a:buNone/>
+            </a:pPr>
+            <a:r>
+              <a:rPr lang="nl-NL" sz="1400" kern="0" dirty="0" err="1" smtClean="0">
+                <a:latin typeface="Courier New" panose="02070309020205020404" pitchFamily="49" charset="0"/>
+                <a:cs typeface="Courier New" panose="02070309020205020404" pitchFamily="49" charset="0"/>
+              </a:rPr>
+              <a:t>Exercise</a:t>
+            </a:r>
+            <a:r>
+              <a:rPr lang="nl-NL" sz="1400" kern="0" dirty="0" smtClean="0">
+                <a:latin typeface="Courier New" panose="02070309020205020404" pitchFamily="49" charset="0"/>
+                <a:cs typeface="Courier New" panose="02070309020205020404" pitchFamily="49" charset="0"/>
+              </a:rPr>
+              <a:t> 1</a:t>
+            </a:r>
+            <a:endParaRPr lang="nl-NL" sz="1400" kern="0" dirty="0" smtClean="0">
+              <a:latin typeface="Courier New" panose="02070309020205020404" pitchFamily="49" charset="0"/>
+              <a:cs typeface="Courier New" panose="02070309020205020404" pitchFamily="49" charset="0"/>
+            </a:endParaRPr>
+          </a:p>
+          <a:p>
+            <a:pPr marL="533400" lvl="1" indent="0">
+              <a:buNone/>
+            </a:pPr>
+            <a:endParaRPr lang="nl-NL" sz="1100" kern="0" dirty="0">
+              <a:latin typeface="Courier New" panose="02070309020205020404" pitchFamily="49" charset="0"/>
+              <a:cs typeface="Courier New" panose="02070309020205020404" pitchFamily="49" charset="0"/>
+            </a:endParaRPr>
+          </a:p>
+          <a:p>
+            <a:pPr marL="57150" indent="0">
+              <a:buNone/>
+            </a:pPr>
+            <a:r>
+              <a:rPr lang="nl-NL" sz="1200" kern="0" dirty="0" smtClean="0">
+                <a:latin typeface="Courier New" panose="02070309020205020404" pitchFamily="49" charset="0"/>
+                <a:cs typeface="Courier New" panose="02070309020205020404" pitchFamily="49" charset="0"/>
+              </a:rPr>
+              <a:t> </a:t>
+            </a:r>
+          </a:p>
+          <a:p>
+            <a:pPr>
+              <a:buFont typeface="+mj-lt"/>
+              <a:buAutoNum type="arabicPeriod"/>
+            </a:pPr>
+            <a:endParaRPr lang="nl-NL" sz="1200" kern="0" dirty="0">
+              <a:latin typeface="Courier New" panose="02070309020205020404" pitchFamily="49" charset="0"/>
+              <a:cs typeface="Courier New" panose="02070309020205020404" pitchFamily="49" charset="0"/>
+            </a:endParaRPr>
+          </a:p>
+          <a:p>
+            <a:pPr>
+              <a:buFont typeface="+mj-lt"/>
+              <a:buAutoNum type="arabicPeriod"/>
+            </a:pPr>
+            <a:endParaRPr lang="nl-NL" sz="1200" kern="0" dirty="0">
+              <a:latin typeface="Courier New" panose="02070309020205020404" pitchFamily="49" charset="0"/>
+              <a:cs typeface="Courier New" panose="02070309020205020404" pitchFamily="49" charset="0"/>
+            </a:endParaRPr>
+          </a:p>
+          <a:p>
+            <a:pPr marL="0" indent="0">
+              <a:buFont typeface="Zapf Dingbats" charset="2"/>
+              <a:buNone/>
+            </a:pPr>
+            <a:endParaRPr lang="nl-NL" sz="1200" kern="0" dirty="0" smtClean="0">
+              <a:latin typeface="Courier New" panose="02070309020205020404" pitchFamily="49" charset="0"/>
+              <a:cs typeface="Courier New" panose="02070309020205020404" pitchFamily="49" charset="0"/>
+            </a:endParaRPr>
+          </a:p>
+        </p:txBody>
+      </p:sp>
     </p:spTree>
+    <p:extLst>
+      <p:ext uri="{BB962C8B-B14F-4D97-AF65-F5344CB8AC3E}">
+        <p14:creationId xmlns:p14="http://schemas.microsoft.com/office/powerpoint/2010/main" val="889416226"/>
+      </p:ext>
+    </p:extLst>
   </p:cSld>
   <p:clrMapOvr>
     <a:masterClrMapping/>
@@ -8688,6 +6237,1146 @@
       </p:par>
     </p:tnLst>
   </p:timing>
+</p:sld>
+</file>
+
+<file path=ppt/slides/slide13.xml><?xml version="1.0" encoding="utf-8"?>
+<p:sld xmlns:a="http://schemas.openxmlformats.org/drawingml/2006/main" xmlns:r="http://schemas.openxmlformats.org/officeDocument/2006/relationships" xmlns:p="http://schemas.openxmlformats.org/presentationml/2006/main">
+  <p:cSld>
+    <p:spTree>
+      <p:nvGrpSpPr>
+        <p:cNvPr id="1" name=""/>
+        <p:cNvGrpSpPr/>
+        <p:nvPr/>
+      </p:nvGrpSpPr>
+      <p:grpSpPr>
+        <a:xfrm>
+          <a:off x="0" y="0"/>
+          <a:ext cx="0" cy="0"/>
+          <a:chOff x="0" y="0"/>
+          <a:chExt cx="0" cy="0"/>
+        </a:xfrm>
+      </p:grpSpPr>
+      <p:sp>
+        <p:nvSpPr>
+          <p:cNvPr id="2" name="Titel 1"/>
+          <p:cNvSpPr>
+            <a:spLocks noGrp="1"/>
+          </p:cNvSpPr>
+          <p:nvPr>
+            <p:ph type="title"/>
+          </p:nvPr>
+        </p:nvSpPr>
+        <p:spPr/>
+        <p:txBody>
+          <a:bodyPr/>
+          <a:lstStyle/>
+          <a:p>
+            <a:r>
+              <a:rPr lang="nl-NL" dirty="0" smtClean="0"/>
+              <a:t>Topics</a:t>
+            </a:r>
+            <a:endParaRPr lang="nl-NL" dirty="0"/>
+          </a:p>
+        </p:txBody>
+      </p:sp>
+      <p:sp>
+        <p:nvSpPr>
+          <p:cNvPr id="3" name="Tijdelijke aanduiding voor inhoud 2"/>
+          <p:cNvSpPr>
+            <a:spLocks noGrp="1"/>
+          </p:cNvSpPr>
+          <p:nvPr>
+            <p:ph idx="1"/>
+          </p:nvPr>
+        </p:nvSpPr>
+        <p:spPr>
+          <a:xfrm>
+            <a:off x="762000" y="1762125"/>
+            <a:ext cx="7881938" cy="3120854"/>
+          </a:xfrm>
+        </p:spPr>
+        <p:txBody>
+          <a:bodyPr/>
+          <a:lstStyle/>
+          <a:p>
+            <a:r>
+              <a:rPr lang="nl-NL" sz="2400" dirty="0" smtClean="0"/>
+              <a:t>Machine </a:t>
+            </a:r>
+            <a:r>
+              <a:rPr lang="nl-NL" sz="2400" dirty="0" err="1" smtClean="0"/>
+              <a:t>learning</a:t>
+            </a:r>
+            <a:endParaRPr lang="nl-NL" sz="2400" dirty="0" smtClean="0"/>
+          </a:p>
+          <a:p>
+            <a:endParaRPr lang="nl-NL" sz="2400" dirty="0"/>
+          </a:p>
+          <a:p>
+            <a:r>
+              <a:rPr lang="nl-NL" sz="2400" i="1" dirty="0" smtClean="0"/>
+              <a:t>k</a:t>
+            </a:r>
+            <a:r>
+              <a:rPr lang="nl-NL" sz="2400" dirty="0" smtClean="0"/>
+              <a:t>-means </a:t>
+            </a:r>
+            <a:r>
+              <a:rPr lang="nl-NL" sz="2400" dirty="0" err="1" smtClean="0"/>
+              <a:t>algorithm</a:t>
+            </a:r>
+            <a:endParaRPr lang="nl-NL" sz="2400" dirty="0" smtClean="0"/>
+          </a:p>
+          <a:p>
+            <a:endParaRPr lang="nl-NL" sz="2400" i="1" dirty="0"/>
+          </a:p>
+          <a:p>
+            <a:r>
+              <a:rPr lang="nl-NL" sz="2400" dirty="0" err="1" smtClean="0"/>
+              <a:t>Assignment</a:t>
+            </a:r>
+            <a:r>
+              <a:rPr lang="nl-NL" sz="2400" dirty="0" smtClean="0"/>
+              <a:t> 3: Kaggle</a:t>
+            </a:r>
+          </a:p>
+          <a:p>
+            <a:endParaRPr lang="nl-NL" sz="2400" dirty="0"/>
+          </a:p>
+          <a:p>
+            <a:r>
+              <a:rPr lang="nl-NL" sz="2400" dirty="0" smtClean="0"/>
+              <a:t>Feature engineering</a:t>
+            </a:r>
+            <a:endParaRPr lang="nl-NL" sz="2400" dirty="0"/>
+          </a:p>
+        </p:txBody>
+      </p:sp>
+    </p:spTree>
+    <p:extLst>
+      <p:ext uri="{BB962C8B-B14F-4D97-AF65-F5344CB8AC3E}">
+        <p14:creationId xmlns:p14="http://schemas.microsoft.com/office/powerpoint/2010/main" val="590921439"/>
+      </p:ext>
+    </p:extLst>
+  </p:cSld>
+  <p:clrMapOvr>
+    <a:masterClrMapping/>
+  </p:clrMapOvr>
+</p:sld>
+</file>
+
+<file path=ppt/slides/slide14.xml><?xml version="1.0" encoding="utf-8"?>
+<p:sld xmlns:a="http://schemas.openxmlformats.org/drawingml/2006/main" xmlns:r="http://schemas.openxmlformats.org/officeDocument/2006/relationships" xmlns:p="http://schemas.openxmlformats.org/presentationml/2006/main">
+  <p:cSld>
+    <p:spTree>
+      <p:nvGrpSpPr>
+        <p:cNvPr id="1" name=""/>
+        <p:cNvGrpSpPr/>
+        <p:nvPr/>
+      </p:nvGrpSpPr>
+      <p:grpSpPr>
+        <a:xfrm>
+          <a:off x="0" y="0"/>
+          <a:ext cx="0" cy="0"/>
+          <a:chOff x="0" y="0"/>
+          <a:chExt cx="0" cy="0"/>
+        </a:xfrm>
+      </p:grpSpPr>
+      <p:sp>
+        <p:nvSpPr>
+          <p:cNvPr id="2" name="Titel 1"/>
+          <p:cNvSpPr>
+            <a:spLocks noGrp="1"/>
+          </p:cNvSpPr>
+          <p:nvPr>
+            <p:ph type="title"/>
+          </p:nvPr>
+        </p:nvSpPr>
+        <p:spPr/>
+        <p:txBody>
+          <a:bodyPr/>
+          <a:lstStyle/>
+          <a:p>
+            <a:r>
+              <a:rPr lang="nl-NL" dirty="0" err="1" smtClean="0"/>
+              <a:t>Excercise</a:t>
+            </a:r>
+            <a:r>
+              <a:rPr lang="nl-NL" dirty="0" smtClean="0"/>
+              <a:t> 2: Kaggle</a:t>
+            </a:r>
+            <a:endParaRPr lang="nl-NL" dirty="0"/>
+          </a:p>
+        </p:txBody>
+      </p:sp>
+      <p:sp>
+        <p:nvSpPr>
+          <p:cNvPr id="4" name="Tijdelijke aanduiding voor inhoud 2"/>
+          <p:cNvSpPr txBox="1">
+            <a:spLocks/>
+          </p:cNvSpPr>
+          <p:nvPr/>
+        </p:nvSpPr>
+        <p:spPr bwMode="auto">
+          <a:xfrm>
+            <a:off x="827584" y="1722552"/>
+            <a:ext cx="7881938" cy="1397306"/>
+          </a:xfrm>
+          <a:prstGeom prst="rect">
+            <a:avLst/>
+          </a:prstGeom>
+          <a:noFill/>
+          <a:ln w="9525">
+            <a:noFill/>
+            <a:miter lim="800000"/>
+            <a:headEnd/>
+            <a:tailEnd/>
+          </a:ln>
+          <a:effectLst/>
+        </p:spPr>
+        <p:txBody>
+          <a:bodyPr vert="horz" wrap="square" lIns="91440" tIns="45720" rIns="91440" bIns="45720" numCol="1" anchor="t" anchorCtr="0" compatLnSpc="1">
+            <a:prstTxWarp prst="textNoShape">
+              <a:avLst/>
+            </a:prstTxWarp>
+            <a:spAutoFit/>
+          </a:bodyPr>
+          <a:lstStyle>
+            <a:lvl1pPr marL="342900" indent="-342900" algn="l" rtl="0" fontAlgn="base">
+              <a:spcBef>
+                <a:spcPct val="20000"/>
+              </a:spcBef>
+              <a:spcAft>
+                <a:spcPct val="0"/>
+              </a:spcAft>
+              <a:buClr>
+                <a:srgbClr val="ED0010"/>
+              </a:buClr>
+              <a:buSzPct val="60000"/>
+              <a:buFont typeface="Zapf Dingbats" charset="2"/>
+              <a:buChar char="n"/>
+              <a:defRPr sz="2800">
+                <a:solidFill>
+                  <a:srgbClr val="000000"/>
+                </a:solidFill>
+                <a:latin typeface="+mn-lt"/>
+                <a:ea typeface="+mn-ea"/>
+                <a:cs typeface="+mn-cs"/>
+              </a:defRPr>
+            </a:lvl1pPr>
+            <a:lvl2pPr marL="819150" indent="-285750" algn="l" rtl="0" fontAlgn="base">
+              <a:spcBef>
+                <a:spcPct val="20000"/>
+              </a:spcBef>
+              <a:spcAft>
+                <a:spcPct val="0"/>
+              </a:spcAft>
+              <a:buClr>
+                <a:schemeClr val="accent1"/>
+              </a:buClr>
+              <a:buSzPct val="60000"/>
+              <a:buFont typeface="Zapf Dingbats" charset="2"/>
+              <a:buChar char="n"/>
+              <a:defRPr sz="2600">
+                <a:solidFill>
+                  <a:srgbClr val="000000"/>
+                </a:solidFill>
+                <a:latin typeface="+mn-lt"/>
+              </a:defRPr>
+            </a:lvl2pPr>
+            <a:lvl3pPr marL="1143000" indent="-228600" algn="l" rtl="0" fontAlgn="base">
+              <a:spcBef>
+                <a:spcPct val="20000"/>
+              </a:spcBef>
+              <a:spcAft>
+                <a:spcPct val="0"/>
+              </a:spcAft>
+              <a:buClr>
+                <a:schemeClr val="accent1"/>
+              </a:buClr>
+              <a:buSzPct val="60000"/>
+              <a:buFont typeface="Zapf Dingbats" charset="2"/>
+              <a:buChar char="n"/>
+              <a:defRPr sz="2400">
+                <a:solidFill>
+                  <a:srgbClr val="000000"/>
+                </a:solidFill>
+                <a:latin typeface="+mn-lt"/>
+              </a:defRPr>
+            </a:lvl3pPr>
+            <a:lvl4pPr marL="1562100" indent="-228600" algn="l" rtl="0" fontAlgn="base">
+              <a:spcBef>
+                <a:spcPct val="20000"/>
+              </a:spcBef>
+              <a:spcAft>
+                <a:spcPct val="0"/>
+              </a:spcAft>
+              <a:buClr>
+                <a:schemeClr val="accent1"/>
+              </a:buClr>
+              <a:buSzPct val="60000"/>
+              <a:buFont typeface="Zapf Dingbats" charset="2"/>
+              <a:buChar char="n"/>
+              <a:defRPr sz="2200">
+                <a:solidFill>
+                  <a:srgbClr val="000000"/>
+                </a:solidFill>
+                <a:latin typeface="+mn-lt"/>
+              </a:defRPr>
+            </a:lvl4pPr>
+            <a:lvl5pPr marL="1981200" indent="-228600" algn="l" rtl="0" fontAlgn="base">
+              <a:spcBef>
+                <a:spcPct val="20000"/>
+              </a:spcBef>
+              <a:spcAft>
+                <a:spcPct val="0"/>
+              </a:spcAft>
+              <a:buClr>
+                <a:schemeClr val="accent1"/>
+              </a:buClr>
+              <a:buSzPct val="60000"/>
+              <a:buFont typeface="Zapf Dingbats" charset="2"/>
+              <a:buChar char="n"/>
+              <a:defRPr sz="2000">
+                <a:solidFill>
+                  <a:srgbClr val="000000"/>
+                </a:solidFill>
+                <a:latin typeface="+mn-lt"/>
+              </a:defRPr>
+            </a:lvl5pPr>
+            <a:lvl6pPr marL="2438400" indent="-228600" algn="l" rtl="0" fontAlgn="base">
+              <a:spcBef>
+                <a:spcPct val="20000"/>
+              </a:spcBef>
+              <a:spcAft>
+                <a:spcPct val="0"/>
+              </a:spcAft>
+              <a:buClr>
+                <a:schemeClr val="accent1"/>
+              </a:buClr>
+              <a:buSzPct val="60000"/>
+              <a:buFont typeface="Zapf Dingbats" charset="2"/>
+              <a:buChar char="n"/>
+              <a:defRPr sz="2000">
+                <a:solidFill>
+                  <a:srgbClr val="000000"/>
+                </a:solidFill>
+                <a:latin typeface="+mn-lt"/>
+              </a:defRPr>
+            </a:lvl6pPr>
+            <a:lvl7pPr marL="2895600" indent="-228600" algn="l" rtl="0" fontAlgn="base">
+              <a:spcBef>
+                <a:spcPct val="20000"/>
+              </a:spcBef>
+              <a:spcAft>
+                <a:spcPct val="0"/>
+              </a:spcAft>
+              <a:buClr>
+                <a:schemeClr val="accent1"/>
+              </a:buClr>
+              <a:buSzPct val="60000"/>
+              <a:buFont typeface="Zapf Dingbats" charset="2"/>
+              <a:buChar char="n"/>
+              <a:defRPr sz="2000">
+                <a:solidFill>
+                  <a:srgbClr val="000000"/>
+                </a:solidFill>
+                <a:latin typeface="+mn-lt"/>
+              </a:defRPr>
+            </a:lvl7pPr>
+            <a:lvl8pPr marL="3352800" indent="-228600" algn="l" rtl="0" fontAlgn="base">
+              <a:spcBef>
+                <a:spcPct val="20000"/>
+              </a:spcBef>
+              <a:spcAft>
+                <a:spcPct val="0"/>
+              </a:spcAft>
+              <a:buClr>
+                <a:schemeClr val="accent1"/>
+              </a:buClr>
+              <a:buSzPct val="60000"/>
+              <a:buFont typeface="Zapf Dingbats" charset="2"/>
+              <a:buChar char="n"/>
+              <a:defRPr sz="2000">
+                <a:solidFill>
+                  <a:srgbClr val="000000"/>
+                </a:solidFill>
+                <a:latin typeface="+mn-lt"/>
+              </a:defRPr>
+            </a:lvl8pPr>
+            <a:lvl9pPr marL="3810000" indent="-228600" algn="l" rtl="0" fontAlgn="base">
+              <a:spcBef>
+                <a:spcPct val="20000"/>
+              </a:spcBef>
+              <a:spcAft>
+                <a:spcPct val="0"/>
+              </a:spcAft>
+              <a:buClr>
+                <a:schemeClr val="accent1"/>
+              </a:buClr>
+              <a:buSzPct val="60000"/>
+              <a:buFont typeface="Zapf Dingbats" charset="2"/>
+              <a:buChar char="n"/>
+              <a:defRPr sz="2000">
+                <a:solidFill>
+                  <a:srgbClr val="000000"/>
+                </a:solidFill>
+                <a:latin typeface="+mn-lt"/>
+              </a:defRPr>
+            </a:lvl9pPr>
+          </a:lstStyle>
+          <a:p>
+            <a:pPr marL="0" indent="0">
+              <a:buNone/>
+            </a:pPr>
+            <a:r>
+              <a:rPr lang="nl-NL" sz="1400" kern="0" dirty="0" smtClean="0">
+                <a:latin typeface="Courier New" panose="02070309020205020404" pitchFamily="49" charset="0"/>
+                <a:cs typeface="Courier New" panose="02070309020205020404" pitchFamily="49" charset="0"/>
+              </a:rPr>
+              <a:t>Look </a:t>
+            </a:r>
+            <a:r>
+              <a:rPr lang="nl-NL" sz="1400" kern="0" dirty="0" err="1" smtClean="0">
+                <a:latin typeface="Courier New" panose="02070309020205020404" pitchFamily="49" charset="0"/>
+                <a:cs typeface="Courier New" panose="02070309020205020404" pitchFamily="49" charset="0"/>
+              </a:rPr>
+              <a:t>for</a:t>
+            </a:r>
+            <a:r>
+              <a:rPr lang="nl-NL" sz="1400" kern="0" dirty="0" smtClean="0">
+                <a:latin typeface="Courier New" panose="02070309020205020404" pitchFamily="49" charset="0"/>
+                <a:cs typeface="Courier New" panose="02070309020205020404" pitchFamily="49" charset="0"/>
+              </a:rPr>
+              <a:t> a few </a:t>
+            </a:r>
+            <a:r>
+              <a:rPr lang="nl-NL" sz="1400" kern="0" dirty="0" err="1" smtClean="0">
+                <a:latin typeface="Courier New" panose="02070309020205020404" pitchFamily="49" charset="0"/>
+                <a:cs typeface="Courier New" panose="02070309020205020404" pitchFamily="49" charset="0"/>
+              </a:rPr>
+              <a:t>candidate</a:t>
+            </a:r>
+            <a:r>
+              <a:rPr lang="nl-NL" sz="1400" kern="0" dirty="0" smtClean="0">
+                <a:latin typeface="Courier New" panose="02070309020205020404" pitchFamily="49" charset="0"/>
+                <a:cs typeface="Courier New" panose="02070309020205020404" pitchFamily="49" charset="0"/>
+              </a:rPr>
+              <a:t> data sets on Kaggle</a:t>
+            </a:r>
+            <a:endParaRPr lang="nl-NL" sz="1400" kern="0" dirty="0" smtClean="0">
+              <a:latin typeface="Courier New" panose="02070309020205020404" pitchFamily="49" charset="0"/>
+              <a:cs typeface="Courier New" panose="02070309020205020404" pitchFamily="49" charset="0"/>
+            </a:endParaRPr>
+          </a:p>
+          <a:p>
+            <a:pPr marL="533400" lvl="1" indent="0">
+              <a:buNone/>
+            </a:pPr>
+            <a:endParaRPr lang="nl-NL" sz="1100" kern="0" dirty="0">
+              <a:latin typeface="Courier New" panose="02070309020205020404" pitchFamily="49" charset="0"/>
+              <a:cs typeface="Courier New" panose="02070309020205020404" pitchFamily="49" charset="0"/>
+            </a:endParaRPr>
+          </a:p>
+          <a:p>
+            <a:pPr marL="57150" indent="0">
+              <a:buNone/>
+            </a:pPr>
+            <a:r>
+              <a:rPr lang="nl-NL" sz="1200" kern="0" dirty="0" smtClean="0">
+                <a:latin typeface="Courier New" panose="02070309020205020404" pitchFamily="49" charset="0"/>
+                <a:cs typeface="Courier New" panose="02070309020205020404" pitchFamily="49" charset="0"/>
+              </a:rPr>
+              <a:t> </a:t>
+            </a:r>
+          </a:p>
+          <a:p>
+            <a:pPr>
+              <a:buFont typeface="+mj-lt"/>
+              <a:buAutoNum type="arabicPeriod"/>
+            </a:pPr>
+            <a:endParaRPr lang="nl-NL" sz="1200" kern="0" dirty="0">
+              <a:latin typeface="Courier New" panose="02070309020205020404" pitchFamily="49" charset="0"/>
+              <a:cs typeface="Courier New" panose="02070309020205020404" pitchFamily="49" charset="0"/>
+            </a:endParaRPr>
+          </a:p>
+          <a:p>
+            <a:pPr>
+              <a:buFont typeface="+mj-lt"/>
+              <a:buAutoNum type="arabicPeriod"/>
+            </a:pPr>
+            <a:endParaRPr lang="nl-NL" sz="1200" kern="0" dirty="0">
+              <a:latin typeface="Courier New" panose="02070309020205020404" pitchFamily="49" charset="0"/>
+              <a:cs typeface="Courier New" panose="02070309020205020404" pitchFamily="49" charset="0"/>
+            </a:endParaRPr>
+          </a:p>
+          <a:p>
+            <a:pPr marL="0" indent="0">
+              <a:buFont typeface="Zapf Dingbats" charset="2"/>
+              <a:buNone/>
+            </a:pPr>
+            <a:endParaRPr lang="nl-NL" sz="1200" kern="0" dirty="0" smtClean="0">
+              <a:latin typeface="Courier New" panose="02070309020205020404" pitchFamily="49" charset="0"/>
+              <a:cs typeface="Courier New" panose="02070309020205020404" pitchFamily="49" charset="0"/>
+            </a:endParaRPr>
+          </a:p>
+        </p:txBody>
+      </p:sp>
+    </p:spTree>
+    <p:extLst>
+      <p:ext uri="{BB962C8B-B14F-4D97-AF65-F5344CB8AC3E}">
+        <p14:creationId xmlns:p14="http://schemas.microsoft.com/office/powerpoint/2010/main" val="1852184064"/>
+      </p:ext>
+    </p:extLst>
+  </p:cSld>
+  <p:clrMapOvr>
+    <a:masterClrMapping/>
+  </p:clrMapOvr>
+</p:sld>
+</file>
+
+<file path=ppt/slides/slide15.xml><?xml version="1.0" encoding="utf-8"?>
+<p:sld xmlns:a="http://schemas.openxmlformats.org/drawingml/2006/main" xmlns:r="http://schemas.openxmlformats.org/officeDocument/2006/relationships" xmlns:p="http://schemas.openxmlformats.org/presentationml/2006/main">
+  <p:cSld>
+    <p:spTree>
+      <p:nvGrpSpPr>
+        <p:cNvPr id="1" name=""/>
+        <p:cNvGrpSpPr/>
+        <p:nvPr/>
+      </p:nvGrpSpPr>
+      <p:grpSpPr>
+        <a:xfrm>
+          <a:off x="0" y="0"/>
+          <a:ext cx="0" cy="0"/>
+          <a:chOff x="0" y="0"/>
+          <a:chExt cx="0" cy="0"/>
+        </a:xfrm>
+      </p:grpSpPr>
+      <p:sp>
+        <p:nvSpPr>
+          <p:cNvPr id="2" name="Titel 1"/>
+          <p:cNvSpPr>
+            <a:spLocks noGrp="1"/>
+          </p:cNvSpPr>
+          <p:nvPr>
+            <p:ph type="title"/>
+          </p:nvPr>
+        </p:nvSpPr>
+        <p:spPr/>
+        <p:txBody>
+          <a:bodyPr/>
+          <a:lstStyle/>
+          <a:p>
+            <a:r>
+              <a:rPr lang="nl-NL" dirty="0" smtClean="0"/>
+              <a:t>Topics</a:t>
+            </a:r>
+            <a:endParaRPr lang="nl-NL" dirty="0"/>
+          </a:p>
+        </p:txBody>
+      </p:sp>
+      <p:sp>
+        <p:nvSpPr>
+          <p:cNvPr id="3" name="Tijdelijke aanduiding voor inhoud 2"/>
+          <p:cNvSpPr>
+            <a:spLocks noGrp="1"/>
+          </p:cNvSpPr>
+          <p:nvPr>
+            <p:ph idx="1"/>
+          </p:nvPr>
+        </p:nvSpPr>
+        <p:spPr>
+          <a:xfrm>
+            <a:off x="762000" y="1762125"/>
+            <a:ext cx="7881938" cy="3120854"/>
+          </a:xfrm>
+        </p:spPr>
+        <p:txBody>
+          <a:bodyPr/>
+          <a:lstStyle/>
+          <a:p>
+            <a:r>
+              <a:rPr lang="nl-NL" sz="2400" dirty="0" smtClean="0"/>
+              <a:t>Machine </a:t>
+            </a:r>
+            <a:r>
+              <a:rPr lang="nl-NL" sz="2400" dirty="0" err="1" smtClean="0"/>
+              <a:t>learning</a:t>
+            </a:r>
+            <a:endParaRPr lang="nl-NL" sz="2400" dirty="0" smtClean="0"/>
+          </a:p>
+          <a:p>
+            <a:endParaRPr lang="nl-NL" sz="2400" dirty="0"/>
+          </a:p>
+          <a:p>
+            <a:r>
+              <a:rPr lang="nl-NL" sz="2400" i="1" dirty="0" smtClean="0"/>
+              <a:t>k</a:t>
+            </a:r>
+            <a:r>
+              <a:rPr lang="nl-NL" sz="2400" dirty="0" smtClean="0"/>
+              <a:t>-means </a:t>
+            </a:r>
+            <a:r>
+              <a:rPr lang="nl-NL" sz="2400" dirty="0" err="1" smtClean="0"/>
+              <a:t>algorithm</a:t>
+            </a:r>
+            <a:endParaRPr lang="nl-NL" sz="2400" dirty="0" smtClean="0"/>
+          </a:p>
+          <a:p>
+            <a:endParaRPr lang="nl-NL" sz="2400" i="1" dirty="0"/>
+          </a:p>
+          <a:p>
+            <a:r>
+              <a:rPr lang="nl-NL" sz="2400" dirty="0" err="1" smtClean="0"/>
+              <a:t>Assignment</a:t>
+            </a:r>
+            <a:r>
+              <a:rPr lang="nl-NL" sz="2400" dirty="0" smtClean="0"/>
+              <a:t> 3: Kaggle</a:t>
+            </a:r>
+          </a:p>
+          <a:p>
+            <a:endParaRPr lang="nl-NL" sz="2400" dirty="0"/>
+          </a:p>
+          <a:p>
+            <a:r>
+              <a:rPr lang="nl-NL" sz="2400" dirty="0" smtClean="0"/>
+              <a:t>Feature engineering</a:t>
+            </a:r>
+            <a:endParaRPr lang="nl-NL" sz="2400" dirty="0"/>
+          </a:p>
+        </p:txBody>
+      </p:sp>
+    </p:spTree>
+    <p:extLst>
+      <p:ext uri="{BB962C8B-B14F-4D97-AF65-F5344CB8AC3E}">
+        <p14:creationId xmlns:p14="http://schemas.microsoft.com/office/powerpoint/2010/main" val="2436183459"/>
+      </p:ext>
+    </p:extLst>
+  </p:cSld>
+  <p:clrMapOvr>
+    <a:masterClrMapping/>
+  </p:clrMapOvr>
+</p:sld>
+</file>
+
+<file path=ppt/slides/slide16.xml><?xml version="1.0" encoding="utf-8"?>
+<p:sld xmlns:a="http://schemas.openxmlformats.org/drawingml/2006/main" xmlns:r="http://schemas.openxmlformats.org/officeDocument/2006/relationships" xmlns:p="http://schemas.openxmlformats.org/presentationml/2006/main">
+  <p:cSld>
+    <p:spTree>
+      <p:nvGrpSpPr>
+        <p:cNvPr id="1" name=""/>
+        <p:cNvGrpSpPr/>
+        <p:nvPr/>
+      </p:nvGrpSpPr>
+      <p:grpSpPr>
+        <a:xfrm>
+          <a:off x="0" y="0"/>
+          <a:ext cx="0" cy="0"/>
+          <a:chOff x="0" y="0"/>
+          <a:chExt cx="0" cy="0"/>
+        </a:xfrm>
+      </p:grpSpPr>
+      <p:sp>
+        <p:nvSpPr>
+          <p:cNvPr id="2" name="Titel 1"/>
+          <p:cNvSpPr>
+            <a:spLocks noGrp="1"/>
+          </p:cNvSpPr>
+          <p:nvPr>
+            <p:ph type="title"/>
+          </p:nvPr>
+        </p:nvSpPr>
+        <p:spPr/>
+        <p:txBody>
+          <a:bodyPr/>
+          <a:lstStyle/>
+          <a:p>
+            <a:r>
+              <a:rPr lang="nl-NL" dirty="0" smtClean="0"/>
+              <a:t>Log </a:t>
+            </a:r>
+            <a:r>
+              <a:rPr lang="nl-NL" dirty="0" err="1" smtClean="0"/>
+              <a:t>transformation</a:t>
+            </a:r>
+            <a:endParaRPr lang="nl-NL" dirty="0"/>
+          </a:p>
+        </p:txBody>
+      </p:sp>
+      <p:sp>
+        <p:nvSpPr>
+          <p:cNvPr id="3" name="Tijdelijke aanduiding voor inhoud 2"/>
+          <p:cNvSpPr>
+            <a:spLocks noGrp="1"/>
+          </p:cNvSpPr>
+          <p:nvPr>
+            <p:ph idx="1"/>
+          </p:nvPr>
+        </p:nvSpPr>
+        <p:spPr/>
+        <p:txBody>
+          <a:bodyPr/>
+          <a:lstStyle/>
+          <a:p>
+            <a:endParaRPr lang="nl-NL"/>
+          </a:p>
+        </p:txBody>
+      </p:sp>
+    </p:spTree>
+    <p:extLst>
+      <p:ext uri="{BB962C8B-B14F-4D97-AF65-F5344CB8AC3E}">
+        <p14:creationId xmlns:p14="http://schemas.microsoft.com/office/powerpoint/2010/main" val="2795201032"/>
+      </p:ext>
+    </p:extLst>
+  </p:cSld>
+  <p:clrMapOvr>
+    <a:masterClrMapping/>
+  </p:clrMapOvr>
+</p:sld>
+</file>
+
+<file path=ppt/slides/slide17.xml><?xml version="1.0" encoding="utf-8"?>
+<p:sld xmlns:a="http://schemas.openxmlformats.org/drawingml/2006/main" xmlns:r="http://schemas.openxmlformats.org/officeDocument/2006/relationships" xmlns:p="http://schemas.openxmlformats.org/presentationml/2006/main">
+  <p:cSld>
+    <p:spTree>
+      <p:nvGrpSpPr>
+        <p:cNvPr id="1" name=""/>
+        <p:cNvGrpSpPr/>
+        <p:nvPr/>
+      </p:nvGrpSpPr>
+      <p:grpSpPr>
+        <a:xfrm>
+          <a:off x="0" y="0"/>
+          <a:ext cx="0" cy="0"/>
+          <a:chOff x="0" y="0"/>
+          <a:chExt cx="0" cy="0"/>
+        </a:xfrm>
+      </p:grpSpPr>
+      <p:sp>
+        <p:nvSpPr>
+          <p:cNvPr id="2" name="Titel 1"/>
+          <p:cNvSpPr>
+            <a:spLocks noGrp="1"/>
+          </p:cNvSpPr>
+          <p:nvPr>
+            <p:ph type="title"/>
+          </p:nvPr>
+        </p:nvSpPr>
+        <p:spPr>
+          <a:xfrm>
+            <a:off x="838200" y="111820"/>
+            <a:ext cx="6542112" cy="1077218"/>
+          </a:xfrm>
+        </p:spPr>
+        <p:txBody>
+          <a:bodyPr/>
+          <a:lstStyle/>
+          <a:p>
+            <a:r>
+              <a:rPr lang="nl-NL" dirty="0" err="1" smtClean="0"/>
+              <a:t>Excercise</a:t>
+            </a:r>
+            <a:r>
+              <a:rPr lang="nl-NL" dirty="0" smtClean="0"/>
+              <a:t> 3: feature engineering</a:t>
+            </a:r>
+            <a:endParaRPr lang="nl-NL" dirty="0"/>
+          </a:p>
+        </p:txBody>
+      </p:sp>
+      <p:sp>
+        <p:nvSpPr>
+          <p:cNvPr id="4" name="Tijdelijke aanduiding voor inhoud 2"/>
+          <p:cNvSpPr txBox="1">
+            <a:spLocks/>
+          </p:cNvSpPr>
+          <p:nvPr/>
+        </p:nvSpPr>
+        <p:spPr bwMode="auto">
+          <a:xfrm>
+            <a:off x="838200" y="1700808"/>
+            <a:ext cx="7881938" cy="1914370"/>
+          </a:xfrm>
+          <a:prstGeom prst="rect">
+            <a:avLst/>
+          </a:prstGeom>
+          <a:noFill/>
+          <a:ln w="9525">
+            <a:noFill/>
+            <a:miter lim="800000"/>
+            <a:headEnd/>
+            <a:tailEnd/>
+          </a:ln>
+          <a:effectLst/>
+        </p:spPr>
+        <p:txBody>
+          <a:bodyPr vert="horz" wrap="square" lIns="91440" tIns="45720" rIns="91440" bIns="45720" numCol="1" anchor="t" anchorCtr="0" compatLnSpc="1">
+            <a:prstTxWarp prst="textNoShape">
+              <a:avLst/>
+            </a:prstTxWarp>
+            <a:spAutoFit/>
+          </a:bodyPr>
+          <a:lstStyle>
+            <a:lvl1pPr marL="342900" indent="-342900" algn="l" rtl="0" fontAlgn="base">
+              <a:spcBef>
+                <a:spcPct val="20000"/>
+              </a:spcBef>
+              <a:spcAft>
+                <a:spcPct val="0"/>
+              </a:spcAft>
+              <a:buClr>
+                <a:srgbClr val="ED0010"/>
+              </a:buClr>
+              <a:buSzPct val="60000"/>
+              <a:buFont typeface="Zapf Dingbats" charset="2"/>
+              <a:buChar char="n"/>
+              <a:defRPr sz="2800">
+                <a:solidFill>
+                  <a:srgbClr val="000000"/>
+                </a:solidFill>
+                <a:latin typeface="+mn-lt"/>
+                <a:ea typeface="+mn-ea"/>
+                <a:cs typeface="+mn-cs"/>
+              </a:defRPr>
+            </a:lvl1pPr>
+            <a:lvl2pPr marL="819150" indent="-285750" algn="l" rtl="0" fontAlgn="base">
+              <a:spcBef>
+                <a:spcPct val="20000"/>
+              </a:spcBef>
+              <a:spcAft>
+                <a:spcPct val="0"/>
+              </a:spcAft>
+              <a:buClr>
+                <a:schemeClr val="accent1"/>
+              </a:buClr>
+              <a:buSzPct val="60000"/>
+              <a:buFont typeface="Zapf Dingbats" charset="2"/>
+              <a:buChar char="n"/>
+              <a:defRPr sz="2600">
+                <a:solidFill>
+                  <a:srgbClr val="000000"/>
+                </a:solidFill>
+                <a:latin typeface="+mn-lt"/>
+              </a:defRPr>
+            </a:lvl2pPr>
+            <a:lvl3pPr marL="1143000" indent="-228600" algn="l" rtl="0" fontAlgn="base">
+              <a:spcBef>
+                <a:spcPct val="20000"/>
+              </a:spcBef>
+              <a:spcAft>
+                <a:spcPct val="0"/>
+              </a:spcAft>
+              <a:buClr>
+                <a:schemeClr val="accent1"/>
+              </a:buClr>
+              <a:buSzPct val="60000"/>
+              <a:buFont typeface="Zapf Dingbats" charset="2"/>
+              <a:buChar char="n"/>
+              <a:defRPr sz="2400">
+                <a:solidFill>
+                  <a:srgbClr val="000000"/>
+                </a:solidFill>
+                <a:latin typeface="+mn-lt"/>
+              </a:defRPr>
+            </a:lvl3pPr>
+            <a:lvl4pPr marL="1562100" indent="-228600" algn="l" rtl="0" fontAlgn="base">
+              <a:spcBef>
+                <a:spcPct val="20000"/>
+              </a:spcBef>
+              <a:spcAft>
+                <a:spcPct val="0"/>
+              </a:spcAft>
+              <a:buClr>
+                <a:schemeClr val="accent1"/>
+              </a:buClr>
+              <a:buSzPct val="60000"/>
+              <a:buFont typeface="Zapf Dingbats" charset="2"/>
+              <a:buChar char="n"/>
+              <a:defRPr sz="2200">
+                <a:solidFill>
+                  <a:srgbClr val="000000"/>
+                </a:solidFill>
+                <a:latin typeface="+mn-lt"/>
+              </a:defRPr>
+            </a:lvl4pPr>
+            <a:lvl5pPr marL="1981200" indent="-228600" algn="l" rtl="0" fontAlgn="base">
+              <a:spcBef>
+                <a:spcPct val="20000"/>
+              </a:spcBef>
+              <a:spcAft>
+                <a:spcPct val="0"/>
+              </a:spcAft>
+              <a:buClr>
+                <a:schemeClr val="accent1"/>
+              </a:buClr>
+              <a:buSzPct val="60000"/>
+              <a:buFont typeface="Zapf Dingbats" charset="2"/>
+              <a:buChar char="n"/>
+              <a:defRPr sz="2000">
+                <a:solidFill>
+                  <a:srgbClr val="000000"/>
+                </a:solidFill>
+                <a:latin typeface="+mn-lt"/>
+              </a:defRPr>
+            </a:lvl5pPr>
+            <a:lvl6pPr marL="2438400" indent="-228600" algn="l" rtl="0" fontAlgn="base">
+              <a:spcBef>
+                <a:spcPct val="20000"/>
+              </a:spcBef>
+              <a:spcAft>
+                <a:spcPct val="0"/>
+              </a:spcAft>
+              <a:buClr>
+                <a:schemeClr val="accent1"/>
+              </a:buClr>
+              <a:buSzPct val="60000"/>
+              <a:buFont typeface="Zapf Dingbats" charset="2"/>
+              <a:buChar char="n"/>
+              <a:defRPr sz="2000">
+                <a:solidFill>
+                  <a:srgbClr val="000000"/>
+                </a:solidFill>
+                <a:latin typeface="+mn-lt"/>
+              </a:defRPr>
+            </a:lvl6pPr>
+            <a:lvl7pPr marL="2895600" indent="-228600" algn="l" rtl="0" fontAlgn="base">
+              <a:spcBef>
+                <a:spcPct val="20000"/>
+              </a:spcBef>
+              <a:spcAft>
+                <a:spcPct val="0"/>
+              </a:spcAft>
+              <a:buClr>
+                <a:schemeClr val="accent1"/>
+              </a:buClr>
+              <a:buSzPct val="60000"/>
+              <a:buFont typeface="Zapf Dingbats" charset="2"/>
+              <a:buChar char="n"/>
+              <a:defRPr sz="2000">
+                <a:solidFill>
+                  <a:srgbClr val="000000"/>
+                </a:solidFill>
+                <a:latin typeface="+mn-lt"/>
+              </a:defRPr>
+            </a:lvl7pPr>
+            <a:lvl8pPr marL="3352800" indent="-228600" algn="l" rtl="0" fontAlgn="base">
+              <a:spcBef>
+                <a:spcPct val="20000"/>
+              </a:spcBef>
+              <a:spcAft>
+                <a:spcPct val="0"/>
+              </a:spcAft>
+              <a:buClr>
+                <a:schemeClr val="accent1"/>
+              </a:buClr>
+              <a:buSzPct val="60000"/>
+              <a:buFont typeface="Zapf Dingbats" charset="2"/>
+              <a:buChar char="n"/>
+              <a:defRPr sz="2000">
+                <a:solidFill>
+                  <a:srgbClr val="000000"/>
+                </a:solidFill>
+                <a:latin typeface="+mn-lt"/>
+              </a:defRPr>
+            </a:lvl8pPr>
+            <a:lvl9pPr marL="3810000" indent="-228600" algn="l" rtl="0" fontAlgn="base">
+              <a:spcBef>
+                <a:spcPct val="20000"/>
+              </a:spcBef>
+              <a:spcAft>
+                <a:spcPct val="0"/>
+              </a:spcAft>
+              <a:buClr>
+                <a:schemeClr val="accent1"/>
+              </a:buClr>
+              <a:buSzPct val="60000"/>
+              <a:buFont typeface="Zapf Dingbats" charset="2"/>
+              <a:buChar char="n"/>
+              <a:defRPr sz="2000">
+                <a:solidFill>
+                  <a:srgbClr val="000000"/>
+                </a:solidFill>
+                <a:latin typeface="+mn-lt"/>
+              </a:defRPr>
+            </a:lvl9pPr>
+          </a:lstStyle>
+          <a:p>
+            <a:pPr marL="0" indent="0">
+              <a:buNone/>
+            </a:pPr>
+            <a:r>
+              <a:rPr lang="nl-NL" sz="1400" kern="0" dirty="0" smtClean="0">
+                <a:latin typeface="Courier New" panose="02070309020205020404" pitchFamily="49" charset="0"/>
+                <a:cs typeface="Courier New" panose="02070309020205020404" pitchFamily="49" charset="0"/>
+              </a:rPr>
+              <a:t>Feature engineering (more open </a:t>
+            </a:r>
+            <a:r>
+              <a:rPr lang="nl-NL" sz="1400" kern="0" dirty="0" err="1" smtClean="0">
+                <a:latin typeface="Courier New" panose="02070309020205020404" pitchFamily="49" charset="0"/>
+                <a:cs typeface="Courier New" panose="02070309020205020404" pitchFamily="49" charset="0"/>
+              </a:rPr>
+              <a:t>exercise</a:t>
+            </a:r>
+            <a:r>
+              <a:rPr lang="nl-NL" sz="1400" kern="0" dirty="0" smtClean="0">
+                <a:latin typeface="Courier New" panose="02070309020205020404" pitchFamily="49" charset="0"/>
+                <a:cs typeface="Courier New" panose="02070309020205020404" pitchFamily="49" charset="0"/>
+              </a:rPr>
+              <a:t>: no </a:t>
+            </a:r>
+            <a:r>
+              <a:rPr lang="nl-NL" sz="1400" kern="0" dirty="0" err="1" smtClean="0">
+                <a:latin typeface="Courier New" panose="02070309020205020404" pitchFamily="49" charset="0"/>
+                <a:cs typeface="Courier New" panose="02070309020205020404" pitchFamily="49" charset="0"/>
+              </a:rPr>
+              <a:t>Example</a:t>
+            </a:r>
+            <a:r>
+              <a:rPr lang="nl-NL" sz="1400" kern="0" dirty="0" smtClean="0">
+                <a:latin typeface="Courier New" panose="02070309020205020404" pitchFamily="49" charset="0"/>
+                <a:cs typeface="Courier New" panose="02070309020205020404" pitchFamily="49" charset="0"/>
+              </a:rPr>
+              <a:t> Notebook?)</a:t>
+            </a:r>
+            <a:endParaRPr lang="nl-NL" sz="1400" kern="0" dirty="0" smtClean="0">
+              <a:latin typeface="Courier New" panose="02070309020205020404" pitchFamily="49" charset="0"/>
+              <a:cs typeface="Courier New" panose="02070309020205020404" pitchFamily="49" charset="0"/>
+            </a:endParaRPr>
+          </a:p>
+          <a:p>
+            <a:pPr marL="0" indent="0">
+              <a:buNone/>
+            </a:pPr>
+            <a:endParaRPr lang="nl-NL" sz="1400" kern="0" dirty="0">
+              <a:latin typeface="Courier New" panose="02070309020205020404" pitchFamily="49" charset="0"/>
+              <a:cs typeface="Courier New" panose="02070309020205020404" pitchFamily="49" charset="0"/>
+            </a:endParaRPr>
+          </a:p>
+          <a:p>
+            <a:pPr marL="0" indent="0">
+              <a:buNone/>
+            </a:pPr>
+            <a:r>
+              <a:rPr lang="nl-NL" sz="1400" kern="0" dirty="0" err="1" smtClean="0">
+                <a:latin typeface="Courier New" panose="02070309020205020404" pitchFamily="49" charset="0"/>
+                <a:cs typeface="Courier New" panose="02070309020205020404" pitchFamily="49" charset="0"/>
+              </a:rPr>
+              <a:t>Apply</a:t>
+            </a:r>
+            <a:r>
+              <a:rPr lang="nl-NL" sz="1400" kern="0" dirty="0" smtClean="0">
+                <a:latin typeface="Courier New" panose="02070309020205020404" pitchFamily="49" charset="0"/>
+                <a:cs typeface="Courier New" panose="02070309020205020404" pitchFamily="49" charset="0"/>
+              </a:rPr>
+              <a:t> </a:t>
+            </a:r>
+            <a:r>
+              <a:rPr lang="nl-NL" sz="1400" kern="0" dirty="0" err="1" smtClean="0">
+                <a:latin typeface="Courier New" panose="02070309020205020404" pitchFamily="49" charset="0"/>
+                <a:cs typeface="Courier New" panose="02070309020205020404" pitchFamily="49" charset="0"/>
+              </a:rPr>
+              <a:t>algorithm</a:t>
+            </a:r>
+            <a:r>
+              <a:rPr lang="nl-NL" sz="1400" kern="0" dirty="0" smtClean="0">
+                <a:latin typeface="Courier New" panose="02070309020205020404" pitchFamily="49" charset="0"/>
+                <a:cs typeface="Courier New" panose="02070309020205020404" pitchFamily="49" charset="0"/>
+              </a:rPr>
+              <a:t> of </a:t>
+            </a:r>
+            <a:r>
+              <a:rPr lang="nl-NL" sz="1400" kern="0" dirty="0" err="1" smtClean="0">
+                <a:latin typeface="Courier New" panose="02070309020205020404" pitchFamily="49" charset="0"/>
+                <a:cs typeface="Courier New" panose="02070309020205020404" pitchFamily="49" charset="0"/>
+              </a:rPr>
+              <a:t>your</a:t>
+            </a:r>
+            <a:r>
+              <a:rPr lang="nl-NL" sz="1400" kern="0" dirty="0" smtClean="0">
+                <a:latin typeface="Courier New" panose="02070309020205020404" pitchFamily="49" charset="0"/>
+                <a:cs typeface="Courier New" panose="02070309020205020404" pitchFamily="49" charset="0"/>
+              </a:rPr>
+              <a:t> </a:t>
+            </a:r>
+            <a:r>
+              <a:rPr lang="nl-NL" sz="1400" kern="0" dirty="0" err="1" smtClean="0">
+                <a:latin typeface="Courier New" panose="02070309020205020404" pitchFamily="49" charset="0"/>
+                <a:cs typeface="Courier New" panose="02070309020205020404" pitchFamily="49" charset="0"/>
+              </a:rPr>
+              <a:t>choice</a:t>
+            </a:r>
+            <a:endParaRPr lang="nl-NL" sz="1400" kern="0" dirty="0" smtClean="0">
+              <a:latin typeface="Courier New" panose="02070309020205020404" pitchFamily="49" charset="0"/>
+              <a:cs typeface="Courier New" panose="02070309020205020404" pitchFamily="49" charset="0"/>
+            </a:endParaRPr>
+          </a:p>
+          <a:p>
+            <a:pPr marL="533400" lvl="1" indent="0">
+              <a:buNone/>
+            </a:pPr>
+            <a:endParaRPr lang="nl-NL" sz="1100" kern="0" dirty="0">
+              <a:latin typeface="Courier New" panose="02070309020205020404" pitchFamily="49" charset="0"/>
+              <a:cs typeface="Courier New" panose="02070309020205020404" pitchFamily="49" charset="0"/>
+            </a:endParaRPr>
+          </a:p>
+          <a:p>
+            <a:pPr marL="57150" indent="0">
+              <a:buNone/>
+            </a:pPr>
+            <a:r>
+              <a:rPr lang="nl-NL" sz="1200" kern="0" dirty="0" smtClean="0">
+                <a:latin typeface="Courier New" panose="02070309020205020404" pitchFamily="49" charset="0"/>
+                <a:cs typeface="Courier New" panose="02070309020205020404" pitchFamily="49" charset="0"/>
+              </a:rPr>
+              <a:t> </a:t>
+            </a:r>
+          </a:p>
+          <a:p>
+            <a:pPr>
+              <a:buFont typeface="+mj-lt"/>
+              <a:buAutoNum type="arabicPeriod"/>
+            </a:pPr>
+            <a:endParaRPr lang="nl-NL" sz="1200" kern="0" dirty="0">
+              <a:latin typeface="Courier New" panose="02070309020205020404" pitchFamily="49" charset="0"/>
+              <a:cs typeface="Courier New" panose="02070309020205020404" pitchFamily="49" charset="0"/>
+            </a:endParaRPr>
+          </a:p>
+          <a:p>
+            <a:pPr>
+              <a:buFont typeface="+mj-lt"/>
+              <a:buAutoNum type="arabicPeriod"/>
+            </a:pPr>
+            <a:endParaRPr lang="nl-NL" sz="1200" kern="0" dirty="0">
+              <a:latin typeface="Courier New" panose="02070309020205020404" pitchFamily="49" charset="0"/>
+              <a:cs typeface="Courier New" panose="02070309020205020404" pitchFamily="49" charset="0"/>
+            </a:endParaRPr>
+          </a:p>
+          <a:p>
+            <a:pPr marL="0" indent="0">
+              <a:buFont typeface="Zapf Dingbats" charset="2"/>
+              <a:buNone/>
+            </a:pPr>
+            <a:endParaRPr lang="nl-NL" sz="1200" kern="0" dirty="0" smtClean="0">
+              <a:latin typeface="Courier New" panose="02070309020205020404" pitchFamily="49" charset="0"/>
+              <a:cs typeface="Courier New" panose="02070309020205020404" pitchFamily="49" charset="0"/>
+            </a:endParaRPr>
+          </a:p>
+        </p:txBody>
+      </p:sp>
+    </p:spTree>
+    <p:extLst>
+      <p:ext uri="{BB962C8B-B14F-4D97-AF65-F5344CB8AC3E}">
+        <p14:creationId xmlns:p14="http://schemas.microsoft.com/office/powerpoint/2010/main" val="2875680007"/>
+      </p:ext>
+    </p:extLst>
+  </p:cSld>
+  <p:clrMapOvr>
+    <a:masterClrMapping/>
+  </p:clrMapOvr>
 </p:sld>
 </file>
 
@@ -8710,9 +7399,9 @@
       </p:grpSpPr>
       <p:sp>
         <p:nvSpPr>
-          <p:cNvPr id="164866" name="Rectangle 2"/>
-          <p:cNvSpPr>
-            <a:spLocks noGrp="1" noChangeArrowheads="1"/>
+          <p:cNvPr id="2" name="Titel 1"/>
+          <p:cNvSpPr>
+            <a:spLocks noGrp="1"/>
           </p:cNvSpPr>
           <p:nvPr>
             <p:ph type="title"/>
@@ -8724,66 +7413,110 @@
           <a:lstStyle/>
           <a:p>
             <a:r>
-              <a:rPr lang="en-US"/>
-              <a:t>HU-ppt [bullets 1 kolom]</a:t>
-            </a:r>
-          </a:p>
-        </p:txBody>
-      </p:sp>
-      <p:sp>
-        <p:nvSpPr>
-          <p:cNvPr id="164867" name="Rectangle 3"/>
-          <p:cNvSpPr>
-            <a:spLocks noGrp="1" noChangeAspect="1" noChangeArrowheads="1"/>
-          </p:cNvSpPr>
-          <p:nvPr>
-            <p:ph type="body" idx="1"/>
-          </p:nvPr>
-        </p:nvSpPr>
+              <a:rPr lang="nl-NL" dirty="0" smtClean="0"/>
+              <a:t>Check-in</a:t>
+            </a:r>
+            <a:endParaRPr lang="nl-NL" dirty="0"/>
+          </a:p>
+        </p:txBody>
+      </p:sp>
+      <p:sp>
+        <p:nvSpPr>
+          <p:cNvPr id="9" name="Tijdelijke aanduiding voor inhoud 8"/>
+          <p:cNvSpPr>
+            <a:spLocks noGrp="1"/>
+          </p:cNvSpPr>
+          <p:nvPr>
+            <p:ph idx="1"/>
+          </p:nvPr>
+        </p:nvSpPr>
+        <p:spPr/>
+        <p:txBody>
+          <a:bodyPr/>
+          <a:lstStyle/>
+          <a:p>
+            <a:endParaRPr lang="nl-NL"/>
+          </a:p>
+        </p:txBody>
+      </p:sp>
+      <p:pic>
+        <p:nvPicPr>
+          <p:cNvPr id="12" name="Afbeelding 11"/>
+          <p:cNvPicPr>
+            <a:picLocks noChangeAspect="1"/>
+          </p:cNvPicPr>
+          <p:nvPr/>
+        </p:nvPicPr>
+        <p:blipFill>
+          <a:blip r:embed="rId2"/>
+          <a:stretch>
+            <a:fillRect/>
+          </a:stretch>
+        </p:blipFill>
         <p:spPr>
           <a:xfrm>
-            <a:off x="762000" y="1762125"/>
-            <a:ext cx="7881938" cy="1947863"/>
+            <a:off x="6156176" y="2492896"/>
+            <a:ext cx="2253070" cy="2016224"/>
           </a:xfrm>
+          <a:prstGeom prst="rect">
+            <a:avLst/>
+          </a:prstGeom>
         </p:spPr>
-        <p:txBody>
-          <a:bodyPr/>
-          <a:lstStyle/>
-          <a:p>
-            <a:pPr>
-              <a:buClr>
-                <a:schemeClr val="accent2"/>
-              </a:buClr>
-            </a:pPr>
-            <a:r>
-              <a:rPr lang="en-US"/>
-              <a:t>HU huisstijl kernbegrippen </a:t>
-            </a:r>
-          </a:p>
-          <a:p>
-            <a:pPr lvl="1"/>
-            <a:r>
-              <a:rPr lang="en-US"/>
-              <a:t>krachtig</a:t>
-            </a:r>
-          </a:p>
-          <a:p>
-            <a:pPr lvl="1"/>
-            <a:r>
-              <a:rPr lang="en-US"/>
-              <a:t>vriendelijk</a:t>
-            </a:r>
-          </a:p>
-          <a:p>
-            <a:pPr lvl="1"/>
-            <a:r>
-              <a:rPr lang="en-US"/>
-              <a:t>helder</a:t>
-            </a:r>
-          </a:p>
-        </p:txBody>
-      </p:sp>
+      </p:pic>
+      <p:pic>
+        <p:nvPicPr>
+          <p:cNvPr id="13" name="Afbeelding 12"/>
+          <p:cNvPicPr>
+            <a:picLocks noChangeAspect="1"/>
+          </p:cNvPicPr>
+          <p:nvPr/>
+        </p:nvPicPr>
+        <p:blipFill>
+          <a:blip r:embed="rId3"/>
+          <a:stretch>
+            <a:fillRect/>
+          </a:stretch>
+        </p:blipFill>
+        <p:spPr>
+          <a:xfrm>
+            <a:off x="3491880" y="2616786"/>
+            <a:ext cx="2129219" cy="1988089"/>
+          </a:xfrm>
+          <a:prstGeom prst="rect">
+            <a:avLst/>
+          </a:prstGeom>
+        </p:spPr>
+      </p:pic>
+      <p:pic>
+        <p:nvPicPr>
+          <p:cNvPr id="14" name="Afbeelding 13"/>
+          <p:cNvPicPr>
+            <a:picLocks noChangeAspect="1"/>
+          </p:cNvPicPr>
+          <p:nvPr/>
+        </p:nvPicPr>
+        <p:blipFill>
+          <a:blip r:embed="rId4"/>
+          <a:stretch>
+            <a:fillRect/>
+          </a:stretch>
+        </p:blipFill>
+        <p:spPr>
+          <a:xfrm>
+            <a:off x="869217" y="2712543"/>
+            <a:ext cx="1873659" cy="1796577"/>
+          </a:xfrm>
+          <a:prstGeom prst="rect">
+            <a:avLst/>
+          </a:prstGeom>
+        </p:spPr>
+      </p:pic>
     </p:spTree>
+    <p:extLst>
+      <p:ext uri="{BB962C8B-B14F-4D97-AF65-F5344CB8AC3E}">
+        <p14:creationId xmlns:p14="http://schemas.microsoft.com/office/powerpoint/2010/main" val="2126826105"/>
+      </p:ext>
+    </p:extLst>
   </p:cSld>
   <p:clrMapOvr>
     <a:masterClrMapping/>
@@ -8817,9 +7550,9 @@
       </p:grpSpPr>
       <p:sp>
         <p:nvSpPr>
-          <p:cNvPr id="165890" name="Rectangle 2"/>
-          <p:cNvSpPr>
-            <a:spLocks noGrp="1" noChangeArrowheads="1"/>
+          <p:cNvPr id="2" name="Titel 1"/>
+          <p:cNvSpPr>
+            <a:spLocks noGrp="1"/>
           </p:cNvSpPr>
           <p:nvPr>
             <p:ph type="title"/>
@@ -8831,240 +7564,42 @@
           <a:lstStyle/>
           <a:p>
             <a:r>
-              <a:rPr lang="en-US"/>
-              <a:t>HU-ppt [bullets 2 kolommen]</a:t>
-            </a:r>
-          </a:p>
-        </p:txBody>
-      </p:sp>
-      <p:sp>
-        <p:nvSpPr>
-          <p:cNvPr id="165891" name="Rectangle 3"/>
-          <p:cNvSpPr>
-            <a:spLocks noGrp="1" noChangeAspect="1" noChangeArrowheads="1"/>
-          </p:cNvSpPr>
-          <p:nvPr>
-            <p:ph type="body" sz="half" idx="1"/>
-          </p:nvPr>
-        </p:nvSpPr>
-        <p:spPr>
-          <a:xfrm>
-            <a:off x="762000" y="1762125"/>
-            <a:ext cx="3863975" cy="2465388"/>
-          </a:xfrm>
-        </p:spPr>
+              <a:rPr lang="nl-NL" dirty="0" smtClean="0"/>
+              <a:t>Intro</a:t>
+            </a:r>
+            <a:endParaRPr lang="nl-NL" dirty="0"/>
+          </a:p>
+        </p:txBody>
+      </p:sp>
+      <p:sp>
+        <p:nvSpPr>
+          <p:cNvPr id="3" name="Tijdelijke aanduiding voor inhoud 2"/>
+          <p:cNvSpPr>
+            <a:spLocks noGrp="1"/>
+          </p:cNvSpPr>
+          <p:nvPr>
+            <p:ph idx="1"/>
+          </p:nvPr>
+        </p:nvSpPr>
+        <p:spPr/>
         <p:txBody>
           <a:bodyPr/>
           <a:lstStyle/>
           <a:p>
-            <a:pPr>
-              <a:buClr>
-                <a:schemeClr val="accent2"/>
-              </a:buClr>
-            </a:pPr>
-            <a:r>
-              <a:rPr lang="en-US" sz="2400"/>
-              <a:t>HU Blauw</a:t>
-            </a:r>
-          </a:p>
-          <a:p>
-            <a:pPr lvl="1"/>
-            <a:r>
-              <a:rPr lang="en-US" sz="2200"/>
-              <a:t>PMS 639</a:t>
-            </a:r>
-          </a:p>
-          <a:p>
-            <a:pPr lvl="1"/>
-            <a:r>
-              <a:rPr lang="en-US" sz="2200"/>
-              <a:t>CMYK 100/0/5/5</a:t>
-            </a:r>
-          </a:p>
-          <a:p>
-            <a:pPr lvl="1"/>
-            <a:r>
-              <a:rPr lang="en-US" sz="2200"/>
-              <a:t>RGB 0/160/210</a:t>
-            </a:r>
-          </a:p>
-          <a:p>
-            <a:pPr lvl="1"/>
-            <a:r>
-              <a:rPr lang="en-US" sz="2200"/>
-              <a:t>RAL Himmelblau</a:t>
-            </a:r>
-          </a:p>
-          <a:p>
-            <a:pPr lvl="1"/>
-            <a:endParaRPr lang="en-US" sz="2200"/>
-          </a:p>
-        </p:txBody>
-      </p:sp>
-      <p:sp>
-        <p:nvSpPr>
-          <p:cNvPr id="165892" name="Rectangle 4"/>
-          <p:cNvSpPr>
-            <a:spLocks noGrp="1" noChangeAspect="1" noChangeArrowheads="1"/>
-          </p:cNvSpPr>
-          <p:nvPr>
-            <p:ph type="body" sz="half" idx="2"/>
-          </p:nvPr>
-        </p:nvSpPr>
-        <p:spPr>
-          <a:xfrm>
-            <a:off x="4778375" y="1762125"/>
-            <a:ext cx="3865563" cy="2063750"/>
-          </a:xfrm>
-        </p:spPr>
-        <p:txBody>
-          <a:bodyPr/>
-          <a:lstStyle/>
-          <a:p>
-            <a:pPr>
-              <a:buClr>
-                <a:schemeClr val="accent2"/>
-              </a:buClr>
-            </a:pPr>
-            <a:r>
-              <a:rPr lang="en-US" sz="2400"/>
-              <a:t>HU Rood</a:t>
-            </a:r>
-          </a:p>
-          <a:p>
-            <a:pPr lvl="1"/>
-            <a:r>
-              <a:rPr lang="en-US" sz="2200"/>
-              <a:t>PMS 485</a:t>
-            </a:r>
-          </a:p>
-          <a:p>
-            <a:pPr lvl="1"/>
-            <a:r>
-              <a:rPr lang="en-US" sz="2200"/>
-              <a:t>CMYK 0/85/100/0</a:t>
-            </a:r>
-          </a:p>
-          <a:p>
-            <a:pPr lvl="1"/>
-            <a:r>
-              <a:rPr lang="en-US" sz="2200"/>
-              <a:t>RGB 237/0/16</a:t>
-            </a:r>
-          </a:p>
-          <a:p>
-            <a:pPr lvl="1"/>
-            <a:r>
-              <a:rPr lang="en-US" sz="2200"/>
-              <a:t>RAL 2002 Blutorange</a:t>
-            </a:r>
-          </a:p>
-        </p:txBody>
-      </p:sp>
-      <p:sp>
-        <p:nvSpPr>
-          <p:cNvPr id="165893" name="Rectangle 5"/>
-          <p:cNvSpPr>
-            <a:spLocks noChangeArrowheads="1"/>
-          </p:cNvSpPr>
-          <p:nvPr/>
-        </p:nvSpPr>
-        <p:spPr bwMode="auto">
-          <a:xfrm>
-            <a:off x="914400" y="4114800"/>
-            <a:ext cx="2133600" cy="2133600"/>
-          </a:xfrm>
-          <a:prstGeom prst="rect">
-            <a:avLst/>
-          </a:prstGeom>
-          <a:solidFill>
-            <a:schemeClr val="bg1"/>
-          </a:solidFill>
-          <a:ln w="9525">
-            <a:solidFill>
-              <a:schemeClr val="tx1"/>
-            </a:solidFill>
-            <a:miter lim="800000"/>
-            <a:headEnd/>
-            <a:tailEnd/>
-          </a:ln>
-          <a:effectLst>
-            <a:outerShdw dist="35921" dir="2700000" algn="ctr" rotWithShape="0">
-              <a:schemeClr val="bg2"/>
-            </a:outerShdw>
-          </a:effectLst>
-        </p:spPr>
-        <p:txBody>
-          <a:bodyPr wrap="none" anchor="ctr"/>
-          <a:lstStyle/>
-          <a:p>
-            <a:pPr algn="ctr"/>
-            <a:endParaRPr lang="nl-NL">
-              <a:solidFill>
-                <a:schemeClr val="accent2"/>
-              </a:solidFill>
-            </a:endParaRPr>
-          </a:p>
-        </p:txBody>
-      </p:sp>
-      <p:sp>
-        <p:nvSpPr>
-          <p:cNvPr id="165895" name="Rectangle 7"/>
-          <p:cNvSpPr>
-            <a:spLocks noChangeArrowheads="1"/>
-          </p:cNvSpPr>
-          <p:nvPr/>
-        </p:nvSpPr>
-        <p:spPr bwMode="auto">
-          <a:xfrm>
-            <a:off x="4876800" y="4114800"/>
-            <a:ext cx="2133600" cy="2133600"/>
-          </a:xfrm>
-          <a:prstGeom prst="rect">
-            <a:avLst/>
-          </a:prstGeom>
-          <a:solidFill>
-            <a:schemeClr val="accent2"/>
-          </a:solidFill>
-          <a:ln w="9525">
-            <a:solidFill>
-              <a:schemeClr val="accent2"/>
-            </a:solidFill>
-            <a:miter lim="800000"/>
-            <a:headEnd/>
-            <a:tailEnd/>
-          </a:ln>
-          <a:effectLst>
-            <a:outerShdw dist="35921" dir="2700000" algn="ctr" rotWithShape="0">
-              <a:schemeClr val="bg2"/>
-            </a:outerShdw>
-          </a:effectLst>
-        </p:spPr>
-        <p:txBody>
-          <a:bodyPr wrap="none" anchor="ctr"/>
-          <a:lstStyle/>
-          <a:p>
-            <a:pPr algn="ctr"/>
-            <a:endParaRPr lang="nl-NL">
-              <a:solidFill>
-                <a:schemeClr val="accent2"/>
-              </a:solidFill>
-            </a:endParaRPr>
+            <a:endParaRPr lang="nl-NL"/>
           </a:p>
         </p:txBody>
       </p:sp>
     </p:spTree>
+    <p:extLst>
+      <p:ext uri="{BB962C8B-B14F-4D97-AF65-F5344CB8AC3E}">
+        <p14:creationId xmlns:p14="http://schemas.microsoft.com/office/powerpoint/2010/main" val="478925319"/>
+      </p:ext>
+    </p:extLst>
   </p:cSld>
   <p:clrMapOvr>
     <a:masterClrMapping/>
   </p:clrMapOvr>
-  <p:timing>
-    <p:tnLst>
-      <p:par>
-        <p:cTn id="1" dur="indefinite" restart="never" nodeType="tmRoot"/>
-      </p:par>
-    </p:tnLst>
-  </p:timing>
 </p:sld>
 </file>
 
@@ -9087,9 +7622,9 @@
       </p:grpSpPr>
       <p:sp>
         <p:nvSpPr>
-          <p:cNvPr id="166914" name="Rectangle 2"/>
-          <p:cNvSpPr>
-            <a:spLocks noGrp="1" noChangeArrowheads="1"/>
+          <p:cNvPr id="2" name="Titel 1"/>
+          <p:cNvSpPr>
+            <a:spLocks noGrp="1"/>
           </p:cNvSpPr>
           <p:nvPr>
             <p:ph type="title"/>
@@ -9101,82 +7636,42 @@
           <a:lstStyle/>
           <a:p>
             <a:r>
-              <a:rPr lang="en-US"/>
-              <a:t>Hu ppt [fotografie]</a:t>
-            </a:r>
-          </a:p>
-        </p:txBody>
-      </p:sp>
-      <p:sp>
-        <p:nvSpPr>
-          <p:cNvPr id="166915" name="Rectangle 3"/>
-          <p:cNvSpPr>
-            <a:spLocks noGrp="1" noChangeAspect="1" noChangeArrowheads="1"/>
-          </p:cNvSpPr>
-          <p:nvPr>
-            <p:ph type="body" idx="1"/>
-          </p:nvPr>
-        </p:nvSpPr>
-        <p:spPr>
-          <a:xfrm>
-            <a:off x="3962400" y="3206750"/>
-            <a:ext cx="3843338" cy="946150"/>
-          </a:xfrm>
-          <a:noFill/>
-        </p:spPr>
+              <a:rPr lang="nl-NL" dirty="0" smtClean="0"/>
+              <a:t>Feedback</a:t>
+            </a:r>
+            <a:endParaRPr lang="nl-NL" dirty="0"/>
+          </a:p>
+        </p:txBody>
+      </p:sp>
+      <p:sp>
+        <p:nvSpPr>
+          <p:cNvPr id="3" name="Tijdelijke aanduiding voor inhoud 2"/>
+          <p:cNvSpPr>
+            <a:spLocks noGrp="1"/>
+          </p:cNvSpPr>
+          <p:nvPr>
+            <p:ph idx="1"/>
+          </p:nvPr>
+        </p:nvSpPr>
+        <p:spPr/>
         <p:txBody>
           <a:bodyPr/>
           <a:lstStyle/>
           <a:p>
-            <a:pPr>
-              <a:buFont typeface="Zapf Dingbats" charset="2"/>
-              <a:buNone/>
-            </a:pPr>
-            <a:r>
-              <a:rPr lang="en-US"/>
-              <a:t>	foto’s bij voorkeur aflopend plaatsen</a:t>
-            </a:r>
-          </a:p>
-        </p:txBody>
-      </p:sp>
-      <p:pic>
-        <p:nvPicPr>
-          <p:cNvPr id="166923" name="Picture 11" descr="fotografie.pdf                                                 000C6298Macintosh HD                   BB707946:"/>
-          <p:cNvPicPr>
-            <a:picLocks noChangeAspect="1" noChangeArrowheads="1"/>
-          </p:cNvPicPr>
-          <p:nvPr/>
-        </p:nvPicPr>
-        <p:blipFill>
-          <a:blip r:embed="rId3" r:link="rId4" cstate="print"/>
-          <a:srcRect/>
-          <a:stretch>
-            <a:fillRect/>
-          </a:stretch>
-        </p:blipFill>
-        <p:spPr bwMode="auto">
-          <a:xfrm>
-            <a:off x="-63500" y="1371600"/>
-            <a:ext cx="3949700" cy="5715000"/>
-          </a:xfrm>
-          <a:prstGeom prst="rect">
-            <a:avLst/>
-          </a:prstGeom>
-          <a:noFill/>
-        </p:spPr>
-      </p:pic>
+            <a:endParaRPr lang="nl-NL"/>
+          </a:p>
+        </p:txBody>
+      </p:sp>
     </p:spTree>
+    <p:extLst>
+      <p:ext uri="{BB962C8B-B14F-4D97-AF65-F5344CB8AC3E}">
+        <p14:creationId xmlns:p14="http://schemas.microsoft.com/office/powerpoint/2010/main" val="1160125846"/>
+      </p:ext>
+    </p:extLst>
   </p:cSld>
   <p:clrMapOvr>
     <a:masterClrMapping/>
   </p:clrMapOvr>
-  <p:timing>
-    <p:tnLst>
-      <p:par>
-        <p:cTn id="1" dur="indefinite" restart="never" nodeType="tmRoot"/>
-      </p:par>
-    </p:tnLst>
-  </p:timing>
 </p:sld>
 </file>
 
@@ -9199,9 +7694,9 @@
       </p:grpSpPr>
       <p:sp>
         <p:nvSpPr>
-          <p:cNvPr id="169986" name="Rectangle 2"/>
-          <p:cNvSpPr>
-            <a:spLocks noGrp="1" noChangeArrowheads="1"/>
+          <p:cNvPr id="2" name="Titel 1"/>
+          <p:cNvSpPr>
+            <a:spLocks noGrp="1"/>
           </p:cNvSpPr>
           <p:nvPr>
             <p:ph type="title"/>
@@ -9213,83 +7708,96 @@
           <a:lstStyle/>
           <a:p>
             <a:r>
-              <a:rPr lang="en-US"/>
-              <a:t>HU ppt kleurenschema</a:t>
-            </a:r>
-          </a:p>
-        </p:txBody>
-      </p:sp>
-      <p:sp>
-        <p:nvSpPr>
-          <p:cNvPr id="169988" name="Rectangle 4"/>
-          <p:cNvSpPr>
-            <a:spLocks noGrp="1" noChangeAspect="1" noChangeArrowheads="1"/>
-          </p:cNvSpPr>
-          <p:nvPr>
-            <p:ph type="body" sz="half" idx="2"/>
+              <a:rPr lang="nl-NL" dirty="0" smtClean="0"/>
+              <a:t>Topics</a:t>
+            </a:r>
+            <a:endParaRPr lang="nl-NL" dirty="0"/>
+          </a:p>
+        </p:txBody>
+      </p:sp>
+      <p:sp>
+        <p:nvSpPr>
+          <p:cNvPr id="3" name="Tijdelijke aanduiding voor inhoud 2"/>
+          <p:cNvSpPr>
+            <a:spLocks noGrp="1"/>
+          </p:cNvSpPr>
+          <p:nvPr>
+            <p:ph idx="1"/>
           </p:nvPr>
         </p:nvSpPr>
         <p:spPr>
           <a:xfrm>
-            <a:off x="4191000" y="3111500"/>
-            <a:ext cx="4724400" cy="1552575"/>
+            <a:off x="762000" y="1762125"/>
+            <a:ext cx="7881938" cy="3120854"/>
           </a:xfrm>
         </p:spPr>
         <p:txBody>
           <a:bodyPr/>
           <a:lstStyle/>
           <a:p>
-            <a:pPr>
-              <a:buClr>
-                <a:schemeClr val="tx1"/>
-              </a:buClr>
-              <a:buSzPct val="70000"/>
-              <a:buFont typeface="Wingdings" pitchFamily="2" charset="2"/>
-              <a:buNone/>
-            </a:pPr>
-            <a:r>
-              <a:rPr lang="en-US" sz="2400"/>
-              <a:t>	Het hiernaast weergegeven kleurenschema is in de        HU-template ingesteld als voorkeursschema</a:t>
-            </a:r>
-          </a:p>
-        </p:txBody>
-      </p:sp>
-      <p:pic>
-        <p:nvPicPr>
-          <p:cNvPr id="169993" name="Picture 9" descr="kleurenschema.pdf                                              000C6298Macintosh HD                   BB707946:"/>
-          <p:cNvPicPr>
-            <a:picLocks noGrp="1" noChangeAspect="1" noChangeArrowheads="1"/>
-          </p:cNvPicPr>
-          <p:nvPr>
-            <p:ph sz="half" idx="1"/>
-          </p:nvPr>
-        </p:nvPicPr>
-        <p:blipFill>
-          <a:blip r:embed="rId3" r:link="rId4" cstate="print"/>
-          <a:srcRect/>
-          <a:stretch>
-            <a:fillRect/>
-          </a:stretch>
-        </p:blipFill>
-        <p:spPr>
-          <a:xfrm>
-            <a:off x="928688" y="1752600"/>
-            <a:ext cx="3262312" cy="3810000"/>
-          </a:xfrm>
-        </p:spPr>
-      </p:pic>
+            <a:r>
+              <a:rPr lang="nl-NL" sz="2400" dirty="0" smtClean="0"/>
+              <a:t>Machine </a:t>
+            </a:r>
+            <a:r>
+              <a:rPr lang="nl-NL" sz="2400" dirty="0" err="1" smtClean="0"/>
+              <a:t>learning</a:t>
+            </a:r>
+            <a:endParaRPr lang="nl-NL" sz="2400" dirty="0" smtClean="0"/>
+          </a:p>
+          <a:p>
+            <a:endParaRPr lang="nl-NL" sz="2400" dirty="0"/>
+          </a:p>
+          <a:p>
+            <a:r>
+              <a:rPr lang="nl-NL" sz="2400" i="1" dirty="0" smtClean="0"/>
+              <a:t>k</a:t>
+            </a:r>
+            <a:r>
+              <a:rPr lang="nl-NL" sz="2400" dirty="0" smtClean="0"/>
+              <a:t>-means </a:t>
+            </a:r>
+            <a:r>
+              <a:rPr lang="nl-NL" sz="2400" dirty="0" err="1" smtClean="0"/>
+              <a:t>algorithm</a:t>
+            </a:r>
+            <a:endParaRPr lang="nl-NL" sz="2400" dirty="0" smtClean="0"/>
+          </a:p>
+          <a:p>
+            <a:endParaRPr lang="nl-NL" sz="2400" i="1" dirty="0"/>
+          </a:p>
+          <a:p>
+            <a:r>
+              <a:rPr lang="nl-NL" sz="2400" dirty="0" err="1" smtClean="0"/>
+              <a:t>Assignment</a:t>
+            </a:r>
+            <a:r>
+              <a:rPr lang="nl-NL" sz="2400" dirty="0" smtClean="0"/>
+              <a:t> 3: Kaggle</a:t>
+            </a:r>
+          </a:p>
+          <a:p>
+            <a:endParaRPr lang="nl-NL" sz="2400" dirty="0"/>
+          </a:p>
+          <a:p>
+            <a:r>
+              <a:rPr lang="nl-NL" sz="2400" dirty="0" smtClean="0"/>
+              <a:t>Feature engineering</a:t>
+            </a:r>
+            <a:endParaRPr lang="nl-NL" sz="2400" dirty="0"/>
+          </a:p>
+        </p:txBody>
+      </p:sp>
     </p:spTree>
+    <p:extLst>
+      <p:ext uri="{BB962C8B-B14F-4D97-AF65-F5344CB8AC3E}">
+        <p14:creationId xmlns:p14="http://schemas.microsoft.com/office/powerpoint/2010/main" val="2237682143"/>
+      </p:ext>
+    </p:extLst>
   </p:cSld>
   <p:clrMapOvr>
     <a:masterClrMapping/>
   </p:clrMapOvr>
-  <p:timing>
-    <p:tnLst>
-      <p:par>
-        <p:cTn id="1" dur="indefinite" restart="never" nodeType="tmRoot"/>
-      </p:par>
-    </p:tnLst>
-  </p:timing>
 </p:sld>
 </file>
 
@@ -9312,9 +7820,9 @@
       </p:grpSpPr>
       <p:sp>
         <p:nvSpPr>
-          <p:cNvPr id="171010" name="Rectangle 2"/>
-          <p:cNvSpPr>
-            <a:spLocks noGrp="1" noChangeArrowheads="1"/>
+          <p:cNvPr id="2" name="Titel 1"/>
+          <p:cNvSpPr>
+            <a:spLocks noGrp="1"/>
           </p:cNvSpPr>
           <p:nvPr>
             <p:ph type="title"/>
@@ -9326,103 +7834,42 @@
           <a:lstStyle/>
           <a:p>
             <a:r>
-              <a:rPr lang="en-US"/>
-              <a:t>HU ppt [taart]</a:t>
-            </a:r>
-          </a:p>
-        </p:txBody>
-      </p:sp>
-      <p:graphicFrame>
-        <p:nvGraphicFramePr>
-          <p:cNvPr id="171011" name="Object 3"/>
-          <p:cNvGraphicFramePr>
-            <a:graphicFrameLocks noChangeAspect="1"/>
-          </p:cNvGraphicFramePr>
-          <p:nvPr>
-            <p:ph type="chart" sz="half" idx="1"/>
-          </p:nvPr>
-        </p:nvGraphicFramePr>
-        <p:xfrm>
-          <a:off x="-1219200" y="1219200"/>
-          <a:ext cx="5943600" cy="3406775"/>
-        </p:xfrm>
-        <a:graphic>
-          <a:graphicData uri="http://schemas.openxmlformats.org/presentationml/2006/ole">
-            <p:oleObj spid="_x0000_s171011" name="Chart" r:id="rId4" imgW="8991600" imgH="5152934" progId="MSGraph.Chart.8">
-              <p:embed followColorScheme="full"/>
-            </p:oleObj>
-          </a:graphicData>
-        </a:graphic>
-      </p:graphicFrame>
-      <p:sp>
-        <p:nvSpPr>
-          <p:cNvPr id="171012" name="Rectangle 4"/>
-          <p:cNvSpPr>
-            <a:spLocks noGrp="1" noChangeAspect="1" noChangeArrowheads="1"/>
-          </p:cNvSpPr>
-          <p:nvPr>
-            <p:ph type="body" sz="half" idx="2"/>
-          </p:nvPr>
-        </p:nvSpPr>
-        <p:spPr>
-          <a:xfrm>
-            <a:off x="381000" y="4953000"/>
-            <a:ext cx="8262938" cy="822325"/>
-          </a:xfrm>
-        </p:spPr>
+              <a:rPr lang="nl-NL" dirty="0" smtClean="0"/>
+              <a:t>Definition</a:t>
+            </a:r>
+            <a:endParaRPr lang="nl-NL" dirty="0"/>
+          </a:p>
+        </p:txBody>
+      </p:sp>
+      <p:sp>
+        <p:nvSpPr>
+          <p:cNvPr id="3" name="Tijdelijke aanduiding voor inhoud 2"/>
+          <p:cNvSpPr>
+            <a:spLocks noGrp="1"/>
+          </p:cNvSpPr>
+          <p:nvPr>
+            <p:ph idx="1"/>
+          </p:nvPr>
+        </p:nvSpPr>
+        <p:spPr/>
         <p:txBody>
           <a:bodyPr/>
           <a:lstStyle/>
           <a:p>
-            <a:pPr>
-              <a:buFont typeface="Zapf Dingbats" charset="2"/>
-              <a:buNone/>
-            </a:pPr>
-            <a:r>
-              <a:rPr lang="en-US" sz="2400"/>
-              <a:t>	Door dubbel te klikken op de ‘taart’ kunt u deze toevoegen aan uw persoonlijke voorkeuren</a:t>
-            </a:r>
-          </a:p>
-        </p:txBody>
-      </p:sp>
-      <p:pic>
-        <p:nvPicPr>
-          <p:cNvPr id="171015" name="Picture 7" descr="hu-taart.pdf                                                   000C6298Macintosh HD                   BB707946:"/>
-          <p:cNvPicPr>
-            <a:picLocks noChangeAspect="1" noChangeArrowheads="1"/>
-          </p:cNvPicPr>
-          <p:nvPr/>
-        </p:nvPicPr>
-        <p:blipFill>
-          <a:blip r:embed="rId5" r:link="rId6" cstate="print"/>
-          <a:srcRect/>
-          <a:stretch>
-            <a:fillRect/>
-          </a:stretch>
-        </p:blipFill>
-        <p:spPr bwMode="auto">
-          <a:xfrm>
-            <a:off x="4953000" y="1828800"/>
-            <a:ext cx="2328863" cy="2514600"/>
-          </a:xfrm>
-          <a:prstGeom prst="rect">
-            <a:avLst/>
-          </a:prstGeom>
-          <a:noFill/>
-        </p:spPr>
-      </p:pic>
+            <a:endParaRPr lang="nl-NL"/>
+          </a:p>
+        </p:txBody>
+      </p:sp>
     </p:spTree>
+    <p:extLst>
+      <p:ext uri="{BB962C8B-B14F-4D97-AF65-F5344CB8AC3E}">
+        <p14:creationId xmlns:p14="http://schemas.microsoft.com/office/powerpoint/2010/main" val="2315866323"/>
+      </p:ext>
+    </p:extLst>
   </p:cSld>
   <p:clrMapOvr>
     <a:masterClrMapping/>
   </p:clrMapOvr>
-  <p:timing>
-    <p:tnLst>
-      <p:par>
-        <p:cTn id="1" dur="indefinite" restart="never" nodeType="tmRoot"/>
-      </p:par>
-    </p:tnLst>
-  </p:timing>
 </p:sld>
 </file>
 
@@ -9445,117 +7892,85 @@
       </p:grpSpPr>
       <p:sp>
         <p:nvSpPr>
-          <p:cNvPr id="172034" name="Rectangle 2"/>
-          <p:cNvSpPr>
-            <a:spLocks noGrp="1" noChangeArrowheads="1"/>
+          <p:cNvPr id="2" name="Titel 1"/>
+          <p:cNvSpPr>
+            <a:spLocks noGrp="1"/>
           </p:cNvSpPr>
           <p:nvPr>
             <p:ph type="title"/>
-          </p:nvPr>
-        </p:nvSpPr>
-        <p:spPr/>
-        <p:txBody>
-          <a:bodyPr/>
-          <a:lstStyle/>
-          <a:p>
-            <a:r>
-              <a:rPr lang="en-US"/>
-              <a:t>HU ppt [staaf]</a:t>
-            </a:r>
-          </a:p>
-        </p:txBody>
-      </p:sp>
-      <p:graphicFrame>
-        <p:nvGraphicFramePr>
-          <p:cNvPr id="172035" name="Object 3"/>
-          <p:cNvGraphicFramePr>
-            <a:graphicFrameLocks noChangeAspect="1"/>
-          </p:cNvGraphicFramePr>
-          <p:nvPr>
-            <p:ph type="chart" sz="half" idx="1"/>
-          </p:nvPr>
-        </p:nvGraphicFramePr>
-        <p:xfrm>
-          <a:off x="-1295400" y="1681163"/>
-          <a:ext cx="6096000" cy="3494087"/>
-        </p:xfrm>
-        <a:graphic>
-          <a:graphicData uri="http://schemas.openxmlformats.org/presentationml/2006/ole">
-            <p:oleObj spid="_x0000_s172035" name="Chart" r:id="rId4" imgW="8991600" imgH="5152934" progId="MSGraph.Chart.8">
-              <p:embed followColorScheme="full"/>
-            </p:oleObj>
-          </a:graphicData>
-        </a:graphic>
-      </p:graphicFrame>
-      <p:sp>
-        <p:nvSpPr>
-          <p:cNvPr id="172036" name="Rectangle 4"/>
-          <p:cNvSpPr>
-            <a:spLocks noGrp="1" noChangeAspect="1" noChangeArrowheads="1"/>
-          </p:cNvSpPr>
-          <p:nvPr>
-            <p:ph type="body" sz="half" idx="2"/>
           </p:nvPr>
         </p:nvSpPr>
         <p:spPr>
           <a:xfrm>
-            <a:off x="457200" y="4953000"/>
-            <a:ext cx="8262938" cy="822325"/>
+            <a:off x="838200" y="234931"/>
+            <a:ext cx="6172200" cy="954107"/>
           </a:xfrm>
         </p:spPr>
         <p:txBody>
           <a:bodyPr/>
           <a:lstStyle/>
           <a:p>
-            <a:pPr>
-              <a:buFont typeface="Zapf Dingbats" charset="2"/>
-              <a:buNone/>
-            </a:pPr>
-            <a:r>
-              <a:rPr lang="en-US" sz="2400"/>
-              <a:t>	Door dubbel te klikken op de ‘staafdiagram’ kunt u deze toevoegen aan uw persoonlijke voorkeuren</a:t>
-            </a:r>
-          </a:p>
-        </p:txBody>
-      </p:sp>
-      <p:pic>
-        <p:nvPicPr>
-          <p:cNvPr id="172040" name="Picture 8" descr=" staaf.pdf                                                      000C6298Macintosh HD                   BB707946:"/>
-          <p:cNvPicPr>
-            <a:picLocks noChangeAspect="1" noChangeArrowheads="1"/>
-          </p:cNvPicPr>
-          <p:nvPr/>
-        </p:nvPicPr>
-        <p:blipFill>
-          <a:blip r:embed="rId5" r:link="rId6" cstate="print"/>
-          <a:srcRect/>
-          <a:stretch>
-            <a:fillRect/>
-          </a:stretch>
-        </p:blipFill>
-        <p:spPr bwMode="auto">
-          <a:xfrm>
-            <a:off x="4953000" y="1828800"/>
-            <a:ext cx="2654300" cy="2819400"/>
-          </a:xfrm>
-          <a:prstGeom prst="rect">
-            <a:avLst/>
-          </a:prstGeom>
-          <a:noFill/>
-        </p:spPr>
-      </p:pic>
+            <a:r>
+              <a:rPr lang="nl-NL" sz="2800" dirty="0" err="1" smtClean="0"/>
+              <a:t>Example</a:t>
+            </a:r>
+            <a:r>
+              <a:rPr lang="nl-NL" sz="2800" dirty="0" smtClean="0"/>
+              <a:t> </a:t>
+            </a:r>
+            <a:r>
+              <a:rPr lang="nl-NL" sz="2800" dirty="0" err="1" smtClean="0"/>
+              <a:t>algorithms</a:t>
+            </a:r>
+            <a:r>
+              <a:rPr lang="nl-NL" sz="2800" dirty="0" smtClean="0"/>
+              <a:t> </a:t>
+            </a:r>
+            <a:r>
+              <a:rPr lang="nl-NL" sz="2800" dirty="0" err="1" smtClean="0"/>
+              <a:t>and</a:t>
+            </a:r>
+            <a:r>
+              <a:rPr lang="nl-NL" sz="2800" dirty="0" smtClean="0"/>
+              <a:t> </a:t>
+            </a:r>
+            <a:r>
+              <a:rPr lang="nl-NL" sz="2800" dirty="0" err="1" smtClean="0"/>
+              <a:t>applications</a:t>
+            </a:r>
+            <a:endParaRPr lang="nl-NL" sz="2800" dirty="0"/>
+          </a:p>
+        </p:txBody>
+      </p:sp>
+      <p:sp>
+        <p:nvSpPr>
+          <p:cNvPr id="3" name="Tijdelijke aanduiding voor inhoud 2"/>
+          <p:cNvSpPr>
+            <a:spLocks noGrp="1"/>
+          </p:cNvSpPr>
+          <p:nvPr>
+            <p:ph idx="1"/>
+          </p:nvPr>
+        </p:nvSpPr>
+        <p:spPr/>
+        <p:txBody>
+          <a:bodyPr/>
+          <a:lstStyle/>
+          <a:p>
+            <a:endParaRPr lang="nl-NL"/>
+          </a:p>
+        </p:txBody>
+      </p:sp>
     </p:spTree>
+    <p:extLst>
+      <p:ext uri="{BB962C8B-B14F-4D97-AF65-F5344CB8AC3E}">
+        <p14:creationId xmlns:p14="http://schemas.microsoft.com/office/powerpoint/2010/main" val="2401514980"/>
+      </p:ext>
+    </p:extLst>
   </p:cSld>
   <p:clrMapOvr>
     <a:masterClrMapping/>
   </p:clrMapOvr>
-  <p:timing>
-    <p:tnLst>
-      <p:par>
-        <p:cTn id="1" dur="indefinite" restart="never" nodeType="tmRoot"/>
-      </p:par>
-    </p:tnLst>
-  </p:timing>
 </p:sld>
 </file>
 
@@ -9578,9 +7993,9 @@
       </p:grpSpPr>
       <p:sp>
         <p:nvSpPr>
-          <p:cNvPr id="173058" name="Rectangle 2"/>
-          <p:cNvSpPr>
-            <a:spLocks noGrp="1" noChangeArrowheads="1"/>
+          <p:cNvPr id="2" name="Titel 1"/>
+          <p:cNvSpPr>
+            <a:spLocks noGrp="1"/>
           </p:cNvSpPr>
           <p:nvPr>
             <p:ph type="title"/>
@@ -9592,103 +8007,50 @@
           <a:lstStyle/>
           <a:p>
             <a:r>
-              <a:rPr lang="en-US"/>
-              <a:t>HU ppt [lijn]</a:t>
-            </a:r>
-          </a:p>
-        </p:txBody>
-      </p:sp>
-      <p:graphicFrame>
-        <p:nvGraphicFramePr>
-          <p:cNvPr id="173059" name="Object 3"/>
-          <p:cNvGraphicFramePr>
-            <a:graphicFrameLocks noChangeAspect="1"/>
-          </p:cNvGraphicFramePr>
-          <p:nvPr>
-            <p:ph type="chart" sz="half" idx="1"/>
-          </p:nvPr>
-        </p:nvGraphicFramePr>
-        <p:xfrm>
-          <a:off x="-1219200" y="1681163"/>
-          <a:ext cx="6096000" cy="3494087"/>
-        </p:xfrm>
-        <a:graphic>
-          <a:graphicData uri="http://schemas.openxmlformats.org/presentationml/2006/ole">
-            <p:oleObj spid="_x0000_s173059" name="Chart" r:id="rId4" imgW="8991600" imgH="5152934" progId="MSGraph.Chart.8">
-              <p:embed followColorScheme="full"/>
-            </p:oleObj>
-          </a:graphicData>
-        </a:graphic>
-      </p:graphicFrame>
-      <p:sp>
-        <p:nvSpPr>
-          <p:cNvPr id="173060" name="Rectangle 4"/>
-          <p:cNvSpPr>
-            <a:spLocks noGrp="1" noChangeAspect="1" noChangeArrowheads="1"/>
-          </p:cNvSpPr>
-          <p:nvPr>
-            <p:ph type="body" sz="half" idx="2"/>
-          </p:nvPr>
-        </p:nvSpPr>
-        <p:spPr>
-          <a:xfrm>
-            <a:off x="457200" y="4953000"/>
-            <a:ext cx="8262938" cy="822325"/>
-          </a:xfrm>
-        </p:spPr>
+              <a:rPr lang="nl-NL" dirty="0" err="1" smtClean="0"/>
+              <a:t>Supervised</a:t>
+            </a:r>
+            <a:r>
+              <a:rPr lang="nl-NL" dirty="0" smtClean="0"/>
+              <a:t> vs. </a:t>
+            </a:r>
+            <a:r>
+              <a:rPr lang="nl-NL" dirty="0" err="1" smtClean="0"/>
+              <a:t>unsupervised</a:t>
+            </a:r>
+            <a:endParaRPr lang="nl-NL" dirty="0"/>
+          </a:p>
+        </p:txBody>
+      </p:sp>
+      <p:sp>
+        <p:nvSpPr>
+          <p:cNvPr id="3" name="Tijdelijke aanduiding voor inhoud 2"/>
+          <p:cNvSpPr>
+            <a:spLocks noGrp="1"/>
+          </p:cNvSpPr>
+          <p:nvPr>
+            <p:ph idx="1"/>
+          </p:nvPr>
+        </p:nvSpPr>
+        <p:spPr/>
         <p:txBody>
           <a:bodyPr/>
           <a:lstStyle/>
           <a:p>
-            <a:pPr>
-              <a:buFont typeface="Zapf Dingbats" charset="2"/>
-              <a:buNone/>
-            </a:pPr>
-            <a:r>
-              <a:rPr lang="en-US" sz="2400"/>
-              <a:t>	Door dubbel te klikken op de ‘lijndiagram’ kunt u deze toevoegen aan uw persoonlijke voorkeuren</a:t>
-            </a:r>
-          </a:p>
-        </p:txBody>
-      </p:sp>
-      <p:pic>
-        <p:nvPicPr>
-          <p:cNvPr id="173063" name="Picture 7" descr="lijn.pdf                                                       000C6298Macintosh HD                   BB707946:"/>
-          <p:cNvPicPr>
-            <a:picLocks noChangeAspect="1" noChangeArrowheads="1"/>
-          </p:cNvPicPr>
-          <p:nvPr/>
-        </p:nvPicPr>
-        <p:blipFill>
-          <a:blip r:embed="rId5" r:link="rId6" cstate="print"/>
-          <a:srcRect/>
-          <a:stretch>
-            <a:fillRect/>
-          </a:stretch>
-        </p:blipFill>
-        <p:spPr bwMode="auto">
-          <a:xfrm>
-            <a:off x="4875213" y="1828800"/>
-            <a:ext cx="2617787" cy="2819400"/>
-          </a:xfrm>
-          <a:prstGeom prst="rect">
-            <a:avLst/>
-          </a:prstGeom>
-          <a:noFill/>
-        </p:spPr>
-      </p:pic>
+            <a:endParaRPr lang="nl-NL"/>
+          </a:p>
+        </p:txBody>
+      </p:sp>
     </p:spTree>
+    <p:extLst>
+      <p:ext uri="{BB962C8B-B14F-4D97-AF65-F5344CB8AC3E}">
+        <p14:creationId xmlns:p14="http://schemas.microsoft.com/office/powerpoint/2010/main" val="253919061"/>
+      </p:ext>
+    </p:extLst>
   </p:cSld>
   <p:clrMapOvr>
     <a:masterClrMapping/>
   </p:clrMapOvr>
-  <p:timing>
-    <p:tnLst>
-      <p:par>
-        <p:cTn id="1" dur="indefinite" restart="never" nodeType="tmRoot"/>
-      </p:par>
-    </p:tnLst>
-  </p:timing>
 </p:sld>
 </file>
 
@@ -9711,9 +8073,9 @@
       </p:grpSpPr>
       <p:sp>
         <p:nvSpPr>
-          <p:cNvPr id="175106" name="Rectangle 2"/>
-          <p:cNvSpPr>
-            <a:spLocks noGrp="1" noChangeArrowheads="1"/>
+          <p:cNvPr id="2" name="Titel 1"/>
+          <p:cNvSpPr>
+            <a:spLocks noGrp="1"/>
           </p:cNvSpPr>
           <p:nvPr>
             <p:ph type="title"/>
@@ -9725,46 +8087,50 @@
           <a:lstStyle/>
           <a:p>
             <a:r>
-              <a:rPr lang="en-US"/>
-              <a:t>HU ppt [organisatieschema]</a:t>
-            </a:r>
-          </a:p>
-        </p:txBody>
-      </p:sp>
-      <p:graphicFrame>
-        <p:nvGraphicFramePr>
-          <p:cNvPr id="175107" name="Object 3"/>
-          <p:cNvGraphicFramePr>
-            <a:graphicFrameLocks noChangeAspect="1"/>
-          </p:cNvGraphicFramePr>
-          <p:nvPr>
-            <p:ph type="dgm" idx="1"/>
-          </p:nvPr>
-        </p:nvGraphicFramePr>
-        <p:xfrm>
-          <a:off x="1187450" y="2060575"/>
-          <a:ext cx="6769100" cy="1368425"/>
-        </p:xfrm>
-        <a:graphic>
-          <a:graphicData uri="http://schemas.openxmlformats.org/presentationml/2006/ole">
-            <p:oleObj spid="_x0000_s175107" name="Microsoft Organization Chart" r:id="rId4" imgW="9550400" imgH="2667000" progId="MSOrgChart.2">
-              <p:embed followColorScheme="full"/>
-            </p:oleObj>
-          </a:graphicData>
-        </a:graphic>
-      </p:graphicFrame>
+              <a:rPr lang="nl-NL" dirty="0" err="1" smtClean="0"/>
+              <a:t>Classification</a:t>
+            </a:r>
+            <a:r>
+              <a:rPr lang="nl-NL" dirty="0" smtClean="0"/>
+              <a:t> vs. </a:t>
+            </a:r>
+            <a:r>
+              <a:rPr lang="nl-NL" dirty="0" err="1" smtClean="0"/>
+              <a:t>regression</a:t>
+            </a:r>
+            <a:endParaRPr lang="nl-NL" dirty="0"/>
+          </a:p>
+        </p:txBody>
+      </p:sp>
+      <p:sp>
+        <p:nvSpPr>
+          <p:cNvPr id="3" name="Tijdelijke aanduiding voor inhoud 2"/>
+          <p:cNvSpPr>
+            <a:spLocks noGrp="1"/>
+          </p:cNvSpPr>
+          <p:nvPr>
+            <p:ph idx="1"/>
+          </p:nvPr>
+        </p:nvSpPr>
+        <p:spPr/>
+        <p:txBody>
+          <a:bodyPr/>
+          <a:lstStyle/>
+          <a:p>
+            <a:endParaRPr lang="nl-NL"/>
+          </a:p>
+        </p:txBody>
+      </p:sp>
     </p:spTree>
+    <p:extLst>
+      <p:ext uri="{BB962C8B-B14F-4D97-AF65-F5344CB8AC3E}">
+        <p14:creationId xmlns:p14="http://schemas.microsoft.com/office/powerpoint/2010/main" val="3164892355"/>
+      </p:ext>
+    </p:extLst>
   </p:cSld>
   <p:clrMapOvr>
     <a:masterClrMapping/>
   </p:clrMapOvr>
-  <p:timing>
-    <p:tnLst>
-      <p:par>
-        <p:cTn id="1" dur="indefinite" restart="never" nodeType="tmRoot"/>
-      </p:par>
-    </p:tnLst>
-  </p:timing>
 </p:sld>
 </file>
 

--- a/slides/ddl-w6l1.pptx
+++ b/slides/ddl-w6l1.pptx
@@ -5,10 +5,10 @@
     <p:sldMasterId id="2147483649" r:id="rId1"/>
   </p:sldMasterIdLst>
   <p:notesMasterIdLst>
-    <p:notesMasterId r:id="rId30"/>
+    <p:notesMasterId r:id="rId29"/>
   </p:notesMasterIdLst>
   <p:handoutMasterIdLst>
-    <p:handoutMasterId r:id="rId31"/>
+    <p:handoutMasterId r:id="rId30"/>
   </p:handoutMasterIdLst>
   <p:sldIdLst>
     <p:sldId id="276" r:id="rId2"/>
@@ -17,28 +17,27 @@
     <p:sldId id="279" r:id="rId5"/>
     <p:sldId id="298" r:id="rId6"/>
     <p:sldId id="297" r:id="rId7"/>
-    <p:sldId id="304" r:id="rId8"/>
-    <p:sldId id="305" r:id="rId9"/>
-    <p:sldId id="306" r:id="rId10"/>
-    <p:sldId id="317" r:id="rId11"/>
-    <p:sldId id="307" r:id="rId12"/>
-    <p:sldId id="310" r:id="rId13"/>
-    <p:sldId id="308" r:id="rId14"/>
-    <p:sldId id="300" r:id="rId15"/>
-    <p:sldId id="318" r:id="rId16"/>
-    <p:sldId id="292" r:id="rId17"/>
-    <p:sldId id="294" r:id="rId18"/>
-    <p:sldId id="290" r:id="rId19"/>
-    <p:sldId id="312" r:id="rId20"/>
-    <p:sldId id="311" r:id="rId21"/>
-    <p:sldId id="319" r:id="rId22"/>
-    <p:sldId id="313" r:id="rId23"/>
-    <p:sldId id="314" r:id="rId24"/>
-    <p:sldId id="315" r:id="rId25"/>
-    <p:sldId id="316" r:id="rId26"/>
-    <p:sldId id="320" r:id="rId27"/>
-    <p:sldId id="302" r:id="rId28"/>
-    <p:sldId id="303" r:id="rId29"/>
+    <p:sldId id="305" r:id="rId8"/>
+    <p:sldId id="306" r:id="rId9"/>
+    <p:sldId id="317" r:id="rId10"/>
+    <p:sldId id="307" r:id="rId11"/>
+    <p:sldId id="310" r:id="rId12"/>
+    <p:sldId id="308" r:id="rId13"/>
+    <p:sldId id="300" r:id="rId14"/>
+    <p:sldId id="318" r:id="rId15"/>
+    <p:sldId id="292" r:id="rId16"/>
+    <p:sldId id="294" r:id="rId17"/>
+    <p:sldId id="290" r:id="rId18"/>
+    <p:sldId id="312" r:id="rId19"/>
+    <p:sldId id="311" r:id="rId20"/>
+    <p:sldId id="319" r:id="rId21"/>
+    <p:sldId id="313" r:id="rId22"/>
+    <p:sldId id="314" r:id="rId23"/>
+    <p:sldId id="315" r:id="rId24"/>
+    <p:sldId id="316" r:id="rId25"/>
+    <p:sldId id="320" r:id="rId26"/>
+    <p:sldId id="302" r:id="rId27"/>
+    <p:sldId id="303" r:id="rId28"/>
   </p:sldIdLst>
   <p:sldSz cx="9144000" cy="6858000" type="screen4x3"/>
   <p:notesSz cx="6858000" cy="9144000"/>
@@ -1428,7 +1427,7 @@
             <a:fld id="{373F1B60-BDF4-4D63-AD79-99D5A5B1DF99}" type="datetime1">
               <a:rPr lang="en-US"/>
               <a:pPr/>
-              <a:t>12/14/2018</a:t>
+              <a:t>12/16/2018</a:t>
             </a:fld>
             <a:endParaRPr lang="en-US"/>
           </a:p>
@@ -1647,7 +1646,7 @@
             <a:fld id="{4387A7AA-DFE9-4771-BEDE-3294FCEBFB02}" type="datetime1">
               <a:rPr lang="en-US"/>
               <a:pPr/>
-              <a:t>12/14/2018</a:t>
+              <a:t>12/16/2018</a:t>
             </a:fld>
             <a:endParaRPr lang="en-US"/>
           </a:p>
@@ -2038,7 +2037,7 @@
             <a:fld id="{8541E2CD-DBF4-40F9-B6F8-EEFD0DF8A138}" type="datetime1">
               <a:rPr lang="en-US"/>
               <a:pPr/>
-              <a:t>12/14/2018</a:t>
+              <a:t>12/16/2018</a:t>
             </a:fld>
             <a:endParaRPr lang="en-US"/>
           </a:p>
@@ -2229,7 +2228,7 @@
             <a:fld id="{4387A7AA-DFE9-4771-BEDE-3294FCEBFB02}" type="datetime1">
               <a:rPr lang="en-US" smtClean="0"/>
               <a:pPr/>
-              <a:t>12/14/2018</a:t>
+              <a:t>12/16/2018</a:t>
             </a:fld>
             <a:endParaRPr lang="en-US"/>
           </a:p>
@@ -2276,7 +2275,7 @@
             <a:fld id="{D61151B4-4860-4597-8EFD-6A3C75434656}" type="slidenum">
               <a:rPr lang="en-US" smtClean="0"/>
               <a:pPr/>
-              <a:t>8</a:t>
+              <a:t>7</a:t>
             </a:fld>
             <a:endParaRPr lang="en-US"/>
           </a:p>
@@ -2413,7 +2412,7 @@
             <a:fld id="{93F21019-3A00-48AC-9663-40DF67A83229}" type="datetime1">
               <a:rPr lang="en-US"/>
               <a:pPr/>
-              <a:t>12/14/2018</a:t>
+              <a:t>12/16/2018</a:t>
             </a:fld>
             <a:endParaRPr lang="en-US">
               <a:solidFill>
@@ -2599,7 +2598,7 @@
             <a:fld id="{8B2EF9C8-0AC3-4A53-9A61-1834A571F420}" type="datetime1">
               <a:rPr lang="en-US"/>
               <a:pPr/>
-              <a:t>12/14/2018</a:t>
+              <a:t>12/16/2018</a:t>
             </a:fld>
             <a:endParaRPr lang="en-US" sz="1400">
               <a:solidFill>
@@ -2796,7 +2795,7 @@
             <a:fld id="{F02960F3-A385-4905-A491-FDC17E063DD1}" type="datetime1">
               <a:rPr lang="en-US"/>
               <a:pPr/>
-              <a:t>12/14/2018</a:t>
+              <a:t>12/16/2018</a:t>
             </a:fld>
             <a:endParaRPr lang="en-US" sz="1400">
               <a:solidFill>
@@ -3055,7 +3054,7 @@
             <a:fld id="{CD3AD70A-8E2A-47B5-AC18-ABBB5A8E737D}" type="datetime1">
               <a:rPr lang="en-US"/>
               <a:pPr/>
-              <a:t>12/14/2018</a:t>
+              <a:t>12/16/2018</a:t>
             </a:fld>
             <a:endParaRPr lang="en-US" sz="1400">
               <a:solidFill>
@@ -3291,7 +3290,7 @@
             <a:fld id="{07008C2E-9BD6-496B-BFC3-B4A975EBC85E}" type="datetime1">
               <a:rPr lang="en-US"/>
               <a:pPr/>
-              <a:t>12/14/2018</a:t>
+              <a:t>12/16/2018</a:t>
             </a:fld>
             <a:endParaRPr lang="en-US" sz="1400">
               <a:solidFill>
@@ -3470,7 +3469,7 @@
             <a:fld id="{1AA2C3CF-866C-4FDE-B76D-4E9536901630}" type="datetime1">
               <a:rPr lang="en-US"/>
               <a:pPr/>
-              <a:t>12/14/2018</a:t>
+              <a:t>12/16/2018</a:t>
             </a:fld>
             <a:endParaRPr lang="en-US" sz="1400">
               <a:solidFill>
@@ -3649,7 +3648,7 @@
             <a:fld id="{555EE259-FE08-4558-B721-B189FFE77284}" type="datetime1">
               <a:rPr lang="en-US"/>
               <a:pPr/>
-              <a:t>12/14/2018</a:t>
+              <a:t>12/16/2018</a:t>
             </a:fld>
             <a:endParaRPr lang="en-US" sz="1400">
               <a:solidFill>
@@ -3918,7 +3917,7 @@
             <a:fld id="{0AF4064E-5624-49AB-B7C6-E301A8F6B1FF}" type="datetime1">
               <a:rPr lang="en-US"/>
               <a:pPr/>
-              <a:t>12/14/2018</a:t>
+              <a:t>12/16/2018</a:t>
             </a:fld>
             <a:endParaRPr lang="en-US" sz="1400">
               <a:solidFill>
@@ -4115,7 +4114,7 @@
             <a:fld id="{CBC97FCD-6C54-4833-B032-BFBCDFA8379D}" type="datetime1">
               <a:rPr lang="en-US"/>
               <a:pPr/>
-              <a:t>12/14/2018</a:t>
+              <a:t>12/16/2018</a:t>
             </a:fld>
             <a:endParaRPr lang="en-US" sz="1400">
               <a:solidFill>
@@ -4324,7 +4323,7 @@
             <a:fld id="{F04AA577-515A-431F-98B6-3B03494ABB11}" type="datetime1">
               <a:rPr lang="en-US"/>
               <a:pPr/>
-              <a:t>12/14/2018</a:t>
+              <a:t>12/16/2018</a:t>
             </a:fld>
             <a:endParaRPr lang="en-US" sz="1400">
               <a:solidFill>
@@ -4629,7 +4628,7 @@
             <a:fld id="{6475F1A4-C474-4345-A800-2F40B0E4E70C}" type="datetime1">
               <a:rPr lang="en-US"/>
               <a:pPr/>
-              <a:t>12/14/2018</a:t>
+              <a:t>12/16/2018</a:t>
             </a:fld>
             <a:endParaRPr lang="en-US" sz="1400">
               <a:solidFill>
@@ -5073,7 +5072,7 @@
             <a:fld id="{7BA535AB-820E-4207-9DA8-5F37106C7AF4}" type="datetime1">
               <a:rPr lang="en-US"/>
               <a:pPr/>
-              <a:t>12/14/2018</a:t>
+              <a:t>12/16/2018</a:t>
             </a:fld>
             <a:endParaRPr lang="en-US" sz="1400">
               <a:solidFill>
@@ -5208,7 +5207,7 @@
             <a:fld id="{0A7E69FA-D7EE-42C0-9117-1971B541885F}" type="datetime1">
               <a:rPr lang="en-US"/>
               <a:pPr/>
-              <a:t>12/14/2018</a:t>
+              <a:t>12/16/2018</a:t>
             </a:fld>
             <a:endParaRPr lang="en-US" sz="1400">
               <a:solidFill>
@@ -5320,7 +5319,7 @@
             <a:fld id="{10D7644E-1B5D-4325-BA79-338DF2B89B56}" type="datetime1">
               <a:rPr lang="en-US"/>
               <a:pPr/>
-              <a:t>12/14/2018</a:t>
+              <a:t>12/16/2018</a:t>
             </a:fld>
             <a:endParaRPr lang="en-US" sz="1400">
               <a:solidFill>
@@ -5614,7 +5613,7 @@
             <a:fld id="{B790C882-0B74-4932-8998-E9ABB8AF1740}" type="datetime1">
               <a:rPr lang="en-US"/>
               <a:pPr/>
-              <a:t>12/14/2018</a:t>
+              <a:t>12/16/2018</a:t>
             </a:fld>
             <a:endParaRPr lang="en-US" sz="1400">
               <a:solidFill>
@@ -5884,7 +5883,7 @@
             <a:fld id="{9DC585DC-AE7D-44C1-90AB-C3A391DEA065}" type="datetime1">
               <a:rPr lang="en-US"/>
               <a:pPr/>
-              <a:t>12/14/2018</a:t>
+              <a:t>12/16/2018</a:t>
             </a:fld>
             <a:endParaRPr lang="en-US" sz="1400">
               <a:solidFill>
@@ -6148,7 +6147,7 @@
             <a:fld id="{256CE565-1940-4E5F-9190-C0815CEAAA9D}" type="datetime1">
               <a:rPr lang="en-US"/>
               <a:pPr/>
-              <a:t>12/14/2018</a:t>
+              <a:t>12/16/2018</a:t>
             </a:fld>
             <a:endParaRPr lang="en-US"/>
           </a:p>
@@ -6801,7 +6800,7 @@
         </p:nvSpPr>
         <p:spPr>
           <a:xfrm>
-            <a:off x="1795198" y="4455206"/>
+            <a:off x="1763688" y="4005064"/>
             <a:ext cx="6583362" cy="1569660"/>
           </a:xfrm>
         </p:spPr>
@@ -6883,180 +6882,6 @@
           <a:p>
             <a:r>
               <a:rPr lang="nl-NL" dirty="0" smtClean="0"/>
-              <a:t>Topics</a:t>
-            </a:r>
-            <a:endParaRPr lang="nl-NL" dirty="0"/>
-          </a:p>
-        </p:txBody>
-      </p:sp>
-      <p:sp>
-        <p:nvSpPr>
-          <p:cNvPr id="3" name="Tijdelijke aanduiding voor inhoud 2"/>
-          <p:cNvSpPr>
-            <a:spLocks noGrp="1"/>
-          </p:cNvSpPr>
-          <p:nvPr>
-            <p:ph idx="1"/>
-          </p:nvPr>
-        </p:nvSpPr>
-        <p:spPr>
-          <a:xfrm>
-            <a:off x="762000" y="1762125"/>
-            <a:ext cx="7881938" cy="3564053"/>
-          </a:xfrm>
-        </p:spPr>
-        <p:txBody>
-          <a:bodyPr/>
-          <a:lstStyle/>
-          <a:p>
-            <a:r>
-              <a:rPr lang="nl-NL" sz="2400" dirty="0" err="1" smtClean="0"/>
-              <a:t>Variable</a:t>
-            </a:r>
-            <a:r>
-              <a:rPr lang="nl-NL" sz="2400" dirty="0" smtClean="0"/>
-              <a:t> </a:t>
-            </a:r>
-            <a:r>
-              <a:rPr lang="nl-NL" sz="2400" dirty="0" err="1" smtClean="0"/>
-              <a:t>transformations</a:t>
-            </a:r>
-            <a:endParaRPr lang="nl-NL" sz="2400" dirty="0"/>
-          </a:p>
-          <a:p>
-            <a:endParaRPr lang="nl-NL" sz="2400" dirty="0" smtClean="0"/>
-          </a:p>
-          <a:p>
-            <a:r>
-              <a:rPr lang="nl-NL" sz="2400" dirty="0" err="1" smtClean="0"/>
-              <a:t>Recap</a:t>
-            </a:r>
-            <a:r>
-              <a:rPr lang="nl-NL" sz="2400" dirty="0" smtClean="0"/>
-              <a:t> </a:t>
-            </a:r>
-            <a:r>
-              <a:rPr lang="nl-NL" sz="2400" dirty="0" err="1" smtClean="0"/>
-              <a:t>and</a:t>
-            </a:r>
-            <a:r>
-              <a:rPr lang="nl-NL" sz="2400" dirty="0" smtClean="0"/>
-              <a:t> </a:t>
-            </a:r>
-            <a:r>
-              <a:rPr lang="nl-NL" sz="2400" dirty="0" err="1" smtClean="0"/>
-              <a:t>recap</a:t>
-            </a:r>
-            <a:r>
-              <a:rPr lang="nl-NL" sz="2400" dirty="0" smtClean="0"/>
-              <a:t> </a:t>
-            </a:r>
-            <a:r>
-              <a:rPr lang="nl-NL" sz="2400" dirty="0" err="1" smtClean="0"/>
-              <a:t>exercise</a:t>
-            </a:r>
-            <a:endParaRPr lang="nl-NL" sz="2400" dirty="0"/>
-          </a:p>
-          <a:p>
-            <a:endParaRPr lang="nl-NL" sz="2400" dirty="0" smtClean="0"/>
-          </a:p>
-          <a:p>
-            <a:r>
-              <a:rPr lang="nl-NL" sz="2400" dirty="0" smtClean="0"/>
-              <a:t>Machine </a:t>
-            </a:r>
-            <a:r>
-              <a:rPr lang="nl-NL" sz="2400" dirty="0" err="1" smtClean="0"/>
-              <a:t>learning</a:t>
-            </a:r>
-            <a:endParaRPr lang="nl-NL" sz="2400" dirty="0" smtClean="0"/>
-          </a:p>
-          <a:p>
-            <a:endParaRPr lang="nl-NL" sz="2400" dirty="0"/>
-          </a:p>
-          <a:p>
-            <a:r>
-              <a:rPr lang="nl-NL" sz="2400" i="1" dirty="0" smtClean="0"/>
-              <a:t>k</a:t>
-            </a:r>
-            <a:r>
-              <a:rPr lang="nl-NL" sz="2400" dirty="0" smtClean="0"/>
-              <a:t>-</a:t>
-            </a:r>
-            <a:r>
-              <a:rPr lang="nl-NL" sz="2400" dirty="0" err="1" smtClean="0"/>
-              <a:t>nearest</a:t>
-            </a:r>
-            <a:r>
-              <a:rPr lang="nl-NL" sz="2400" dirty="0" smtClean="0"/>
-              <a:t> </a:t>
-            </a:r>
-            <a:r>
-              <a:rPr lang="nl-NL" sz="2400" dirty="0" err="1" smtClean="0"/>
-              <a:t>neighbor</a:t>
-            </a:r>
-            <a:r>
-              <a:rPr lang="nl-NL" sz="2400" dirty="0" smtClean="0"/>
-              <a:t> </a:t>
-            </a:r>
-            <a:r>
-              <a:rPr lang="nl-NL" sz="2400" dirty="0" err="1" smtClean="0"/>
-              <a:t>algorithm</a:t>
-            </a:r>
-            <a:endParaRPr lang="nl-NL" sz="2400" dirty="0" smtClean="0"/>
-          </a:p>
-          <a:p>
-            <a:endParaRPr lang="nl-NL" sz="2400" i="1" dirty="0"/>
-          </a:p>
-        </p:txBody>
-      </p:sp>
-    </p:spTree>
-    <p:extLst>
-      <p:ext uri="{BB962C8B-B14F-4D97-AF65-F5344CB8AC3E}">
-        <p14:creationId xmlns:p14="http://schemas.microsoft.com/office/powerpoint/2010/main" val="1458523428"/>
-      </p:ext>
-    </p:extLst>
-  </p:cSld>
-  <p:clrMapOvr>
-    <a:masterClrMapping/>
-  </p:clrMapOvr>
-</p:sld>
-</file>
-
-<file path=ppt/slides/slide11.xml><?xml version="1.0" encoding="utf-8"?>
-<p:sld xmlns:a="http://schemas.openxmlformats.org/drawingml/2006/main" xmlns:r="http://schemas.openxmlformats.org/officeDocument/2006/relationships" xmlns:p="http://schemas.openxmlformats.org/presentationml/2006/main">
-  <p:cSld>
-    <p:spTree>
-      <p:nvGrpSpPr>
-        <p:cNvPr id="1" name=""/>
-        <p:cNvGrpSpPr/>
-        <p:nvPr/>
-      </p:nvGrpSpPr>
-      <p:grpSpPr>
-        <a:xfrm>
-          <a:off x="0" y="0"/>
-          <a:ext cx="0" cy="0"/>
-          <a:chOff x="0" y="0"/>
-          <a:chExt cx="0" cy="0"/>
-        </a:xfrm>
-      </p:grpSpPr>
-      <p:sp>
-        <p:nvSpPr>
-          <p:cNvPr id="2" name="Titel 1"/>
-          <p:cNvSpPr>
-            <a:spLocks noGrp="1"/>
-          </p:cNvSpPr>
-          <p:nvPr>
-            <p:ph type="title"/>
-          </p:nvPr>
-        </p:nvSpPr>
-        <p:spPr/>
-        <p:txBody>
-          <a:bodyPr/>
-          <a:lstStyle/>
-          <a:p>
-            <a:r>
-              <a:rPr lang="nl-NL" dirty="0" smtClean="0"/>
               <a:t>As a data </a:t>
             </a:r>
             <a:r>
@@ -7362,7 +7187,7 @@
 </p:sld>
 </file>
 
-<file path=ppt/slides/slide12.xml><?xml version="1.0" encoding="utf-8"?>
+<file path=ppt/slides/slide11.xml><?xml version="1.0" encoding="utf-8"?>
 <p:sld xmlns:a="http://schemas.openxmlformats.org/drawingml/2006/main" xmlns:r="http://schemas.openxmlformats.org/officeDocument/2006/relationships" xmlns:p="http://schemas.openxmlformats.org/presentationml/2006/main">
   <p:cSld>
     <p:spTree>
@@ -7623,7 +7448,7 @@
 </p:sld>
 </file>
 
-<file path=ppt/slides/slide13.xml><?xml version="1.0" encoding="utf-8"?>
+<file path=ppt/slides/slide12.xml><?xml version="1.0" encoding="utf-8"?>
 <p:sld xmlns:a="http://schemas.openxmlformats.org/drawingml/2006/main" xmlns:r="http://schemas.openxmlformats.org/officeDocument/2006/relationships" xmlns:p="http://schemas.openxmlformats.org/presentationml/2006/main">
   <p:cSld>
     <p:spTree>
@@ -7667,8 +7492,8 @@
           </a:p>
         </p:txBody>
       </p:sp>
-      <mc:AlternateContent xmlns:mc="http://schemas.openxmlformats.org/markup-compatibility/2006">
-        <mc:Choice xmlns:a14="http://schemas.microsoft.com/office/drawing/2010/main" Requires="a14">
+      <mc:AlternateContent xmlns:mc="http://schemas.openxmlformats.org/markup-compatibility/2006" xmlns:a14="http://schemas.microsoft.com/office/drawing/2010/main">
+        <mc:Choice Requires="a14">
           <p:sp>
             <p:nvSpPr>
               <p:cNvPr id="4" name="Tekstvak 3"/>
@@ -7906,7 +7731,7 @@
             </p:txBody>
           </p:sp>
         </mc:Choice>
-        <mc:Fallback>
+        <mc:Fallback xmlns="">
           <p:sp>
             <p:nvSpPr>
               <p:cNvPr id="4" name="Tekstvak 3"/>
@@ -8666,7 +8491,7 @@
 </p:sld>
 </file>
 
-<file path=ppt/slides/slide14.xml><?xml version="1.0" encoding="utf-8"?>
+<file path=ppt/slides/slide13.xml><?xml version="1.0" encoding="utf-8"?>
 <p:sld xmlns:a="http://schemas.openxmlformats.org/drawingml/2006/main" xmlns:r="http://schemas.openxmlformats.org/officeDocument/2006/relationships" xmlns:p="http://schemas.openxmlformats.org/presentationml/2006/main">
   <p:cSld>
     <p:spTree>
@@ -8733,7 +8558,7 @@
         <p:spPr bwMode="auto">
           <a:xfrm>
             <a:off x="838200" y="1340768"/>
-            <a:ext cx="7881938" cy="6297108"/>
+            <a:ext cx="7881938" cy="6771084"/>
           </a:xfrm>
           <a:prstGeom prst="rect">
             <a:avLst/>
@@ -9087,6 +8912,41 @@
                 <a:latin typeface="Courier New" panose="02070309020205020404" pitchFamily="49" charset="0"/>
                 <a:cs typeface="Courier New" panose="02070309020205020404" pitchFamily="49" charset="0"/>
               </a:rPr>
+              <a:t> the </a:t>
+            </a:r>
+            <a:r>
+              <a:rPr lang="nl-NL" sz="1400" kern="0" dirty="0" err="1">
+                <a:latin typeface="Courier New" panose="02070309020205020404" pitchFamily="49" charset="0"/>
+                <a:cs typeface="Courier New" panose="02070309020205020404" pitchFamily="49" charset="0"/>
+              </a:rPr>
+              <a:t>e</a:t>
+            </a:r>
+            <a:r>
+              <a:rPr lang="nl-NL" sz="1400" kern="0" dirty="0" err="1" smtClean="0">
+                <a:latin typeface="Courier New" panose="02070309020205020404" pitchFamily="49" charset="0"/>
+                <a:cs typeface="Courier New" panose="02070309020205020404" pitchFamily="49" charset="0"/>
+              </a:rPr>
+              <a:t>xample</a:t>
+            </a:r>
+            <a:r>
+              <a:rPr lang="nl-NL" sz="1400" kern="0" dirty="0" smtClean="0">
+                <a:latin typeface="Courier New" panose="02070309020205020404" pitchFamily="49" charset="0"/>
+                <a:cs typeface="Courier New" panose="02070309020205020404" pitchFamily="49" charset="0"/>
+              </a:rPr>
+              <a:t> Notebooks from </a:t>
+            </a:r>
+            <a:r>
+              <a:rPr lang="nl-NL" sz="1400" kern="0" dirty="0" err="1" smtClean="0">
+                <a:latin typeface="Courier New" panose="02070309020205020404" pitchFamily="49" charset="0"/>
+                <a:cs typeface="Courier New" panose="02070309020205020404" pitchFamily="49" charset="0"/>
+              </a:rPr>
+              <a:t>previous</a:t>
+            </a:r>
+            <a:r>
+              <a:rPr lang="nl-NL" sz="1400" kern="0" dirty="0" smtClean="0">
+                <a:latin typeface="Courier New" panose="02070309020205020404" pitchFamily="49" charset="0"/>
+                <a:cs typeface="Courier New" panose="02070309020205020404" pitchFamily="49" charset="0"/>
+              </a:rPr>
               <a:t> </a:t>
             </a:r>
             <a:r>
@@ -9094,131 +8954,177 @@
                 <a:latin typeface="Courier New" panose="02070309020205020404" pitchFamily="49" charset="0"/>
                 <a:cs typeface="Courier New" panose="02070309020205020404" pitchFamily="49" charset="0"/>
               </a:rPr>
-              <a:t>the </a:t>
-            </a:r>
-            <a:r>
-              <a:rPr lang="nl-NL" sz="1400" kern="0" dirty="0" err="1">
-                <a:latin typeface="Courier New" panose="02070309020205020404" pitchFamily="49" charset="0"/>
-                <a:cs typeface="Courier New" panose="02070309020205020404" pitchFamily="49" charset="0"/>
-              </a:rPr>
-              <a:t>e</a:t>
+              <a:t>weeks </a:t>
             </a:r>
             <a:r>
               <a:rPr lang="nl-NL" sz="1400" kern="0" dirty="0" err="1" smtClean="0">
                 <a:latin typeface="Courier New" panose="02070309020205020404" pitchFamily="49" charset="0"/>
                 <a:cs typeface="Courier New" panose="02070309020205020404" pitchFamily="49" charset="0"/>
               </a:rPr>
-              <a:t>xample</a:t>
+              <a:t>and</a:t>
             </a:r>
             <a:r>
               <a:rPr lang="nl-NL" sz="1400" kern="0" dirty="0" smtClean="0">
                 <a:latin typeface="Courier New" panose="02070309020205020404" pitchFamily="49" charset="0"/>
                 <a:cs typeface="Courier New" panose="02070309020205020404" pitchFamily="49" charset="0"/>
               </a:rPr>
-              <a:t> Notebooks from </a:t>
+              <a:t> the new </a:t>
+            </a:r>
+            <a:r>
+              <a:rPr lang="nl-NL" sz="1400" i="1" kern="0" dirty="0" err="1" smtClean="0">
+                <a:latin typeface="Courier New" panose="02070309020205020404" pitchFamily="49" charset="0"/>
+                <a:cs typeface="Courier New" panose="02070309020205020404" pitchFamily="49" charset="0"/>
+              </a:rPr>
+              <a:t>c</a:t>
+            </a:r>
+            <a:r>
+              <a:rPr lang="nl-NL" sz="1400" i="1" kern="0" dirty="0" err="1" smtClean="0">
+                <a:latin typeface="Courier New" panose="02070309020205020404" pitchFamily="49" charset="0"/>
+                <a:cs typeface="Courier New" panose="02070309020205020404" pitchFamily="49" charset="0"/>
+              </a:rPr>
+              <a:t>ookbook</a:t>
+            </a:r>
+            <a:r>
+              <a:rPr lang="nl-NL" sz="1400" i="1" kern="0" dirty="0" smtClean="0">
+                <a:latin typeface="Courier New" panose="02070309020205020404" pitchFamily="49" charset="0"/>
+                <a:cs typeface="Courier New" panose="02070309020205020404" pitchFamily="49" charset="0"/>
+              </a:rPr>
+              <a:t> </a:t>
+            </a:r>
+            <a:r>
+              <a:rPr lang="nl-NL" sz="1400" kern="0" dirty="0" smtClean="0">
+                <a:latin typeface="Courier New" panose="02070309020205020404" pitchFamily="49" charset="0"/>
+                <a:cs typeface="Courier New" panose="02070309020205020404" pitchFamily="49" charset="0"/>
+              </a:rPr>
+              <a:t>Notebook</a:t>
+            </a:r>
+            <a:r>
+              <a:rPr lang="nl-NL" sz="1400" i="1" kern="0" dirty="0" smtClean="0">
+                <a:latin typeface="Courier New" panose="02070309020205020404" pitchFamily="49" charset="0"/>
+                <a:cs typeface="Courier New" panose="02070309020205020404" pitchFamily="49" charset="0"/>
+              </a:rPr>
+              <a:t> </a:t>
+            </a:r>
+            <a:r>
+              <a:rPr lang="nl-NL" sz="1400" kern="0" dirty="0" smtClean="0">
+                <a:latin typeface="Courier New" panose="02070309020205020404" pitchFamily="49" charset="0"/>
+                <a:cs typeface="Courier New" panose="02070309020205020404" pitchFamily="49" charset="0"/>
+              </a:rPr>
+              <a:t>in the </a:t>
             </a:r>
             <a:r>
               <a:rPr lang="nl-NL" sz="1400" kern="0" dirty="0" err="1" smtClean="0">
                 <a:latin typeface="Courier New" panose="02070309020205020404" pitchFamily="49" charset="0"/>
                 <a:cs typeface="Courier New" panose="02070309020205020404" pitchFamily="49" charset="0"/>
               </a:rPr>
-              <a:t>previous</a:t>
+              <a:t>main</a:t>
             </a:r>
             <a:r>
               <a:rPr lang="nl-NL" sz="1400" kern="0" dirty="0" smtClean="0">
                 <a:latin typeface="Courier New" panose="02070309020205020404" pitchFamily="49" charset="0"/>
                 <a:cs typeface="Courier New" panose="02070309020205020404" pitchFamily="49" charset="0"/>
               </a:rPr>
-              <a:t> weeks (</a:t>
-            </a:r>
-            <a:r>
-              <a:rPr lang="nl-NL" sz="1400" kern="0" dirty="0" err="1" smtClean="0">
-                <a:latin typeface="Courier New" panose="02070309020205020404" pitchFamily="49" charset="0"/>
-                <a:cs typeface="Courier New" panose="02070309020205020404" pitchFamily="49" charset="0"/>
-              </a:rPr>
-              <a:t>creating</a:t>
-            </a:r>
-            <a:r>
-              <a:rPr lang="nl-NL" sz="1400" kern="0" dirty="0" smtClean="0">
-                <a:latin typeface="Courier New" panose="02070309020205020404" pitchFamily="49" charset="0"/>
-                <a:cs typeface="Courier New" panose="02070309020205020404" pitchFamily="49" charset="0"/>
-              </a:rPr>
-              <a:t> dummy variables </a:t>
-            </a:r>
-            <a:r>
-              <a:rPr lang="nl-NL" sz="1400" kern="0" dirty="0" err="1" smtClean="0">
-                <a:latin typeface="Courier New" panose="02070309020205020404" pitchFamily="49" charset="0"/>
-                <a:cs typeface="Courier New" panose="02070309020205020404" pitchFamily="49" charset="0"/>
-              </a:rPr>
-              <a:t>and</a:t>
-            </a:r>
-            <a:r>
-              <a:rPr lang="nl-NL" sz="1400" kern="0" dirty="0" smtClean="0">
-                <a:latin typeface="Courier New" panose="02070309020205020404" pitchFamily="49" charset="0"/>
-                <a:cs typeface="Courier New" panose="02070309020205020404" pitchFamily="49" charset="0"/>
-              </a:rPr>
-              <a:t> </a:t>
-            </a:r>
-            <a:r>
-              <a:rPr lang="nl-NL" sz="1400" kern="0" dirty="0" err="1" smtClean="0">
-                <a:latin typeface="Courier New" panose="02070309020205020404" pitchFamily="49" charset="0"/>
-                <a:cs typeface="Courier New" panose="02070309020205020404" pitchFamily="49" charset="0"/>
-              </a:rPr>
-              <a:t>transformations</a:t>
-            </a:r>
-            <a:r>
-              <a:rPr lang="nl-NL" sz="1400" kern="0" dirty="0" smtClean="0">
-                <a:latin typeface="Courier New" panose="02070309020205020404" pitchFamily="49" charset="0"/>
-                <a:cs typeface="Courier New" panose="02070309020205020404" pitchFamily="49" charset="0"/>
-              </a:rPr>
-              <a:t> have been </a:t>
-            </a:r>
-            <a:r>
-              <a:rPr lang="nl-NL" sz="1400" kern="0" dirty="0" err="1" smtClean="0">
-                <a:latin typeface="Courier New" panose="02070309020205020404" pitchFamily="49" charset="0"/>
-                <a:cs typeface="Courier New" panose="02070309020205020404" pitchFamily="49" charset="0"/>
-              </a:rPr>
-              <a:t>added</a:t>
-            </a:r>
-            <a:r>
-              <a:rPr lang="nl-NL" sz="1400" kern="0" dirty="0" smtClean="0">
-                <a:latin typeface="Courier New" panose="02070309020205020404" pitchFamily="49" charset="0"/>
-                <a:cs typeface="Courier New" panose="02070309020205020404" pitchFamily="49" charset="0"/>
-              </a:rPr>
-              <a:t> </a:t>
-            </a:r>
-            <a:r>
-              <a:rPr lang="nl-NL" sz="1400" kern="0" dirty="0" err="1" smtClean="0">
-                <a:latin typeface="Courier New" panose="02070309020205020404" pitchFamily="49" charset="0"/>
-                <a:cs typeface="Courier New" panose="02070309020205020404" pitchFamily="49" charset="0"/>
-              </a:rPr>
-              <a:t>to</a:t>
-            </a:r>
-            <a:r>
-              <a:rPr lang="nl-NL" sz="1400" kern="0" dirty="0" smtClean="0">
-                <a:latin typeface="Courier New" panose="02070309020205020404" pitchFamily="49" charset="0"/>
-                <a:cs typeface="Courier New" panose="02070309020205020404" pitchFamily="49" charset="0"/>
-              </a:rPr>
-              <a:t> </a:t>
-            </a:r>
-            <a:r>
-              <a:rPr lang="nl-NL" sz="1400" i="1" kern="0" dirty="0" err="1" smtClean="0">
-                <a:latin typeface="Courier New" panose="02070309020205020404" pitchFamily="49" charset="0"/>
-                <a:cs typeface="Courier New" panose="02070309020205020404" pitchFamily="49" charset="0"/>
-              </a:rPr>
-              <a:t>multiple_regression</a:t>
-            </a:r>
-            <a:r>
-              <a:rPr lang="nl-NL" sz="1400" kern="0" dirty="0">
-                <a:latin typeface="Courier New" panose="02070309020205020404" pitchFamily="49" charset="0"/>
-                <a:cs typeface="Courier New" panose="02070309020205020404" pitchFamily="49" charset="0"/>
-              </a:rPr>
-              <a:t>)</a:t>
-            </a:r>
-            <a:endParaRPr lang="nl-NL" sz="1400" kern="0" dirty="0" smtClean="0">
+              <a:t> folder.</a:t>
+            </a:r>
+          </a:p>
+          <a:p>
+            <a:pPr marL="0" indent="0">
+              <a:buNone/>
+            </a:pPr>
+            <a:endParaRPr lang="nl-NL" sz="1400" kern="0" dirty="0">
               <a:latin typeface="Courier New" panose="02070309020205020404" pitchFamily="49" charset="0"/>
               <a:cs typeface="Courier New" panose="02070309020205020404" pitchFamily="49" charset="0"/>
             </a:endParaRPr>
+          </a:p>
+          <a:p>
+            <a:pPr marL="0" indent="0">
+              <a:buFont typeface="Zapf Dingbats" charset="2"/>
+              <a:buNone/>
+            </a:pPr>
+            <a:r>
+              <a:rPr lang="nl-NL" sz="1400" kern="0" dirty="0" smtClean="0">
+                <a:latin typeface="Courier New" panose="02070309020205020404" pitchFamily="49" charset="0"/>
+                <a:cs typeface="Courier New" panose="02070309020205020404" pitchFamily="49" charset="0"/>
+              </a:rPr>
+              <a:t>The data </a:t>
+            </a:r>
+            <a:r>
+              <a:rPr lang="nl-NL" sz="1400" kern="0" dirty="0" err="1" smtClean="0">
+                <a:latin typeface="Courier New" panose="02070309020205020404" pitchFamily="49" charset="0"/>
+                <a:cs typeface="Courier New" panose="02070309020205020404" pitchFamily="49" charset="0"/>
+              </a:rPr>
+              <a:t>can</a:t>
+            </a:r>
+            <a:r>
+              <a:rPr lang="nl-NL" sz="1400" kern="0" dirty="0" smtClean="0">
+                <a:latin typeface="Courier New" panose="02070309020205020404" pitchFamily="49" charset="0"/>
+                <a:cs typeface="Courier New" panose="02070309020205020404" pitchFamily="49" charset="0"/>
+              </a:rPr>
+              <a:t> </a:t>
+            </a:r>
+            <a:r>
+              <a:rPr lang="nl-NL" sz="1400" kern="0" dirty="0" err="1" smtClean="0">
+                <a:latin typeface="Courier New" panose="02070309020205020404" pitchFamily="49" charset="0"/>
+                <a:cs typeface="Courier New" panose="02070309020205020404" pitchFamily="49" charset="0"/>
+              </a:rPr>
+              <a:t>be</a:t>
+            </a:r>
+            <a:r>
+              <a:rPr lang="nl-NL" sz="1400" kern="0" dirty="0" smtClean="0">
+                <a:latin typeface="Courier New" panose="02070309020205020404" pitchFamily="49" charset="0"/>
+                <a:cs typeface="Courier New" panose="02070309020205020404" pitchFamily="49" charset="0"/>
+              </a:rPr>
+              <a:t> found in </a:t>
+            </a:r>
+            <a:r>
+              <a:rPr lang="nl-NL" sz="1400" i="1" kern="0" dirty="0" err="1" smtClean="0">
+                <a:latin typeface="Courier New" panose="02070309020205020404" pitchFamily="49" charset="0"/>
+                <a:cs typeface="Courier New" panose="02070309020205020404" pitchFamily="49" charset="0"/>
+              </a:rPr>
+              <a:t>Exercises</a:t>
+            </a:r>
+            <a:r>
+              <a:rPr lang="nl-NL" sz="1400" i="1" kern="0" dirty="0" smtClean="0">
+                <a:latin typeface="Courier New" panose="02070309020205020404" pitchFamily="49" charset="0"/>
+                <a:cs typeface="Courier New" panose="02070309020205020404" pitchFamily="49" charset="0"/>
+              </a:rPr>
+              <a:t>. </a:t>
+            </a:r>
+            <a:r>
+              <a:rPr lang="nl-NL" sz="1400" kern="0" dirty="0" smtClean="0">
+                <a:latin typeface="Courier New" panose="02070309020205020404" pitchFamily="49" charset="0"/>
+                <a:cs typeface="Courier New" panose="02070309020205020404" pitchFamily="49" charset="0"/>
+              </a:rPr>
+              <a:t>The data are </a:t>
+            </a:r>
+            <a:r>
+              <a:rPr lang="nl-NL" sz="1400" kern="0" dirty="0" err="1" smtClean="0">
+                <a:latin typeface="Courier New" panose="02070309020205020404" pitchFamily="49" charset="0"/>
+                <a:cs typeface="Courier New" panose="02070309020205020404" pitchFamily="49" charset="0"/>
+              </a:rPr>
+              <a:t>artificial</a:t>
+            </a:r>
+            <a:r>
+              <a:rPr lang="nl-NL" sz="1400" kern="0" dirty="0" smtClean="0">
+                <a:latin typeface="Courier New" panose="02070309020205020404" pitchFamily="49" charset="0"/>
+                <a:cs typeface="Courier New" panose="02070309020205020404" pitchFamily="49" charset="0"/>
+              </a:rPr>
+              <a:t>, but </a:t>
+            </a:r>
+            <a:r>
+              <a:rPr lang="nl-NL" sz="1400" kern="0" dirty="0" err="1" smtClean="0">
+                <a:latin typeface="Courier New" panose="02070309020205020404" pitchFamily="49" charset="0"/>
+                <a:cs typeface="Courier New" panose="02070309020205020404" pitchFamily="49" charset="0"/>
+              </a:rPr>
+              <a:t>some</a:t>
+            </a:r>
+            <a:r>
+              <a:rPr lang="nl-NL" sz="1400" kern="0" dirty="0" smtClean="0">
+                <a:latin typeface="Courier New" panose="02070309020205020404" pitchFamily="49" charset="0"/>
+                <a:cs typeface="Courier New" panose="02070309020205020404" pitchFamily="49" charset="0"/>
+              </a:rPr>
+              <a:t> relations have been built in. The data are on frequent bol.com shoppers. </a:t>
+            </a:r>
           </a:p>
           <a:p>
             <a:pPr marL="0" indent="0">
@@ -9236,24 +9142,45 @@
               <a:buNone/>
             </a:pPr>
             <a:r>
+              <a:rPr lang="nl-NL" sz="1400" kern="0" dirty="0" err="1" smtClean="0">
+                <a:latin typeface="Courier New" panose="02070309020205020404" pitchFamily="49" charset="0"/>
+                <a:cs typeface="Courier New" panose="02070309020205020404" pitchFamily="49" charset="0"/>
+              </a:rPr>
+              <a:t>Your</a:t>
+            </a:r>
+            <a:r>
               <a:rPr lang="nl-NL" sz="1400" kern="0" dirty="0" smtClean="0">
                 <a:latin typeface="Courier New" panose="02070309020205020404" pitchFamily="49" charset="0"/>
                 <a:cs typeface="Courier New" panose="02070309020205020404" pitchFamily="49" charset="0"/>
               </a:rPr>
-              <a:t>The data </a:t>
+              <a:t> </a:t>
             </a:r>
             <a:r>
               <a:rPr lang="nl-NL" sz="1400" kern="0" dirty="0" err="1" smtClean="0">
                 <a:latin typeface="Courier New" panose="02070309020205020404" pitchFamily="49" charset="0"/>
                 <a:cs typeface="Courier New" panose="02070309020205020404" pitchFamily="49" charset="0"/>
               </a:rPr>
-              <a:t>can</a:t>
+              <a:t>task</a:t>
             </a:r>
             <a:r>
               <a:rPr lang="nl-NL" sz="1400" kern="0" dirty="0" smtClean="0">
                 <a:latin typeface="Courier New" panose="02070309020205020404" pitchFamily="49" charset="0"/>
                 <a:cs typeface="Courier New" panose="02070309020205020404" pitchFamily="49" charset="0"/>
               </a:rPr>
+              <a:t> is </a:t>
+            </a:r>
+            <a:r>
+              <a:rPr lang="nl-NL" sz="1400" kern="0" dirty="0" err="1" smtClean="0">
+                <a:latin typeface="Courier New" panose="02070309020205020404" pitchFamily="49" charset="0"/>
+                <a:cs typeface="Courier New" panose="02070309020205020404" pitchFamily="49" charset="0"/>
+              </a:rPr>
+              <a:t>to</a:t>
+            </a:r>
+            <a:r>
+              <a:rPr lang="nl-NL" sz="1400" kern="0" dirty="0" smtClean="0">
+                <a:latin typeface="Courier New" panose="02070309020205020404" pitchFamily="49" charset="0"/>
+                <a:cs typeface="Courier New" panose="02070309020205020404" pitchFamily="49" charset="0"/>
+              </a:rPr>
               <a:t> </a:t>
             </a:r>
             <a:r>
@@ -9261,63 +9188,224 @@
                 <a:latin typeface="Courier New" panose="02070309020205020404" pitchFamily="49" charset="0"/>
                 <a:cs typeface="Courier New" panose="02070309020205020404" pitchFamily="49" charset="0"/>
               </a:rPr>
-              <a:t>be</a:t>
+              <a:t>create</a:t>
             </a:r>
             <a:r>
               <a:rPr lang="nl-NL" sz="1400" kern="0" dirty="0" smtClean="0">
                 <a:latin typeface="Courier New" panose="02070309020205020404" pitchFamily="49" charset="0"/>
                 <a:cs typeface="Courier New" panose="02070309020205020404" pitchFamily="49" charset="0"/>
               </a:rPr>
-              <a:t> found in </a:t>
-            </a:r>
-            <a:r>
-              <a:rPr lang="nl-NL" sz="1400" i="1" kern="0" dirty="0" err="1" smtClean="0">
-                <a:latin typeface="Courier New" panose="02070309020205020404" pitchFamily="49" charset="0"/>
-                <a:cs typeface="Courier New" panose="02070309020205020404" pitchFamily="49" charset="0"/>
-              </a:rPr>
-              <a:t>Exercises</a:t>
-            </a:r>
-            <a:r>
-              <a:rPr lang="nl-NL" sz="1400" i="1" kern="0" dirty="0" smtClean="0">
+              <a:t> a </a:t>
+            </a:r>
+            <a:r>
+              <a:rPr lang="nl-NL" sz="1400" kern="0" dirty="0" err="1" smtClean="0">
+                <a:latin typeface="Courier New" panose="02070309020205020404" pitchFamily="49" charset="0"/>
+                <a:cs typeface="Courier New" panose="02070309020205020404" pitchFamily="49" charset="0"/>
+              </a:rPr>
+              <a:t>linear</a:t>
+            </a:r>
+            <a:r>
+              <a:rPr lang="nl-NL" sz="1400" kern="0" dirty="0" smtClean="0">
+                <a:latin typeface="Courier New" panose="02070309020205020404" pitchFamily="49" charset="0"/>
+                <a:cs typeface="Courier New" panose="02070309020205020404" pitchFamily="49" charset="0"/>
+              </a:rPr>
+              <a:t> model </a:t>
+            </a:r>
+            <a:r>
+              <a:rPr lang="nl-NL" sz="1400" kern="0" dirty="0" err="1" smtClean="0">
+                <a:latin typeface="Courier New" panose="02070309020205020404" pitchFamily="49" charset="0"/>
+                <a:cs typeface="Courier New" panose="02070309020205020404" pitchFamily="49" charset="0"/>
+              </a:rPr>
+              <a:t>that</a:t>
+            </a:r>
+            <a:r>
+              <a:rPr lang="nl-NL" sz="1400" kern="0" dirty="0" smtClean="0">
+                <a:latin typeface="Courier New" panose="02070309020205020404" pitchFamily="49" charset="0"/>
+                <a:cs typeface="Courier New" panose="02070309020205020404" pitchFamily="49" charset="0"/>
+              </a:rPr>
+              <a:t> </a:t>
+            </a:r>
+            <a:r>
+              <a:rPr lang="nl-NL" sz="1400" kern="0" dirty="0" err="1" smtClean="0">
+                <a:latin typeface="Courier New" panose="02070309020205020404" pitchFamily="49" charset="0"/>
+                <a:cs typeface="Courier New" panose="02070309020205020404" pitchFamily="49" charset="0"/>
+              </a:rPr>
+              <a:t>predicts</a:t>
+            </a:r>
+            <a:r>
+              <a:rPr lang="nl-NL" sz="1400" kern="0" dirty="0" smtClean="0">
+                <a:latin typeface="Courier New" panose="02070309020205020404" pitchFamily="49" charset="0"/>
+                <a:cs typeface="Courier New" panose="02070309020205020404" pitchFamily="49" charset="0"/>
+              </a:rPr>
+              <a:t> the money </a:t>
+            </a:r>
+            <a:r>
+              <a:rPr lang="nl-NL" sz="1400" kern="0" dirty="0" err="1" smtClean="0">
+                <a:latin typeface="Courier New" panose="02070309020205020404" pitchFamily="49" charset="0"/>
+                <a:cs typeface="Courier New" panose="02070309020205020404" pitchFamily="49" charset="0"/>
+              </a:rPr>
+              <a:t>spent</a:t>
+            </a:r>
+            <a:r>
+              <a:rPr lang="nl-NL" sz="1400" kern="0" dirty="0" smtClean="0">
+                <a:latin typeface="Courier New" panose="02070309020205020404" pitchFamily="49" charset="0"/>
+                <a:cs typeface="Courier New" panose="02070309020205020404" pitchFamily="49" charset="0"/>
+              </a:rPr>
+              <a:t> on bol.com per </a:t>
+            </a:r>
+            <a:r>
+              <a:rPr lang="nl-NL" sz="1400" kern="0" dirty="0" err="1" smtClean="0">
+                <a:latin typeface="Courier New" panose="02070309020205020404" pitchFamily="49" charset="0"/>
+                <a:cs typeface="Courier New" panose="02070309020205020404" pitchFamily="49" charset="0"/>
+              </a:rPr>
+              <a:t>year</a:t>
+            </a:r>
+            <a:r>
+              <a:rPr lang="nl-NL" sz="1400" kern="0" dirty="0" smtClean="0">
                 <a:latin typeface="Courier New" panose="02070309020205020404" pitchFamily="49" charset="0"/>
                 <a:cs typeface="Courier New" panose="02070309020205020404" pitchFamily="49" charset="0"/>
               </a:rPr>
               <a:t>. </a:t>
             </a:r>
             <a:r>
+              <a:rPr lang="nl-NL" sz="1400" kern="0" dirty="0" err="1" smtClean="0">
+                <a:latin typeface="Courier New" panose="02070309020205020404" pitchFamily="49" charset="0"/>
+                <a:cs typeface="Courier New" panose="02070309020205020404" pitchFamily="49" charset="0"/>
+              </a:rPr>
+              <a:t>Your</a:t>
+            </a:r>
+            <a:r>
               <a:rPr lang="nl-NL" sz="1400" kern="0" dirty="0" smtClean="0">
                 <a:latin typeface="Courier New" panose="02070309020205020404" pitchFamily="49" charset="0"/>
                 <a:cs typeface="Courier New" panose="02070309020205020404" pitchFamily="49" charset="0"/>
               </a:rPr>
-              <a:t>The data are </a:t>
+              <a:t> model </a:t>
             </a:r>
             <a:r>
               <a:rPr lang="nl-NL" sz="1400" kern="0" dirty="0" err="1" smtClean="0">
                 <a:latin typeface="Courier New" panose="02070309020205020404" pitchFamily="49" charset="0"/>
                 <a:cs typeface="Courier New" panose="02070309020205020404" pitchFamily="49" charset="0"/>
               </a:rPr>
-              <a:t>artificial</a:t>
+              <a:t>should</a:t>
             </a:r>
             <a:r>
               <a:rPr lang="nl-NL" sz="1400" kern="0" dirty="0" smtClean="0">
                 <a:latin typeface="Courier New" panose="02070309020205020404" pitchFamily="49" charset="0"/>
                 <a:cs typeface="Courier New" panose="02070309020205020404" pitchFamily="49" charset="0"/>
               </a:rPr>
-              <a:t>, but </a:t>
+              <a:t> </a:t>
             </a:r>
             <a:r>
               <a:rPr lang="nl-NL" sz="1400" kern="0" dirty="0" err="1" smtClean="0">
                 <a:latin typeface="Courier New" panose="02070309020205020404" pitchFamily="49" charset="0"/>
                 <a:cs typeface="Courier New" panose="02070309020205020404" pitchFamily="49" charset="0"/>
               </a:rPr>
-              <a:t>some</a:t>
+              <a:t>perform</a:t>
             </a:r>
             <a:r>
               <a:rPr lang="nl-NL" sz="1400" kern="0" dirty="0" smtClean="0">
                 <a:latin typeface="Courier New" panose="02070309020205020404" pitchFamily="49" charset="0"/>
                 <a:cs typeface="Courier New" panose="02070309020205020404" pitchFamily="49" charset="0"/>
               </a:rPr>
-              <a:t> relations have been built in. The data are on frequent bol.com shoppers. </a:t>
+              <a:t> well on a </a:t>
+            </a:r>
+            <a:r>
+              <a:rPr lang="nl-NL" sz="1400" kern="0" dirty="0" err="1" smtClean="0">
+                <a:latin typeface="Courier New" panose="02070309020205020404" pitchFamily="49" charset="0"/>
+                <a:cs typeface="Courier New" panose="02070309020205020404" pitchFamily="49" charset="0"/>
+              </a:rPr>
+              <a:t>hold</a:t>
+            </a:r>
+            <a:r>
+              <a:rPr lang="nl-NL" sz="1400" kern="0" dirty="0" smtClean="0">
+                <a:latin typeface="Courier New" panose="02070309020205020404" pitchFamily="49" charset="0"/>
+                <a:cs typeface="Courier New" panose="02070309020205020404" pitchFamily="49" charset="0"/>
+              </a:rPr>
+              <a:t>-out test set </a:t>
+            </a:r>
+            <a:r>
+              <a:rPr lang="nl-NL" sz="1400" kern="0" dirty="0" err="1" smtClean="0">
+                <a:latin typeface="Courier New" panose="02070309020205020404" pitchFamily="49" charset="0"/>
+                <a:cs typeface="Courier New" panose="02070309020205020404" pitchFamily="49" charset="0"/>
+              </a:rPr>
+              <a:t>that</a:t>
+            </a:r>
+            <a:r>
+              <a:rPr lang="nl-NL" sz="1400" kern="0" dirty="0" smtClean="0">
+                <a:latin typeface="Courier New" panose="02070309020205020404" pitchFamily="49" charset="0"/>
+                <a:cs typeface="Courier New" panose="02070309020205020404" pitchFamily="49" charset="0"/>
+              </a:rPr>
+              <a:t> I </a:t>
+            </a:r>
+            <a:r>
+              <a:rPr lang="nl-NL" sz="1400" kern="0" dirty="0" err="1" smtClean="0">
+                <a:latin typeface="Courier New" panose="02070309020205020404" pitchFamily="49" charset="0"/>
+                <a:cs typeface="Courier New" panose="02070309020205020404" pitchFamily="49" charset="0"/>
+              </a:rPr>
+              <a:t>will</a:t>
+            </a:r>
+            <a:r>
+              <a:rPr lang="nl-NL" sz="1400" kern="0" dirty="0" smtClean="0">
+                <a:latin typeface="Courier New" panose="02070309020205020404" pitchFamily="49" charset="0"/>
+                <a:cs typeface="Courier New" panose="02070309020205020404" pitchFamily="49" charset="0"/>
+              </a:rPr>
+              <a:t> </a:t>
+            </a:r>
+            <a:r>
+              <a:rPr lang="nl-NL" sz="1400" kern="0" dirty="0" err="1" smtClean="0">
+                <a:latin typeface="Courier New" panose="02070309020205020404" pitchFamily="49" charset="0"/>
+                <a:cs typeface="Courier New" panose="02070309020205020404" pitchFamily="49" charset="0"/>
+              </a:rPr>
+              <a:t>give</a:t>
+            </a:r>
+            <a:r>
+              <a:rPr lang="nl-NL" sz="1400" kern="0" dirty="0" smtClean="0">
+                <a:latin typeface="Courier New" panose="02070309020205020404" pitchFamily="49" charset="0"/>
+                <a:cs typeface="Courier New" panose="02070309020205020404" pitchFamily="49" charset="0"/>
+              </a:rPr>
+              <a:t> </a:t>
+            </a:r>
+            <a:r>
+              <a:rPr lang="nl-NL" sz="1400" kern="0" dirty="0" err="1" smtClean="0">
+                <a:latin typeface="Courier New" panose="02070309020205020404" pitchFamily="49" charset="0"/>
+                <a:cs typeface="Courier New" panose="02070309020205020404" pitchFamily="49" charset="0"/>
+              </a:rPr>
+              <a:t>you</a:t>
+            </a:r>
+            <a:r>
+              <a:rPr lang="nl-NL" sz="1400" kern="0" dirty="0" smtClean="0">
+                <a:latin typeface="Courier New" panose="02070309020205020404" pitchFamily="49" charset="0"/>
+                <a:cs typeface="Courier New" panose="02070309020205020404" pitchFamily="49" charset="0"/>
+              </a:rPr>
+              <a:t> </a:t>
+            </a:r>
+            <a:r>
+              <a:rPr lang="nl-NL" sz="1400" kern="0" dirty="0" err="1" smtClean="0">
+                <a:latin typeface="Courier New" panose="02070309020205020404" pitchFamily="49" charset="0"/>
+                <a:cs typeface="Courier New" panose="02070309020205020404" pitchFamily="49" charset="0"/>
+              </a:rPr>
+              <a:t>add</a:t>
+            </a:r>
+            <a:r>
+              <a:rPr lang="nl-NL" sz="1400" kern="0" dirty="0" smtClean="0">
+                <a:latin typeface="Courier New" panose="02070309020205020404" pitchFamily="49" charset="0"/>
+                <a:cs typeface="Courier New" panose="02070309020205020404" pitchFamily="49" charset="0"/>
+              </a:rPr>
+              <a:t> the end of the </a:t>
+            </a:r>
+            <a:r>
+              <a:rPr lang="nl-NL" sz="1400" kern="0" dirty="0" err="1" smtClean="0">
+                <a:latin typeface="Courier New" panose="02070309020205020404" pitchFamily="49" charset="0"/>
+                <a:cs typeface="Courier New" panose="02070309020205020404" pitchFamily="49" charset="0"/>
+              </a:rPr>
+              <a:t>exercise</a:t>
+            </a:r>
+            <a:r>
+              <a:rPr lang="nl-NL" sz="1400" kern="0" dirty="0" smtClean="0">
+                <a:latin typeface="Courier New" panose="02070309020205020404" pitchFamily="49" charset="0"/>
+                <a:cs typeface="Courier New" panose="02070309020205020404" pitchFamily="49" charset="0"/>
+              </a:rPr>
+              <a:t>.</a:t>
             </a:r>
           </a:p>
           <a:p>
@@ -9340,266 +9428,14 @@
                 <a:latin typeface="Courier New" panose="02070309020205020404" pitchFamily="49" charset="0"/>
                 <a:cs typeface="Courier New" panose="02070309020205020404" pitchFamily="49" charset="0"/>
               </a:rPr>
-              <a:t>Your</a:t>
+              <a:t>Some</a:t>
             </a:r>
             <a:r>
               <a:rPr lang="nl-NL" sz="1400" kern="0" dirty="0" smtClean="0">
                 <a:latin typeface="Courier New" panose="02070309020205020404" pitchFamily="49" charset="0"/>
                 <a:cs typeface="Courier New" panose="02070309020205020404" pitchFamily="49" charset="0"/>
               </a:rPr>
-              <a:t> </a:t>
-            </a:r>
-            <a:r>
-              <a:rPr lang="nl-NL" sz="1400" kern="0" dirty="0" err="1" smtClean="0">
-                <a:latin typeface="Courier New" panose="02070309020205020404" pitchFamily="49" charset="0"/>
-                <a:cs typeface="Courier New" panose="02070309020205020404" pitchFamily="49" charset="0"/>
-              </a:rPr>
-              <a:t>task</a:t>
-            </a:r>
-            <a:r>
-              <a:rPr lang="nl-NL" sz="1400" kern="0" dirty="0" smtClean="0">
-                <a:latin typeface="Courier New" panose="02070309020205020404" pitchFamily="49" charset="0"/>
-                <a:cs typeface="Courier New" panose="02070309020205020404" pitchFamily="49" charset="0"/>
-              </a:rPr>
-              <a:t> is </a:t>
-            </a:r>
-            <a:r>
-              <a:rPr lang="nl-NL" sz="1400" kern="0" dirty="0" err="1" smtClean="0">
-                <a:latin typeface="Courier New" panose="02070309020205020404" pitchFamily="49" charset="0"/>
-                <a:cs typeface="Courier New" panose="02070309020205020404" pitchFamily="49" charset="0"/>
-              </a:rPr>
-              <a:t>to</a:t>
-            </a:r>
-            <a:r>
-              <a:rPr lang="nl-NL" sz="1400" kern="0" dirty="0" smtClean="0">
-                <a:latin typeface="Courier New" panose="02070309020205020404" pitchFamily="49" charset="0"/>
-                <a:cs typeface="Courier New" panose="02070309020205020404" pitchFamily="49" charset="0"/>
-              </a:rPr>
-              <a:t> </a:t>
-            </a:r>
-            <a:r>
-              <a:rPr lang="nl-NL" sz="1400" kern="0" dirty="0" err="1" smtClean="0">
-                <a:latin typeface="Courier New" panose="02070309020205020404" pitchFamily="49" charset="0"/>
-                <a:cs typeface="Courier New" panose="02070309020205020404" pitchFamily="49" charset="0"/>
-              </a:rPr>
-              <a:t>create</a:t>
-            </a:r>
-            <a:r>
-              <a:rPr lang="nl-NL" sz="1400" kern="0" dirty="0" smtClean="0">
-                <a:latin typeface="Courier New" panose="02070309020205020404" pitchFamily="49" charset="0"/>
-                <a:cs typeface="Courier New" panose="02070309020205020404" pitchFamily="49" charset="0"/>
-              </a:rPr>
-              <a:t> a </a:t>
-            </a:r>
-            <a:r>
-              <a:rPr lang="nl-NL" sz="1400" kern="0" dirty="0" err="1" smtClean="0">
-                <a:latin typeface="Courier New" panose="02070309020205020404" pitchFamily="49" charset="0"/>
-                <a:cs typeface="Courier New" panose="02070309020205020404" pitchFamily="49" charset="0"/>
-              </a:rPr>
-              <a:t>linear</a:t>
-            </a:r>
-            <a:r>
-              <a:rPr lang="nl-NL" sz="1400" kern="0" dirty="0" smtClean="0">
-                <a:latin typeface="Courier New" panose="02070309020205020404" pitchFamily="49" charset="0"/>
-                <a:cs typeface="Courier New" panose="02070309020205020404" pitchFamily="49" charset="0"/>
-              </a:rPr>
-              <a:t> model </a:t>
-            </a:r>
-            <a:r>
-              <a:rPr lang="nl-NL" sz="1400" kern="0" dirty="0" err="1" smtClean="0">
-                <a:latin typeface="Courier New" panose="02070309020205020404" pitchFamily="49" charset="0"/>
-                <a:cs typeface="Courier New" panose="02070309020205020404" pitchFamily="49" charset="0"/>
-              </a:rPr>
-              <a:t>that</a:t>
-            </a:r>
-            <a:r>
-              <a:rPr lang="nl-NL" sz="1400" kern="0" dirty="0" smtClean="0">
-                <a:latin typeface="Courier New" panose="02070309020205020404" pitchFamily="49" charset="0"/>
-                <a:cs typeface="Courier New" panose="02070309020205020404" pitchFamily="49" charset="0"/>
-              </a:rPr>
-              <a:t> </a:t>
-            </a:r>
-            <a:r>
-              <a:rPr lang="nl-NL" sz="1400" kern="0" dirty="0" err="1" smtClean="0">
-                <a:latin typeface="Courier New" panose="02070309020205020404" pitchFamily="49" charset="0"/>
-                <a:cs typeface="Courier New" panose="02070309020205020404" pitchFamily="49" charset="0"/>
-              </a:rPr>
-              <a:t>predicts</a:t>
-            </a:r>
-            <a:r>
-              <a:rPr lang="nl-NL" sz="1400" kern="0" dirty="0" smtClean="0">
-                <a:latin typeface="Courier New" panose="02070309020205020404" pitchFamily="49" charset="0"/>
-                <a:cs typeface="Courier New" panose="02070309020205020404" pitchFamily="49" charset="0"/>
-              </a:rPr>
-              <a:t> the money </a:t>
-            </a:r>
-            <a:r>
-              <a:rPr lang="nl-NL" sz="1400" kern="0" dirty="0" err="1" smtClean="0">
-                <a:latin typeface="Courier New" panose="02070309020205020404" pitchFamily="49" charset="0"/>
-                <a:cs typeface="Courier New" panose="02070309020205020404" pitchFamily="49" charset="0"/>
-              </a:rPr>
-              <a:t>spent</a:t>
-            </a:r>
-            <a:r>
-              <a:rPr lang="nl-NL" sz="1400" kern="0" dirty="0" smtClean="0">
-                <a:latin typeface="Courier New" panose="02070309020205020404" pitchFamily="49" charset="0"/>
-                <a:cs typeface="Courier New" panose="02070309020205020404" pitchFamily="49" charset="0"/>
-              </a:rPr>
-              <a:t> on bol.com per </a:t>
-            </a:r>
-            <a:r>
-              <a:rPr lang="nl-NL" sz="1400" kern="0" dirty="0" err="1" smtClean="0">
-                <a:latin typeface="Courier New" panose="02070309020205020404" pitchFamily="49" charset="0"/>
-                <a:cs typeface="Courier New" panose="02070309020205020404" pitchFamily="49" charset="0"/>
-              </a:rPr>
-              <a:t>year</a:t>
-            </a:r>
-            <a:r>
-              <a:rPr lang="nl-NL" sz="1400" kern="0" dirty="0" smtClean="0">
-                <a:latin typeface="Courier New" panose="02070309020205020404" pitchFamily="49" charset="0"/>
-                <a:cs typeface="Courier New" panose="02070309020205020404" pitchFamily="49" charset="0"/>
-              </a:rPr>
-              <a:t>. </a:t>
-            </a:r>
-            <a:r>
-              <a:rPr lang="nl-NL" sz="1400" kern="0" dirty="0" err="1" smtClean="0">
-                <a:latin typeface="Courier New" panose="02070309020205020404" pitchFamily="49" charset="0"/>
-                <a:cs typeface="Courier New" panose="02070309020205020404" pitchFamily="49" charset="0"/>
-              </a:rPr>
-              <a:t>Your</a:t>
-            </a:r>
-            <a:r>
-              <a:rPr lang="nl-NL" sz="1400" kern="0" dirty="0" smtClean="0">
-                <a:latin typeface="Courier New" panose="02070309020205020404" pitchFamily="49" charset="0"/>
-                <a:cs typeface="Courier New" panose="02070309020205020404" pitchFamily="49" charset="0"/>
-              </a:rPr>
-              <a:t> model </a:t>
-            </a:r>
-            <a:r>
-              <a:rPr lang="nl-NL" sz="1400" kern="0" dirty="0" err="1" smtClean="0">
-                <a:latin typeface="Courier New" panose="02070309020205020404" pitchFamily="49" charset="0"/>
-                <a:cs typeface="Courier New" panose="02070309020205020404" pitchFamily="49" charset="0"/>
-              </a:rPr>
-              <a:t>should</a:t>
-            </a:r>
-            <a:r>
-              <a:rPr lang="nl-NL" sz="1400" kern="0" dirty="0" smtClean="0">
-                <a:latin typeface="Courier New" panose="02070309020205020404" pitchFamily="49" charset="0"/>
-                <a:cs typeface="Courier New" panose="02070309020205020404" pitchFamily="49" charset="0"/>
-              </a:rPr>
-              <a:t> </a:t>
-            </a:r>
-            <a:r>
-              <a:rPr lang="nl-NL" sz="1400" kern="0" dirty="0" err="1" smtClean="0">
-                <a:latin typeface="Courier New" panose="02070309020205020404" pitchFamily="49" charset="0"/>
-                <a:cs typeface="Courier New" panose="02070309020205020404" pitchFamily="49" charset="0"/>
-              </a:rPr>
-              <a:t>perform</a:t>
-            </a:r>
-            <a:r>
-              <a:rPr lang="nl-NL" sz="1400" kern="0" dirty="0" smtClean="0">
-                <a:latin typeface="Courier New" panose="02070309020205020404" pitchFamily="49" charset="0"/>
-                <a:cs typeface="Courier New" panose="02070309020205020404" pitchFamily="49" charset="0"/>
-              </a:rPr>
-              <a:t> well on a </a:t>
-            </a:r>
-            <a:r>
-              <a:rPr lang="nl-NL" sz="1400" kern="0" dirty="0" err="1" smtClean="0">
-                <a:latin typeface="Courier New" panose="02070309020205020404" pitchFamily="49" charset="0"/>
-                <a:cs typeface="Courier New" panose="02070309020205020404" pitchFamily="49" charset="0"/>
-              </a:rPr>
-              <a:t>hold</a:t>
-            </a:r>
-            <a:r>
-              <a:rPr lang="nl-NL" sz="1400" kern="0" dirty="0" smtClean="0">
-                <a:latin typeface="Courier New" panose="02070309020205020404" pitchFamily="49" charset="0"/>
-                <a:cs typeface="Courier New" panose="02070309020205020404" pitchFamily="49" charset="0"/>
-              </a:rPr>
-              <a:t>-out test set </a:t>
-            </a:r>
-            <a:r>
-              <a:rPr lang="nl-NL" sz="1400" kern="0" dirty="0" err="1" smtClean="0">
-                <a:latin typeface="Courier New" panose="02070309020205020404" pitchFamily="49" charset="0"/>
-                <a:cs typeface="Courier New" panose="02070309020205020404" pitchFamily="49" charset="0"/>
-              </a:rPr>
-              <a:t>that</a:t>
-            </a:r>
-            <a:r>
-              <a:rPr lang="nl-NL" sz="1400" kern="0" dirty="0" smtClean="0">
-                <a:latin typeface="Courier New" panose="02070309020205020404" pitchFamily="49" charset="0"/>
-                <a:cs typeface="Courier New" panose="02070309020205020404" pitchFamily="49" charset="0"/>
-              </a:rPr>
-              <a:t> I </a:t>
-            </a:r>
-            <a:r>
-              <a:rPr lang="nl-NL" sz="1400" kern="0" dirty="0" err="1" smtClean="0">
-                <a:latin typeface="Courier New" panose="02070309020205020404" pitchFamily="49" charset="0"/>
-                <a:cs typeface="Courier New" panose="02070309020205020404" pitchFamily="49" charset="0"/>
-              </a:rPr>
-              <a:t>will</a:t>
-            </a:r>
-            <a:r>
-              <a:rPr lang="nl-NL" sz="1400" kern="0" dirty="0" smtClean="0">
-                <a:latin typeface="Courier New" panose="02070309020205020404" pitchFamily="49" charset="0"/>
-                <a:cs typeface="Courier New" panose="02070309020205020404" pitchFamily="49" charset="0"/>
-              </a:rPr>
-              <a:t> </a:t>
-            </a:r>
-            <a:r>
-              <a:rPr lang="nl-NL" sz="1400" kern="0" dirty="0" err="1" smtClean="0">
-                <a:latin typeface="Courier New" panose="02070309020205020404" pitchFamily="49" charset="0"/>
-                <a:cs typeface="Courier New" panose="02070309020205020404" pitchFamily="49" charset="0"/>
-              </a:rPr>
-              <a:t>give</a:t>
-            </a:r>
-            <a:r>
-              <a:rPr lang="nl-NL" sz="1400" kern="0" dirty="0" smtClean="0">
-                <a:latin typeface="Courier New" panose="02070309020205020404" pitchFamily="49" charset="0"/>
-                <a:cs typeface="Courier New" panose="02070309020205020404" pitchFamily="49" charset="0"/>
-              </a:rPr>
-              <a:t> </a:t>
-            </a:r>
-            <a:r>
-              <a:rPr lang="nl-NL" sz="1400" kern="0" dirty="0" err="1" smtClean="0">
-                <a:latin typeface="Courier New" panose="02070309020205020404" pitchFamily="49" charset="0"/>
-                <a:cs typeface="Courier New" panose="02070309020205020404" pitchFamily="49" charset="0"/>
-              </a:rPr>
-              <a:t>you</a:t>
-            </a:r>
-            <a:r>
-              <a:rPr lang="nl-NL" sz="1400" kern="0" dirty="0" smtClean="0">
-                <a:latin typeface="Courier New" panose="02070309020205020404" pitchFamily="49" charset="0"/>
-                <a:cs typeface="Courier New" panose="02070309020205020404" pitchFamily="49" charset="0"/>
-              </a:rPr>
-              <a:t> </a:t>
-            </a:r>
-            <a:r>
-              <a:rPr lang="nl-NL" sz="1400" kern="0" dirty="0" err="1" smtClean="0">
-                <a:latin typeface="Courier New" panose="02070309020205020404" pitchFamily="49" charset="0"/>
-                <a:cs typeface="Courier New" panose="02070309020205020404" pitchFamily="49" charset="0"/>
-              </a:rPr>
-              <a:t>add</a:t>
-            </a:r>
-            <a:r>
-              <a:rPr lang="nl-NL" sz="1400" kern="0" dirty="0" smtClean="0">
-                <a:latin typeface="Courier New" panose="02070309020205020404" pitchFamily="49" charset="0"/>
-                <a:cs typeface="Courier New" panose="02070309020205020404" pitchFamily="49" charset="0"/>
-              </a:rPr>
-              <a:t> the end of the </a:t>
-            </a:r>
-            <a:r>
-              <a:rPr lang="nl-NL" sz="1400" kern="0" dirty="0" err="1" smtClean="0">
-                <a:latin typeface="Courier New" panose="02070309020205020404" pitchFamily="49" charset="0"/>
-                <a:cs typeface="Courier New" panose="02070309020205020404" pitchFamily="49" charset="0"/>
-              </a:rPr>
-              <a:t>exercise</a:t>
-            </a:r>
-            <a:r>
-              <a:rPr lang="nl-NL" sz="1400" kern="0" dirty="0" smtClean="0">
-                <a:latin typeface="Courier New" panose="02070309020205020404" pitchFamily="49" charset="0"/>
-                <a:cs typeface="Courier New" panose="02070309020205020404" pitchFamily="49" charset="0"/>
-              </a:rPr>
-              <a:t>.</a:t>
+              <a:t> tips:</a:t>
             </a:r>
           </a:p>
           <a:p>
@@ -9613,23 +9449,338 @@
             </a:endParaRPr>
           </a:p>
           <a:p>
-            <a:pPr marL="0" indent="0">
-              <a:buFont typeface="Zapf Dingbats" charset="2"/>
-              <a:buNone/>
-            </a:pPr>
             <a:r>
               <a:rPr lang="nl-NL" sz="1400" kern="0" dirty="0" err="1" smtClean="0">
                 <a:latin typeface="Courier New" panose="02070309020205020404" pitchFamily="49" charset="0"/>
                 <a:cs typeface="Courier New" panose="02070309020205020404" pitchFamily="49" charset="0"/>
               </a:rPr>
-              <a:t>Some</a:t>
+              <a:t>Use</a:t>
             </a:r>
             <a:r>
               <a:rPr lang="nl-NL" sz="1400" kern="0" dirty="0" smtClean="0">
                 <a:latin typeface="Courier New" panose="02070309020205020404" pitchFamily="49" charset="0"/>
                 <a:cs typeface="Courier New" panose="02070309020205020404" pitchFamily="49" charset="0"/>
               </a:rPr>
-              <a:t> tips:</a:t>
+              <a:t> the </a:t>
+            </a:r>
+            <a:r>
+              <a:rPr lang="nl-NL" sz="1400" kern="0" dirty="0" err="1" smtClean="0">
+                <a:latin typeface="Courier New" panose="02070309020205020404" pitchFamily="49" charset="0"/>
+                <a:cs typeface="Courier New" panose="02070309020205020404" pitchFamily="49" charset="0"/>
+              </a:rPr>
+              <a:t>example</a:t>
+            </a:r>
+            <a:r>
+              <a:rPr lang="nl-NL" sz="1400" kern="0" dirty="0" smtClean="0">
+                <a:latin typeface="Courier New" panose="02070309020205020404" pitchFamily="49" charset="0"/>
+                <a:cs typeface="Courier New" panose="02070309020205020404" pitchFamily="49" charset="0"/>
+              </a:rPr>
+              <a:t> </a:t>
+            </a:r>
+            <a:r>
+              <a:rPr lang="nl-NL" sz="1400" kern="0" dirty="0" smtClean="0">
+                <a:latin typeface="Courier New" panose="02070309020205020404" pitchFamily="49" charset="0"/>
+                <a:cs typeface="Courier New" panose="02070309020205020404" pitchFamily="49" charset="0"/>
+              </a:rPr>
+              <a:t>Notebooks </a:t>
+            </a:r>
+            <a:r>
+              <a:rPr lang="nl-NL" sz="1400" kern="0" dirty="0" err="1" smtClean="0">
+                <a:latin typeface="Courier New" panose="02070309020205020404" pitchFamily="49" charset="0"/>
+                <a:cs typeface="Courier New" panose="02070309020205020404" pitchFamily="49" charset="0"/>
+              </a:rPr>
+              <a:t>and</a:t>
+            </a:r>
+            <a:r>
+              <a:rPr lang="nl-NL" sz="1400" kern="0" dirty="0" smtClean="0">
+                <a:latin typeface="Courier New" panose="02070309020205020404" pitchFamily="49" charset="0"/>
+                <a:cs typeface="Courier New" panose="02070309020205020404" pitchFamily="49" charset="0"/>
+              </a:rPr>
+              <a:t> </a:t>
+            </a:r>
+            <a:r>
+              <a:rPr lang="nl-NL" sz="1400" i="1" kern="0" dirty="0" err="1" smtClean="0">
+                <a:latin typeface="Courier New" panose="02070309020205020404" pitchFamily="49" charset="0"/>
+                <a:cs typeface="Courier New" panose="02070309020205020404" pitchFamily="49" charset="0"/>
+              </a:rPr>
+              <a:t>Cookbook</a:t>
+            </a:r>
+            <a:r>
+              <a:rPr lang="nl-NL" sz="1400" kern="0" dirty="0" smtClean="0">
+                <a:latin typeface="Courier New" panose="02070309020205020404" pitchFamily="49" charset="0"/>
+                <a:cs typeface="Courier New" panose="02070309020205020404" pitchFamily="49" charset="0"/>
+              </a:rPr>
+              <a:t> </a:t>
+            </a:r>
+            <a:r>
+              <a:rPr lang="nl-NL" sz="1400" kern="0" dirty="0" err="1" smtClean="0">
+                <a:latin typeface="Courier New" panose="02070309020205020404" pitchFamily="49" charset="0"/>
+                <a:cs typeface="Courier New" panose="02070309020205020404" pitchFamily="49" charset="0"/>
+              </a:rPr>
+              <a:t>to</a:t>
+            </a:r>
+            <a:r>
+              <a:rPr lang="nl-NL" sz="1400" kern="0" dirty="0" smtClean="0">
+                <a:latin typeface="Courier New" panose="02070309020205020404" pitchFamily="49" charset="0"/>
+                <a:cs typeface="Courier New" panose="02070309020205020404" pitchFamily="49" charset="0"/>
+              </a:rPr>
+              <a:t> get snippets of code </a:t>
+            </a:r>
+            <a:r>
+              <a:rPr lang="nl-NL" sz="1400" kern="0" dirty="0" err="1" smtClean="0">
+                <a:latin typeface="Courier New" panose="02070309020205020404" pitchFamily="49" charset="0"/>
+                <a:cs typeface="Courier New" panose="02070309020205020404" pitchFamily="49" charset="0"/>
+              </a:rPr>
+              <a:t>that</a:t>
+            </a:r>
+            <a:r>
+              <a:rPr lang="nl-NL" sz="1400" kern="0" dirty="0" smtClean="0">
+                <a:latin typeface="Courier New" panose="02070309020205020404" pitchFamily="49" charset="0"/>
+                <a:cs typeface="Courier New" panose="02070309020205020404" pitchFamily="49" charset="0"/>
+              </a:rPr>
+              <a:t> </a:t>
+            </a:r>
+            <a:r>
+              <a:rPr lang="nl-NL" sz="1400" kern="0" dirty="0" err="1" smtClean="0">
+                <a:latin typeface="Courier New" panose="02070309020205020404" pitchFamily="49" charset="0"/>
+                <a:cs typeface="Courier New" panose="02070309020205020404" pitchFamily="49" charset="0"/>
+              </a:rPr>
+              <a:t>you</a:t>
+            </a:r>
+            <a:r>
+              <a:rPr lang="nl-NL" sz="1400" kern="0" dirty="0" smtClean="0">
+                <a:latin typeface="Courier New" panose="02070309020205020404" pitchFamily="49" charset="0"/>
+                <a:cs typeface="Courier New" panose="02070309020205020404" pitchFamily="49" charset="0"/>
+              </a:rPr>
+              <a:t> </a:t>
+            </a:r>
+            <a:r>
+              <a:rPr lang="nl-NL" sz="1400" kern="0" dirty="0" err="1" smtClean="0">
+                <a:latin typeface="Courier New" panose="02070309020205020404" pitchFamily="49" charset="0"/>
+                <a:cs typeface="Courier New" panose="02070309020205020404" pitchFamily="49" charset="0"/>
+              </a:rPr>
+              <a:t>need</a:t>
+            </a:r>
+            <a:endParaRPr lang="nl-NL" sz="1400" kern="0" dirty="0" smtClean="0">
+              <a:latin typeface="Courier New" panose="02070309020205020404" pitchFamily="49" charset="0"/>
+              <a:cs typeface="Courier New" panose="02070309020205020404" pitchFamily="49" charset="0"/>
+            </a:endParaRPr>
+          </a:p>
+          <a:p>
+            <a:r>
+              <a:rPr lang="nl-NL" sz="1400" kern="0" dirty="0" err="1" smtClean="0">
+                <a:latin typeface="Courier New" panose="02070309020205020404" pitchFamily="49" charset="0"/>
+                <a:cs typeface="Courier New" panose="02070309020205020404" pitchFamily="49" charset="0"/>
+              </a:rPr>
+              <a:t>Use</a:t>
+            </a:r>
+            <a:r>
+              <a:rPr lang="nl-NL" sz="1400" kern="0" dirty="0" smtClean="0">
+                <a:latin typeface="Courier New" panose="02070309020205020404" pitchFamily="49" charset="0"/>
+                <a:cs typeface="Courier New" panose="02070309020205020404" pitchFamily="49" charset="0"/>
+              </a:rPr>
+              <a:t> </a:t>
+            </a:r>
+            <a:r>
+              <a:rPr lang="nl-NL" sz="1400" kern="0" dirty="0" err="1" smtClean="0">
+                <a:latin typeface="Courier New" panose="02070309020205020404" pitchFamily="49" charset="0"/>
+                <a:cs typeface="Courier New" panose="02070309020205020404" pitchFamily="49" charset="0"/>
+              </a:rPr>
+              <a:t>graphs</a:t>
+            </a:r>
+            <a:r>
+              <a:rPr lang="nl-NL" sz="1400" kern="0" dirty="0">
+                <a:latin typeface="Courier New" panose="02070309020205020404" pitchFamily="49" charset="0"/>
+                <a:cs typeface="Courier New" panose="02070309020205020404" pitchFamily="49" charset="0"/>
+              </a:rPr>
+              <a:t> </a:t>
+            </a:r>
+            <a:r>
+              <a:rPr lang="nl-NL" sz="1400" kern="0" dirty="0" err="1" smtClean="0">
+                <a:latin typeface="Courier New" panose="02070309020205020404" pitchFamily="49" charset="0"/>
+                <a:cs typeface="Courier New" panose="02070309020205020404" pitchFamily="49" charset="0"/>
+              </a:rPr>
+              <a:t>to</a:t>
+            </a:r>
+            <a:r>
+              <a:rPr lang="nl-NL" sz="1400" kern="0" dirty="0" smtClean="0">
+                <a:latin typeface="Courier New" panose="02070309020205020404" pitchFamily="49" charset="0"/>
+                <a:cs typeface="Courier New" panose="02070309020205020404" pitchFamily="49" charset="0"/>
+              </a:rPr>
+              <a:t> </a:t>
+            </a:r>
+            <a:r>
+              <a:rPr lang="nl-NL" sz="1400" kern="0" dirty="0" err="1" smtClean="0">
+                <a:latin typeface="Courier New" panose="02070309020205020404" pitchFamily="49" charset="0"/>
+                <a:cs typeface="Courier New" panose="02070309020205020404" pitchFamily="49" charset="0"/>
+              </a:rPr>
+              <a:t>explore</a:t>
+            </a:r>
+            <a:r>
+              <a:rPr lang="nl-NL" sz="1400" kern="0" dirty="0" smtClean="0">
+                <a:latin typeface="Courier New" panose="02070309020205020404" pitchFamily="49" charset="0"/>
+                <a:cs typeface="Courier New" panose="02070309020205020404" pitchFamily="49" charset="0"/>
+              </a:rPr>
+              <a:t> the data</a:t>
+            </a:r>
+          </a:p>
+          <a:p>
+            <a:r>
+              <a:rPr lang="nl-NL" sz="1400" kern="0" dirty="0" err="1" smtClean="0">
+                <a:latin typeface="Courier New" panose="02070309020205020404" pitchFamily="49" charset="0"/>
+                <a:cs typeface="Courier New" panose="02070309020205020404" pitchFamily="49" charset="0"/>
+              </a:rPr>
+              <a:t>Think</a:t>
+            </a:r>
+            <a:r>
+              <a:rPr lang="nl-NL" sz="1400" kern="0" dirty="0" smtClean="0">
+                <a:latin typeface="Courier New" panose="02070309020205020404" pitchFamily="49" charset="0"/>
+                <a:cs typeface="Courier New" panose="02070309020205020404" pitchFamily="49" charset="0"/>
+              </a:rPr>
+              <a:t> </a:t>
+            </a:r>
+            <a:r>
+              <a:rPr lang="nl-NL" sz="1400" kern="0" dirty="0" smtClean="0">
+                <a:latin typeface="Courier New" panose="02070309020205020404" pitchFamily="49" charset="0"/>
+                <a:cs typeface="Courier New" panose="02070309020205020404" pitchFamily="49" charset="0"/>
+              </a:rPr>
+              <a:t>of </a:t>
+            </a:r>
+            <a:r>
+              <a:rPr lang="nl-NL" sz="1400" kern="0" dirty="0" err="1" smtClean="0">
+                <a:latin typeface="Courier New" panose="02070309020205020404" pitchFamily="49" charset="0"/>
+                <a:cs typeface="Courier New" panose="02070309020205020404" pitchFamily="49" charset="0"/>
+              </a:rPr>
+              <a:t>possible</a:t>
+            </a:r>
+            <a:r>
+              <a:rPr lang="nl-NL" sz="1400" kern="0" dirty="0" smtClean="0">
+                <a:latin typeface="Courier New" panose="02070309020205020404" pitchFamily="49" charset="0"/>
+                <a:cs typeface="Courier New" panose="02070309020205020404" pitchFamily="49" charset="0"/>
+              </a:rPr>
+              <a:t> </a:t>
+            </a:r>
+            <a:r>
+              <a:rPr lang="nl-NL" sz="1400" kern="0" dirty="0" err="1" smtClean="0">
+                <a:latin typeface="Courier New" panose="02070309020205020404" pitchFamily="49" charset="0"/>
+                <a:cs typeface="Courier New" panose="02070309020205020404" pitchFamily="49" charset="0"/>
+              </a:rPr>
+              <a:t>transformations</a:t>
+            </a:r>
+            <a:endParaRPr lang="nl-NL" sz="1400" kern="0" dirty="0" smtClean="0">
+              <a:latin typeface="Courier New" panose="02070309020205020404" pitchFamily="49" charset="0"/>
+              <a:cs typeface="Courier New" panose="02070309020205020404" pitchFamily="49" charset="0"/>
+            </a:endParaRPr>
+          </a:p>
+          <a:p>
+            <a:r>
+              <a:rPr lang="nl-NL" sz="1400" kern="0" dirty="0" err="1" smtClean="0">
+                <a:latin typeface="Courier New" panose="02070309020205020404" pitchFamily="49" charset="0"/>
+                <a:cs typeface="Courier New" panose="02070309020205020404" pitchFamily="49" charset="0"/>
+              </a:rPr>
+              <a:t>Calculate</a:t>
+            </a:r>
+            <a:r>
+              <a:rPr lang="nl-NL" sz="1400" kern="0" dirty="0" smtClean="0">
+                <a:latin typeface="Courier New" panose="02070309020205020404" pitchFamily="49" charset="0"/>
+                <a:cs typeface="Courier New" panose="02070309020205020404" pitchFamily="49" charset="0"/>
+              </a:rPr>
+              <a:t> the performance of </a:t>
+            </a:r>
+            <a:r>
+              <a:rPr lang="nl-NL" sz="1400" kern="0" dirty="0" err="1" smtClean="0">
+                <a:latin typeface="Courier New" panose="02070309020205020404" pitchFamily="49" charset="0"/>
+                <a:cs typeface="Courier New" panose="02070309020205020404" pitchFamily="49" charset="0"/>
+              </a:rPr>
+              <a:t>your</a:t>
+            </a:r>
+            <a:r>
+              <a:rPr lang="nl-NL" sz="1400" kern="0" dirty="0" smtClean="0">
+                <a:latin typeface="Courier New" panose="02070309020205020404" pitchFamily="49" charset="0"/>
+                <a:cs typeface="Courier New" panose="02070309020205020404" pitchFamily="49" charset="0"/>
+              </a:rPr>
+              <a:t> model </a:t>
+            </a:r>
+            <a:r>
+              <a:rPr lang="nl-NL" sz="1400" kern="0" dirty="0" err="1" smtClean="0">
+                <a:latin typeface="Courier New" panose="02070309020205020404" pitchFamily="49" charset="0"/>
+                <a:cs typeface="Courier New" panose="02070309020205020404" pitchFamily="49" charset="0"/>
+              </a:rPr>
+              <a:t>with</a:t>
+            </a:r>
+            <a:r>
+              <a:rPr lang="nl-NL" sz="1400" kern="0" dirty="0">
+                <a:latin typeface="Courier New" panose="02070309020205020404" pitchFamily="49" charset="0"/>
+                <a:cs typeface="Courier New" panose="02070309020205020404" pitchFamily="49" charset="0"/>
+              </a:rPr>
+              <a:t> </a:t>
+            </a:r>
+            <a:r>
+              <a:rPr lang="nl-NL" sz="1400" kern="0" dirty="0" smtClean="0">
+                <a:latin typeface="Courier New" panose="02070309020205020404" pitchFamily="49" charset="0"/>
+                <a:cs typeface="Courier New" panose="02070309020205020404" pitchFamily="49" charset="0"/>
+              </a:rPr>
+              <a:t>RMSE</a:t>
+            </a:r>
+          </a:p>
+          <a:p>
+            <a:r>
+              <a:rPr lang="nl-NL" sz="1400" kern="0" dirty="0" smtClean="0">
+                <a:latin typeface="Courier New" panose="02070309020205020404" pitchFamily="49" charset="0"/>
+                <a:cs typeface="Courier New" panose="02070309020205020404" pitchFamily="49" charset="0"/>
+              </a:rPr>
+              <a:t>Beware of </a:t>
+            </a:r>
+            <a:r>
+              <a:rPr lang="nl-NL" sz="1400" kern="0" dirty="0" err="1" smtClean="0">
+                <a:latin typeface="Courier New" panose="02070309020205020404" pitchFamily="49" charset="0"/>
+                <a:cs typeface="Courier New" panose="02070309020205020404" pitchFamily="49" charset="0"/>
+              </a:rPr>
+              <a:t>overfitting</a:t>
+            </a:r>
+            <a:r>
+              <a:rPr lang="nl-NL" sz="1400" kern="0" dirty="0" smtClean="0">
+                <a:latin typeface="Courier New" panose="02070309020205020404" pitchFamily="49" charset="0"/>
+                <a:cs typeface="Courier New" panose="02070309020205020404" pitchFamily="49" charset="0"/>
+              </a:rPr>
+              <a:t>…</a:t>
+            </a:r>
+          </a:p>
+          <a:p>
+            <a:r>
+              <a:rPr lang="nl-NL" sz="1400" kern="0" dirty="0" smtClean="0">
+                <a:latin typeface="Courier New" panose="02070309020205020404" pitchFamily="49" charset="0"/>
+                <a:cs typeface="Courier New" panose="02070309020205020404" pitchFamily="49" charset="0"/>
+              </a:rPr>
+              <a:t>Best performance </a:t>
+            </a:r>
+            <a:r>
+              <a:rPr lang="nl-NL" sz="1400" kern="0" dirty="0" err="1" smtClean="0">
+                <a:latin typeface="Courier New" panose="02070309020205020404" pitchFamily="49" charset="0"/>
+                <a:cs typeface="Courier New" panose="02070309020205020404" pitchFamily="49" charset="0"/>
+              </a:rPr>
+              <a:t>wins</a:t>
+            </a:r>
+            <a:r>
+              <a:rPr lang="nl-NL" sz="1400" kern="0" dirty="0" smtClean="0">
+                <a:latin typeface="Courier New" panose="02070309020205020404" pitchFamily="49" charset="0"/>
+                <a:cs typeface="Courier New" panose="02070309020205020404" pitchFamily="49" charset="0"/>
+              </a:rPr>
+              <a:t> a </a:t>
+            </a:r>
+            <a:r>
+              <a:rPr lang="nl-NL" sz="1400" kern="0" dirty="0" err="1" smtClean="0">
+                <a:latin typeface="Courier New" panose="02070309020205020404" pitchFamily="49" charset="0"/>
+                <a:cs typeface="Courier New" panose="02070309020205020404" pitchFamily="49" charset="0"/>
+              </a:rPr>
+              <a:t>prize</a:t>
+            </a:r>
+            <a:r>
+              <a:rPr lang="nl-NL" sz="1400" kern="0" dirty="0" smtClean="0">
+                <a:latin typeface="Courier New" panose="02070309020205020404" pitchFamily="49" charset="0"/>
+                <a:cs typeface="Courier New" panose="02070309020205020404" pitchFamily="49" charset="0"/>
+              </a:rPr>
+              <a:t>!</a:t>
             </a:r>
           </a:p>
           <a:p>
@@ -9643,297 +9794,14 @@
             </a:endParaRPr>
           </a:p>
           <a:p>
-            <a:r>
-              <a:rPr lang="nl-NL" sz="1400" kern="0" dirty="0" err="1" smtClean="0">
-                <a:latin typeface="Courier New" panose="02070309020205020404" pitchFamily="49" charset="0"/>
-                <a:cs typeface="Courier New" panose="02070309020205020404" pitchFamily="49" charset="0"/>
-              </a:rPr>
-              <a:t>Use</a:t>
-            </a:r>
-            <a:r>
-              <a:rPr lang="nl-NL" sz="1400" kern="0" dirty="0" smtClean="0">
-                <a:latin typeface="Courier New" panose="02070309020205020404" pitchFamily="49" charset="0"/>
-                <a:cs typeface="Courier New" panose="02070309020205020404" pitchFamily="49" charset="0"/>
-              </a:rPr>
-              <a:t> the </a:t>
-            </a:r>
-            <a:r>
-              <a:rPr lang="nl-NL" sz="1400" kern="0" dirty="0" err="1" smtClean="0">
-                <a:latin typeface="Courier New" panose="02070309020205020404" pitchFamily="49" charset="0"/>
-                <a:cs typeface="Courier New" panose="02070309020205020404" pitchFamily="49" charset="0"/>
-              </a:rPr>
-              <a:t>example</a:t>
-            </a:r>
-            <a:r>
-              <a:rPr lang="nl-NL" sz="1400" kern="0" dirty="0" smtClean="0">
-                <a:latin typeface="Courier New" panose="02070309020205020404" pitchFamily="49" charset="0"/>
-                <a:cs typeface="Courier New" panose="02070309020205020404" pitchFamily="49" charset="0"/>
-              </a:rPr>
-              <a:t> Notebooks </a:t>
-            </a:r>
-            <a:r>
-              <a:rPr lang="nl-NL" sz="1400" kern="0" dirty="0" err="1" smtClean="0">
-                <a:latin typeface="Courier New" panose="02070309020205020404" pitchFamily="49" charset="0"/>
-                <a:cs typeface="Courier New" panose="02070309020205020404" pitchFamily="49" charset="0"/>
-              </a:rPr>
-              <a:t>to</a:t>
-            </a:r>
-            <a:r>
-              <a:rPr lang="nl-NL" sz="1400" kern="0" dirty="0" smtClean="0">
-                <a:latin typeface="Courier New" panose="02070309020205020404" pitchFamily="49" charset="0"/>
-                <a:cs typeface="Courier New" panose="02070309020205020404" pitchFamily="49" charset="0"/>
-              </a:rPr>
-              <a:t> get snippets of code </a:t>
-            </a:r>
-            <a:r>
-              <a:rPr lang="nl-NL" sz="1400" kern="0" dirty="0" err="1" smtClean="0">
-                <a:latin typeface="Courier New" panose="02070309020205020404" pitchFamily="49" charset="0"/>
-                <a:cs typeface="Courier New" panose="02070309020205020404" pitchFamily="49" charset="0"/>
-              </a:rPr>
-              <a:t>that</a:t>
-            </a:r>
-            <a:r>
-              <a:rPr lang="nl-NL" sz="1400" kern="0" dirty="0" smtClean="0">
-                <a:latin typeface="Courier New" panose="02070309020205020404" pitchFamily="49" charset="0"/>
-                <a:cs typeface="Courier New" panose="02070309020205020404" pitchFamily="49" charset="0"/>
-              </a:rPr>
-              <a:t> </a:t>
-            </a:r>
-            <a:r>
-              <a:rPr lang="nl-NL" sz="1400" kern="0" dirty="0" err="1" smtClean="0">
-                <a:latin typeface="Courier New" panose="02070309020205020404" pitchFamily="49" charset="0"/>
-                <a:cs typeface="Courier New" panose="02070309020205020404" pitchFamily="49" charset="0"/>
-              </a:rPr>
-              <a:t>you</a:t>
-            </a:r>
-            <a:r>
-              <a:rPr lang="nl-NL" sz="1400" kern="0" dirty="0" smtClean="0">
-                <a:latin typeface="Courier New" panose="02070309020205020404" pitchFamily="49" charset="0"/>
-                <a:cs typeface="Courier New" panose="02070309020205020404" pitchFamily="49" charset="0"/>
-              </a:rPr>
-              <a:t> </a:t>
-            </a:r>
-            <a:r>
-              <a:rPr lang="nl-NL" sz="1400" kern="0" dirty="0" err="1" smtClean="0">
-                <a:latin typeface="Courier New" panose="02070309020205020404" pitchFamily="49" charset="0"/>
-                <a:cs typeface="Courier New" panose="02070309020205020404" pitchFamily="49" charset="0"/>
-              </a:rPr>
-              <a:t>need</a:t>
-            </a:r>
+            <a:pPr marL="0" indent="0">
+              <a:buFont typeface="Zapf Dingbats" charset="2"/>
+              <a:buNone/>
+            </a:pPr>
             <a:endParaRPr lang="nl-NL" sz="1400" kern="0" dirty="0" smtClean="0">
               <a:latin typeface="Courier New" panose="02070309020205020404" pitchFamily="49" charset="0"/>
               <a:cs typeface="Courier New" panose="02070309020205020404" pitchFamily="49" charset="0"/>
             </a:endParaRPr>
-          </a:p>
-          <a:p>
-            <a:r>
-              <a:rPr lang="nl-NL" sz="1400" kern="0" dirty="0" err="1" smtClean="0">
-                <a:latin typeface="Courier New" panose="02070309020205020404" pitchFamily="49" charset="0"/>
-                <a:cs typeface="Courier New" panose="02070309020205020404" pitchFamily="49" charset="0"/>
-              </a:rPr>
-              <a:t>Use</a:t>
-            </a:r>
-            <a:r>
-              <a:rPr lang="nl-NL" sz="1400" kern="0" dirty="0" smtClean="0">
-                <a:latin typeface="Courier New" panose="02070309020205020404" pitchFamily="49" charset="0"/>
-                <a:cs typeface="Courier New" panose="02070309020205020404" pitchFamily="49" charset="0"/>
-              </a:rPr>
-              <a:t> </a:t>
-            </a:r>
-            <a:r>
-              <a:rPr lang="nl-NL" sz="1400" kern="0" dirty="0" err="1" smtClean="0">
-                <a:latin typeface="Courier New" panose="02070309020205020404" pitchFamily="49" charset="0"/>
-                <a:cs typeface="Courier New" panose="02070309020205020404" pitchFamily="49" charset="0"/>
-              </a:rPr>
-              <a:t>graphs</a:t>
-            </a:r>
-            <a:r>
-              <a:rPr lang="nl-NL" sz="1400" kern="0" dirty="0">
-                <a:latin typeface="Courier New" panose="02070309020205020404" pitchFamily="49" charset="0"/>
-                <a:cs typeface="Courier New" panose="02070309020205020404" pitchFamily="49" charset="0"/>
-              </a:rPr>
-              <a:t> </a:t>
-            </a:r>
-            <a:r>
-              <a:rPr lang="nl-NL" sz="1400" kern="0" dirty="0" err="1" smtClean="0">
-                <a:latin typeface="Courier New" panose="02070309020205020404" pitchFamily="49" charset="0"/>
-                <a:cs typeface="Courier New" panose="02070309020205020404" pitchFamily="49" charset="0"/>
-              </a:rPr>
-              <a:t>to</a:t>
-            </a:r>
-            <a:r>
-              <a:rPr lang="nl-NL" sz="1400" kern="0" dirty="0" smtClean="0">
-                <a:latin typeface="Courier New" panose="02070309020205020404" pitchFamily="49" charset="0"/>
-                <a:cs typeface="Courier New" panose="02070309020205020404" pitchFamily="49" charset="0"/>
-              </a:rPr>
-              <a:t> </a:t>
-            </a:r>
-            <a:r>
-              <a:rPr lang="nl-NL" sz="1400" kern="0" dirty="0" err="1" smtClean="0">
-                <a:latin typeface="Courier New" panose="02070309020205020404" pitchFamily="49" charset="0"/>
-                <a:cs typeface="Courier New" panose="02070309020205020404" pitchFamily="49" charset="0"/>
-              </a:rPr>
-              <a:t>explore</a:t>
-            </a:r>
-            <a:r>
-              <a:rPr lang="nl-NL" sz="1400" kern="0" dirty="0" smtClean="0">
-                <a:latin typeface="Courier New" panose="02070309020205020404" pitchFamily="49" charset="0"/>
-                <a:cs typeface="Courier New" panose="02070309020205020404" pitchFamily="49" charset="0"/>
-              </a:rPr>
-              <a:t> the data</a:t>
-            </a:r>
-          </a:p>
-          <a:p>
-            <a:r>
-              <a:rPr lang="nl-NL" sz="1400" kern="0" dirty="0" err="1" smtClean="0">
-                <a:latin typeface="Courier New" panose="02070309020205020404" pitchFamily="49" charset="0"/>
-                <a:cs typeface="Courier New" panose="02070309020205020404" pitchFamily="49" charset="0"/>
-              </a:rPr>
-              <a:t>Think</a:t>
-            </a:r>
-            <a:r>
-              <a:rPr lang="nl-NL" sz="1400" kern="0" dirty="0" smtClean="0">
-                <a:latin typeface="Courier New" panose="02070309020205020404" pitchFamily="49" charset="0"/>
-                <a:cs typeface="Courier New" panose="02070309020205020404" pitchFamily="49" charset="0"/>
-              </a:rPr>
-              <a:t> of </a:t>
-            </a:r>
-            <a:r>
-              <a:rPr lang="nl-NL" sz="1400" kern="0" dirty="0" err="1" smtClean="0">
-                <a:latin typeface="Courier New" panose="02070309020205020404" pitchFamily="49" charset="0"/>
-                <a:cs typeface="Courier New" panose="02070309020205020404" pitchFamily="49" charset="0"/>
-              </a:rPr>
-              <a:t>possible</a:t>
-            </a:r>
-            <a:r>
-              <a:rPr lang="nl-NL" sz="1400" kern="0" dirty="0" smtClean="0">
-                <a:latin typeface="Courier New" panose="02070309020205020404" pitchFamily="49" charset="0"/>
-                <a:cs typeface="Courier New" panose="02070309020205020404" pitchFamily="49" charset="0"/>
-              </a:rPr>
-              <a:t> </a:t>
-            </a:r>
-            <a:r>
-              <a:rPr lang="nl-NL" sz="1400" kern="0" dirty="0" err="1" smtClean="0">
-                <a:latin typeface="Courier New" panose="02070309020205020404" pitchFamily="49" charset="0"/>
-                <a:cs typeface="Courier New" panose="02070309020205020404" pitchFamily="49" charset="0"/>
-              </a:rPr>
-              <a:t>transformations</a:t>
-            </a:r>
-            <a:endParaRPr lang="nl-NL" sz="1400" kern="0" dirty="0" smtClean="0">
-              <a:latin typeface="Courier New" panose="02070309020205020404" pitchFamily="49" charset="0"/>
-              <a:cs typeface="Courier New" panose="02070309020205020404" pitchFamily="49" charset="0"/>
-            </a:endParaRPr>
-          </a:p>
-          <a:p>
-            <a:r>
-              <a:rPr lang="nl-NL" sz="1400" kern="0" dirty="0" err="1" smtClean="0">
-                <a:latin typeface="Courier New" panose="02070309020205020404" pitchFamily="49" charset="0"/>
-                <a:cs typeface="Courier New" panose="02070309020205020404" pitchFamily="49" charset="0"/>
-              </a:rPr>
-              <a:t>Calculate</a:t>
-            </a:r>
-            <a:r>
-              <a:rPr lang="nl-NL" sz="1400" kern="0" dirty="0" smtClean="0">
-                <a:latin typeface="Courier New" panose="02070309020205020404" pitchFamily="49" charset="0"/>
-                <a:cs typeface="Courier New" panose="02070309020205020404" pitchFamily="49" charset="0"/>
-              </a:rPr>
-              <a:t> the performance of </a:t>
-            </a:r>
-            <a:r>
-              <a:rPr lang="nl-NL" sz="1400" kern="0" dirty="0" err="1" smtClean="0">
-                <a:latin typeface="Courier New" panose="02070309020205020404" pitchFamily="49" charset="0"/>
-                <a:cs typeface="Courier New" panose="02070309020205020404" pitchFamily="49" charset="0"/>
-              </a:rPr>
-              <a:t>your</a:t>
-            </a:r>
-            <a:r>
-              <a:rPr lang="nl-NL" sz="1400" kern="0" dirty="0" smtClean="0">
-                <a:latin typeface="Courier New" panose="02070309020205020404" pitchFamily="49" charset="0"/>
-                <a:cs typeface="Courier New" panose="02070309020205020404" pitchFamily="49" charset="0"/>
-              </a:rPr>
-              <a:t> model </a:t>
-            </a:r>
-            <a:r>
-              <a:rPr lang="nl-NL" sz="1400" kern="0" dirty="0" err="1" smtClean="0">
-                <a:latin typeface="Courier New" panose="02070309020205020404" pitchFamily="49" charset="0"/>
-                <a:cs typeface="Courier New" panose="02070309020205020404" pitchFamily="49" charset="0"/>
-              </a:rPr>
-              <a:t>with</a:t>
-            </a:r>
-            <a:r>
-              <a:rPr lang="nl-NL" sz="1400" kern="0" dirty="0">
-                <a:latin typeface="Courier New" panose="02070309020205020404" pitchFamily="49" charset="0"/>
-                <a:cs typeface="Courier New" panose="02070309020205020404" pitchFamily="49" charset="0"/>
-              </a:rPr>
-              <a:t> </a:t>
-            </a:r>
-            <a:r>
-              <a:rPr lang="nl-NL" sz="1400" kern="0" dirty="0" smtClean="0">
-                <a:latin typeface="Courier New" panose="02070309020205020404" pitchFamily="49" charset="0"/>
-                <a:cs typeface="Courier New" panose="02070309020205020404" pitchFamily="49" charset="0"/>
-              </a:rPr>
-              <a:t>RMSE</a:t>
-            </a:r>
-          </a:p>
-          <a:p>
-            <a:r>
-              <a:rPr lang="nl-NL" sz="1400" kern="0" dirty="0" smtClean="0">
-                <a:latin typeface="Courier New" panose="02070309020205020404" pitchFamily="49" charset="0"/>
-                <a:cs typeface="Courier New" panose="02070309020205020404" pitchFamily="49" charset="0"/>
-              </a:rPr>
-              <a:t>Beware of </a:t>
-            </a:r>
-            <a:r>
-              <a:rPr lang="nl-NL" sz="1400" kern="0" dirty="0" err="1" smtClean="0">
-                <a:latin typeface="Courier New" panose="02070309020205020404" pitchFamily="49" charset="0"/>
-                <a:cs typeface="Courier New" panose="02070309020205020404" pitchFamily="49" charset="0"/>
-              </a:rPr>
-              <a:t>overfitting</a:t>
-            </a:r>
-            <a:r>
-              <a:rPr lang="nl-NL" sz="1400" kern="0" dirty="0" smtClean="0">
-                <a:latin typeface="Courier New" panose="02070309020205020404" pitchFamily="49" charset="0"/>
-                <a:cs typeface="Courier New" panose="02070309020205020404" pitchFamily="49" charset="0"/>
-              </a:rPr>
-              <a:t>…</a:t>
-            </a:r>
-          </a:p>
-          <a:p>
-            <a:r>
-              <a:rPr lang="nl-NL" sz="1400" kern="0" dirty="0" smtClean="0">
-                <a:latin typeface="Courier New" panose="02070309020205020404" pitchFamily="49" charset="0"/>
-                <a:cs typeface="Courier New" panose="02070309020205020404" pitchFamily="49" charset="0"/>
-              </a:rPr>
-              <a:t>Best performance </a:t>
-            </a:r>
-            <a:r>
-              <a:rPr lang="nl-NL" sz="1400" kern="0" dirty="0" err="1" smtClean="0">
-                <a:latin typeface="Courier New" panose="02070309020205020404" pitchFamily="49" charset="0"/>
-                <a:cs typeface="Courier New" panose="02070309020205020404" pitchFamily="49" charset="0"/>
-              </a:rPr>
-              <a:t>wins</a:t>
-            </a:r>
-            <a:r>
-              <a:rPr lang="nl-NL" sz="1400" kern="0" dirty="0" smtClean="0">
-                <a:latin typeface="Courier New" panose="02070309020205020404" pitchFamily="49" charset="0"/>
-                <a:cs typeface="Courier New" panose="02070309020205020404" pitchFamily="49" charset="0"/>
-              </a:rPr>
-              <a:t> a </a:t>
-            </a:r>
-            <a:r>
-              <a:rPr lang="nl-NL" sz="1400" kern="0" dirty="0" err="1" smtClean="0">
-                <a:latin typeface="Courier New" panose="02070309020205020404" pitchFamily="49" charset="0"/>
-                <a:cs typeface="Courier New" panose="02070309020205020404" pitchFamily="49" charset="0"/>
-              </a:rPr>
-              <a:t>prize</a:t>
-            </a:r>
-            <a:r>
-              <a:rPr lang="nl-NL" sz="1400" kern="0" dirty="0" smtClean="0">
-                <a:latin typeface="Courier New" panose="02070309020205020404" pitchFamily="49" charset="0"/>
-                <a:cs typeface="Courier New" panose="02070309020205020404" pitchFamily="49" charset="0"/>
-              </a:rPr>
-              <a:t>!</a:t>
-            </a:r>
           </a:p>
           <a:p>
             <a:pPr marL="0" indent="0">
@@ -9955,32 +9823,186 @@
               <a:cs typeface="Courier New" panose="02070309020205020404" pitchFamily="49" charset="0"/>
             </a:endParaRPr>
           </a:p>
-          <a:p>
-            <a:pPr marL="0" indent="0">
-              <a:buFont typeface="Zapf Dingbats" charset="2"/>
-              <a:buNone/>
-            </a:pPr>
-            <a:endParaRPr lang="nl-NL" sz="1400" kern="0" dirty="0">
-              <a:latin typeface="Courier New" panose="02070309020205020404" pitchFamily="49" charset="0"/>
-              <a:cs typeface="Courier New" panose="02070309020205020404" pitchFamily="49" charset="0"/>
-            </a:endParaRPr>
-          </a:p>
-          <a:p>
-            <a:pPr marL="0" indent="0">
-              <a:buFont typeface="Zapf Dingbats" charset="2"/>
-              <a:buNone/>
-            </a:pPr>
-            <a:endParaRPr lang="nl-NL" sz="1400" kern="0" dirty="0" smtClean="0">
-              <a:latin typeface="Courier New" panose="02070309020205020404" pitchFamily="49" charset="0"/>
-              <a:cs typeface="Courier New" panose="02070309020205020404" pitchFamily="49" charset="0"/>
-            </a:endParaRPr>
-          </a:p>
         </p:txBody>
       </p:sp>
     </p:spTree>
     <p:extLst>
       <p:ext uri="{BB962C8B-B14F-4D97-AF65-F5344CB8AC3E}">
         <p14:creationId xmlns:p14="http://schemas.microsoft.com/office/powerpoint/2010/main" val="3374612792"/>
+      </p:ext>
+    </p:extLst>
+  </p:cSld>
+  <p:clrMapOvr>
+    <a:masterClrMapping/>
+  </p:clrMapOvr>
+</p:sld>
+</file>
+
+<file path=ppt/slides/slide14.xml><?xml version="1.0" encoding="utf-8"?>
+<p:sld xmlns:a="http://schemas.openxmlformats.org/drawingml/2006/main" xmlns:r="http://schemas.openxmlformats.org/officeDocument/2006/relationships" xmlns:p="http://schemas.openxmlformats.org/presentationml/2006/main">
+  <p:cSld>
+    <p:spTree>
+      <p:nvGrpSpPr>
+        <p:cNvPr id="1" name=""/>
+        <p:cNvGrpSpPr/>
+        <p:nvPr/>
+      </p:nvGrpSpPr>
+      <p:grpSpPr>
+        <a:xfrm>
+          <a:off x="0" y="0"/>
+          <a:ext cx="0" cy="0"/>
+          <a:chOff x="0" y="0"/>
+          <a:chExt cx="0" cy="0"/>
+        </a:xfrm>
+      </p:grpSpPr>
+      <p:sp>
+        <p:nvSpPr>
+          <p:cNvPr id="2" name="Titel 1"/>
+          <p:cNvSpPr>
+            <a:spLocks noGrp="1"/>
+          </p:cNvSpPr>
+          <p:nvPr>
+            <p:ph type="title"/>
+          </p:nvPr>
+        </p:nvSpPr>
+        <p:spPr/>
+        <p:txBody>
+          <a:bodyPr/>
+          <a:lstStyle/>
+          <a:p>
+            <a:r>
+              <a:rPr lang="nl-NL" dirty="0" smtClean="0"/>
+              <a:t>Topics</a:t>
+            </a:r>
+            <a:endParaRPr lang="nl-NL" dirty="0"/>
+          </a:p>
+        </p:txBody>
+      </p:sp>
+      <p:sp>
+        <p:nvSpPr>
+          <p:cNvPr id="3" name="Tijdelijke aanduiding voor inhoud 2"/>
+          <p:cNvSpPr>
+            <a:spLocks noGrp="1"/>
+          </p:cNvSpPr>
+          <p:nvPr>
+            <p:ph idx="1"/>
+          </p:nvPr>
+        </p:nvSpPr>
+        <p:spPr>
+          <a:xfrm>
+            <a:off x="762000" y="1762125"/>
+            <a:ext cx="7881938" cy="3564053"/>
+          </a:xfrm>
+        </p:spPr>
+        <p:txBody>
+          <a:bodyPr/>
+          <a:lstStyle/>
+          <a:p>
+            <a:r>
+              <a:rPr lang="nl-NL" sz="2400" dirty="0" err="1" smtClean="0"/>
+              <a:t>Variable</a:t>
+            </a:r>
+            <a:r>
+              <a:rPr lang="nl-NL" sz="2400" dirty="0" smtClean="0"/>
+              <a:t> </a:t>
+            </a:r>
+            <a:r>
+              <a:rPr lang="nl-NL" sz="2400" dirty="0" err="1" smtClean="0"/>
+              <a:t>transformations</a:t>
+            </a:r>
+            <a:endParaRPr lang="nl-NL" sz="2400" dirty="0"/>
+          </a:p>
+          <a:p>
+            <a:endParaRPr lang="nl-NL" sz="2400" dirty="0" smtClean="0"/>
+          </a:p>
+          <a:p>
+            <a:r>
+              <a:rPr lang="nl-NL" sz="2400" dirty="0" err="1" smtClean="0"/>
+              <a:t>Recap</a:t>
+            </a:r>
+            <a:r>
+              <a:rPr lang="nl-NL" sz="2400" dirty="0" smtClean="0"/>
+              <a:t> </a:t>
+            </a:r>
+            <a:r>
+              <a:rPr lang="nl-NL" sz="2400" dirty="0" err="1" smtClean="0"/>
+              <a:t>and</a:t>
+            </a:r>
+            <a:r>
+              <a:rPr lang="nl-NL" sz="2400" dirty="0" smtClean="0"/>
+              <a:t> </a:t>
+            </a:r>
+            <a:r>
+              <a:rPr lang="nl-NL" sz="2400" dirty="0" err="1" smtClean="0"/>
+              <a:t>recap</a:t>
+            </a:r>
+            <a:r>
+              <a:rPr lang="nl-NL" sz="2400" dirty="0" smtClean="0"/>
+              <a:t> </a:t>
+            </a:r>
+            <a:r>
+              <a:rPr lang="nl-NL" sz="2400" dirty="0" err="1" smtClean="0"/>
+              <a:t>exercise</a:t>
+            </a:r>
+            <a:endParaRPr lang="nl-NL" sz="2400" dirty="0"/>
+          </a:p>
+          <a:p>
+            <a:endParaRPr lang="nl-NL" sz="2400" dirty="0" smtClean="0"/>
+          </a:p>
+          <a:p>
+            <a:r>
+              <a:rPr lang="nl-NL" sz="2400" dirty="0" smtClean="0"/>
+              <a:t>Machine </a:t>
+            </a:r>
+            <a:r>
+              <a:rPr lang="nl-NL" sz="2400" dirty="0" err="1" smtClean="0"/>
+              <a:t>learning</a:t>
+            </a:r>
+            <a:endParaRPr lang="nl-NL" sz="2400" dirty="0" smtClean="0"/>
+          </a:p>
+          <a:p>
+            <a:endParaRPr lang="nl-NL" sz="2400" dirty="0"/>
+          </a:p>
+          <a:p>
+            <a:r>
+              <a:rPr lang="nl-NL" sz="2400" i="1" dirty="0" smtClean="0"/>
+              <a:t>k</a:t>
+            </a:r>
+            <a:r>
+              <a:rPr lang="nl-NL" sz="2400" dirty="0" smtClean="0"/>
+              <a:t>-</a:t>
+            </a:r>
+            <a:r>
+              <a:rPr lang="nl-NL" sz="2400" dirty="0" err="1" smtClean="0"/>
+              <a:t>nearest</a:t>
+            </a:r>
+            <a:r>
+              <a:rPr lang="nl-NL" sz="2400" dirty="0" smtClean="0"/>
+              <a:t> </a:t>
+            </a:r>
+            <a:r>
+              <a:rPr lang="nl-NL" sz="2400" dirty="0" err="1" smtClean="0"/>
+              <a:t>neighbor</a:t>
+            </a:r>
+            <a:r>
+              <a:rPr lang="nl-NL" sz="2400" dirty="0" smtClean="0"/>
+              <a:t> </a:t>
+            </a:r>
+            <a:r>
+              <a:rPr lang="nl-NL" sz="2400" dirty="0" err="1" smtClean="0"/>
+              <a:t>algorithm</a:t>
+            </a:r>
+            <a:endParaRPr lang="nl-NL" sz="2400" dirty="0" smtClean="0"/>
+          </a:p>
+          <a:p>
+            <a:endParaRPr lang="nl-NL" sz="2400" i="1" dirty="0"/>
+          </a:p>
+        </p:txBody>
+      </p:sp>
+    </p:spTree>
+    <p:extLst>
+      <p:ext uri="{BB962C8B-B14F-4D97-AF65-F5344CB8AC3E}">
+        <p14:creationId xmlns:p14="http://schemas.microsoft.com/office/powerpoint/2010/main" val="1462123132"/>
       </p:ext>
     </p:extLst>
   </p:cSld>
@@ -10024,180 +10046,6 @@
           <a:p>
             <a:r>
               <a:rPr lang="nl-NL" dirty="0" smtClean="0"/>
-              <a:t>Topics</a:t>
-            </a:r>
-            <a:endParaRPr lang="nl-NL" dirty="0"/>
-          </a:p>
-        </p:txBody>
-      </p:sp>
-      <p:sp>
-        <p:nvSpPr>
-          <p:cNvPr id="3" name="Tijdelijke aanduiding voor inhoud 2"/>
-          <p:cNvSpPr>
-            <a:spLocks noGrp="1"/>
-          </p:cNvSpPr>
-          <p:nvPr>
-            <p:ph idx="1"/>
-          </p:nvPr>
-        </p:nvSpPr>
-        <p:spPr>
-          <a:xfrm>
-            <a:off x="762000" y="1762125"/>
-            <a:ext cx="7881938" cy="3564053"/>
-          </a:xfrm>
-        </p:spPr>
-        <p:txBody>
-          <a:bodyPr/>
-          <a:lstStyle/>
-          <a:p>
-            <a:r>
-              <a:rPr lang="nl-NL" sz="2400" dirty="0" err="1" smtClean="0"/>
-              <a:t>Variable</a:t>
-            </a:r>
-            <a:r>
-              <a:rPr lang="nl-NL" sz="2400" dirty="0" smtClean="0"/>
-              <a:t> </a:t>
-            </a:r>
-            <a:r>
-              <a:rPr lang="nl-NL" sz="2400" dirty="0" err="1" smtClean="0"/>
-              <a:t>transformations</a:t>
-            </a:r>
-            <a:endParaRPr lang="nl-NL" sz="2400" dirty="0"/>
-          </a:p>
-          <a:p>
-            <a:endParaRPr lang="nl-NL" sz="2400" dirty="0" smtClean="0"/>
-          </a:p>
-          <a:p>
-            <a:r>
-              <a:rPr lang="nl-NL" sz="2400" dirty="0" err="1" smtClean="0"/>
-              <a:t>Recap</a:t>
-            </a:r>
-            <a:r>
-              <a:rPr lang="nl-NL" sz="2400" dirty="0" smtClean="0"/>
-              <a:t> </a:t>
-            </a:r>
-            <a:r>
-              <a:rPr lang="nl-NL" sz="2400" dirty="0" err="1" smtClean="0"/>
-              <a:t>and</a:t>
-            </a:r>
-            <a:r>
-              <a:rPr lang="nl-NL" sz="2400" dirty="0" smtClean="0"/>
-              <a:t> </a:t>
-            </a:r>
-            <a:r>
-              <a:rPr lang="nl-NL" sz="2400" dirty="0" err="1" smtClean="0"/>
-              <a:t>recap</a:t>
-            </a:r>
-            <a:r>
-              <a:rPr lang="nl-NL" sz="2400" dirty="0" smtClean="0"/>
-              <a:t> </a:t>
-            </a:r>
-            <a:r>
-              <a:rPr lang="nl-NL" sz="2400" dirty="0" err="1" smtClean="0"/>
-              <a:t>exercise</a:t>
-            </a:r>
-            <a:endParaRPr lang="nl-NL" sz="2400" dirty="0"/>
-          </a:p>
-          <a:p>
-            <a:endParaRPr lang="nl-NL" sz="2400" dirty="0" smtClean="0"/>
-          </a:p>
-          <a:p>
-            <a:r>
-              <a:rPr lang="nl-NL" sz="2400" dirty="0" smtClean="0"/>
-              <a:t>Machine </a:t>
-            </a:r>
-            <a:r>
-              <a:rPr lang="nl-NL" sz="2400" dirty="0" err="1" smtClean="0"/>
-              <a:t>learning</a:t>
-            </a:r>
-            <a:endParaRPr lang="nl-NL" sz="2400" dirty="0" smtClean="0"/>
-          </a:p>
-          <a:p>
-            <a:endParaRPr lang="nl-NL" sz="2400" dirty="0"/>
-          </a:p>
-          <a:p>
-            <a:r>
-              <a:rPr lang="nl-NL" sz="2400" i="1" dirty="0" smtClean="0"/>
-              <a:t>k</a:t>
-            </a:r>
-            <a:r>
-              <a:rPr lang="nl-NL" sz="2400" dirty="0" smtClean="0"/>
-              <a:t>-</a:t>
-            </a:r>
-            <a:r>
-              <a:rPr lang="nl-NL" sz="2400" dirty="0" err="1" smtClean="0"/>
-              <a:t>nearest</a:t>
-            </a:r>
-            <a:r>
-              <a:rPr lang="nl-NL" sz="2400" dirty="0" smtClean="0"/>
-              <a:t> </a:t>
-            </a:r>
-            <a:r>
-              <a:rPr lang="nl-NL" sz="2400" dirty="0" err="1" smtClean="0"/>
-              <a:t>neighbor</a:t>
-            </a:r>
-            <a:r>
-              <a:rPr lang="nl-NL" sz="2400" dirty="0" smtClean="0"/>
-              <a:t> </a:t>
-            </a:r>
-            <a:r>
-              <a:rPr lang="nl-NL" sz="2400" dirty="0" err="1" smtClean="0"/>
-              <a:t>algorithm</a:t>
-            </a:r>
-            <a:endParaRPr lang="nl-NL" sz="2400" dirty="0" smtClean="0"/>
-          </a:p>
-          <a:p>
-            <a:endParaRPr lang="nl-NL" sz="2400" i="1" dirty="0"/>
-          </a:p>
-        </p:txBody>
-      </p:sp>
-    </p:spTree>
-    <p:extLst>
-      <p:ext uri="{BB962C8B-B14F-4D97-AF65-F5344CB8AC3E}">
-        <p14:creationId xmlns:p14="http://schemas.microsoft.com/office/powerpoint/2010/main" val="1462123132"/>
-      </p:ext>
-    </p:extLst>
-  </p:cSld>
-  <p:clrMapOvr>
-    <a:masterClrMapping/>
-  </p:clrMapOvr>
-</p:sld>
-</file>
-
-<file path=ppt/slides/slide16.xml><?xml version="1.0" encoding="utf-8"?>
-<p:sld xmlns:a="http://schemas.openxmlformats.org/drawingml/2006/main" xmlns:r="http://schemas.openxmlformats.org/officeDocument/2006/relationships" xmlns:p="http://schemas.openxmlformats.org/presentationml/2006/main">
-  <p:cSld>
-    <p:spTree>
-      <p:nvGrpSpPr>
-        <p:cNvPr id="1" name=""/>
-        <p:cNvGrpSpPr/>
-        <p:nvPr/>
-      </p:nvGrpSpPr>
-      <p:grpSpPr>
-        <a:xfrm>
-          <a:off x="0" y="0"/>
-          <a:ext cx="0" cy="0"/>
-          <a:chOff x="0" y="0"/>
-          <a:chExt cx="0" cy="0"/>
-        </a:xfrm>
-      </p:grpSpPr>
-      <p:sp>
-        <p:nvSpPr>
-          <p:cNvPr id="2" name="Titel 1"/>
-          <p:cNvSpPr>
-            <a:spLocks noGrp="1"/>
-          </p:cNvSpPr>
-          <p:nvPr>
-            <p:ph type="title"/>
-          </p:nvPr>
-        </p:nvSpPr>
-        <p:spPr/>
-        <p:txBody>
-          <a:bodyPr/>
-          <a:lstStyle/>
-          <a:p>
-            <a:r>
-              <a:rPr lang="nl-NL" dirty="0" smtClean="0"/>
               <a:t>Machine </a:t>
             </a:r>
             <a:r>
@@ -10261,15 +10109,7 @@
             <a:pPr lvl="1"/>
             <a:r>
               <a:rPr lang="en-US" sz="2200" dirty="0" smtClean="0"/>
-              <a:t>Complicated and expensive (in terms of </a:t>
-            </a:r>
-            <a:r>
-              <a:rPr lang="en-US" sz="2200" dirty="0" smtClean="0"/>
-              <a:t>computing power) models/</a:t>
-            </a:r>
-            <a:r>
-              <a:rPr lang="en-US" sz="2200" dirty="0" smtClean="0"/>
-              <a:t>algorithms</a:t>
+              <a:t>Complicated and expensive (in terms of computing power) models/algorithms</a:t>
             </a:r>
           </a:p>
           <a:p>
@@ -10295,7 +10135,7 @@
 </p:sld>
 </file>
 
-<file path=ppt/slides/slide17.xml><?xml version="1.0" encoding="utf-8"?>
+<file path=ppt/slides/slide16.xml><?xml version="1.0" encoding="utf-8"?>
 <p:sld xmlns:a="http://schemas.openxmlformats.org/drawingml/2006/main" xmlns:r="http://schemas.openxmlformats.org/officeDocument/2006/relationships" xmlns:p="http://schemas.openxmlformats.org/presentationml/2006/main">
   <p:cSld>
     <p:spTree>
@@ -11065,7 +10905,7 @@
 </p:sld>
 </file>
 
-<file path=ppt/slides/slide18.xml><?xml version="1.0" encoding="utf-8"?>
+<file path=ppt/slides/slide17.xml><?xml version="1.0" encoding="utf-8"?>
 <p:sld xmlns:a="http://schemas.openxmlformats.org/drawingml/2006/main" xmlns:r="http://schemas.openxmlformats.org/officeDocument/2006/relationships" xmlns:p="http://schemas.openxmlformats.org/presentationml/2006/main">
   <p:cSld>
     <p:spTree>
@@ -11126,7 +10966,7 @@
         <p:spPr>
           <a:xfrm>
             <a:off x="762000" y="1762125"/>
-            <a:ext cx="4314056" cy="1557349"/>
+            <a:ext cx="4314056" cy="2086725"/>
           </a:xfrm>
         </p:spPr>
         <p:txBody>
@@ -11134,55 +10974,55 @@
           <a:lstStyle/>
           <a:p>
             <a:r>
-              <a:rPr lang="nl-NL" dirty="0" err="1" smtClean="0"/>
+              <a:rPr lang="nl-NL" sz="2400" dirty="0" err="1" smtClean="0"/>
               <a:t>Classification</a:t>
             </a:r>
             <a:r>
-              <a:rPr lang="nl-NL" dirty="0" smtClean="0"/>
+              <a:rPr lang="nl-NL" sz="2400" dirty="0" smtClean="0"/>
               <a:t>: </a:t>
             </a:r>
             <a:r>
-              <a:rPr lang="nl-NL" dirty="0" err="1" smtClean="0"/>
+              <a:rPr lang="nl-NL" sz="2400" dirty="0" err="1" smtClean="0"/>
               <a:t>qualitative</a:t>
             </a:r>
             <a:r>
-              <a:rPr lang="nl-NL" dirty="0" smtClean="0"/>
+              <a:rPr lang="nl-NL" sz="2400" dirty="0" smtClean="0"/>
               <a:t> </a:t>
             </a:r>
             <a:r>
-              <a:rPr lang="nl-NL" dirty="0" err="1" smtClean="0"/>
+              <a:rPr lang="nl-NL" sz="2400" dirty="0" err="1" smtClean="0"/>
               <a:t>dependent</a:t>
             </a:r>
-            <a:endParaRPr lang="nl-NL" dirty="0" smtClean="0"/>
+            <a:endParaRPr lang="nl-NL" sz="2400" dirty="0" smtClean="0"/>
           </a:p>
           <a:p>
             <a:pPr marL="0" indent="0">
               <a:buNone/>
             </a:pPr>
-            <a:endParaRPr lang="nl-NL" dirty="0"/>
-          </a:p>
-          <a:p>
-            <a:r>
-              <a:rPr lang="nl-NL" dirty="0" err="1" smtClean="0"/>
+            <a:endParaRPr lang="nl-NL" sz="2400" dirty="0"/>
+          </a:p>
+          <a:p>
+            <a:r>
+              <a:rPr lang="nl-NL" sz="2400" dirty="0" err="1" smtClean="0"/>
               <a:t>Regression</a:t>
             </a:r>
             <a:r>
-              <a:rPr lang="nl-NL" dirty="0" smtClean="0"/>
+              <a:rPr lang="nl-NL" sz="2400" dirty="0" smtClean="0"/>
               <a:t>: </a:t>
             </a:r>
             <a:r>
-              <a:rPr lang="nl-NL" dirty="0" err="1" smtClean="0"/>
+              <a:rPr lang="nl-NL" sz="2400" dirty="0" err="1" smtClean="0"/>
               <a:t>quantitative</a:t>
             </a:r>
             <a:r>
-              <a:rPr lang="nl-NL" dirty="0" smtClean="0"/>
+              <a:rPr lang="nl-NL" sz="2400" dirty="0" smtClean="0"/>
               <a:t> </a:t>
             </a:r>
             <a:r>
-              <a:rPr lang="nl-NL" dirty="0" err="1" smtClean="0"/>
+              <a:rPr lang="nl-NL" sz="2400" dirty="0" err="1" smtClean="0"/>
               <a:t>dependent</a:t>
             </a:r>
-            <a:endParaRPr lang="nl-NL" dirty="0"/>
+            <a:endParaRPr lang="nl-NL" sz="2400" dirty="0"/>
           </a:p>
         </p:txBody>
       </p:sp>
@@ -11253,7 +11093,7 @@
 </p:sld>
 </file>
 
-<file path=ppt/slides/slide19.xml><?xml version="1.0" encoding="utf-8"?>
+<file path=ppt/slides/slide18.xml><?xml version="1.0" encoding="utf-8"?>
 <p:sld xmlns:a="http://schemas.openxmlformats.org/drawingml/2006/main" xmlns:r="http://schemas.openxmlformats.org/officeDocument/2006/relationships" xmlns:p="http://schemas.openxmlformats.org/presentationml/2006/main">
   <p:cSld>
     <p:spTree>
@@ -11454,7 +11294,7 @@
 </p:sld>
 </file>
 
-<file path=ppt/slides/slide2.xml><?xml version="1.0" encoding="utf-8"?>
+<file path=ppt/slides/slide19.xml><?xml version="1.0" encoding="utf-8"?>
 <p:sld xmlns:a="http://schemas.openxmlformats.org/drawingml/2006/main" xmlns:r="http://schemas.openxmlformats.org/officeDocument/2006/relationships" xmlns:p="http://schemas.openxmlformats.org/presentationml/2006/main">
   <p:cSld>
     <p:spTree>
@@ -11487,157 +11327,6 @@
           <a:lstStyle/>
           <a:p>
             <a:r>
-              <a:rPr lang="nl-NL" dirty="0" smtClean="0"/>
-              <a:t>Check-in</a:t>
-            </a:r>
-            <a:endParaRPr lang="nl-NL" dirty="0"/>
-          </a:p>
-        </p:txBody>
-      </p:sp>
-      <p:sp>
-        <p:nvSpPr>
-          <p:cNvPr id="9" name="Tijdelijke aanduiding voor inhoud 8"/>
-          <p:cNvSpPr>
-            <a:spLocks noGrp="1"/>
-          </p:cNvSpPr>
-          <p:nvPr>
-            <p:ph idx="1"/>
-          </p:nvPr>
-        </p:nvSpPr>
-        <p:spPr/>
-        <p:txBody>
-          <a:bodyPr/>
-          <a:lstStyle/>
-          <a:p>
-            <a:endParaRPr lang="nl-NL"/>
-          </a:p>
-        </p:txBody>
-      </p:sp>
-      <p:pic>
-        <p:nvPicPr>
-          <p:cNvPr id="12" name="Afbeelding 11"/>
-          <p:cNvPicPr>
-            <a:picLocks noChangeAspect="1"/>
-          </p:cNvPicPr>
-          <p:nvPr/>
-        </p:nvPicPr>
-        <p:blipFill>
-          <a:blip r:embed="rId2"/>
-          <a:stretch>
-            <a:fillRect/>
-          </a:stretch>
-        </p:blipFill>
-        <p:spPr>
-          <a:xfrm>
-            <a:off x="6156176" y="2492896"/>
-            <a:ext cx="2253070" cy="2016224"/>
-          </a:xfrm>
-          <a:prstGeom prst="rect">
-            <a:avLst/>
-          </a:prstGeom>
-        </p:spPr>
-      </p:pic>
-      <p:pic>
-        <p:nvPicPr>
-          <p:cNvPr id="13" name="Afbeelding 12"/>
-          <p:cNvPicPr>
-            <a:picLocks noChangeAspect="1"/>
-          </p:cNvPicPr>
-          <p:nvPr/>
-        </p:nvPicPr>
-        <p:blipFill>
-          <a:blip r:embed="rId3"/>
-          <a:stretch>
-            <a:fillRect/>
-          </a:stretch>
-        </p:blipFill>
-        <p:spPr>
-          <a:xfrm>
-            <a:off x="3491880" y="2616786"/>
-            <a:ext cx="2129219" cy="1988089"/>
-          </a:xfrm>
-          <a:prstGeom prst="rect">
-            <a:avLst/>
-          </a:prstGeom>
-        </p:spPr>
-      </p:pic>
-      <p:pic>
-        <p:nvPicPr>
-          <p:cNvPr id="14" name="Afbeelding 13"/>
-          <p:cNvPicPr>
-            <a:picLocks noChangeAspect="1"/>
-          </p:cNvPicPr>
-          <p:nvPr/>
-        </p:nvPicPr>
-        <p:blipFill>
-          <a:blip r:embed="rId4"/>
-          <a:stretch>
-            <a:fillRect/>
-          </a:stretch>
-        </p:blipFill>
-        <p:spPr>
-          <a:xfrm>
-            <a:off x="869217" y="2712543"/>
-            <a:ext cx="1873659" cy="1796577"/>
-          </a:xfrm>
-          <a:prstGeom prst="rect">
-            <a:avLst/>
-          </a:prstGeom>
-        </p:spPr>
-      </p:pic>
-    </p:spTree>
-    <p:extLst>
-      <p:ext uri="{BB962C8B-B14F-4D97-AF65-F5344CB8AC3E}">
-        <p14:creationId xmlns:p14="http://schemas.microsoft.com/office/powerpoint/2010/main" val="2126826105"/>
-      </p:ext>
-    </p:extLst>
-  </p:cSld>
-  <p:clrMapOvr>
-    <a:masterClrMapping/>
-  </p:clrMapOvr>
-  <p:timing>
-    <p:tnLst>
-      <p:par>
-        <p:cTn id="1" dur="indefinite" restart="never" nodeType="tmRoot"/>
-      </p:par>
-    </p:tnLst>
-  </p:timing>
-</p:sld>
-</file>
-
-<file path=ppt/slides/slide20.xml><?xml version="1.0" encoding="utf-8"?>
-<p:sld xmlns:a="http://schemas.openxmlformats.org/drawingml/2006/main" xmlns:r="http://schemas.openxmlformats.org/officeDocument/2006/relationships" xmlns:p="http://schemas.openxmlformats.org/presentationml/2006/main">
-  <p:cSld>
-    <p:spTree>
-      <p:nvGrpSpPr>
-        <p:cNvPr id="1" name=""/>
-        <p:cNvGrpSpPr/>
-        <p:nvPr/>
-      </p:nvGrpSpPr>
-      <p:grpSpPr>
-        <a:xfrm>
-          <a:off x="0" y="0"/>
-          <a:ext cx="0" cy="0"/>
-          <a:chOff x="0" y="0"/>
-          <a:chExt cx="0" cy="0"/>
-        </a:xfrm>
-      </p:grpSpPr>
-      <p:sp>
-        <p:nvSpPr>
-          <p:cNvPr id="2" name="Titel 1"/>
-          <p:cNvSpPr>
-            <a:spLocks noGrp="1"/>
-          </p:cNvSpPr>
-          <p:nvPr>
-            <p:ph type="title"/>
-          </p:nvPr>
-        </p:nvSpPr>
-        <p:spPr/>
-        <p:txBody>
-          <a:bodyPr/>
-          <a:lstStyle/>
-          <a:p>
-            <a:r>
               <a:rPr lang="nl-NL" dirty="0" err="1" smtClean="0"/>
               <a:t>Excercise</a:t>
             </a:r>
@@ -11659,8 +11348,8 @@
         </p:nvSpPr>
         <p:spPr bwMode="auto">
           <a:xfrm>
-            <a:off x="1043608" y="1772816"/>
-            <a:ext cx="7881938" cy="5041380"/>
+            <a:off x="683568" y="1700808"/>
+            <a:ext cx="7881938" cy="4450449"/>
           </a:xfrm>
           <a:prstGeom prst="rect">
             <a:avLst/>
@@ -11921,41 +11610,18 @@
               <a:buAutoNum type="arabicPeriod"/>
             </a:pPr>
             <a:r>
-              <a:rPr lang="nl-NL" sz="1600" kern="0" dirty="0" err="1" smtClean="0">
-                <a:latin typeface="Courier New" panose="02070309020205020404" pitchFamily="49" charset="0"/>
-                <a:cs typeface="Courier New" panose="02070309020205020404" pitchFamily="49" charset="0"/>
-              </a:rPr>
-              <a:t>Create</a:t>
-            </a:r>
-            <a:r>
               <a:rPr lang="nl-NL" sz="1600" kern="0" dirty="0" smtClean="0">
                 <a:latin typeface="Courier New" panose="02070309020205020404" pitchFamily="49" charset="0"/>
                 <a:cs typeface="Courier New" panose="02070309020205020404" pitchFamily="49" charset="0"/>
               </a:rPr>
-              <a:t> a profile</a:t>
-            </a:r>
-          </a:p>
-          <a:p>
-            <a:pPr>
-              <a:buFont typeface="+mj-lt"/>
-              <a:buAutoNum type="arabicPeriod"/>
-            </a:pPr>
-            <a:endParaRPr lang="nl-NL" sz="1600" kern="0" dirty="0" smtClean="0">
-              <a:latin typeface="Courier New" panose="02070309020205020404" pitchFamily="49" charset="0"/>
-              <a:cs typeface="Courier New" panose="02070309020205020404" pitchFamily="49" charset="0"/>
-            </a:endParaRPr>
-          </a:p>
-          <a:p>
-            <a:pPr>
-              <a:buFont typeface="+mj-lt"/>
-              <a:buAutoNum type="arabicPeriod"/>
-            </a:pPr>
+              <a:t>Have </a:t>
+            </a:r>
             <a:r>
               <a:rPr lang="nl-NL" sz="1600" kern="0" dirty="0" smtClean="0">
                 <a:latin typeface="Courier New" panose="02070309020205020404" pitchFamily="49" charset="0"/>
                 <a:cs typeface="Courier New" panose="02070309020205020404" pitchFamily="49" charset="0"/>
               </a:rPr>
-              <a:t>Have a look at the </a:t>
+              <a:t>a look at the </a:t>
             </a:r>
             <a:r>
               <a:rPr lang="nl-NL" sz="1600" kern="0" dirty="0" err="1" smtClean="0">
@@ -12281,7 +11947,7 @@
 </p:sld>
 </file>
 
-<file path=ppt/slides/slide21.xml><?xml version="1.0" encoding="utf-8"?>
+<file path=ppt/slides/slide2.xml><?xml version="1.0" encoding="utf-8"?>
 <p:sld xmlns:a="http://schemas.openxmlformats.org/drawingml/2006/main" xmlns:r="http://schemas.openxmlformats.org/officeDocument/2006/relationships" xmlns:p="http://schemas.openxmlformats.org/presentationml/2006/main">
   <p:cSld>
     <p:spTree>
@@ -12315,6 +11981,157 @@
           <a:p>
             <a:r>
               <a:rPr lang="nl-NL" dirty="0" smtClean="0"/>
+              <a:t>Check-in</a:t>
+            </a:r>
+            <a:endParaRPr lang="nl-NL" dirty="0"/>
+          </a:p>
+        </p:txBody>
+      </p:sp>
+      <p:sp>
+        <p:nvSpPr>
+          <p:cNvPr id="9" name="Tijdelijke aanduiding voor inhoud 8"/>
+          <p:cNvSpPr>
+            <a:spLocks noGrp="1"/>
+          </p:cNvSpPr>
+          <p:nvPr>
+            <p:ph idx="1"/>
+          </p:nvPr>
+        </p:nvSpPr>
+        <p:spPr/>
+        <p:txBody>
+          <a:bodyPr/>
+          <a:lstStyle/>
+          <a:p>
+            <a:endParaRPr lang="nl-NL"/>
+          </a:p>
+        </p:txBody>
+      </p:sp>
+      <p:pic>
+        <p:nvPicPr>
+          <p:cNvPr id="12" name="Afbeelding 11"/>
+          <p:cNvPicPr>
+            <a:picLocks noChangeAspect="1"/>
+          </p:cNvPicPr>
+          <p:nvPr/>
+        </p:nvPicPr>
+        <p:blipFill>
+          <a:blip r:embed="rId2"/>
+          <a:stretch>
+            <a:fillRect/>
+          </a:stretch>
+        </p:blipFill>
+        <p:spPr>
+          <a:xfrm>
+            <a:off x="6156176" y="2492896"/>
+            <a:ext cx="2253070" cy="2016224"/>
+          </a:xfrm>
+          <a:prstGeom prst="rect">
+            <a:avLst/>
+          </a:prstGeom>
+        </p:spPr>
+      </p:pic>
+      <p:pic>
+        <p:nvPicPr>
+          <p:cNvPr id="13" name="Afbeelding 12"/>
+          <p:cNvPicPr>
+            <a:picLocks noChangeAspect="1"/>
+          </p:cNvPicPr>
+          <p:nvPr/>
+        </p:nvPicPr>
+        <p:blipFill>
+          <a:blip r:embed="rId3"/>
+          <a:stretch>
+            <a:fillRect/>
+          </a:stretch>
+        </p:blipFill>
+        <p:spPr>
+          <a:xfrm>
+            <a:off x="3491880" y="2616786"/>
+            <a:ext cx="2129219" cy="1988089"/>
+          </a:xfrm>
+          <a:prstGeom prst="rect">
+            <a:avLst/>
+          </a:prstGeom>
+        </p:spPr>
+      </p:pic>
+      <p:pic>
+        <p:nvPicPr>
+          <p:cNvPr id="14" name="Afbeelding 13"/>
+          <p:cNvPicPr>
+            <a:picLocks noChangeAspect="1"/>
+          </p:cNvPicPr>
+          <p:nvPr/>
+        </p:nvPicPr>
+        <p:blipFill>
+          <a:blip r:embed="rId4"/>
+          <a:stretch>
+            <a:fillRect/>
+          </a:stretch>
+        </p:blipFill>
+        <p:spPr>
+          <a:xfrm>
+            <a:off x="869217" y="2712543"/>
+            <a:ext cx="1873659" cy="1796577"/>
+          </a:xfrm>
+          <a:prstGeom prst="rect">
+            <a:avLst/>
+          </a:prstGeom>
+        </p:spPr>
+      </p:pic>
+    </p:spTree>
+    <p:extLst>
+      <p:ext uri="{BB962C8B-B14F-4D97-AF65-F5344CB8AC3E}">
+        <p14:creationId xmlns:p14="http://schemas.microsoft.com/office/powerpoint/2010/main" val="2126826105"/>
+      </p:ext>
+    </p:extLst>
+  </p:cSld>
+  <p:clrMapOvr>
+    <a:masterClrMapping/>
+  </p:clrMapOvr>
+  <p:timing>
+    <p:tnLst>
+      <p:par>
+        <p:cTn id="1" dur="indefinite" restart="never" nodeType="tmRoot"/>
+      </p:par>
+    </p:tnLst>
+  </p:timing>
+</p:sld>
+</file>
+
+<file path=ppt/slides/slide20.xml><?xml version="1.0" encoding="utf-8"?>
+<p:sld xmlns:a="http://schemas.openxmlformats.org/drawingml/2006/main" xmlns:r="http://schemas.openxmlformats.org/officeDocument/2006/relationships" xmlns:p="http://schemas.openxmlformats.org/presentationml/2006/main">
+  <p:cSld>
+    <p:spTree>
+      <p:nvGrpSpPr>
+        <p:cNvPr id="1" name=""/>
+        <p:cNvGrpSpPr/>
+        <p:nvPr/>
+      </p:nvGrpSpPr>
+      <p:grpSpPr>
+        <a:xfrm>
+          <a:off x="0" y="0"/>
+          <a:ext cx="0" cy="0"/>
+          <a:chOff x="0" y="0"/>
+          <a:chExt cx="0" cy="0"/>
+        </a:xfrm>
+      </p:grpSpPr>
+      <p:sp>
+        <p:nvSpPr>
+          <p:cNvPr id="2" name="Titel 1"/>
+          <p:cNvSpPr>
+            <a:spLocks noGrp="1"/>
+          </p:cNvSpPr>
+          <p:nvPr>
+            <p:ph type="title"/>
+          </p:nvPr>
+        </p:nvSpPr>
+        <p:spPr/>
+        <p:txBody>
+          <a:bodyPr/>
+          <a:lstStyle/>
+          <a:p>
+            <a:r>
+              <a:rPr lang="nl-NL" dirty="0" smtClean="0"/>
               <a:t>Topics</a:t>
             </a:r>
             <a:endParaRPr lang="nl-NL" dirty="0"/>
@@ -12462,7 +12279,7 @@
 </p:sld>
 </file>
 
-<file path=ppt/slides/slide22.xml><?xml version="1.0" encoding="utf-8"?>
+<file path=ppt/slides/slide21.xml><?xml version="1.0" encoding="utf-8"?>
 <p:sld xmlns:a="http://schemas.openxmlformats.org/drawingml/2006/main" xmlns:r="http://schemas.openxmlformats.org/officeDocument/2006/relationships" xmlns:p="http://schemas.openxmlformats.org/presentationml/2006/main">
   <p:cSld>
     <p:spTree>
@@ -12885,7 +12702,7 @@
 </p:sld>
 </file>
 
-<file path=ppt/slides/slide23.xml><?xml version="1.0" encoding="utf-8"?>
+<file path=ppt/slides/slide22.xml><?xml version="1.0" encoding="utf-8"?>
 <p:sld xmlns:a="http://schemas.openxmlformats.org/drawingml/2006/main" xmlns:r="http://schemas.openxmlformats.org/officeDocument/2006/relationships" xmlns:p="http://schemas.openxmlformats.org/presentationml/2006/main">
   <p:cSld>
     <p:spTree>
@@ -13228,7 +13045,7 @@
 </p:sld>
 </file>
 
-<file path=ppt/slides/slide24.xml><?xml version="1.0" encoding="utf-8"?>
+<file path=ppt/slides/slide23.xml><?xml version="1.0" encoding="utf-8"?>
 <p:sld xmlns:a="http://schemas.openxmlformats.org/drawingml/2006/main" xmlns:r="http://schemas.openxmlformats.org/officeDocument/2006/relationships" xmlns:p="http://schemas.openxmlformats.org/presentationml/2006/main">
   <p:cSld>
     <p:spTree>
@@ -14064,7 +13881,7 @@
 </p:sld>
 </file>
 
-<file path=ppt/slides/slide25.xml><?xml version="1.0" encoding="utf-8"?>
+<file path=ppt/slides/slide24.xml><?xml version="1.0" encoding="utf-8"?>
 <p:sld xmlns:a="http://schemas.openxmlformats.org/drawingml/2006/main" xmlns:r="http://schemas.openxmlformats.org/officeDocument/2006/relationships" xmlns:p="http://schemas.openxmlformats.org/presentationml/2006/main">
   <p:cSld>
     <p:spTree>
@@ -14104,8 +13921,8 @@
           </a:p>
         </p:txBody>
       </p:sp>
-      <mc:AlternateContent xmlns:mc="http://schemas.openxmlformats.org/markup-compatibility/2006">
-        <mc:Choice xmlns:a14="http://schemas.microsoft.com/office/drawing/2010/main" Requires="a14">
+      <mc:AlternateContent xmlns:mc="http://schemas.openxmlformats.org/markup-compatibility/2006" xmlns:a14="http://schemas.microsoft.com/office/drawing/2010/main">
+        <mc:Choice Requires="a14">
           <p:sp>
             <p:nvSpPr>
               <p:cNvPr id="3" name="Tijdelijke aanduiding voor inhoud 2"/>
@@ -14357,7 +14174,7 @@
             </p:txBody>
           </p:sp>
         </mc:Choice>
-        <mc:Fallback>
+        <mc:Fallback xmlns="">
           <p:sp>
             <p:nvSpPr>
               <p:cNvPr id="3" name="Tijdelijke aanduiding voor inhoud 2"/>
@@ -15046,7 +14863,7 @@
 </p:sld>
 </file>
 
-<file path=ppt/slides/slide26.xml><?xml version="1.0" encoding="utf-8"?>
+<file path=ppt/slides/slide25.xml><?xml version="1.0" encoding="utf-8"?>
 <p:sld xmlns:a="http://schemas.openxmlformats.org/drawingml/2006/main" xmlns:r="http://schemas.openxmlformats.org/officeDocument/2006/relationships" xmlns:p="http://schemas.openxmlformats.org/presentationml/2006/main">
   <p:cSld>
     <p:spTree>
@@ -15099,13 +14916,13 @@
           <p:nvPr>
             <p:extLst>
               <p:ext uri="{D42A27DB-BD31-4B8C-83A1-F6EECF244321}">
-                <p14:modId xmlns:p14="http://schemas.microsoft.com/office/powerpoint/2010/main" val="3486641003"/>
+                <p14:modId xmlns:p14="http://schemas.microsoft.com/office/powerpoint/2010/main" val="1103777112"/>
               </p:ext>
             </p:extLst>
           </p:nvPr>
         </p:nvGraphicFramePr>
         <p:xfrm>
-          <a:off x="2123728" y="1597943"/>
+          <a:off x="3415853" y="1601843"/>
           <a:ext cx="5184576" cy="1737360"/>
         </p:xfrm>
         <a:graphic>
@@ -15349,8 +15166,8 @@
           </a:graphicData>
         </a:graphic>
       </p:graphicFrame>
-      <mc:AlternateContent xmlns:mc="http://schemas.openxmlformats.org/markup-compatibility/2006">
-        <mc:Choice xmlns:a14="http://schemas.microsoft.com/office/drawing/2010/main" Requires="a14">
+      <mc:AlternateContent xmlns:mc="http://schemas.openxmlformats.org/markup-compatibility/2006" xmlns:a14="http://schemas.microsoft.com/office/drawing/2010/main">
+        <mc:Choice Requires="a14">
           <p:sp>
             <p:nvSpPr>
               <p:cNvPr id="6" name="Tekstvak 5"/>
@@ -15373,6 +15190,7 @@
               </a:bodyPr>
               <a:lstStyle/>
               <a:p>
+                <a:pPr/>
                 <a14:m>
                   <m:oMathPara xmlns:m="http://schemas.openxmlformats.org/officeDocument/2006/math">
                     <m:oMathParaPr>
@@ -15461,7 +15279,7 @@
             </p:txBody>
           </p:sp>
         </mc:Choice>
-        <mc:Fallback>
+        <mc:Fallback xmlns="">
           <p:sp>
             <p:nvSpPr>
               <p:cNvPr id="6" name="Tekstvak 5"/>
@@ -15500,8 +15318,8 @@
           </p:sp>
         </mc:Fallback>
       </mc:AlternateContent>
-      <mc:AlternateContent xmlns:mc="http://schemas.openxmlformats.org/markup-compatibility/2006">
-        <mc:Choice xmlns:a14="http://schemas.microsoft.com/office/drawing/2010/main" Requires="a14">
+      <mc:AlternateContent xmlns:mc="http://schemas.openxmlformats.org/markup-compatibility/2006" xmlns:a14="http://schemas.microsoft.com/office/drawing/2010/main">
+        <mc:Choice Requires="a14">
           <p:sp>
             <p:nvSpPr>
               <p:cNvPr id="7" name="Tekstvak 6"/>
@@ -15524,6 +15342,7 @@
               </a:bodyPr>
               <a:lstStyle/>
               <a:p>
+                <a:pPr/>
                 <a14:m>
                   <m:oMathPara xmlns:m="http://schemas.openxmlformats.org/officeDocument/2006/math">
                     <m:oMathParaPr>
@@ -15612,7 +15431,7 @@
             </p:txBody>
           </p:sp>
         </mc:Choice>
-        <mc:Fallback>
+        <mc:Fallback xmlns="">
           <p:sp>
             <p:nvSpPr>
               <p:cNvPr id="7" name="Tekstvak 6"/>
@@ -15651,8 +15470,8 @@
           </p:sp>
         </mc:Fallback>
       </mc:AlternateContent>
-      <mc:AlternateContent xmlns:mc="http://schemas.openxmlformats.org/markup-compatibility/2006">
-        <mc:Choice xmlns:a14="http://schemas.microsoft.com/office/drawing/2010/main" Requires="a14">
+      <mc:AlternateContent xmlns:mc="http://schemas.openxmlformats.org/markup-compatibility/2006" xmlns:a14="http://schemas.microsoft.com/office/drawing/2010/main">
+        <mc:Choice Requires="a14">
           <p:sp>
             <p:nvSpPr>
               <p:cNvPr id="8" name="Tekstvak 7"/>
@@ -15675,6 +15494,7 @@
               </a:bodyPr>
               <a:lstStyle/>
               <a:p>
+                <a:pPr/>
                 <a14:m>
                   <m:oMathPara xmlns:m="http://schemas.openxmlformats.org/officeDocument/2006/math">
                     <m:oMathParaPr>
@@ -15763,7 +15583,7 @@
             </p:txBody>
           </p:sp>
         </mc:Choice>
-        <mc:Fallback>
+        <mc:Fallback xmlns="">
           <p:sp>
             <p:nvSpPr>
               <p:cNvPr id="8" name="Tekstvak 7"/>
@@ -15959,6 +15779,40 @@
           </a:p>
         </p:txBody>
       </p:sp>
+      <p:sp>
+        <p:nvSpPr>
+          <p:cNvPr id="12" name="Tekstvak 11"/>
+          <p:cNvSpPr txBox="1"/>
+          <p:nvPr/>
+        </p:nvSpPr>
+        <p:spPr>
+          <a:xfrm>
+            <a:off x="505344" y="1710954"/>
+            <a:ext cx="2581156" cy="461665"/>
+          </a:xfrm>
+          <a:prstGeom prst="rect">
+            <a:avLst/>
+          </a:prstGeom>
+          <a:noFill/>
+        </p:spPr>
+        <p:txBody>
+          <a:bodyPr wrap="none" rtlCol="0">
+            <a:spAutoFit/>
+          </a:bodyPr>
+          <a:lstStyle/>
+          <a:p>
+            <a:r>
+              <a:rPr lang="nl-NL" sz="2400" dirty="0" err="1" smtClean="0"/>
+              <a:t>Confusion</a:t>
+            </a:r>
+            <a:r>
+              <a:rPr lang="nl-NL" sz="2400" dirty="0" smtClean="0"/>
+              <a:t> matrix:</a:t>
+            </a:r>
+            <a:endParaRPr lang="nl-NL" sz="2400" dirty="0"/>
+          </a:p>
+        </p:txBody>
+      </p:sp>
     </p:spTree>
     <p:extLst>
       <p:ext uri="{BB962C8B-B14F-4D97-AF65-F5344CB8AC3E}">
@@ -15972,7 +15826,7 @@
 </p:sld>
 </file>
 
-<file path=ppt/slides/slide27.xml><?xml version="1.0" encoding="utf-8"?>
+<file path=ppt/slides/slide26.xml><?xml version="1.0" encoding="utf-8"?>
 <p:sld xmlns:a="http://schemas.openxmlformats.org/drawingml/2006/main" xmlns:r="http://schemas.openxmlformats.org/officeDocument/2006/relationships" xmlns:p="http://schemas.openxmlformats.org/presentationml/2006/main">
   <p:cSld>
     <p:spTree>
@@ -16034,8 +15888,8 @@
         </p:nvSpPr>
         <p:spPr bwMode="auto">
           <a:xfrm>
-            <a:off x="838200" y="1484784"/>
-            <a:ext cx="7881938" cy="1083374"/>
+            <a:off x="838200" y="1340768"/>
+            <a:ext cx="7881938" cy="7429726"/>
           </a:xfrm>
           <a:prstGeom prst="rect">
             <a:avLst/>
@@ -16245,20 +16099,196 @@
               <a:buFont typeface="Zapf Dingbats" charset="2"/>
               <a:buNone/>
             </a:pPr>
-            <a:endParaRPr lang="nl-NL" sz="1400" kern="0" dirty="0">
-              <a:latin typeface="Courier New" panose="02070309020205020404" pitchFamily="49" charset="0"/>
-              <a:cs typeface="Courier New" panose="02070309020205020404" pitchFamily="49" charset="0"/>
-            </a:endParaRPr>
-          </a:p>
-          <a:p>
-            <a:pPr marL="0" indent="0">
-              <a:buFont typeface="Zapf Dingbats" charset="2"/>
-              <a:buNone/>
-            </a:pPr>
-            <a:endParaRPr lang="nl-NL" sz="1400" kern="0" dirty="0" smtClean="0">
-              <a:latin typeface="Courier New" panose="02070309020205020404" pitchFamily="49" charset="0"/>
-              <a:cs typeface="Courier New" panose="02070309020205020404" pitchFamily="49" charset="0"/>
-            </a:endParaRPr>
+            <a:r>
+              <a:rPr lang="nl-NL" sz="1400" kern="0" dirty="0" smtClean="0">
+                <a:latin typeface="Courier New" panose="02070309020205020404" pitchFamily="49" charset="0"/>
+                <a:cs typeface="Courier New" panose="02070309020205020404" pitchFamily="49" charset="0"/>
+              </a:rPr>
+              <a:t>We are </a:t>
+            </a:r>
+            <a:r>
+              <a:rPr lang="nl-NL" sz="1400" kern="0" dirty="0" err="1" smtClean="0">
+                <a:latin typeface="Courier New" panose="02070309020205020404" pitchFamily="49" charset="0"/>
+                <a:cs typeface="Courier New" panose="02070309020205020404" pitchFamily="49" charset="0"/>
+              </a:rPr>
+              <a:t>going</a:t>
+            </a:r>
+            <a:r>
+              <a:rPr lang="nl-NL" sz="1400" kern="0" dirty="0" smtClean="0">
+                <a:latin typeface="Courier New" panose="02070309020205020404" pitchFamily="49" charset="0"/>
+                <a:cs typeface="Courier New" panose="02070309020205020404" pitchFamily="49" charset="0"/>
+              </a:rPr>
+              <a:t> </a:t>
+            </a:r>
+            <a:r>
+              <a:rPr lang="nl-NL" sz="1400" kern="0" dirty="0" err="1" smtClean="0">
+                <a:latin typeface="Courier New" panose="02070309020205020404" pitchFamily="49" charset="0"/>
+                <a:cs typeface="Courier New" panose="02070309020205020404" pitchFamily="49" charset="0"/>
+              </a:rPr>
+              <a:t>to</a:t>
+            </a:r>
+            <a:r>
+              <a:rPr lang="nl-NL" sz="1400" kern="0" dirty="0" smtClean="0">
+                <a:latin typeface="Courier New" panose="02070309020205020404" pitchFamily="49" charset="0"/>
+                <a:cs typeface="Courier New" panose="02070309020205020404" pitchFamily="49" charset="0"/>
+              </a:rPr>
+              <a:t> </a:t>
+            </a:r>
+            <a:r>
+              <a:rPr lang="nl-NL" sz="1400" kern="0" dirty="0" err="1" smtClean="0">
+                <a:latin typeface="Courier New" panose="02070309020205020404" pitchFamily="49" charset="0"/>
+                <a:cs typeface="Courier New" panose="02070309020205020404" pitchFamily="49" charset="0"/>
+              </a:rPr>
+              <a:t>predict</a:t>
+            </a:r>
+            <a:r>
+              <a:rPr lang="nl-NL" sz="1400" kern="0" dirty="0" smtClean="0">
+                <a:latin typeface="Courier New" panose="02070309020205020404" pitchFamily="49" charset="0"/>
+                <a:cs typeface="Courier New" panose="02070309020205020404" pitchFamily="49" charset="0"/>
+              </a:rPr>
+              <a:t> </a:t>
+            </a:r>
+            <a:r>
+              <a:rPr lang="nl-NL" sz="1400" kern="0" dirty="0" err="1" smtClean="0">
+                <a:latin typeface="Courier New" panose="02070309020205020404" pitchFamily="49" charset="0"/>
+                <a:cs typeface="Courier New" panose="02070309020205020404" pitchFamily="49" charset="0"/>
+              </a:rPr>
+              <a:t>survivors</a:t>
+            </a:r>
+            <a:r>
+              <a:rPr lang="nl-NL" sz="1400" kern="0" dirty="0" smtClean="0">
+                <a:latin typeface="Courier New" panose="02070309020205020404" pitchFamily="49" charset="0"/>
+                <a:cs typeface="Courier New" panose="02070309020205020404" pitchFamily="49" charset="0"/>
+              </a:rPr>
+              <a:t> on the </a:t>
+            </a:r>
+            <a:r>
+              <a:rPr lang="nl-NL" sz="1400" i="1" kern="0" dirty="0" smtClean="0">
+                <a:latin typeface="Courier New" panose="02070309020205020404" pitchFamily="49" charset="0"/>
+                <a:cs typeface="Courier New" panose="02070309020205020404" pitchFamily="49" charset="0"/>
+              </a:rPr>
+              <a:t>Titanic. </a:t>
+            </a:r>
+            <a:r>
+              <a:rPr lang="nl-NL" sz="1400" kern="0" dirty="0" smtClean="0">
+                <a:latin typeface="Courier New" panose="02070309020205020404" pitchFamily="49" charset="0"/>
+                <a:cs typeface="Courier New" panose="02070309020205020404" pitchFamily="49" charset="0"/>
+              </a:rPr>
+              <a:t>This is a classic data set in machine </a:t>
+            </a:r>
+            <a:r>
+              <a:rPr lang="nl-NL" sz="1400" kern="0" dirty="0" err="1" smtClean="0">
+                <a:latin typeface="Courier New" panose="02070309020205020404" pitchFamily="49" charset="0"/>
+                <a:cs typeface="Courier New" panose="02070309020205020404" pitchFamily="49" charset="0"/>
+              </a:rPr>
+              <a:t>learning</a:t>
+            </a:r>
+            <a:r>
+              <a:rPr lang="nl-NL" sz="1400" kern="0" dirty="0" smtClean="0">
+                <a:latin typeface="Courier New" panose="02070309020205020404" pitchFamily="49" charset="0"/>
+                <a:cs typeface="Courier New" panose="02070309020205020404" pitchFamily="49" charset="0"/>
+              </a:rPr>
+              <a:t>. </a:t>
+            </a:r>
+            <a:r>
+              <a:rPr lang="nl-NL" sz="1400" kern="0" dirty="0" err="1" smtClean="0">
+                <a:latin typeface="Courier New" panose="02070309020205020404" pitchFamily="49" charset="0"/>
+                <a:cs typeface="Courier New" panose="02070309020205020404" pitchFamily="49" charset="0"/>
+              </a:rPr>
+              <a:t>So</a:t>
+            </a:r>
+            <a:r>
+              <a:rPr lang="nl-NL" sz="1400" kern="0" dirty="0" smtClean="0">
+                <a:latin typeface="Courier New" panose="02070309020205020404" pitchFamily="49" charset="0"/>
+                <a:cs typeface="Courier New" panose="02070309020205020404" pitchFamily="49" charset="0"/>
+              </a:rPr>
+              <a:t> </a:t>
+            </a:r>
+            <a:r>
+              <a:rPr lang="nl-NL" sz="1400" kern="0" dirty="0" err="1" smtClean="0">
+                <a:latin typeface="Courier New" panose="02070309020205020404" pitchFamily="49" charset="0"/>
+                <a:cs typeface="Courier New" panose="02070309020205020404" pitchFamily="49" charset="0"/>
+              </a:rPr>
+              <a:t>there</a:t>
+            </a:r>
+            <a:r>
+              <a:rPr lang="nl-NL" sz="1400" kern="0" dirty="0" smtClean="0">
+                <a:latin typeface="Courier New" panose="02070309020205020404" pitchFamily="49" charset="0"/>
+                <a:cs typeface="Courier New" panose="02070309020205020404" pitchFamily="49" charset="0"/>
+              </a:rPr>
+              <a:t> are plenty of </a:t>
+            </a:r>
+            <a:r>
+              <a:rPr lang="nl-NL" sz="1400" kern="0" dirty="0" err="1" smtClean="0">
+                <a:latin typeface="Courier New" panose="02070309020205020404" pitchFamily="49" charset="0"/>
+                <a:cs typeface="Courier New" panose="02070309020205020404" pitchFamily="49" charset="0"/>
+              </a:rPr>
+              <a:t>ideas</a:t>
+            </a:r>
+            <a:r>
+              <a:rPr lang="nl-NL" sz="1400" kern="0" dirty="0" smtClean="0">
+                <a:latin typeface="Courier New" panose="02070309020205020404" pitchFamily="49" charset="0"/>
+                <a:cs typeface="Courier New" panose="02070309020205020404" pitchFamily="49" charset="0"/>
+              </a:rPr>
+              <a:t> on the web. For </a:t>
+            </a:r>
+            <a:r>
+              <a:rPr lang="nl-NL" sz="1400" kern="0" dirty="0" err="1" smtClean="0">
+                <a:latin typeface="Courier New" panose="02070309020205020404" pitchFamily="49" charset="0"/>
+                <a:cs typeface="Courier New" panose="02070309020205020404" pitchFamily="49" charset="0"/>
+              </a:rPr>
+              <a:t>an</a:t>
+            </a:r>
+            <a:r>
+              <a:rPr lang="nl-NL" sz="1400" kern="0" dirty="0" smtClean="0">
+                <a:latin typeface="Courier New" panose="02070309020205020404" pitchFamily="49" charset="0"/>
+                <a:cs typeface="Courier New" panose="02070309020205020404" pitchFamily="49" charset="0"/>
+              </a:rPr>
+              <a:t> </a:t>
+            </a:r>
+            <a:r>
+              <a:rPr lang="nl-NL" sz="1400" kern="0" dirty="0" err="1" smtClean="0">
+                <a:latin typeface="Courier New" panose="02070309020205020404" pitchFamily="49" charset="0"/>
+                <a:cs typeface="Courier New" panose="02070309020205020404" pitchFamily="49" charset="0"/>
+              </a:rPr>
+              <a:t>explanation</a:t>
+            </a:r>
+            <a:r>
+              <a:rPr lang="nl-NL" sz="1400" kern="0" dirty="0" smtClean="0">
+                <a:latin typeface="Courier New" panose="02070309020205020404" pitchFamily="49" charset="0"/>
+                <a:cs typeface="Courier New" panose="02070309020205020404" pitchFamily="49" charset="0"/>
+              </a:rPr>
+              <a:t> of the variables, </a:t>
+            </a:r>
+            <a:r>
+              <a:rPr lang="nl-NL" sz="1400" kern="0" dirty="0" err="1" smtClean="0">
+                <a:latin typeface="Courier New" panose="02070309020205020404" pitchFamily="49" charset="0"/>
+                <a:cs typeface="Courier New" panose="02070309020205020404" pitchFamily="49" charset="0"/>
+              </a:rPr>
+              <a:t>see</a:t>
+            </a:r>
+            <a:r>
+              <a:rPr lang="nl-NL" sz="1400" kern="0" dirty="0" smtClean="0">
+                <a:latin typeface="Courier New" panose="02070309020205020404" pitchFamily="49" charset="0"/>
+                <a:cs typeface="Courier New" panose="02070309020205020404" pitchFamily="49" charset="0"/>
+              </a:rPr>
+              <a:t> </a:t>
+            </a:r>
+            <a:r>
+              <a:rPr lang="nl-NL" sz="1400" kern="0" dirty="0" smtClean="0">
+                <a:latin typeface="Courier New" panose="02070309020205020404" pitchFamily="49" charset="0"/>
+                <a:cs typeface="Courier New" panose="02070309020205020404" pitchFamily="49" charset="0"/>
+                <a:hlinkClick r:id="rId2"/>
+              </a:rPr>
+              <a:t>here</a:t>
+            </a:r>
+            <a:r>
+              <a:rPr lang="nl-NL" sz="1400" kern="0" dirty="0" smtClean="0">
+                <a:latin typeface="Courier New" panose="02070309020205020404" pitchFamily="49" charset="0"/>
+                <a:cs typeface="Courier New" panose="02070309020205020404" pitchFamily="49" charset="0"/>
+              </a:rPr>
+              <a:t>.</a:t>
+            </a:r>
           </a:p>
           <a:p>
             <a:pPr marL="0" indent="0">
@@ -16274,6 +16304,998 @@
             <a:pPr marL="0" indent="0">
               <a:buFont typeface="Zapf Dingbats" charset="2"/>
               <a:buNone/>
+            </a:pPr>
+            <a:r>
+              <a:rPr lang="nl-NL" sz="1400" kern="0" dirty="0" err="1" smtClean="0">
+                <a:latin typeface="Courier New" panose="02070309020205020404" pitchFamily="49" charset="0"/>
+                <a:cs typeface="Courier New" panose="02070309020205020404" pitchFamily="49" charset="0"/>
+              </a:rPr>
+              <a:t>You</a:t>
+            </a:r>
+            <a:r>
+              <a:rPr lang="nl-NL" sz="1400" kern="0" dirty="0" smtClean="0">
+                <a:latin typeface="Courier New" panose="02070309020205020404" pitchFamily="49" charset="0"/>
+                <a:cs typeface="Courier New" panose="02070309020205020404" pitchFamily="49" charset="0"/>
+              </a:rPr>
+              <a:t> </a:t>
+            </a:r>
+            <a:r>
+              <a:rPr lang="nl-NL" sz="1400" kern="0" dirty="0" err="1" smtClean="0">
+                <a:latin typeface="Courier New" panose="02070309020205020404" pitchFamily="49" charset="0"/>
+                <a:cs typeface="Courier New" panose="02070309020205020404" pitchFamily="49" charset="0"/>
+              </a:rPr>
+              <a:t>can</a:t>
+            </a:r>
+            <a:r>
+              <a:rPr lang="nl-NL" sz="1400" kern="0" dirty="0" smtClean="0">
+                <a:latin typeface="Courier New" panose="02070309020205020404" pitchFamily="49" charset="0"/>
+                <a:cs typeface="Courier New" panose="02070309020205020404" pitchFamily="49" charset="0"/>
+              </a:rPr>
+              <a:t> </a:t>
+            </a:r>
+            <a:r>
+              <a:rPr lang="nl-NL" sz="1400" kern="0" dirty="0" err="1" smtClean="0">
+                <a:latin typeface="Courier New" panose="02070309020205020404" pitchFamily="49" charset="0"/>
+                <a:cs typeface="Courier New" panose="02070309020205020404" pitchFamily="49" charset="0"/>
+              </a:rPr>
+              <a:t>find</a:t>
+            </a:r>
+            <a:r>
+              <a:rPr lang="nl-NL" sz="1400" kern="0" dirty="0" smtClean="0">
+                <a:latin typeface="Courier New" panose="02070309020205020404" pitchFamily="49" charset="0"/>
+                <a:cs typeface="Courier New" panose="02070309020205020404" pitchFamily="49" charset="0"/>
+              </a:rPr>
+              <a:t> the data set in the </a:t>
+            </a:r>
+            <a:r>
+              <a:rPr lang="nl-NL" sz="1400" kern="0" dirty="0" err="1" smtClean="0">
+                <a:latin typeface="Courier New" panose="02070309020205020404" pitchFamily="49" charset="0"/>
+                <a:cs typeface="Courier New" panose="02070309020205020404" pitchFamily="49" charset="0"/>
+              </a:rPr>
+              <a:t>Exercises</a:t>
+            </a:r>
+            <a:r>
+              <a:rPr lang="nl-NL" sz="1400" kern="0" dirty="0" smtClean="0">
+                <a:latin typeface="Courier New" panose="02070309020205020404" pitchFamily="49" charset="0"/>
+                <a:cs typeface="Courier New" panose="02070309020205020404" pitchFamily="49" charset="0"/>
+              </a:rPr>
+              <a:t> folder. </a:t>
+            </a:r>
+            <a:r>
+              <a:rPr lang="nl-NL" sz="1400" kern="0" dirty="0" smtClean="0">
+                <a:latin typeface="Courier New" panose="02070309020205020404" pitchFamily="49" charset="0"/>
+                <a:cs typeface="Courier New" panose="02070309020205020404" pitchFamily="49" charset="0"/>
+              </a:rPr>
+              <a:t>See the Notebook </a:t>
+            </a:r>
+            <a:r>
+              <a:rPr lang="nl-NL" sz="1400" i="1" kern="0" dirty="0" smtClean="0">
+                <a:latin typeface="Courier New" panose="02070309020205020404" pitchFamily="49" charset="0"/>
+                <a:cs typeface="Courier New" panose="02070309020205020404" pitchFamily="49" charset="0"/>
+              </a:rPr>
+              <a:t>k-</a:t>
+            </a:r>
+            <a:r>
+              <a:rPr lang="nl-NL" sz="1400" i="1" kern="0" dirty="0" err="1" smtClean="0">
+                <a:latin typeface="Courier New" panose="02070309020205020404" pitchFamily="49" charset="0"/>
+                <a:cs typeface="Courier New" panose="02070309020205020404" pitchFamily="49" charset="0"/>
+              </a:rPr>
+              <a:t>nn</a:t>
+            </a:r>
+            <a:r>
+              <a:rPr lang="nl-NL" sz="1400" i="1" kern="0" dirty="0" smtClean="0">
+                <a:latin typeface="Courier New" panose="02070309020205020404" pitchFamily="49" charset="0"/>
+                <a:cs typeface="Courier New" panose="02070309020205020404" pitchFamily="49" charset="0"/>
+              </a:rPr>
+              <a:t> </a:t>
+            </a:r>
+            <a:r>
+              <a:rPr lang="nl-NL" sz="1400" kern="0" dirty="0" smtClean="0">
+                <a:latin typeface="Courier New" panose="02070309020205020404" pitchFamily="49" charset="0"/>
+                <a:cs typeface="Courier New" panose="02070309020205020404" pitchFamily="49" charset="0"/>
+              </a:rPr>
+              <a:t>in the </a:t>
+            </a:r>
+            <a:r>
+              <a:rPr lang="nl-NL" sz="1400" kern="0" dirty="0" err="1" smtClean="0">
+                <a:latin typeface="Courier New" panose="02070309020205020404" pitchFamily="49" charset="0"/>
+                <a:cs typeface="Courier New" panose="02070309020205020404" pitchFamily="49" charset="0"/>
+              </a:rPr>
+              <a:t>Examples</a:t>
+            </a:r>
+            <a:r>
+              <a:rPr lang="nl-NL" sz="1400" kern="0" dirty="0" smtClean="0">
+                <a:latin typeface="Courier New" panose="02070309020205020404" pitchFamily="49" charset="0"/>
+                <a:cs typeface="Courier New" panose="02070309020205020404" pitchFamily="49" charset="0"/>
+              </a:rPr>
+              <a:t> folder </a:t>
+            </a:r>
+            <a:r>
+              <a:rPr lang="nl-NL" sz="1400" kern="0" dirty="0" err="1" smtClean="0">
+                <a:latin typeface="Courier New" panose="02070309020205020404" pitchFamily="49" charset="0"/>
+                <a:cs typeface="Courier New" panose="02070309020205020404" pitchFamily="49" charset="0"/>
+              </a:rPr>
+              <a:t>for</a:t>
+            </a:r>
+            <a:r>
+              <a:rPr lang="nl-NL" sz="1400" kern="0" dirty="0" smtClean="0">
+                <a:latin typeface="Courier New" panose="02070309020205020404" pitchFamily="49" charset="0"/>
+                <a:cs typeface="Courier New" panose="02070309020205020404" pitchFamily="49" charset="0"/>
+              </a:rPr>
+              <a:t> </a:t>
+            </a:r>
+            <a:r>
+              <a:rPr lang="nl-NL" sz="1400" kern="0" dirty="0" err="1" smtClean="0">
+                <a:latin typeface="Courier New" panose="02070309020205020404" pitchFamily="49" charset="0"/>
+                <a:cs typeface="Courier New" panose="02070309020205020404" pitchFamily="49" charset="0"/>
+              </a:rPr>
+              <a:t>example</a:t>
+            </a:r>
+            <a:r>
+              <a:rPr lang="nl-NL" sz="1400" kern="0" dirty="0" smtClean="0">
+                <a:latin typeface="Courier New" panose="02070309020205020404" pitchFamily="49" charset="0"/>
+                <a:cs typeface="Courier New" panose="02070309020205020404" pitchFamily="49" charset="0"/>
+              </a:rPr>
+              <a:t> code, </a:t>
+            </a:r>
+            <a:r>
+              <a:rPr lang="nl-NL" sz="1400" kern="0" dirty="0" err="1" smtClean="0">
+                <a:latin typeface="Courier New" panose="02070309020205020404" pitchFamily="49" charset="0"/>
+                <a:cs typeface="Courier New" panose="02070309020205020404" pitchFamily="49" charset="0"/>
+              </a:rPr>
+              <a:t>and</a:t>
+            </a:r>
+            <a:r>
+              <a:rPr lang="nl-NL" sz="1400" kern="0" dirty="0" smtClean="0">
+                <a:latin typeface="Courier New" panose="02070309020205020404" pitchFamily="49" charset="0"/>
+                <a:cs typeface="Courier New" panose="02070309020205020404" pitchFamily="49" charset="0"/>
+              </a:rPr>
+              <a:t> the </a:t>
+            </a:r>
+            <a:r>
+              <a:rPr lang="nl-NL" sz="1400" i="1" kern="0" dirty="0" err="1" smtClean="0">
+                <a:latin typeface="Courier New" panose="02070309020205020404" pitchFamily="49" charset="0"/>
+                <a:cs typeface="Courier New" panose="02070309020205020404" pitchFamily="49" charset="0"/>
+              </a:rPr>
+              <a:t>cookbook</a:t>
+            </a:r>
+            <a:r>
+              <a:rPr lang="nl-NL" sz="1400" i="1" kern="0" dirty="0" smtClean="0">
+                <a:latin typeface="Courier New" panose="02070309020205020404" pitchFamily="49" charset="0"/>
+                <a:cs typeface="Courier New" panose="02070309020205020404" pitchFamily="49" charset="0"/>
+              </a:rPr>
+              <a:t> </a:t>
+            </a:r>
+            <a:r>
+              <a:rPr lang="nl-NL" sz="1400" kern="0" dirty="0" smtClean="0">
+                <a:latin typeface="Courier New" panose="02070309020205020404" pitchFamily="49" charset="0"/>
+                <a:cs typeface="Courier New" panose="02070309020205020404" pitchFamily="49" charset="0"/>
+              </a:rPr>
+              <a:t>Notebook.</a:t>
+            </a:r>
+            <a:endParaRPr lang="nl-NL" sz="1400" kern="0" dirty="0" smtClean="0">
+              <a:latin typeface="Courier New" panose="02070309020205020404" pitchFamily="49" charset="0"/>
+              <a:cs typeface="Courier New" panose="02070309020205020404" pitchFamily="49" charset="0"/>
+            </a:endParaRPr>
+          </a:p>
+          <a:p>
+            <a:pPr marL="0" indent="0">
+              <a:buFont typeface="Zapf Dingbats" charset="2"/>
+              <a:buNone/>
+            </a:pPr>
+            <a:endParaRPr lang="nl-NL" sz="1400" kern="0" dirty="0">
+              <a:latin typeface="Courier New" panose="02070309020205020404" pitchFamily="49" charset="0"/>
+              <a:cs typeface="Courier New" panose="02070309020205020404" pitchFamily="49" charset="0"/>
+            </a:endParaRPr>
+          </a:p>
+          <a:p>
+            <a:pPr>
+              <a:buFont typeface="Zapf Dingbats" charset="2"/>
+              <a:buAutoNum type="arabicPeriod"/>
+            </a:pPr>
+            <a:r>
+              <a:rPr lang="nl-NL" sz="1400" kern="0" dirty="0" err="1" smtClean="0">
+                <a:latin typeface="Courier New" panose="02070309020205020404" pitchFamily="49" charset="0"/>
+                <a:cs typeface="Courier New" panose="02070309020205020404" pitchFamily="49" charset="0"/>
+              </a:rPr>
+              <a:t>Inspect</a:t>
+            </a:r>
+            <a:r>
+              <a:rPr lang="nl-NL" sz="1400" kern="0" dirty="0" smtClean="0">
+                <a:latin typeface="Courier New" panose="02070309020205020404" pitchFamily="49" charset="0"/>
+                <a:cs typeface="Courier New" panose="02070309020205020404" pitchFamily="49" charset="0"/>
+              </a:rPr>
+              <a:t> the data set. </a:t>
+            </a:r>
+            <a:r>
+              <a:rPr lang="nl-NL" sz="1400" kern="0" dirty="0" err="1" smtClean="0">
+                <a:latin typeface="Courier New" panose="02070309020205020404" pitchFamily="49" charset="0"/>
+                <a:cs typeface="Courier New" panose="02070309020205020404" pitchFamily="49" charset="0"/>
+              </a:rPr>
+              <a:t>There</a:t>
+            </a:r>
+            <a:r>
+              <a:rPr lang="nl-NL" sz="1400" kern="0" dirty="0" smtClean="0">
+                <a:latin typeface="Courier New" panose="02070309020205020404" pitchFamily="49" charset="0"/>
+                <a:cs typeface="Courier New" panose="02070309020205020404" pitchFamily="49" charset="0"/>
+              </a:rPr>
+              <a:t> </a:t>
+            </a:r>
+            <a:r>
+              <a:rPr lang="nl-NL" sz="1400" kern="0" dirty="0">
+                <a:latin typeface="Courier New" panose="02070309020205020404" pitchFamily="49" charset="0"/>
+                <a:cs typeface="Courier New" panose="02070309020205020404" pitchFamily="49" charset="0"/>
+              </a:rPr>
+              <a:t>are </a:t>
+            </a:r>
+            <a:r>
+              <a:rPr lang="nl-NL" sz="1400" kern="0" dirty="0" smtClean="0">
+                <a:latin typeface="Courier New" panose="02070309020205020404" pitchFamily="49" charset="0"/>
+                <a:cs typeface="Courier New" panose="02070309020205020404" pitchFamily="49" charset="0"/>
+              </a:rPr>
+              <a:t>5 </a:t>
+            </a:r>
+            <a:r>
+              <a:rPr lang="nl-NL" sz="1400" kern="0" dirty="0">
+                <a:latin typeface="Courier New" panose="02070309020205020404" pitchFamily="49" charset="0"/>
+                <a:cs typeface="Courier New" panose="02070309020205020404" pitchFamily="49" charset="0"/>
+              </a:rPr>
+              <a:t>columns </a:t>
+            </a:r>
+            <a:r>
+              <a:rPr lang="nl-NL" sz="1400" kern="0" dirty="0" err="1">
+                <a:latin typeface="Courier New" panose="02070309020205020404" pitchFamily="49" charset="0"/>
+                <a:cs typeface="Courier New" panose="02070309020205020404" pitchFamily="49" charset="0"/>
+              </a:rPr>
+              <a:t>which</a:t>
+            </a:r>
+            <a:r>
+              <a:rPr lang="nl-NL" sz="1400" kern="0" dirty="0">
+                <a:latin typeface="Courier New" panose="02070309020205020404" pitchFamily="49" charset="0"/>
+                <a:cs typeface="Courier New" panose="02070309020205020404" pitchFamily="49" charset="0"/>
+              </a:rPr>
+              <a:t> </a:t>
+            </a:r>
+            <a:r>
+              <a:rPr lang="nl-NL" sz="1400" kern="0" dirty="0" err="1">
+                <a:latin typeface="Courier New" panose="02070309020205020404" pitchFamily="49" charset="0"/>
+                <a:cs typeface="Courier New" panose="02070309020205020404" pitchFamily="49" charset="0"/>
+              </a:rPr>
+              <a:t>contain</a:t>
+            </a:r>
+            <a:r>
+              <a:rPr lang="nl-NL" sz="1400" kern="0" dirty="0">
+                <a:latin typeface="Courier New" panose="02070309020205020404" pitchFamily="49" charset="0"/>
+                <a:cs typeface="Courier New" panose="02070309020205020404" pitchFamily="49" charset="0"/>
+              </a:rPr>
+              <a:t> ‘easy </a:t>
+            </a:r>
+            <a:r>
+              <a:rPr lang="nl-NL" sz="1400" kern="0" dirty="0" err="1">
+                <a:latin typeface="Courier New" panose="02070309020205020404" pitchFamily="49" charset="0"/>
+                <a:cs typeface="Courier New" panose="02070309020205020404" pitchFamily="49" charset="0"/>
+              </a:rPr>
+              <a:t>to</a:t>
+            </a:r>
+            <a:r>
+              <a:rPr lang="nl-NL" sz="1400" kern="0" dirty="0">
+                <a:latin typeface="Courier New" panose="02070309020205020404" pitchFamily="49" charset="0"/>
+                <a:cs typeface="Courier New" panose="02070309020205020404" pitchFamily="49" charset="0"/>
+              </a:rPr>
+              <a:t> </a:t>
+            </a:r>
+            <a:r>
+              <a:rPr lang="nl-NL" sz="1400" kern="0" dirty="0" err="1">
+                <a:latin typeface="Courier New" panose="02070309020205020404" pitchFamily="49" charset="0"/>
+                <a:cs typeface="Courier New" panose="02070309020205020404" pitchFamily="49" charset="0"/>
+              </a:rPr>
+              <a:t>work</a:t>
+            </a:r>
+            <a:r>
+              <a:rPr lang="nl-NL" sz="1400" kern="0" dirty="0">
+                <a:latin typeface="Courier New" panose="02070309020205020404" pitchFamily="49" charset="0"/>
+                <a:cs typeface="Courier New" panose="02070309020205020404" pitchFamily="49" charset="0"/>
+              </a:rPr>
+              <a:t> </a:t>
+            </a:r>
+            <a:r>
+              <a:rPr lang="nl-NL" sz="1400" kern="0" dirty="0" err="1">
+                <a:latin typeface="Courier New" panose="02070309020205020404" pitchFamily="49" charset="0"/>
+                <a:cs typeface="Courier New" panose="02070309020205020404" pitchFamily="49" charset="0"/>
+              </a:rPr>
+              <a:t>with</a:t>
+            </a:r>
+            <a:r>
+              <a:rPr lang="nl-NL" sz="1400" kern="0" dirty="0">
+                <a:latin typeface="Courier New" panose="02070309020205020404" pitchFamily="49" charset="0"/>
+                <a:cs typeface="Courier New" panose="02070309020205020404" pitchFamily="49" charset="0"/>
+              </a:rPr>
+              <a:t>’ </a:t>
+            </a:r>
+            <a:r>
+              <a:rPr lang="nl-NL" sz="1400" kern="0" dirty="0" err="1">
+                <a:latin typeface="Courier New" panose="02070309020205020404" pitchFamily="49" charset="0"/>
+                <a:cs typeface="Courier New" panose="02070309020205020404" pitchFamily="49" charset="0"/>
+              </a:rPr>
+              <a:t>qualitative</a:t>
+            </a:r>
+            <a:r>
+              <a:rPr lang="nl-NL" sz="1400" kern="0" dirty="0">
+                <a:latin typeface="Courier New" panose="02070309020205020404" pitchFamily="49" charset="0"/>
+                <a:cs typeface="Courier New" panose="02070309020205020404" pitchFamily="49" charset="0"/>
+              </a:rPr>
+              <a:t> or </a:t>
+            </a:r>
+            <a:r>
+              <a:rPr lang="nl-NL" sz="1400" kern="0" dirty="0" err="1">
+                <a:latin typeface="Courier New" panose="02070309020205020404" pitchFamily="49" charset="0"/>
+                <a:cs typeface="Courier New" panose="02070309020205020404" pitchFamily="49" charset="0"/>
+              </a:rPr>
+              <a:t>quantitative</a:t>
+            </a:r>
+            <a:r>
+              <a:rPr lang="nl-NL" sz="1400" kern="0" dirty="0">
+                <a:latin typeface="Courier New" panose="02070309020205020404" pitchFamily="49" charset="0"/>
+                <a:cs typeface="Courier New" panose="02070309020205020404" pitchFamily="49" charset="0"/>
+              </a:rPr>
+              <a:t> variables. </a:t>
+            </a:r>
+            <a:r>
+              <a:rPr lang="nl-NL" sz="1400" kern="0" dirty="0" err="1">
+                <a:latin typeface="Courier New" panose="02070309020205020404" pitchFamily="49" charset="0"/>
+                <a:cs typeface="Courier New" panose="02070309020205020404" pitchFamily="49" charset="0"/>
+              </a:rPr>
+              <a:t>Which</a:t>
+            </a:r>
+            <a:r>
+              <a:rPr lang="nl-NL" sz="1400" kern="0" dirty="0">
+                <a:latin typeface="Courier New" panose="02070309020205020404" pitchFamily="49" charset="0"/>
+                <a:cs typeface="Courier New" panose="02070309020205020404" pitchFamily="49" charset="0"/>
+              </a:rPr>
+              <a:t> are </a:t>
+            </a:r>
+            <a:r>
+              <a:rPr lang="nl-NL" sz="1400" kern="0" dirty="0" err="1">
+                <a:latin typeface="Courier New" panose="02070309020205020404" pitchFamily="49" charset="0"/>
+                <a:cs typeface="Courier New" panose="02070309020205020404" pitchFamily="49" charset="0"/>
+              </a:rPr>
+              <a:t>they</a:t>
+            </a:r>
+            <a:r>
+              <a:rPr lang="nl-NL" sz="1400" kern="0" dirty="0">
+                <a:latin typeface="Courier New" panose="02070309020205020404" pitchFamily="49" charset="0"/>
+                <a:cs typeface="Courier New" panose="02070309020205020404" pitchFamily="49" charset="0"/>
+              </a:rPr>
+              <a:t>? Select these.</a:t>
+            </a:r>
+          </a:p>
+          <a:p>
+            <a:pPr>
+              <a:buFont typeface="Zapf Dingbats" charset="2"/>
+              <a:buAutoNum type="arabicPeriod"/>
+            </a:pPr>
+            <a:endParaRPr lang="nl-NL" sz="1400" kern="0" dirty="0">
+              <a:latin typeface="Courier New" panose="02070309020205020404" pitchFamily="49" charset="0"/>
+              <a:cs typeface="Courier New" panose="02070309020205020404" pitchFamily="49" charset="0"/>
+            </a:endParaRPr>
+          </a:p>
+          <a:p>
+            <a:pPr>
+              <a:buFont typeface="Zapf Dingbats" charset="2"/>
+              <a:buAutoNum type="arabicPeriod"/>
+            </a:pPr>
+            <a:r>
+              <a:rPr lang="nl-NL" sz="1400" kern="0" dirty="0" err="1" smtClean="0">
+                <a:latin typeface="Courier New" panose="02070309020205020404" pitchFamily="49" charset="0"/>
+                <a:cs typeface="Courier New" panose="02070309020205020404" pitchFamily="49" charset="0"/>
+              </a:rPr>
+              <a:t>Then</a:t>
+            </a:r>
+            <a:r>
+              <a:rPr lang="nl-NL" sz="1400" kern="0" dirty="0" smtClean="0">
+                <a:latin typeface="Courier New" panose="02070309020205020404" pitchFamily="49" charset="0"/>
+                <a:cs typeface="Courier New" panose="02070309020205020404" pitchFamily="49" charset="0"/>
+              </a:rPr>
+              <a:t>, get </a:t>
+            </a:r>
+            <a:r>
+              <a:rPr lang="nl-NL" sz="1400" kern="0" dirty="0" err="1" smtClean="0">
+                <a:latin typeface="Courier New" panose="02070309020205020404" pitchFamily="49" charset="0"/>
+                <a:cs typeface="Courier New" panose="02070309020205020404" pitchFamily="49" charset="0"/>
+              </a:rPr>
+              <a:t>rid</a:t>
+            </a:r>
+            <a:r>
+              <a:rPr lang="nl-NL" sz="1400" kern="0" dirty="0" smtClean="0">
+                <a:latin typeface="Courier New" panose="02070309020205020404" pitchFamily="49" charset="0"/>
+                <a:cs typeface="Courier New" panose="02070309020205020404" pitchFamily="49" charset="0"/>
+              </a:rPr>
+              <a:t> of the </a:t>
+            </a:r>
+            <a:r>
+              <a:rPr lang="nl-NL" sz="1400" kern="0" dirty="0" err="1" smtClean="0">
+                <a:latin typeface="Courier New" panose="02070309020205020404" pitchFamily="49" charset="0"/>
+                <a:cs typeface="Courier New" panose="02070309020205020404" pitchFamily="49" charset="0"/>
+              </a:rPr>
+              <a:t>row</a:t>
+            </a:r>
+            <a:r>
+              <a:rPr lang="nl-NL" sz="1400" kern="0" dirty="0" err="1" smtClean="0">
+                <a:latin typeface="Courier New" panose="02070309020205020404" pitchFamily="49" charset="0"/>
+                <a:cs typeface="Courier New" panose="02070309020205020404" pitchFamily="49" charset="0"/>
+              </a:rPr>
+              <a:t>s</a:t>
+            </a:r>
+            <a:r>
+              <a:rPr lang="nl-NL" sz="1400" kern="0" dirty="0" smtClean="0">
+                <a:latin typeface="Courier New" panose="02070309020205020404" pitchFamily="49" charset="0"/>
+                <a:cs typeface="Courier New" panose="02070309020205020404" pitchFamily="49" charset="0"/>
+              </a:rPr>
+              <a:t> </a:t>
+            </a:r>
+            <a:r>
+              <a:rPr lang="nl-NL" sz="1400" kern="0" dirty="0" err="1" smtClean="0">
+                <a:latin typeface="Courier New" panose="02070309020205020404" pitchFamily="49" charset="0"/>
+                <a:cs typeface="Courier New" panose="02070309020205020404" pitchFamily="49" charset="0"/>
+              </a:rPr>
+              <a:t>with</a:t>
+            </a:r>
+            <a:r>
+              <a:rPr lang="nl-NL" sz="1400" kern="0" dirty="0" smtClean="0">
+                <a:latin typeface="Courier New" panose="02070309020205020404" pitchFamily="49" charset="0"/>
+                <a:cs typeface="Courier New" panose="02070309020205020404" pitchFamily="49" charset="0"/>
+              </a:rPr>
+              <a:t> empty </a:t>
+            </a:r>
+            <a:r>
+              <a:rPr lang="nl-NL" sz="1400" kern="0" dirty="0" err="1" smtClean="0">
+                <a:latin typeface="Courier New" panose="02070309020205020404" pitchFamily="49" charset="0"/>
+                <a:cs typeface="Courier New" panose="02070309020205020404" pitchFamily="49" charset="0"/>
+              </a:rPr>
+              <a:t>cells</a:t>
+            </a:r>
+            <a:r>
+              <a:rPr lang="nl-NL" sz="1400" kern="0" dirty="0" smtClean="0">
+                <a:latin typeface="Courier New" panose="02070309020205020404" pitchFamily="49" charset="0"/>
+                <a:cs typeface="Courier New" panose="02070309020205020404" pitchFamily="49" charset="0"/>
+              </a:rPr>
+              <a:t>. </a:t>
+            </a:r>
+            <a:r>
+              <a:rPr lang="nl-NL" sz="1400" kern="0" dirty="0" err="1" smtClean="0">
+                <a:latin typeface="Courier New" panose="02070309020205020404" pitchFamily="49" charset="0"/>
+                <a:cs typeface="Courier New" panose="02070309020205020404" pitchFamily="49" charset="0"/>
+              </a:rPr>
+              <a:t>Why</a:t>
+            </a:r>
+            <a:r>
+              <a:rPr lang="nl-NL" sz="1400" kern="0" dirty="0" smtClean="0">
+                <a:latin typeface="Courier New" panose="02070309020205020404" pitchFamily="49" charset="0"/>
+                <a:cs typeface="Courier New" panose="02070309020205020404" pitchFamily="49" charset="0"/>
+              </a:rPr>
+              <a:t> </a:t>
+            </a:r>
+            <a:r>
+              <a:rPr lang="nl-NL" sz="1400" kern="0" dirty="0" err="1" smtClean="0">
+                <a:latin typeface="Courier New" panose="02070309020205020404" pitchFamily="49" charset="0"/>
+                <a:cs typeface="Courier New" panose="02070309020205020404" pitchFamily="49" charset="0"/>
+              </a:rPr>
+              <a:t>should</a:t>
+            </a:r>
+            <a:r>
+              <a:rPr lang="nl-NL" sz="1400" kern="0" dirty="0" smtClean="0">
+                <a:latin typeface="Courier New" panose="02070309020205020404" pitchFamily="49" charset="0"/>
+                <a:cs typeface="Courier New" panose="02070309020205020404" pitchFamily="49" charset="0"/>
+              </a:rPr>
+              <a:t> we do this </a:t>
+            </a:r>
+            <a:r>
+              <a:rPr lang="nl-NL" sz="1400" i="1" kern="0" dirty="0" err="1" smtClean="0">
+                <a:latin typeface="Courier New" panose="02070309020205020404" pitchFamily="49" charset="0"/>
+                <a:cs typeface="Courier New" panose="02070309020205020404" pitchFamily="49" charset="0"/>
+              </a:rPr>
+              <a:t>after</a:t>
+            </a:r>
+            <a:r>
+              <a:rPr lang="nl-NL" sz="1400" i="1" kern="0" dirty="0" smtClean="0">
+                <a:latin typeface="Courier New" panose="02070309020205020404" pitchFamily="49" charset="0"/>
+                <a:cs typeface="Courier New" panose="02070309020205020404" pitchFamily="49" charset="0"/>
+              </a:rPr>
+              <a:t> </a:t>
+            </a:r>
+            <a:r>
+              <a:rPr lang="nl-NL" sz="1400" kern="0" dirty="0" smtClean="0">
+                <a:latin typeface="Courier New" panose="02070309020205020404" pitchFamily="49" charset="0"/>
+                <a:cs typeface="Courier New" panose="02070309020205020404" pitchFamily="49" charset="0"/>
+              </a:rPr>
+              <a:t>step 1?</a:t>
+            </a:r>
+          </a:p>
+          <a:p>
+            <a:pPr>
+              <a:buFont typeface="Zapf Dingbats" charset="2"/>
+              <a:buAutoNum type="arabicPeriod"/>
+            </a:pPr>
+            <a:endParaRPr lang="nl-NL" sz="1400" kern="0" dirty="0">
+              <a:latin typeface="Courier New" panose="02070309020205020404" pitchFamily="49" charset="0"/>
+              <a:cs typeface="Courier New" panose="02070309020205020404" pitchFamily="49" charset="0"/>
+            </a:endParaRPr>
+          </a:p>
+          <a:p>
+            <a:pPr>
+              <a:buFont typeface="Zapf Dingbats" charset="2"/>
+              <a:buAutoNum type="arabicPeriod"/>
+            </a:pPr>
+            <a:r>
+              <a:rPr lang="nl-NL" sz="1400" kern="0" dirty="0" err="1" smtClean="0">
+                <a:latin typeface="Courier New" panose="02070309020205020404" pitchFamily="49" charset="0"/>
+                <a:cs typeface="Courier New" panose="02070309020205020404" pitchFamily="49" charset="0"/>
+              </a:rPr>
+              <a:t>Create</a:t>
+            </a:r>
+            <a:r>
+              <a:rPr lang="nl-NL" sz="1400" kern="0" dirty="0" smtClean="0">
+                <a:latin typeface="Courier New" panose="02070309020205020404" pitchFamily="49" charset="0"/>
+                <a:cs typeface="Courier New" panose="02070309020205020404" pitchFamily="49" charset="0"/>
+              </a:rPr>
+              <a:t> dummy variables </a:t>
+            </a:r>
+            <a:r>
+              <a:rPr lang="nl-NL" sz="1400" kern="0" dirty="0" err="1" smtClean="0">
+                <a:latin typeface="Courier New" panose="02070309020205020404" pitchFamily="49" charset="0"/>
+                <a:cs typeface="Courier New" panose="02070309020205020404" pitchFamily="49" charset="0"/>
+              </a:rPr>
+              <a:t>for</a:t>
+            </a:r>
+            <a:r>
+              <a:rPr lang="nl-NL" sz="1400" kern="0" dirty="0" smtClean="0">
+                <a:latin typeface="Courier New" panose="02070309020205020404" pitchFamily="49" charset="0"/>
+                <a:cs typeface="Courier New" panose="02070309020205020404" pitchFamily="49" charset="0"/>
+              </a:rPr>
+              <a:t> the </a:t>
+            </a:r>
+            <a:r>
+              <a:rPr lang="nl-NL" sz="1400" kern="0" dirty="0" err="1" smtClean="0">
+                <a:latin typeface="Courier New" panose="02070309020205020404" pitchFamily="49" charset="0"/>
+                <a:cs typeface="Courier New" panose="02070309020205020404" pitchFamily="49" charset="0"/>
+              </a:rPr>
+              <a:t>qualitative</a:t>
+            </a:r>
+            <a:r>
+              <a:rPr lang="nl-NL" sz="1400" kern="0" dirty="0" smtClean="0">
+                <a:latin typeface="Courier New" panose="02070309020205020404" pitchFamily="49" charset="0"/>
+                <a:cs typeface="Courier New" panose="02070309020205020404" pitchFamily="49" charset="0"/>
+              </a:rPr>
+              <a:t> </a:t>
+            </a:r>
+            <a:r>
+              <a:rPr lang="nl-NL" sz="1400" kern="0" dirty="0" err="1" smtClean="0">
+                <a:latin typeface="Courier New" panose="02070309020205020404" pitchFamily="49" charset="0"/>
+                <a:cs typeface="Courier New" panose="02070309020205020404" pitchFamily="49" charset="0"/>
+              </a:rPr>
+              <a:t>variable</a:t>
+            </a:r>
+            <a:r>
+              <a:rPr lang="nl-NL" sz="1400" kern="0" dirty="0" smtClean="0">
+                <a:latin typeface="Courier New" panose="02070309020205020404" pitchFamily="49" charset="0"/>
+                <a:cs typeface="Courier New" panose="02070309020205020404" pitchFamily="49" charset="0"/>
+              </a:rPr>
+              <a:t> </a:t>
+            </a:r>
+            <a:r>
+              <a:rPr lang="nl-NL" sz="1400" kern="0" dirty="0" err="1" smtClean="0">
+                <a:latin typeface="Courier New" panose="02070309020205020404" pitchFamily="49" charset="0"/>
+                <a:cs typeface="Courier New" panose="02070309020205020404" pitchFamily="49" charset="0"/>
+              </a:rPr>
+              <a:t>and</a:t>
+            </a:r>
+            <a:r>
+              <a:rPr lang="nl-NL" sz="1400" kern="0" dirty="0" smtClean="0">
+                <a:latin typeface="Courier New" panose="02070309020205020404" pitchFamily="49" charset="0"/>
+                <a:cs typeface="Courier New" panose="02070309020205020404" pitchFamily="49" charset="0"/>
+              </a:rPr>
+              <a:t> </a:t>
+            </a:r>
+            <a:r>
+              <a:rPr lang="nl-NL" sz="1400" kern="0" dirty="0" err="1" smtClean="0">
+                <a:latin typeface="Courier New" panose="02070309020205020404" pitchFamily="49" charset="0"/>
+                <a:cs typeface="Courier New" panose="02070309020205020404" pitchFamily="49" charset="0"/>
+              </a:rPr>
+              <a:t>add</a:t>
+            </a:r>
+            <a:r>
+              <a:rPr lang="nl-NL" sz="1400" kern="0" dirty="0" smtClean="0">
+                <a:latin typeface="Courier New" panose="02070309020205020404" pitchFamily="49" charset="0"/>
+                <a:cs typeface="Courier New" panose="02070309020205020404" pitchFamily="49" charset="0"/>
+              </a:rPr>
+              <a:t> </a:t>
+            </a:r>
+            <a:r>
+              <a:rPr lang="nl-NL" sz="1400" kern="0" dirty="0" err="1" smtClean="0">
+                <a:latin typeface="Courier New" panose="02070309020205020404" pitchFamily="49" charset="0"/>
+                <a:cs typeface="Courier New" panose="02070309020205020404" pitchFamily="49" charset="0"/>
+              </a:rPr>
+              <a:t>them</a:t>
+            </a:r>
+            <a:r>
+              <a:rPr lang="nl-NL" sz="1400" kern="0" dirty="0" smtClean="0">
+                <a:latin typeface="Courier New" panose="02070309020205020404" pitchFamily="49" charset="0"/>
+                <a:cs typeface="Courier New" panose="02070309020205020404" pitchFamily="49" charset="0"/>
+              </a:rPr>
+              <a:t>.</a:t>
+            </a:r>
+          </a:p>
+          <a:p>
+            <a:pPr>
+              <a:buFont typeface="Zapf Dingbats" charset="2"/>
+              <a:buAutoNum type="arabicPeriod"/>
+            </a:pPr>
+            <a:endParaRPr lang="nl-NL" sz="1400" kern="0" dirty="0" smtClean="0">
+              <a:latin typeface="Courier New" panose="02070309020205020404" pitchFamily="49" charset="0"/>
+              <a:cs typeface="Courier New" panose="02070309020205020404" pitchFamily="49" charset="0"/>
+            </a:endParaRPr>
+          </a:p>
+          <a:p>
+            <a:pPr>
+              <a:buFont typeface="Zapf Dingbats" charset="2"/>
+              <a:buAutoNum type="arabicPeriod"/>
+            </a:pPr>
+            <a:r>
+              <a:rPr lang="nl-NL" sz="1400" kern="0" dirty="0" smtClean="0">
+                <a:latin typeface="Courier New" panose="02070309020205020404" pitchFamily="49" charset="0"/>
+                <a:cs typeface="Courier New" panose="02070309020205020404" pitchFamily="49" charset="0"/>
+              </a:rPr>
+              <a:t>Split the data </a:t>
+            </a:r>
+            <a:r>
+              <a:rPr lang="nl-NL" sz="1400" kern="0" dirty="0" err="1" smtClean="0">
+                <a:latin typeface="Courier New" panose="02070309020205020404" pitchFamily="49" charset="0"/>
+                <a:cs typeface="Courier New" panose="02070309020205020404" pitchFamily="49" charset="0"/>
+              </a:rPr>
+              <a:t>into</a:t>
+            </a:r>
+            <a:r>
+              <a:rPr lang="nl-NL" sz="1400" kern="0" dirty="0" smtClean="0">
+                <a:latin typeface="Courier New" panose="02070309020205020404" pitchFamily="49" charset="0"/>
+                <a:cs typeface="Courier New" panose="02070309020205020404" pitchFamily="49" charset="0"/>
+              </a:rPr>
+              <a:t> a training </a:t>
+            </a:r>
+            <a:r>
+              <a:rPr lang="nl-NL" sz="1400" kern="0" dirty="0" err="1" smtClean="0">
+                <a:latin typeface="Courier New" panose="02070309020205020404" pitchFamily="49" charset="0"/>
+                <a:cs typeface="Courier New" panose="02070309020205020404" pitchFamily="49" charset="0"/>
+              </a:rPr>
+              <a:t>and</a:t>
+            </a:r>
+            <a:r>
+              <a:rPr lang="nl-NL" sz="1400" kern="0" dirty="0" smtClean="0">
+                <a:latin typeface="Courier New" panose="02070309020205020404" pitchFamily="49" charset="0"/>
+                <a:cs typeface="Courier New" panose="02070309020205020404" pitchFamily="49" charset="0"/>
+              </a:rPr>
+              <a:t> data set.</a:t>
+            </a:r>
+          </a:p>
+          <a:p>
+            <a:pPr>
+              <a:buFont typeface="Zapf Dingbats" charset="2"/>
+              <a:buAutoNum type="arabicPeriod"/>
+            </a:pPr>
+            <a:endParaRPr lang="nl-NL" sz="1400" kern="0" dirty="0">
+              <a:latin typeface="Courier New" panose="02070309020205020404" pitchFamily="49" charset="0"/>
+              <a:cs typeface="Courier New" panose="02070309020205020404" pitchFamily="49" charset="0"/>
+            </a:endParaRPr>
+          </a:p>
+          <a:p>
+            <a:pPr>
+              <a:buFont typeface="Zapf Dingbats" charset="2"/>
+              <a:buAutoNum type="arabicPeriod"/>
+            </a:pPr>
+            <a:r>
+              <a:rPr lang="nl-NL" sz="1400" kern="0" dirty="0" smtClean="0">
+                <a:latin typeface="Courier New" panose="02070309020205020404" pitchFamily="49" charset="0"/>
+                <a:cs typeface="Courier New" panose="02070309020205020404" pitchFamily="49" charset="0"/>
+              </a:rPr>
+              <a:t>Train a </a:t>
+            </a:r>
+            <a:r>
+              <a:rPr lang="nl-NL" sz="1400" kern="0" dirty="0" err="1" smtClean="0">
+                <a:latin typeface="Courier New" panose="02070309020205020404" pitchFamily="49" charset="0"/>
+                <a:cs typeface="Courier New" panose="02070309020205020404" pitchFamily="49" charset="0"/>
+              </a:rPr>
+              <a:t>kNN-algorithm</a:t>
+            </a:r>
+            <a:r>
+              <a:rPr lang="nl-NL" sz="1400" kern="0" dirty="0" smtClean="0">
+                <a:latin typeface="Courier New" panose="02070309020205020404" pitchFamily="49" charset="0"/>
+                <a:cs typeface="Courier New" panose="02070309020205020404" pitchFamily="49" charset="0"/>
+              </a:rPr>
+              <a:t> on the data, </a:t>
+            </a:r>
+            <a:r>
+              <a:rPr lang="nl-NL" sz="1400" kern="0" dirty="0" err="1" smtClean="0">
+                <a:latin typeface="Courier New" panose="02070309020205020404" pitchFamily="49" charset="0"/>
+                <a:cs typeface="Courier New" panose="02070309020205020404" pitchFamily="49" charset="0"/>
+              </a:rPr>
+              <a:t>with</a:t>
+            </a:r>
+            <a:r>
+              <a:rPr lang="nl-NL" sz="1400" kern="0" dirty="0" smtClean="0">
+                <a:latin typeface="Courier New" panose="02070309020205020404" pitchFamily="49" charset="0"/>
+                <a:cs typeface="Courier New" panose="02070309020205020404" pitchFamily="49" charset="0"/>
+              </a:rPr>
+              <a:t> </a:t>
+            </a:r>
+            <a:r>
+              <a:rPr lang="nl-NL" sz="1400" i="1" kern="0" dirty="0" smtClean="0">
+                <a:latin typeface="Courier New" panose="02070309020205020404" pitchFamily="49" charset="0"/>
+                <a:cs typeface="Courier New" panose="02070309020205020404" pitchFamily="49" charset="0"/>
+              </a:rPr>
+              <a:t>k = </a:t>
+            </a:r>
+            <a:r>
+              <a:rPr lang="nl-NL" sz="1400" kern="0" dirty="0">
+                <a:latin typeface="Courier New" panose="02070309020205020404" pitchFamily="49" charset="0"/>
+                <a:cs typeface="Courier New" panose="02070309020205020404" pitchFamily="49" charset="0"/>
+              </a:rPr>
+              <a:t>3</a:t>
+            </a:r>
+            <a:endParaRPr lang="nl-NL" sz="1400" kern="0" dirty="0" smtClean="0">
+              <a:latin typeface="Courier New" panose="02070309020205020404" pitchFamily="49" charset="0"/>
+              <a:cs typeface="Courier New" panose="02070309020205020404" pitchFamily="49" charset="0"/>
+            </a:endParaRPr>
+          </a:p>
+          <a:p>
+            <a:pPr lvl="1"/>
+            <a:r>
+              <a:rPr lang="nl-NL" sz="1200" kern="0" dirty="0" err="1" smtClean="0">
+                <a:latin typeface="Courier New" panose="02070309020205020404" pitchFamily="49" charset="0"/>
+                <a:cs typeface="Courier New" panose="02070309020205020404" pitchFamily="49" charset="0"/>
+              </a:rPr>
+              <a:t>Calculate</a:t>
+            </a:r>
+            <a:r>
+              <a:rPr lang="nl-NL" sz="1200" kern="0" dirty="0" smtClean="0">
+                <a:latin typeface="Courier New" panose="02070309020205020404" pitchFamily="49" charset="0"/>
+                <a:cs typeface="Courier New" panose="02070309020205020404" pitchFamily="49" charset="0"/>
+              </a:rPr>
+              <a:t> </a:t>
+            </a:r>
+            <a:r>
+              <a:rPr lang="nl-NL" sz="1200" kern="0" dirty="0" err="1" smtClean="0">
+                <a:latin typeface="Courier New" panose="02070309020205020404" pitchFamily="49" charset="0"/>
+                <a:cs typeface="Courier New" panose="02070309020205020404" pitchFamily="49" charset="0"/>
+              </a:rPr>
+              <a:t>accuracy</a:t>
+            </a:r>
+            <a:r>
+              <a:rPr lang="nl-NL" sz="1200" kern="0" dirty="0" smtClean="0">
+                <a:latin typeface="Courier New" panose="02070309020205020404" pitchFamily="49" charset="0"/>
+                <a:cs typeface="Courier New" panose="02070309020205020404" pitchFamily="49" charset="0"/>
+              </a:rPr>
+              <a:t>, </a:t>
+            </a:r>
+            <a:r>
+              <a:rPr lang="nl-NL" sz="1200" kern="0" dirty="0" err="1" smtClean="0">
+                <a:latin typeface="Courier New" panose="02070309020205020404" pitchFamily="49" charset="0"/>
+                <a:cs typeface="Courier New" panose="02070309020205020404" pitchFamily="49" charset="0"/>
+              </a:rPr>
+              <a:t>precision</a:t>
+            </a:r>
+            <a:r>
+              <a:rPr lang="nl-NL" sz="1200" kern="0" dirty="0" smtClean="0">
+                <a:latin typeface="Courier New" panose="02070309020205020404" pitchFamily="49" charset="0"/>
+                <a:cs typeface="Courier New" panose="02070309020205020404" pitchFamily="49" charset="0"/>
+              </a:rPr>
+              <a:t> </a:t>
+            </a:r>
+            <a:r>
+              <a:rPr lang="nl-NL" sz="1200" kern="0" dirty="0" err="1" smtClean="0">
+                <a:latin typeface="Courier New" panose="02070309020205020404" pitchFamily="49" charset="0"/>
+                <a:cs typeface="Courier New" panose="02070309020205020404" pitchFamily="49" charset="0"/>
+              </a:rPr>
+              <a:t>and</a:t>
+            </a:r>
+            <a:r>
+              <a:rPr lang="nl-NL" sz="1200" kern="0" dirty="0" smtClean="0">
+                <a:latin typeface="Courier New" panose="02070309020205020404" pitchFamily="49" charset="0"/>
+                <a:cs typeface="Courier New" panose="02070309020205020404" pitchFamily="49" charset="0"/>
+              </a:rPr>
+              <a:t> </a:t>
+            </a:r>
+            <a:r>
+              <a:rPr lang="nl-NL" sz="1200" kern="0" dirty="0" err="1" smtClean="0">
+                <a:latin typeface="Courier New" panose="02070309020205020404" pitchFamily="49" charset="0"/>
+                <a:cs typeface="Courier New" panose="02070309020205020404" pitchFamily="49" charset="0"/>
+              </a:rPr>
+              <a:t>recall</a:t>
+            </a:r>
+            <a:r>
+              <a:rPr lang="nl-NL" sz="1200" kern="0" dirty="0">
+                <a:latin typeface="Courier New" panose="02070309020205020404" pitchFamily="49" charset="0"/>
+                <a:cs typeface="Courier New" panose="02070309020205020404" pitchFamily="49" charset="0"/>
+              </a:rPr>
+              <a:t> </a:t>
+            </a:r>
+            <a:r>
+              <a:rPr lang="nl-NL" sz="1200" b="1" kern="0" dirty="0" smtClean="0">
+                <a:latin typeface="Courier New" panose="02070309020205020404" pitchFamily="49" charset="0"/>
+                <a:cs typeface="Courier New" panose="02070309020205020404" pitchFamily="49" charset="0"/>
+              </a:rPr>
+              <a:t>on the test set</a:t>
+            </a:r>
+            <a:endParaRPr lang="nl-NL" sz="1200" i="1" kern="0" dirty="0">
+              <a:latin typeface="Courier New" panose="02070309020205020404" pitchFamily="49" charset="0"/>
+              <a:cs typeface="Courier New" panose="02070309020205020404" pitchFamily="49" charset="0"/>
+            </a:endParaRPr>
+          </a:p>
+          <a:p>
+            <a:pPr lvl="1"/>
+            <a:endParaRPr lang="nl-NL" sz="1200" kern="0" dirty="0" smtClean="0">
+              <a:latin typeface="Courier New" panose="02070309020205020404" pitchFamily="49" charset="0"/>
+              <a:cs typeface="Courier New" panose="02070309020205020404" pitchFamily="49" charset="0"/>
+            </a:endParaRPr>
+          </a:p>
+          <a:p>
+            <a:pPr>
+              <a:buFont typeface="+mj-lt"/>
+              <a:buAutoNum type="arabicPeriod"/>
+            </a:pPr>
+            <a:r>
+              <a:rPr lang="nl-NL" sz="1400" kern="0" dirty="0" err="1" smtClean="0">
+                <a:latin typeface="Courier New" panose="02070309020205020404" pitchFamily="49" charset="0"/>
+                <a:cs typeface="Courier New" panose="02070309020205020404" pitchFamily="49" charset="0"/>
+              </a:rPr>
+              <a:t>Try</a:t>
+            </a:r>
+            <a:r>
+              <a:rPr lang="nl-NL" sz="1400" kern="0" dirty="0" smtClean="0">
+                <a:latin typeface="Courier New" panose="02070309020205020404" pitchFamily="49" charset="0"/>
+                <a:cs typeface="Courier New" panose="02070309020205020404" pitchFamily="49" charset="0"/>
+              </a:rPr>
+              <a:t> out different </a:t>
+            </a:r>
+            <a:r>
+              <a:rPr lang="nl-NL" sz="1400" kern="0" dirty="0" err="1" smtClean="0">
+                <a:latin typeface="Courier New" panose="02070309020205020404" pitchFamily="49" charset="0"/>
+                <a:cs typeface="Courier New" panose="02070309020205020404" pitchFamily="49" charset="0"/>
+              </a:rPr>
+              <a:t>settings</a:t>
+            </a:r>
+            <a:r>
+              <a:rPr lang="nl-NL" sz="1400" kern="0" dirty="0" smtClean="0">
+                <a:latin typeface="Courier New" panose="02070309020205020404" pitchFamily="49" charset="0"/>
+                <a:cs typeface="Courier New" panose="02070309020205020404" pitchFamily="49" charset="0"/>
+              </a:rPr>
+              <a:t> </a:t>
+            </a:r>
+            <a:r>
+              <a:rPr lang="nl-NL" sz="1400" kern="0" dirty="0" err="1" smtClean="0">
+                <a:latin typeface="Courier New" panose="02070309020205020404" pitchFamily="49" charset="0"/>
+                <a:cs typeface="Courier New" panose="02070309020205020404" pitchFamily="49" charset="0"/>
+              </a:rPr>
+              <a:t>for</a:t>
+            </a:r>
+            <a:r>
+              <a:rPr lang="nl-NL" sz="1400" kern="0" dirty="0" smtClean="0">
+                <a:latin typeface="Courier New" panose="02070309020205020404" pitchFamily="49" charset="0"/>
+                <a:cs typeface="Courier New" panose="02070309020205020404" pitchFamily="49" charset="0"/>
+              </a:rPr>
+              <a:t> </a:t>
+            </a:r>
+            <a:r>
+              <a:rPr lang="nl-NL" sz="1400" i="1" kern="0" dirty="0" smtClean="0">
+                <a:latin typeface="Courier New" panose="02070309020205020404" pitchFamily="49" charset="0"/>
+                <a:cs typeface="Courier New" panose="02070309020205020404" pitchFamily="49" charset="0"/>
+              </a:rPr>
+              <a:t>k</a:t>
+            </a:r>
+            <a:r>
+              <a:rPr lang="nl-NL" sz="1400" kern="0" dirty="0" smtClean="0">
+                <a:latin typeface="Courier New" panose="02070309020205020404" pitchFamily="49" charset="0"/>
+                <a:cs typeface="Courier New" panose="02070309020205020404" pitchFamily="49" charset="0"/>
+              </a:rPr>
+              <a:t>. </a:t>
+            </a:r>
+            <a:r>
+              <a:rPr lang="nl-NL" sz="1400" kern="0" dirty="0" err="1" smtClean="0">
+                <a:latin typeface="Courier New" panose="02070309020205020404" pitchFamily="49" charset="0"/>
+                <a:cs typeface="Courier New" panose="02070309020205020404" pitchFamily="49" charset="0"/>
+              </a:rPr>
+              <a:t>Which</a:t>
+            </a:r>
+            <a:r>
+              <a:rPr lang="nl-NL" sz="1400" kern="0" dirty="0" smtClean="0">
+                <a:latin typeface="Courier New" panose="02070309020205020404" pitchFamily="49" charset="0"/>
+                <a:cs typeface="Courier New" panose="02070309020205020404" pitchFamily="49" charset="0"/>
+              </a:rPr>
+              <a:t> </a:t>
+            </a:r>
+            <a:r>
+              <a:rPr lang="nl-NL" sz="1400" i="1" kern="0" dirty="0" smtClean="0">
+                <a:latin typeface="Courier New" panose="02070309020205020404" pitchFamily="49" charset="0"/>
+                <a:cs typeface="Courier New" panose="02070309020205020404" pitchFamily="49" charset="0"/>
+              </a:rPr>
+              <a:t>k </a:t>
+            </a:r>
+            <a:r>
+              <a:rPr lang="nl-NL" sz="1400" kern="0" dirty="0" err="1" smtClean="0">
+                <a:latin typeface="Courier New" panose="02070309020205020404" pitchFamily="49" charset="0"/>
+                <a:cs typeface="Courier New" panose="02070309020205020404" pitchFamily="49" charset="0"/>
+              </a:rPr>
+              <a:t>works</a:t>
+            </a:r>
+            <a:r>
+              <a:rPr lang="nl-NL" sz="1400" kern="0" dirty="0" smtClean="0">
+                <a:latin typeface="Courier New" panose="02070309020205020404" pitchFamily="49" charset="0"/>
+                <a:cs typeface="Courier New" panose="02070309020205020404" pitchFamily="49" charset="0"/>
+              </a:rPr>
+              <a:t> best?</a:t>
+            </a:r>
+          </a:p>
+          <a:p>
+            <a:pPr marL="0" indent="0">
+              <a:buNone/>
+            </a:pPr>
+            <a:endParaRPr lang="nl-NL" sz="1400" kern="0" dirty="0" smtClean="0">
+              <a:latin typeface="Courier New" panose="02070309020205020404" pitchFamily="49" charset="0"/>
+              <a:cs typeface="Courier New" panose="02070309020205020404" pitchFamily="49" charset="0"/>
+            </a:endParaRPr>
+          </a:p>
+          <a:p>
+            <a:pPr>
+              <a:buFont typeface="Zapf Dingbats" charset="2"/>
+              <a:buAutoNum type="arabicPeriod"/>
+            </a:pPr>
+            <a:endParaRPr lang="nl-NL" sz="1400" kern="0" dirty="0">
+              <a:latin typeface="Courier New" panose="02070309020205020404" pitchFamily="49" charset="0"/>
+              <a:cs typeface="Courier New" panose="02070309020205020404" pitchFamily="49" charset="0"/>
+            </a:endParaRPr>
+          </a:p>
+          <a:p>
+            <a:pPr>
+              <a:buFont typeface="Zapf Dingbats" charset="2"/>
+              <a:buAutoNum type="arabicPeriod"/>
+            </a:pPr>
+            <a:endParaRPr lang="nl-NL" sz="1400" kern="0" dirty="0" smtClean="0">
+              <a:latin typeface="Courier New" panose="02070309020205020404" pitchFamily="49" charset="0"/>
+              <a:cs typeface="Courier New" panose="02070309020205020404" pitchFamily="49" charset="0"/>
+            </a:endParaRPr>
+          </a:p>
+          <a:p>
+            <a:pPr>
+              <a:buFont typeface="Zapf Dingbats" charset="2"/>
+              <a:buAutoNum type="arabicPeriod"/>
+            </a:pPr>
+            <a:endParaRPr lang="nl-NL" sz="1400" kern="0" dirty="0">
+              <a:latin typeface="Courier New" panose="02070309020205020404" pitchFamily="49" charset="0"/>
+              <a:cs typeface="Courier New" panose="02070309020205020404" pitchFamily="49" charset="0"/>
+            </a:endParaRPr>
+          </a:p>
+          <a:p>
+            <a:pPr>
+              <a:buFont typeface="Zapf Dingbats" charset="2"/>
+              <a:buAutoNum type="arabicPeriod"/>
+            </a:pPr>
+            <a:endParaRPr lang="nl-NL" sz="1400" kern="0" dirty="0" smtClean="0">
+              <a:latin typeface="Courier New" panose="02070309020205020404" pitchFamily="49" charset="0"/>
+              <a:cs typeface="Courier New" panose="02070309020205020404" pitchFamily="49" charset="0"/>
+            </a:endParaRPr>
+          </a:p>
+          <a:p>
+            <a:pPr>
+              <a:buFont typeface="Zapf Dingbats" charset="2"/>
+              <a:buAutoNum type="arabicPeriod"/>
+            </a:pPr>
+            <a:endParaRPr lang="nl-NL" sz="1400" kern="0" dirty="0">
+              <a:latin typeface="Courier New" panose="02070309020205020404" pitchFamily="49" charset="0"/>
+              <a:cs typeface="Courier New" panose="02070309020205020404" pitchFamily="49" charset="0"/>
+            </a:endParaRPr>
+          </a:p>
+          <a:p>
+            <a:pPr>
+              <a:buFont typeface="Zapf Dingbats" charset="2"/>
+              <a:buAutoNum type="arabicPeriod"/>
             </a:pPr>
             <a:endParaRPr lang="nl-NL" sz="1400" kern="0" dirty="0" smtClean="0">
               <a:latin typeface="Courier New" panose="02070309020205020404" pitchFamily="49" charset="0"/>
@@ -16295,7 +17317,7 @@
 </p:sld>
 </file>
 
-<file path=ppt/slides/slide28.xml><?xml version="1.0" encoding="utf-8"?>
+<file path=ppt/slides/slide27.xml><?xml version="1.0" encoding="utf-8"?>
 <p:sld xmlns:a="http://schemas.openxmlformats.org/drawingml/2006/main" xmlns:r="http://schemas.openxmlformats.org/officeDocument/2006/relationships" xmlns:p="http://schemas.openxmlformats.org/presentationml/2006/main">
   <p:cSld>
     <p:spTree>
@@ -16667,7 +17689,7 @@
         <p:spPr>
           <a:xfrm>
             <a:off x="771120" y="1628800"/>
-            <a:ext cx="3377952" cy="4893647"/>
+            <a:ext cx="3377952" cy="3908762"/>
           </a:xfrm>
         </p:spPr>
         <p:txBody>
@@ -16821,61 +17843,9 @@
             <a:endParaRPr lang="nl-NL" sz="2000" dirty="0" smtClean="0"/>
           </a:p>
           <a:p>
-            <a:endParaRPr lang="nl-NL" sz="2000" dirty="0"/>
-          </a:p>
-          <a:p>
-            <a:r>
-              <a:rPr lang="nl-NL" sz="2000" dirty="0" smtClean="0"/>
-              <a:t>I </a:t>
-            </a:r>
-            <a:r>
-              <a:rPr lang="nl-NL" sz="2000" dirty="0" err="1" smtClean="0"/>
-              <a:t>might</a:t>
-            </a:r>
-            <a:r>
-              <a:rPr lang="nl-NL" sz="2000" dirty="0" smtClean="0"/>
-              <a:t> </a:t>
-            </a:r>
-            <a:r>
-              <a:rPr lang="nl-NL" sz="2000" dirty="0" err="1" smtClean="0"/>
-              <a:t>write</a:t>
-            </a:r>
-            <a:r>
-              <a:rPr lang="nl-NL" sz="2000" dirty="0" smtClean="0"/>
-              <a:t> a </a:t>
-            </a:r>
-            <a:r>
-              <a:rPr lang="nl-NL" sz="2000" dirty="0" err="1" smtClean="0"/>
-              <a:t>comment</a:t>
-            </a:r>
-            <a:r>
-              <a:rPr lang="nl-NL" sz="2000" dirty="0" smtClean="0"/>
-              <a:t> here </a:t>
-            </a:r>
-            <a:r>
-              <a:rPr lang="nl-NL" sz="2000" dirty="0" err="1" smtClean="0"/>
-              <a:t>and</a:t>
-            </a:r>
-            <a:r>
-              <a:rPr lang="nl-NL" sz="2000" dirty="0" smtClean="0"/>
-              <a:t> </a:t>
-            </a:r>
-            <a:r>
-              <a:rPr lang="nl-NL" sz="2000" dirty="0" err="1" smtClean="0"/>
-              <a:t>there</a:t>
-            </a:r>
-            <a:r>
-              <a:rPr lang="nl-NL" sz="2000" dirty="0" smtClean="0"/>
-              <a:t> as </a:t>
-            </a:r>
-            <a:r>
-              <a:rPr lang="nl-NL" sz="2000" dirty="0" err="1" smtClean="0"/>
-              <a:t>an</a:t>
-            </a:r>
-            <a:r>
-              <a:rPr lang="nl-NL" sz="2000" dirty="0" smtClean="0"/>
-              <a:t> ‘issue’</a:t>
-            </a:r>
+            <a:pPr marL="0" indent="0">
+              <a:buNone/>
+            </a:pPr>
             <a:endParaRPr lang="nl-NL" sz="2000" dirty="0"/>
           </a:p>
         </p:txBody>
@@ -17243,11 +18213,7 @@
             </a:r>
             <a:r>
               <a:rPr lang="nl-NL" sz="2400" dirty="0" err="1" smtClean="0"/>
-              <a:t>somethin</a:t>
-            </a:r>
-            <a:r>
-              <a:rPr lang="nl-NL" sz="2400" dirty="0" err="1" smtClean="0"/>
-              <a:t>g</a:t>
+              <a:t>something</a:t>
             </a:r>
             <a:r>
               <a:rPr lang="nl-NL" sz="2400" dirty="0" smtClean="0"/>
@@ -17432,472 +18398,6 @@
           <a:p>
             <a:r>
               <a:rPr lang="nl-NL" dirty="0" smtClean="0"/>
-              <a:t>Common </a:t>
-            </a:r>
-            <a:r>
-              <a:rPr lang="nl-NL" dirty="0" err="1" smtClean="0"/>
-              <a:t>transformations</a:t>
-            </a:r>
-            <a:endParaRPr lang="nl-NL" dirty="0"/>
-          </a:p>
-        </p:txBody>
-      </p:sp>
-      <p:graphicFrame>
-        <p:nvGraphicFramePr>
-          <p:cNvPr id="4" name="Tijdelijke aanduiding voor inhoud 3"/>
-          <p:cNvGraphicFramePr>
-            <a:graphicFrameLocks noGrp="1"/>
-          </p:cNvGraphicFramePr>
-          <p:nvPr>
-            <p:ph idx="1"/>
-            <p:extLst>
-              <p:ext uri="{D42A27DB-BD31-4B8C-83A1-F6EECF244321}">
-                <p14:modId xmlns:p14="http://schemas.microsoft.com/office/powerpoint/2010/main" val="2005269281"/>
-              </p:ext>
-            </p:extLst>
-          </p:nvPr>
-        </p:nvGraphicFramePr>
-        <p:xfrm>
-          <a:off x="831304" y="1556792"/>
-          <a:ext cx="7881938" cy="4881880"/>
-        </p:xfrm>
-        <a:graphic>
-          <a:graphicData uri="http://schemas.openxmlformats.org/drawingml/2006/table">
-            <a:tbl>
-              <a:tblPr firstRow="1" bandRow="1">
-                <a:tableStyleId>{5C22544A-7EE6-4342-B048-85BDC9FD1C3A}</a:tableStyleId>
-              </a:tblPr>
-              <a:tblGrid>
-                <a:gridCol w="3940969">
-                  <a:extLst>
-                    <a:ext uri="{9D8B030D-6E8A-4147-A177-3AD203B41FA5}">
-                      <a16:colId xmlns:a16="http://schemas.microsoft.com/office/drawing/2014/main" val="944945583"/>
-                    </a:ext>
-                  </a:extLst>
-                </a:gridCol>
-                <a:gridCol w="3940969">
-                  <a:extLst>
-                    <a:ext uri="{9D8B030D-6E8A-4147-A177-3AD203B41FA5}">
-                      <a16:colId xmlns:a16="http://schemas.microsoft.com/office/drawing/2014/main" val="2555308395"/>
-                    </a:ext>
-                  </a:extLst>
-                </a:gridCol>
-              </a:tblGrid>
-              <a:tr h="370840">
-                <a:tc>
-                  <a:txBody>
-                    <a:bodyPr/>
-                    <a:lstStyle/>
-                    <a:p>
-                      <a:r>
-                        <a:rPr lang="nl-NL" sz="1600" dirty="0" smtClean="0"/>
-                        <a:t>Data</a:t>
-                      </a:r>
-                      <a:endParaRPr lang="nl-NL" sz="1600" dirty="0"/>
-                    </a:p>
-                  </a:txBody>
-                  <a:tcPr/>
-                </a:tc>
-                <a:tc>
-                  <a:txBody>
-                    <a:bodyPr/>
-                    <a:lstStyle/>
-                    <a:p>
-                      <a:r>
-                        <a:rPr lang="nl-NL" sz="1600" dirty="0" err="1" smtClean="0"/>
-                        <a:t>Transformation</a:t>
-                      </a:r>
-                      <a:endParaRPr lang="nl-NL" sz="1600" dirty="0"/>
-                    </a:p>
-                  </a:txBody>
-                  <a:tcPr/>
-                </a:tc>
-                <a:extLst>
-                  <a:ext uri="{0D108BD9-81ED-4DB2-BD59-A6C34878D82A}">
-                    <a16:rowId xmlns:a16="http://schemas.microsoft.com/office/drawing/2014/main" val="3645429941"/>
-                  </a:ext>
-                </a:extLst>
-              </a:tr>
-              <a:tr h="863987">
-                <a:tc>
-                  <a:txBody>
-                    <a:bodyPr/>
-                    <a:lstStyle/>
-                    <a:p>
-                      <a:r>
-                        <a:rPr lang="nl-NL" sz="1600" dirty="0" smtClean="0"/>
-                        <a:t>Multiple </a:t>
-                      </a:r>
-                      <a:r>
-                        <a:rPr lang="nl-NL" sz="1600" dirty="0" err="1" smtClean="0"/>
-                        <a:t>similar</a:t>
-                      </a:r>
-                      <a:r>
-                        <a:rPr lang="nl-NL" sz="1600" dirty="0" smtClean="0"/>
-                        <a:t> items on survey on </a:t>
-                      </a:r>
-                      <a:r>
-                        <a:rPr lang="nl-NL" sz="1600" dirty="0" err="1" smtClean="0"/>
-                        <a:t>happiness</a:t>
-                      </a:r>
-                      <a:endParaRPr lang="nl-NL" sz="1600" dirty="0" smtClean="0"/>
-                    </a:p>
-                    <a:p>
-                      <a:r>
-                        <a:rPr lang="nl-NL" sz="1600" dirty="0" smtClean="0"/>
-                        <a:t>‘</a:t>
-                      </a:r>
-                      <a:r>
-                        <a:rPr lang="nl-NL" sz="1600" dirty="0" err="1" smtClean="0"/>
-                        <a:t>I’m</a:t>
-                      </a:r>
-                      <a:r>
-                        <a:rPr lang="nl-NL" sz="1600" dirty="0" smtClean="0"/>
-                        <a:t> happy </a:t>
-                      </a:r>
-                      <a:r>
-                        <a:rPr lang="nl-NL" sz="1600" dirty="0" err="1" smtClean="0"/>
-                        <a:t>with</a:t>
-                      </a:r>
-                      <a:r>
-                        <a:rPr lang="nl-NL" sz="1600" dirty="0" smtClean="0"/>
-                        <a:t> the way </a:t>
-                      </a:r>
-                      <a:r>
-                        <a:rPr lang="nl-NL" sz="1600" dirty="0" err="1" smtClean="0"/>
-                        <a:t>things</a:t>
-                      </a:r>
-                      <a:r>
-                        <a:rPr lang="nl-NL" sz="1600" baseline="0" dirty="0" smtClean="0"/>
-                        <a:t> are </a:t>
-                      </a:r>
-                      <a:r>
-                        <a:rPr lang="nl-NL" sz="1600" baseline="0" dirty="0" err="1" smtClean="0"/>
-                        <a:t>going</a:t>
-                      </a:r>
-                      <a:r>
-                        <a:rPr lang="nl-NL" sz="1600" baseline="0" dirty="0" smtClean="0"/>
-                        <a:t>’</a:t>
-                      </a:r>
-                      <a:endParaRPr lang="nl-NL" sz="1600" dirty="0" smtClean="0"/>
-                    </a:p>
-                    <a:p>
-                      <a:r>
-                        <a:rPr lang="nl-NL" sz="1600" dirty="0" smtClean="0"/>
-                        <a:t>‘</a:t>
-                      </a:r>
-                      <a:r>
-                        <a:rPr lang="nl-NL" sz="1600" dirty="0" err="1" smtClean="0"/>
-                        <a:t>I’m</a:t>
-                      </a:r>
-                      <a:r>
-                        <a:rPr lang="nl-NL" sz="1600" dirty="0" smtClean="0"/>
-                        <a:t> happy </a:t>
-                      </a:r>
-                      <a:r>
-                        <a:rPr lang="nl-NL" sz="1600" dirty="0" err="1" smtClean="0"/>
-                        <a:t>with</a:t>
-                      </a:r>
-                      <a:r>
-                        <a:rPr lang="nl-NL" sz="1600" dirty="0" smtClean="0"/>
-                        <a:t> </a:t>
-                      </a:r>
-                      <a:r>
-                        <a:rPr lang="nl-NL" sz="1600" dirty="0" err="1" smtClean="0"/>
-                        <a:t>my</a:t>
-                      </a:r>
-                      <a:r>
-                        <a:rPr lang="nl-NL" sz="1600" dirty="0" smtClean="0"/>
-                        <a:t> life’</a:t>
-                      </a:r>
-                    </a:p>
-                    <a:p>
-                      <a:endParaRPr lang="nl-NL" sz="1600" dirty="0"/>
-                    </a:p>
-                  </a:txBody>
-                  <a:tcPr/>
-                </a:tc>
-                <a:tc>
-                  <a:txBody>
-                    <a:bodyPr/>
-                    <a:lstStyle/>
-                    <a:p>
-                      <a:r>
-                        <a:rPr lang="nl-NL" sz="1600" baseline="0" dirty="0" err="1" smtClean="0"/>
-                        <a:t>Sum</a:t>
-                      </a:r>
-                      <a:r>
-                        <a:rPr lang="nl-NL" sz="1600" baseline="0" dirty="0" smtClean="0"/>
-                        <a:t> or mean</a:t>
-                      </a:r>
-                    </a:p>
-                  </a:txBody>
-                  <a:tcPr/>
-                </a:tc>
-                <a:extLst>
-                  <a:ext uri="{0D108BD9-81ED-4DB2-BD59-A6C34878D82A}">
-                    <a16:rowId xmlns:a16="http://schemas.microsoft.com/office/drawing/2014/main" val="23005762"/>
-                  </a:ext>
-                </a:extLst>
-              </a:tr>
-              <a:tr h="863987">
-                <a:tc>
-                  <a:txBody>
-                    <a:bodyPr/>
-                    <a:lstStyle/>
-                    <a:p>
-                      <a:r>
-                        <a:rPr lang="nl-NL" sz="1600" dirty="0" err="1" smtClean="0"/>
-                        <a:t>Population</a:t>
-                      </a:r>
-                      <a:endParaRPr lang="nl-NL" sz="1600" dirty="0" smtClean="0"/>
-                    </a:p>
-                    <a:p>
-                      <a:r>
-                        <a:rPr lang="nl-NL" sz="1600" dirty="0" smtClean="0"/>
-                        <a:t>Land</a:t>
-                      </a:r>
-                      <a:r>
-                        <a:rPr lang="nl-NL" sz="1600" baseline="0" dirty="0" smtClean="0"/>
-                        <a:t> area</a:t>
-                      </a:r>
-                      <a:endParaRPr lang="nl-NL" sz="1600" dirty="0" smtClean="0"/>
-                    </a:p>
-                    <a:p>
-                      <a:endParaRPr lang="nl-NL" sz="1600" dirty="0" smtClean="0"/>
-                    </a:p>
-                    <a:p>
-                      <a:endParaRPr lang="nl-NL" sz="1600" dirty="0"/>
-                    </a:p>
-                  </a:txBody>
-                  <a:tcPr/>
-                </a:tc>
-                <a:tc>
-                  <a:txBody>
-                    <a:bodyPr/>
-                    <a:lstStyle/>
-                    <a:p>
-                      <a:r>
-                        <a:rPr lang="nl-NL" sz="1600" dirty="0" smtClean="0"/>
-                        <a:t>Ratio (</a:t>
-                      </a:r>
-                      <a:r>
-                        <a:rPr lang="nl-NL" sz="1600" dirty="0" err="1" smtClean="0"/>
-                        <a:t>population</a:t>
-                      </a:r>
-                      <a:r>
-                        <a:rPr lang="nl-NL" sz="1600" dirty="0" smtClean="0"/>
-                        <a:t>/land</a:t>
-                      </a:r>
-                      <a:r>
-                        <a:rPr lang="nl-NL" sz="1600" baseline="0" dirty="0" smtClean="0"/>
-                        <a:t> area)</a:t>
-                      </a:r>
-                    </a:p>
-                  </a:txBody>
-                  <a:tcPr/>
-                </a:tc>
-                <a:extLst>
-                  <a:ext uri="{0D108BD9-81ED-4DB2-BD59-A6C34878D82A}">
-                    <a16:rowId xmlns:a16="http://schemas.microsoft.com/office/drawing/2014/main" val="255804762"/>
-                  </a:ext>
-                </a:extLst>
-              </a:tr>
-              <a:tr h="816813">
-                <a:tc>
-                  <a:txBody>
-                    <a:bodyPr/>
-                    <a:lstStyle/>
-                    <a:p>
-                      <a:r>
-                        <a:rPr lang="nl-NL" sz="1600" dirty="0" smtClean="0"/>
-                        <a:t>Date: 20-12-2010</a:t>
-                      </a:r>
-                    </a:p>
-                    <a:p>
-                      <a:endParaRPr lang="nl-NL" sz="1600" dirty="0" smtClean="0"/>
-                    </a:p>
-                    <a:p>
-                      <a:endParaRPr lang="nl-NL" sz="1600" dirty="0"/>
-                    </a:p>
-                  </a:txBody>
-                  <a:tcPr/>
-                </a:tc>
-                <a:tc>
-                  <a:txBody>
-                    <a:bodyPr/>
-                    <a:lstStyle/>
-                    <a:p>
-                      <a:r>
-                        <a:rPr lang="nl-NL" sz="1600" dirty="0" err="1" smtClean="0"/>
-                        <a:t>Numbers</a:t>
-                      </a:r>
-                      <a:r>
-                        <a:rPr lang="nl-NL" sz="1600" dirty="0" smtClean="0"/>
-                        <a:t> of </a:t>
-                      </a:r>
-                      <a:r>
-                        <a:rPr lang="nl-NL" sz="1600" dirty="0" err="1" smtClean="0"/>
-                        <a:t>days</a:t>
-                      </a:r>
-                      <a:r>
-                        <a:rPr lang="nl-NL" sz="1600" dirty="0" smtClean="0"/>
-                        <a:t> from start</a:t>
-                      </a:r>
-                      <a:endParaRPr lang="nl-NL" sz="1600" dirty="0"/>
-                    </a:p>
-                  </a:txBody>
-                  <a:tcPr/>
-                </a:tc>
-                <a:extLst>
-                  <a:ext uri="{0D108BD9-81ED-4DB2-BD59-A6C34878D82A}">
-                    <a16:rowId xmlns:a16="http://schemas.microsoft.com/office/drawing/2014/main" val="708469373"/>
-                  </a:ext>
-                </a:extLst>
-              </a:tr>
-              <a:tr h="370840">
-                <a:tc>
-                  <a:txBody>
-                    <a:bodyPr/>
-                    <a:lstStyle/>
-                    <a:p>
-                      <a:r>
-                        <a:rPr lang="nl-NL" sz="1600" dirty="0" err="1" smtClean="0"/>
-                        <a:t>Very</a:t>
-                      </a:r>
-                      <a:r>
-                        <a:rPr lang="nl-NL" sz="1600" baseline="0" dirty="0" smtClean="0"/>
-                        <a:t> right-</a:t>
-                      </a:r>
-                      <a:r>
-                        <a:rPr lang="nl-NL" sz="1600" baseline="0" dirty="0" err="1" smtClean="0"/>
-                        <a:t>skewed</a:t>
-                      </a:r>
-                      <a:r>
-                        <a:rPr lang="nl-NL" sz="1600" baseline="0" dirty="0" smtClean="0"/>
-                        <a:t> variables, e.g. YouTube views, </a:t>
-                      </a:r>
-                      <a:r>
-                        <a:rPr lang="nl-NL" sz="1600" baseline="0" dirty="0" err="1" smtClean="0"/>
-                        <a:t>income</a:t>
-                      </a:r>
-                      <a:endParaRPr lang="nl-NL" sz="1600" dirty="0"/>
-                    </a:p>
-                  </a:txBody>
-                  <a:tcPr/>
-                </a:tc>
-                <a:tc>
-                  <a:txBody>
-                    <a:bodyPr/>
-                    <a:lstStyle/>
-                    <a:p>
-                      <a:r>
-                        <a:rPr lang="nl-NL" sz="1600" baseline="30000" dirty="0" smtClean="0"/>
-                        <a:t>10</a:t>
-                      </a:r>
-                      <a:r>
-                        <a:rPr lang="nl-NL" sz="1600" dirty="0" smtClean="0"/>
-                        <a:t>Log(x)</a:t>
-                      </a:r>
-                    </a:p>
-                    <a:p>
-                      <a:r>
-                        <a:rPr lang="nl-NL" sz="1600" baseline="30000" dirty="0" smtClean="0"/>
-                        <a:t>10</a:t>
-                      </a:r>
-                      <a:r>
-                        <a:rPr lang="nl-NL" sz="1600" dirty="0" smtClean="0"/>
-                        <a:t>Log(10) =</a:t>
-                      </a:r>
-                      <a:r>
-                        <a:rPr lang="nl-NL" sz="1600" baseline="0" dirty="0" smtClean="0"/>
-                        <a:t> 1</a:t>
-                      </a:r>
-                    </a:p>
-                    <a:p>
-                      <a:r>
-                        <a:rPr lang="nl-NL" sz="1600" baseline="30000" dirty="0" smtClean="0"/>
-                        <a:t>10</a:t>
-                      </a:r>
-                      <a:r>
-                        <a:rPr lang="nl-NL" sz="1600" baseline="0" dirty="0" smtClean="0"/>
-                        <a:t>Log(100) = 2</a:t>
-                      </a:r>
-                    </a:p>
-                    <a:p>
-                      <a:r>
-                        <a:rPr lang="nl-NL" sz="1600" baseline="30000" dirty="0" smtClean="0"/>
-                        <a:t>10</a:t>
-                      </a:r>
-                      <a:r>
-                        <a:rPr lang="nl-NL" sz="1600" baseline="0" dirty="0" smtClean="0"/>
-                        <a:t>Log(1000) = 3</a:t>
-                      </a:r>
-                      <a:endParaRPr lang="nl-NL" sz="1600" dirty="0" smtClean="0"/>
-                    </a:p>
-                    <a:p>
-                      <a:endParaRPr lang="nl-NL" sz="1600" dirty="0"/>
-                    </a:p>
-                  </a:txBody>
-                  <a:tcPr/>
-                </a:tc>
-                <a:extLst>
-                  <a:ext uri="{0D108BD9-81ED-4DB2-BD59-A6C34878D82A}">
-                    <a16:rowId xmlns:a16="http://schemas.microsoft.com/office/drawing/2014/main" val="3284590296"/>
-                  </a:ext>
-                </a:extLst>
-              </a:tr>
-            </a:tbl>
-          </a:graphicData>
-        </a:graphic>
-      </p:graphicFrame>
-    </p:spTree>
-    <p:extLst>
-      <p:ext uri="{BB962C8B-B14F-4D97-AF65-F5344CB8AC3E}">
-        <p14:creationId xmlns:p14="http://schemas.microsoft.com/office/powerpoint/2010/main" val="3904288287"/>
-      </p:ext>
-    </p:extLst>
-  </p:cSld>
-  <p:clrMapOvr>
-    <a:masterClrMapping/>
-  </p:clrMapOvr>
-</p:sld>
-</file>
-
-<file path=ppt/slides/slide8.xml><?xml version="1.0" encoding="utf-8"?>
-<p:sld xmlns:a="http://schemas.openxmlformats.org/drawingml/2006/main" xmlns:r="http://schemas.openxmlformats.org/officeDocument/2006/relationships" xmlns:p="http://schemas.openxmlformats.org/presentationml/2006/main">
-  <p:cSld>
-    <p:spTree>
-      <p:nvGrpSpPr>
-        <p:cNvPr id="1" name=""/>
-        <p:cNvGrpSpPr/>
-        <p:nvPr/>
-      </p:nvGrpSpPr>
-      <p:grpSpPr>
-        <a:xfrm>
-          <a:off x="0" y="0"/>
-          <a:ext cx="0" cy="0"/>
-          <a:chOff x="0" y="0"/>
-          <a:chExt cx="0" cy="0"/>
-        </a:xfrm>
-      </p:grpSpPr>
-      <p:sp>
-        <p:nvSpPr>
-          <p:cNvPr id="2" name="Titel 1"/>
-          <p:cNvSpPr>
-            <a:spLocks noGrp="1"/>
-          </p:cNvSpPr>
-          <p:nvPr>
-            <p:ph type="title"/>
-          </p:nvPr>
-        </p:nvSpPr>
-        <p:spPr/>
-        <p:txBody>
-          <a:bodyPr/>
-          <a:lstStyle/>
-          <a:p>
-            <a:r>
-              <a:rPr lang="nl-NL" dirty="0" smtClean="0"/>
               <a:t>Log </a:t>
             </a:r>
             <a:r>
@@ -18060,7 +18560,7 @@
 </p:sld>
 </file>
 
-<file path=ppt/slides/slide9.xml><?xml version="1.0" encoding="utf-8"?>
+<file path=ppt/slides/slide8.xml><?xml version="1.0" encoding="utf-8"?>
 <p:sld xmlns:a="http://schemas.openxmlformats.org/drawingml/2006/main" xmlns:r="http://schemas.openxmlformats.org/officeDocument/2006/relationships" xmlns:p="http://schemas.openxmlformats.org/presentationml/2006/main">
   <p:cSld>
     <p:spTree>
@@ -18421,6 +18921,180 @@
     <p:extLst>
       <p:ext uri="{BB962C8B-B14F-4D97-AF65-F5344CB8AC3E}">
         <p14:creationId xmlns:p14="http://schemas.microsoft.com/office/powerpoint/2010/main" val="2378777090"/>
+      </p:ext>
+    </p:extLst>
+  </p:cSld>
+  <p:clrMapOvr>
+    <a:masterClrMapping/>
+  </p:clrMapOvr>
+</p:sld>
+</file>
+
+<file path=ppt/slides/slide9.xml><?xml version="1.0" encoding="utf-8"?>
+<p:sld xmlns:a="http://schemas.openxmlformats.org/drawingml/2006/main" xmlns:r="http://schemas.openxmlformats.org/officeDocument/2006/relationships" xmlns:p="http://schemas.openxmlformats.org/presentationml/2006/main">
+  <p:cSld>
+    <p:spTree>
+      <p:nvGrpSpPr>
+        <p:cNvPr id="1" name=""/>
+        <p:cNvGrpSpPr/>
+        <p:nvPr/>
+      </p:nvGrpSpPr>
+      <p:grpSpPr>
+        <a:xfrm>
+          <a:off x="0" y="0"/>
+          <a:ext cx="0" cy="0"/>
+          <a:chOff x="0" y="0"/>
+          <a:chExt cx="0" cy="0"/>
+        </a:xfrm>
+      </p:grpSpPr>
+      <p:sp>
+        <p:nvSpPr>
+          <p:cNvPr id="2" name="Titel 1"/>
+          <p:cNvSpPr>
+            <a:spLocks noGrp="1"/>
+          </p:cNvSpPr>
+          <p:nvPr>
+            <p:ph type="title"/>
+          </p:nvPr>
+        </p:nvSpPr>
+        <p:spPr/>
+        <p:txBody>
+          <a:bodyPr/>
+          <a:lstStyle/>
+          <a:p>
+            <a:r>
+              <a:rPr lang="nl-NL" dirty="0" smtClean="0"/>
+              <a:t>Topics</a:t>
+            </a:r>
+            <a:endParaRPr lang="nl-NL" dirty="0"/>
+          </a:p>
+        </p:txBody>
+      </p:sp>
+      <p:sp>
+        <p:nvSpPr>
+          <p:cNvPr id="3" name="Tijdelijke aanduiding voor inhoud 2"/>
+          <p:cNvSpPr>
+            <a:spLocks noGrp="1"/>
+          </p:cNvSpPr>
+          <p:nvPr>
+            <p:ph idx="1"/>
+          </p:nvPr>
+        </p:nvSpPr>
+        <p:spPr>
+          <a:xfrm>
+            <a:off x="762000" y="1762125"/>
+            <a:ext cx="7881938" cy="3564053"/>
+          </a:xfrm>
+        </p:spPr>
+        <p:txBody>
+          <a:bodyPr/>
+          <a:lstStyle/>
+          <a:p>
+            <a:r>
+              <a:rPr lang="nl-NL" sz="2400" dirty="0" err="1" smtClean="0"/>
+              <a:t>Variable</a:t>
+            </a:r>
+            <a:r>
+              <a:rPr lang="nl-NL" sz="2400" dirty="0" smtClean="0"/>
+              <a:t> </a:t>
+            </a:r>
+            <a:r>
+              <a:rPr lang="nl-NL" sz="2400" dirty="0" err="1" smtClean="0"/>
+              <a:t>transformations</a:t>
+            </a:r>
+            <a:endParaRPr lang="nl-NL" sz="2400" dirty="0"/>
+          </a:p>
+          <a:p>
+            <a:endParaRPr lang="nl-NL" sz="2400" dirty="0" smtClean="0"/>
+          </a:p>
+          <a:p>
+            <a:r>
+              <a:rPr lang="nl-NL" sz="2400" dirty="0" err="1" smtClean="0"/>
+              <a:t>Recap</a:t>
+            </a:r>
+            <a:r>
+              <a:rPr lang="nl-NL" sz="2400" dirty="0" smtClean="0"/>
+              <a:t> </a:t>
+            </a:r>
+            <a:r>
+              <a:rPr lang="nl-NL" sz="2400" dirty="0" err="1" smtClean="0"/>
+              <a:t>and</a:t>
+            </a:r>
+            <a:r>
+              <a:rPr lang="nl-NL" sz="2400" dirty="0" smtClean="0"/>
+              <a:t> </a:t>
+            </a:r>
+            <a:r>
+              <a:rPr lang="nl-NL" sz="2400" dirty="0" err="1" smtClean="0"/>
+              <a:t>recap</a:t>
+            </a:r>
+            <a:r>
+              <a:rPr lang="nl-NL" sz="2400" dirty="0" smtClean="0"/>
+              <a:t> </a:t>
+            </a:r>
+            <a:r>
+              <a:rPr lang="nl-NL" sz="2400" dirty="0" err="1" smtClean="0"/>
+              <a:t>exercise</a:t>
+            </a:r>
+            <a:endParaRPr lang="nl-NL" sz="2400" dirty="0"/>
+          </a:p>
+          <a:p>
+            <a:endParaRPr lang="nl-NL" sz="2400" dirty="0" smtClean="0"/>
+          </a:p>
+          <a:p>
+            <a:r>
+              <a:rPr lang="nl-NL" sz="2400" dirty="0" smtClean="0"/>
+              <a:t>Machine </a:t>
+            </a:r>
+            <a:r>
+              <a:rPr lang="nl-NL" sz="2400" dirty="0" err="1" smtClean="0"/>
+              <a:t>learning</a:t>
+            </a:r>
+            <a:endParaRPr lang="nl-NL" sz="2400" dirty="0" smtClean="0"/>
+          </a:p>
+          <a:p>
+            <a:endParaRPr lang="nl-NL" sz="2400" dirty="0"/>
+          </a:p>
+          <a:p>
+            <a:r>
+              <a:rPr lang="nl-NL" sz="2400" i="1" dirty="0" smtClean="0"/>
+              <a:t>k</a:t>
+            </a:r>
+            <a:r>
+              <a:rPr lang="nl-NL" sz="2400" dirty="0" smtClean="0"/>
+              <a:t>-</a:t>
+            </a:r>
+            <a:r>
+              <a:rPr lang="nl-NL" sz="2400" dirty="0" err="1" smtClean="0"/>
+              <a:t>nearest</a:t>
+            </a:r>
+            <a:r>
+              <a:rPr lang="nl-NL" sz="2400" dirty="0" smtClean="0"/>
+              <a:t> </a:t>
+            </a:r>
+            <a:r>
+              <a:rPr lang="nl-NL" sz="2400" dirty="0" err="1" smtClean="0"/>
+              <a:t>neighbor</a:t>
+            </a:r>
+            <a:r>
+              <a:rPr lang="nl-NL" sz="2400" dirty="0" smtClean="0"/>
+              <a:t> </a:t>
+            </a:r>
+            <a:r>
+              <a:rPr lang="nl-NL" sz="2400" dirty="0" err="1" smtClean="0"/>
+              <a:t>algorithm</a:t>
+            </a:r>
+            <a:endParaRPr lang="nl-NL" sz="2400" dirty="0" smtClean="0"/>
+          </a:p>
+          <a:p>
+            <a:endParaRPr lang="nl-NL" sz="2400" i="1" dirty="0"/>
+          </a:p>
+        </p:txBody>
+      </p:sp>
+    </p:spTree>
+    <p:extLst>
+      <p:ext uri="{BB962C8B-B14F-4D97-AF65-F5344CB8AC3E}">
+        <p14:creationId xmlns:p14="http://schemas.microsoft.com/office/powerpoint/2010/main" val="1458523428"/>
       </p:ext>
     </p:extLst>
   </p:cSld>

--- a/slides/ddl-w6l1.pptx
+++ b/slides/ddl-w6l1.pptx
@@ -5,10 +5,10 @@
     <p:sldMasterId id="2147483649" r:id="rId1"/>
   </p:sldMasterIdLst>
   <p:notesMasterIdLst>
-    <p:notesMasterId r:id="rId29"/>
+    <p:notesMasterId r:id="rId26"/>
   </p:notesMasterIdLst>
   <p:handoutMasterIdLst>
-    <p:handoutMasterId r:id="rId30"/>
+    <p:handoutMasterId r:id="rId27"/>
   </p:handoutMasterIdLst>
   <p:sldIdLst>
     <p:sldId id="276" r:id="rId2"/>
@@ -34,10 +34,7 @@
     <p:sldId id="313" r:id="rId22"/>
     <p:sldId id="314" r:id="rId23"/>
     <p:sldId id="315" r:id="rId24"/>
-    <p:sldId id="316" r:id="rId25"/>
-    <p:sldId id="320" r:id="rId26"/>
-    <p:sldId id="302" r:id="rId27"/>
-    <p:sldId id="303" r:id="rId28"/>
+    <p:sldId id="303" r:id="rId25"/>
   </p:sldIdLst>
   <p:sldSz cx="9144000" cy="6858000" type="screen4x3"/>
   <p:notesSz cx="6858000" cy="9144000"/>
@@ -1427,7 +1424,7 @@
             <a:fld id="{373F1B60-BDF4-4D63-AD79-99D5A5B1DF99}" type="datetime1">
               <a:rPr lang="en-US"/>
               <a:pPr/>
-              <a:t>12/16/2018</a:t>
+              <a:t>12/18/2018</a:t>
             </a:fld>
             <a:endParaRPr lang="en-US"/>
           </a:p>
@@ -1646,7 +1643,7 @@
             <a:fld id="{4387A7AA-DFE9-4771-BEDE-3294FCEBFB02}" type="datetime1">
               <a:rPr lang="en-US"/>
               <a:pPr/>
-              <a:t>12/16/2018</a:t>
+              <a:t>12/18/2018</a:t>
             </a:fld>
             <a:endParaRPr lang="en-US"/>
           </a:p>
@@ -2037,7 +2034,7 @@
             <a:fld id="{8541E2CD-DBF4-40F9-B6F8-EEFD0DF8A138}" type="datetime1">
               <a:rPr lang="en-US"/>
               <a:pPr/>
-              <a:t>12/16/2018</a:t>
+              <a:t>12/18/2018</a:t>
             </a:fld>
             <a:endParaRPr lang="en-US"/>
           </a:p>
@@ -2228,7 +2225,7 @@
             <a:fld id="{4387A7AA-DFE9-4771-BEDE-3294FCEBFB02}" type="datetime1">
               <a:rPr lang="en-US" smtClean="0"/>
               <a:pPr/>
-              <a:t>12/16/2018</a:t>
+              <a:t>12/18/2018</a:t>
             </a:fld>
             <a:endParaRPr lang="en-US"/>
           </a:p>
@@ -2412,7 +2409,7 @@
             <a:fld id="{93F21019-3A00-48AC-9663-40DF67A83229}" type="datetime1">
               <a:rPr lang="en-US"/>
               <a:pPr/>
-              <a:t>12/16/2018</a:t>
+              <a:t>12/18/2018</a:t>
             </a:fld>
             <a:endParaRPr lang="en-US">
               <a:solidFill>
@@ -2598,7 +2595,7 @@
             <a:fld id="{8B2EF9C8-0AC3-4A53-9A61-1834A571F420}" type="datetime1">
               <a:rPr lang="en-US"/>
               <a:pPr/>
-              <a:t>12/16/2018</a:t>
+              <a:t>12/18/2018</a:t>
             </a:fld>
             <a:endParaRPr lang="en-US" sz="1400">
               <a:solidFill>
@@ -2795,7 +2792,7 @@
             <a:fld id="{F02960F3-A385-4905-A491-FDC17E063DD1}" type="datetime1">
               <a:rPr lang="en-US"/>
               <a:pPr/>
-              <a:t>12/16/2018</a:t>
+              <a:t>12/18/2018</a:t>
             </a:fld>
             <a:endParaRPr lang="en-US" sz="1400">
               <a:solidFill>
@@ -3054,7 +3051,7 @@
             <a:fld id="{CD3AD70A-8E2A-47B5-AC18-ABBB5A8E737D}" type="datetime1">
               <a:rPr lang="en-US"/>
               <a:pPr/>
-              <a:t>12/16/2018</a:t>
+              <a:t>12/18/2018</a:t>
             </a:fld>
             <a:endParaRPr lang="en-US" sz="1400">
               <a:solidFill>
@@ -3290,7 +3287,7 @@
             <a:fld id="{07008C2E-9BD6-496B-BFC3-B4A975EBC85E}" type="datetime1">
               <a:rPr lang="en-US"/>
               <a:pPr/>
-              <a:t>12/16/2018</a:t>
+              <a:t>12/18/2018</a:t>
             </a:fld>
             <a:endParaRPr lang="en-US" sz="1400">
               <a:solidFill>
@@ -3469,7 +3466,7 @@
             <a:fld id="{1AA2C3CF-866C-4FDE-B76D-4E9536901630}" type="datetime1">
               <a:rPr lang="en-US"/>
               <a:pPr/>
-              <a:t>12/16/2018</a:t>
+              <a:t>12/18/2018</a:t>
             </a:fld>
             <a:endParaRPr lang="en-US" sz="1400">
               <a:solidFill>
@@ -3648,7 +3645,7 @@
             <a:fld id="{555EE259-FE08-4558-B721-B189FFE77284}" type="datetime1">
               <a:rPr lang="en-US"/>
               <a:pPr/>
-              <a:t>12/16/2018</a:t>
+              <a:t>12/18/2018</a:t>
             </a:fld>
             <a:endParaRPr lang="en-US" sz="1400">
               <a:solidFill>
@@ -3917,7 +3914,7 @@
             <a:fld id="{0AF4064E-5624-49AB-B7C6-E301A8F6B1FF}" type="datetime1">
               <a:rPr lang="en-US"/>
               <a:pPr/>
-              <a:t>12/16/2018</a:t>
+              <a:t>12/18/2018</a:t>
             </a:fld>
             <a:endParaRPr lang="en-US" sz="1400">
               <a:solidFill>
@@ -4114,7 +4111,7 @@
             <a:fld id="{CBC97FCD-6C54-4833-B032-BFBCDFA8379D}" type="datetime1">
               <a:rPr lang="en-US"/>
               <a:pPr/>
-              <a:t>12/16/2018</a:t>
+              <a:t>12/18/2018</a:t>
             </a:fld>
             <a:endParaRPr lang="en-US" sz="1400">
               <a:solidFill>
@@ -4323,7 +4320,7 @@
             <a:fld id="{F04AA577-515A-431F-98B6-3B03494ABB11}" type="datetime1">
               <a:rPr lang="en-US"/>
               <a:pPr/>
-              <a:t>12/16/2018</a:t>
+              <a:t>12/18/2018</a:t>
             </a:fld>
             <a:endParaRPr lang="en-US" sz="1400">
               <a:solidFill>
@@ -4628,7 +4625,7 @@
             <a:fld id="{6475F1A4-C474-4345-A800-2F40B0E4E70C}" type="datetime1">
               <a:rPr lang="en-US"/>
               <a:pPr/>
-              <a:t>12/16/2018</a:t>
+              <a:t>12/18/2018</a:t>
             </a:fld>
             <a:endParaRPr lang="en-US" sz="1400">
               <a:solidFill>
@@ -5072,7 +5069,7 @@
             <a:fld id="{7BA535AB-820E-4207-9DA8-5F37106C7AF4}" type="datetime1">
               <a:rPr lang="en-US"/>
               <a:pPr/>
-              <a:t>12/16/2018</a:t>
+              <a:t>12/18/2018</a:t>
             </a:fld>
             <a:endParaRPr lang="en-US" sz="1400">
               <a:solidFill>
@@ -5207,7 +5204,7 @@
             <a:fld id="{0A7E69FA-D7EE-42C0-9117-1971B541885F}" type="datetime1">
               <a:rPr lang="en-US"/>
               <a:pPr/>
-              <a:t>12/16/2018</a:t>
+              <a:t>12/18/2018</a:t>
             </a:fld>
             <a:endParaRPr lang="en-US" sz="1400">
               <a:solidFill>
@@ -5319,7 +5316,7 @@
             <a:fld id="{10D7644E-1B5D-4325-BA79-338DF2B89B56}" type="datetime1">
               <a:rPr lang="en-US"/>
               <a:pPr/>
-              <a:t>12/16/2018</a:t>
+              <a:t>12/18/2018</a:t>
             </a:fld>
             <a:endParaRPr lang="en-US" sz="1400">
               <a:solidFill>
@@ -5613,7 +5610,7 @@
             <a:fld id="{B790C882-0B74-4932-8998-E9ABB8AF1740}" type="datetime1">
               <a:rPr lang="en-US"/>
               <a:pPr/>
-              <a:t>12/16/2018</a:t>
+              <a:t>12/18/2018</a:t>
             </a:fld>
             <a:endParaRPr lang="en-US" sz="1400">
               <a:solidFill>
@@ -5883,7 +5880,7 @@
             <a:fld id="{9DC585DC-AE7D-44C1-90AB-C3A391DEA065}" type="datetime1">
               <a:rPr lang="en-US"/>
               <a:pPr/>
-              <a:t>12/16/2018</a:t>
+              <a:t>12/18/2018</a:t>
             </a:fld>
             <a:endParaRPr lang="en-US" sz="1400">
               <a:solidFill>
@@ -6147,7 +6144,7 @@
             <a:fld id="{256CE565-1940-4E5F-9190-C0815CEAAA9D}" type="datetime1">
               <a:rPr lang="en-US"/>
               <a:pPr/>
-              <a:t>12/16/2018</a:t>
+              <a:t>12/18/2018</a:t>
             </a:fld>
             <a:endParaRPr lang="en-US"/>
           </a:p>
@@ -6720,7 +6717,7 @@
         <p:spPr>
           <a:xfrm>
             <a:off x="1798638" y="2286000"/>
-            <a:ext cx="6583362" cy="2800767"/>
+            <a:ext cx="6583362" cy="2862322"/>
           </a:xfrm>
         </p:spPr>
         <p:txBody>
@@ -6743,7 +6740,7 @@
             </a:br>
             <a:r>
               <a:rPr lang="en-US" sz="2000" dirty="0" smtClean="0"/>
-              <a:t>Feature engineering</a:t>
+              <a:t>Variable transformations</a:t>
             </a:r>
             <a:r>
               <a:rPr lang="en-US" sz="1800" dirty="0" smtClean="0"/>
@@ -7184,6 +7181,13 @@
   <p:clrMapOvr>
     <a:masterClrMapping/>
   </p:clrMapOvr>
+  <p:timing>
+    <p:tnLst>
+      <p:par>
+        <p:cTn id="1" dur="indefinite" restart="never" nodeType="tmRoot"/>
+      </p:par>
+    </p:tnLst>
+  </p:timing>
 </p:sld>
 </file>
 
@@ -7445,6 +7449,13 @@
   <p:clrMapOvr>
     <a:masterClrMapping/>
   </p:clrMapOvr>
+  <p:timing>
+    <p:tnLst>
+      <p:par>
+        <p:cTn id="1" dur="indefinite" restart="never" nodeType="tmRoot"/>
+      </p:par>
+    </p:tnLst>
+  </p:timing>
 </p:sld>
 </file>
 
@@ -8488,6 +8499,13 @@
   <p:clrMapOvr>
     <a:masterClrMapping/>
   </p:clrMapOvr>
+  <p:timing>
+    <p:tnLst>
+      <p:par>
+        <p:cTn id="1" dur="indefinite" restart="never" nodeType="tmRoot"/>
+      </p:par>
+    </p:tnLst>
+  </p:timing>
 </p:sld>
 </file>
 
@@ -8947,14 +8965,7 @@
                 <a:latin typeface="Courier New" panose="02070309020205020404" pitchFamily="49" charset="0"/>
                 <a:cs typeface="Courier New" panose="02070309020205020404" pitchFamily="49" charset="0"/>
               </a:rPr>
-              <a:t> </a:t>
-            </a:r>
-            <a:r>
-              <a:rPr lang="nl-NL" sz="1400" kern="0" dirty="0" smtClean="0">
-                <a:latin typeface="Courier New" panose="02070309020205020404" pitchFamily="49" charset="0"/>
-                <a:cs typeface="Courier New" panose="02070309020205020404" pitchFamily="49" charset="0"/>
-              </a:rPr>
-              <a:t>weeks </a:t>
+              <a:t> weeks </a:t>
             </a:r>
             <a:r>
               <a:rPr lang="nl-NL" sz="1400" kern="0" dirty="0" err="1" smtClean="0">
@@ -8975,14 +8986,7 @@
                 <a:latin typeface="Courier New" panose="02070309020205020404" pitchFamily="49" charset="0"/>
                 <a:cs typeface="Courier New" panose="02070309020205020404" pitchFamily="49" charset="0"/>
               </a:rPr>
-              <a:t>c</a:t>
-            </a:r>
-            <a:r>
-              <a:rPr lang="nl-NL" sz="1400" i="1" kern="0" dirty="0" err="1" smtClean="0">
-                <a:latin typeface="Courier New" panose="02070309020205020404" pitchFamily="49" charset="0"/>
-                <a:cs typeface="Courier New" panose="02070309020205020404" pitchFamily="49" charset="0"/>
-              </a:rPr>
-              <a:t>ookbook</a:t>
+              <a:t>cookbook</a:t>
             </a:r>
             <a:r>
               <a:rPr lang="nl-NL" sz="1400" i="1" kern="0" dirty="0" smtClean="0">
@@ -9475,14 +9479,7 @@
                 <a:latin typeface="Courier New" panose="02070309020205020404" pitchFamily="49" charset="0"/>
                 <a:cs typeface="Courier New" panose="02070309020205020404" pitchFamily="49" charset="0"/>
               </a:rPr>
-              <a:t> </a:t>
-            </a:r>
-            <a:r>
-              <a:rPr lang="nl-NL" sz="1400" kern="0" dirty="0" smtClean="0">
-                <a:latin typeface="Courier New" panose="02070309020205020404" pitchFamily="49" charset="0"/>
-                <a:cs typeface="Courier New" panose="02070309020205020404" pitchFamily="49" charset="0"/>
-              </a:rPr>
-              <a:t>Notebooks </a:t>
+              <a:t> Notebooks </a:t>
             </a:r>
             <a:r>
               <a:rPr lang="nl-NL" sz="1400" kern="0" dirty="0" err="1" smtClean="0">
@@ -9637,14 +9634,7 @@
                 <a:latin typeface="Courier New" panose="02070309020205020404" pitchFamily="49" charset="0"/>
                 <a:cs typeface="Courier New" panose="02070309020205020404" pitchFamily="49" charset="0"/>
               </a:rPr>
-              <a:t> </a:t>
-            </a:r>
-            <a:r>
-              <a:rPr lang="nl-NL" sz="1400" kern="0" dirty="0" smtClean="0">
-                <a:latin typeface="Courier New" panose="02070309020205020404" pitchFamily="49" charset="0"/>
-                <a:cs typeface="Courier New" panose="02070309020205020404" pitchFamily="49" charset="0"/>
-              </a:rPr>
-              <a:t>of </a:t>
+              <a:t> of </a:t>
             </a:r>
             <a:r>
               <a:rPr lang="nl-NL" sz="1400" kern="0" dirty="0" err="1" smtClean="0">
@@ -9835,6 +9825,13 @@
   <p:clrMapOvr>
     <a:masterClrMapping/>
   </p:clrMapOvr>
+  <p:timing>
+    <p:tnLst>
+      <p:par>
+        <p:cTn id="1" dur="indefinite" restart="never" nodeType="tmRoot"/>
+      </p:par>
+    </p:tnLst>
+  </p:timing>
 </p:sld>
 </file>
 
@@ -10009,6 +10006,13 @@
   <p:clrMapOvr>
     <a:masterClrMapping/>
   </p:clrMapOvr>
+  <p:timing>
+    <p:tnLst>
+      <p:par>
+        <p:cTn id="1" dur="indefinite" restart="never" nodeType="tmRoot"/>
+      </p:par>
+    </p:tnLst>
+  </p:timing>
 </p:sld>
 </file>
 
@@ -10132,6 +10136,13 @@
   <p:clrMapOvr>
     <a:masterClrMapping/>
   </p:clrMapOvr>
+  <p:timing>
+    <p:tnLst>
+      <p:par>
+        <p:cTn id="1" dur="indefinite" restart="never" nodeType="tmRoot"/>
+      </p:par>
+    </p:tnLst>
+  </p:timing>
 </p:sld>
 </file>
 
@@ -10902,6 +10913,13 @@
   <p:clrMapOvr>
     <a:masterClrMapping/>
   </p:clrMapOvr>
+  <p:timing>
+    <p:tnLst>
+      <p:par>
+        <p:cTn id="1" dur="indefinite" restart="never" nodeType="tmRoot"/>
+      </p:par>
+    </p:tnLst>
+  </p:timing>
 </p:sld>
 </file>
 
@@ -11090,6 +11108,13 @@
   <p:clrMapOvr>
     <a:masterClrMapping/>
   </p:clrMapOvr>
+  <p:timing>
+    <p:tnLst>
+      <p:par>
+        <p:cTn id="1" dur="indefinite" restart="never" nodeType="tmRoot"/>
+      </p:par>
+    </p:tnLst>
+  </p:timing>
 </p:sld>
 </file>
 
@@ -11291,6 +11316,13 @@
   <p:clrMapOvr>
     <a:masterClrMapping/>
   </p:clrMapOvr>
+  <p:timing>
+    <p:tnLst>
+      <p:par>
+        <p:cTn id="1" dur="indefinite" restart="never" nodeType="tmRoot"/>
+      </p:par>
+    </p:tnLst>
+  </p:timing>
 </p:sld>
 </file>
 
@@ -11614,14 +11646,7 @@
                 <a:latin typeface="Courier New" panose="02070309020205020404" pitchFamily="49" charset="0"/>
                 <a:cs typeface="Courier New" panose="02070309020205020404" pitchFamily="49" charset="0"/>
               </a:rPr>
-              <a:t>Have </a:t>
-            </a:r>
-            <a:r>
-              <a:rPr lang="nl-NL" sz="1600" kern="0" dirty="0" smtClean="0">
-                <a:latin typeface="Courier New" panose="02070309020205020404" pitchFamily="49" charset="0"/>
-                <a:cs typeface="Courier New" panose="02070309020205020404" pitchFamily="49" charset="0"/>
-              </a:rPr>
-              <a:t>a look at the </a:t>
+              <a:t>Have a look at the </a:t>
             </a:r>
             <a:r>
               <a:rPr lang="nl-NL" sz="1600" kern="0" dirty="0" err="1" smtClean="0">
@@ -12699,6 +12724,13 @@
   <p:clrMapOvr>
     <a:masterClrMapping/>
   </p:clrMapOvr>
+  <p:timing>
+    <p:tnLst>
+      <p:par>
+        <p:cTn id="1" dur="indefinite" restart="never" nodeType="tmRoot"/>
+      </p:par>
+    </p:tnLst>
+  </p:timing>
 </p:sld>
 </file>
 
@@ -13042,6 +13074,13 @@
   <p:clrMapOvr>
     <a:masterClrMapping/>
   </p:clrMapOvr>
+  <p:timing>
+    <p:tnLst>
+      <p:par>
+        <p:cTn id="1" dur="indefinite" restart="never" nodeType="tmRoot"/>
+      </p:par>
+    </p:tnLst>
+  </p:timing>
 </p:sld>
 </file>
 
@@ -13878,3446 +13917,17 @@
   <p:clrMapOvr>
     <a:masterClrMapping/>
   </p:clrMapOvr>
+  <p:timing>
+    <p:tnLst>
+      <p:par>
+        <p:cTn id="1" dur="indefinite" restart="never" nodeType="tmRoot"/>
+      </p:par>
+    </p:tnLst>
+  </p:timing>
 </p:sld>
 </file>
 
 <file path=ppt/slides/slide24.xml><?xml version="1.0" encoding="utf-8"?>
-<p:sld xmlns:a="http://schemas.openxmlformats.org/drawingml/2006/main" xmlns:r="http://schemas.openxmlformats.org/officeDocument/2006/relationships" xmlns:p="http://schemas.openxmlformats.org/presentationml/2006/main">
-  <p:cSld>
-    <p:spTree>
-      <p:nvGrpSpPr>
-        <p:cNvPr id="1" name=""/>
-        <p:cNvGrpSpPr/>
-        <p:nvPr/>
-      </p:nvGrpSpPr>
-      <p:grpSpPr>
-        <a:xfrm>
-          <a:off x="0" y="0"/>
-          <a:ext cx="0" cy="0"/>
-          <a:chOff x="0" y="0"/>
-          <a:chExt cx="0" cy="0"/>
-        </a:xfrm>
-      </p:grpSpPr>
-      <p:sp>
-        <p:nvSpPr>
-          <p:cNvPr id="2" name="Titel 1"/>
-          <p:cNvSpPr>
-            <a:spLocks noGrp="1"/>
-          </p:cNvSpPr>
-          <p:nvPr>
-            <p:ph type="title"/>
-          </p:nvPr>
-        </p:nvSpPr>
-        <p:spPr/>
-        <p:txBody>
-          <a:bodyPr/>
-          <a:lstStyle/>
-          <a:p>
-            <a:r>
-              <a:rPr lang="nl-NL" dirty="0" err="1" smtClean="0"/>
-              <a:t>Normalization</a:t>
-            </a:r>
-            <a:endParaRPr lang="nl-NL" dirty="0"/>
-          </a:p>
-        </p:txBody>
-      </p:sp>
-      <mc:AlternateContent xmlns:mc="http://schemas.openxmlformats.org/markup-compatibility/2006" xmlns:a14="http://schemas.microsoft.com/office/drawing/2010/main">
-        <mc:Choice Requires="a14">
-          <p:sp>
-            <p:nvSpPr>
-              <p:cNvPr id="3" name="Tijdelijke aanduiding voor inhoud 2"/>
-              <p:cNvSpPr>
-                <a:spLocks noGrp="1"/>
-              </p:cNvSpPr>
-              <p:nvPr>
-                <p:ph idx="1"/>
-              </p:nvPr>
-            </p:nvSpPr>
-            <p:spPr>
-              <a:xfrm>
-                <a:off x="1323237" y="1491160"/>
-                <a:ext cx="6546304" cy="3267626"/>
-              </a:xfrm>
-            </p:spPr>
-            <p:txBody>
-              <a:bodyPr/>
-              <a:lstStyle/>
-              <a:p>
-                <a:r>
-                  <a:rPr lang="nl-NL" sz="1800" dirty="0" smtClean="0"/>
-                  <a:t>By </a:t>
-                </a:r>
-                <a:r>
-                  <a:rPr lang="nl-NL" sz="1800" dirty="0" err="1" smtClean="0"/>
-                  <a:t>subtracting</a:t>
-                </a:r>
-                <a:r>
-                  <a:rPr lang="nl-NL" sz="1800" dirty="0" smtClean="0"/>
-                  <a:t> the mean </a:t>
-                </a:r>
-                <a:r>
-                  <a:rPr lang="nl-NL" sz="1800" dirty="0" err="1" smtClean="0"/>
-                  <a:t>and</a:t>
-                </a:r>
-                <a:r>
-                  <a:rPr lang="nl-NL" sz="1800" dirty="0" smtClean="0"/>
-                  <a:t> </a:t>
-                </a:r>
-                <a:r>
-                  <a:rPr lang="nl-NL" sz="1800" dirty="0" err="1" smtClean="0"/>
-                  <a:t>dividing</a:t>
-                </a:r>
-                <a:r>
-                  <a:rPr lang="nl-NL" sz="1800" dirty="0" smtClean="0"/>
-                  <a:t> </a:t>
-                </a:r>
-                <a:r>
-                  <a:rPr lang="nl-NL" sz="1800" dirty="0" err="1" smtClean="0"/>
-                  <a:t>by</a:t>
-                </a:r>
-                <a:r>
-                  <a:rPr lang="nl-NL" sz="1800" dirty="0" smtClean="0"/>
-                  <a:t> the standard </a:t>
-                </a:r>
-                <a:r>
-                  <a:rPr lang="nl-NL" sz="1800" dirty="0" err="1" smtClean="0"/>
-                  <a:t>deviation</a:t>
-                </a:r>
-                <a:r>
-                  <a:rPr lang="nl-NL" sz="1800" dirty="0" smtClean="0"/>
-                  <a:t>, we put </a:t>
-                </a:r>
-                <a:r>
-                  <a:rPr lang="nl-NL" sz="1800" dirty="0" err="1" smtClean="0"/>
-                  <a:t>everything</a:t>
-                </a:r>
-                <a:r>
-                  <a:rPr lang="nl-NL" sz="1800" dirty="0" smtClean="0"/>
-                  <a:t> on the </a:t>
-                </a:r>
-                <a:r>
-                  <a:rPr lang="nl-NL" sz="1800" dirty="0" err="1" smtClean="0"/>
-                  <a:t>same</a:t>
-                </a:r>
-                <a:r>
-                  <a:rPr lang="nl-NL" sz="1800" dirty="0" smtClean="0"/>
-                  <a:t> </a:t>
-                </a:r>
-                <a:r>
-                  <a:rPr lang="nl-NL" sz="1800" dirty="0" err="1" smtClean="0"/>
-                  <a:t>scale</a:t>
-                </a:r>
-                <a:endParaRPr lang="nl-NL" sz="1800" dirty="0" smtClean="0"/>
-              </a:p>
-              <a:p>
-                <a:pPr marL="0" indent="0">
-                  <a:buNone/>
-                </a:pPr>
-                <a:endParaRPr lang="nl-NL" sz="1800" dirty="0" smtClean="0"/>
-              </a:p>
-              <a:p>
-                <a:r>
-                  <a:rPr lang="nl-NL" sz="1800" dirty="0" smtClean="0"/>
-                  <a:t>This is </a:t>
-                </a:r>
-                <a:r>
-                  <a:rPr lang="nl-NL" sz="1800" dirty="0" err="1" smtClean="0"/>
-                  <a:t>done</a:t>
-                </a:r>
-                <a:r>
-                  <a:rPr lang="nl-NL" sz="1800" dirty="0" smtClean="0"/>
-                  <a:t> </a:t>
-                </a:r>
-                <a:r>
-                  <a:rPr lang="nl-NL" sz="1800" dirty="0" err="1" smtClean="0"/>
-                  <a:t>all</a:t>
-                </a:r>
-                <a:r>
-                  <a:rPr lang="nl-NL" sz="1800" dirty="0" smtClean="0"/>
-                  <a:t> the time in machine </a:t>
-                </a:r>
-                <a:r>
-                  <a:rPr lang="nl-NL" sz="1800" dirty="0" err="1" smtClean="0"/>
-                  <a:t>learning</a:t>
-                </a:r>
-                <a:r>
-                  <a:rPr lang="nl-NL" sz="1800" dirty="0" smtClean="0"/>
-                  <a:t> </a:t>
-                </a:r>
-                <a:r>
-                  <a:rPr lang="nl-NL" sz="1800" dirty="0" err="1" smtClean="0"/>
-                  <a:t>to</a:t>
-                </a:r>
-                <a:r>
-                  <a:rPr lang="nl-NL" sz="1800" dirty="0" smtClean="0"/>
-                  <a:t> make variables </a:t>
-                </a:r>
-                <a:r>
-                  <a:rPr lang="nl-NL" sz="1800" dirty="0" err="1" smtClean="0"/>
-                  <a:t>comparable</a:t>
-                </a:r>
-                <a:endParaRPr lang="nl-NL" sz="1800" dirty="0" smtClean="0"/>
-              </a:p>
-              <a:p>
-                <a:pPr marL="0" indent="0">
-                  <a:buNone/>
-                </a:pPr>
-                <a:endParaRPr lang="nl-NL" sz="1800" dirty="0" smtClean="0"/>
-              </a:p>
-              <a:p>
-                <a:pPr marL="0" indent="0">
-                  <a:buNone/>
-                </a:pPr>
-                <a14:m>
-                  <m:oMathPara xmlns:m="http://schemas.openxmlformats.org/officeDocument/2006/math">
-                    <m:oMathParaPr>
-                      <m:jc m:val="centerGroup"/>
-                    </m:oMathParaPr>
-                    <m:oMath xmlns:m="http://schemas.openxmlformats.org/officeDocument/2006/math">
-                      <m:sSub>
-                        <m:sSubPr>
-                          <m:ctrlPr>
-                            <a:rPr lang="nl-NL" sz="2400" i="1" smtClean="0">
-                              <a:latin typeface="Cambria Math" panose="02040503050406030204" pitchFamily="18" charset="0"/>
-                            </a:rPr>
-                          </m:ctrlPr>
-                        </m:sSubPr>
-                        <m:e>
-                          <m:r>
-                            <a:rPr lang="nl-NL" sz="2400" b="0" i="1" smtClean="0">
-                              <a:latin typeface="Cambria Math" panose="02040503050406030204" pitchFamily="18" charset="0"/>
-                            </a:rPr>
-                            <m:t>𝑥</m:t>
-                          </m:r>
-                        </m:e>
-                        <m:sub>
-                          <m:r>
-                            <a:rPr lang="nl-NL" sz="2400" b="0" i="1" smtClean="0">
-                              <a:latin typeface="Cambria Math" panose="02040503050406030204" pitchFamily="18" charset="0"/>
-                            </a:rPr>
-                            <m:t>𝑛𝑜𝑟𝑚𝑎𝑙𝑖𝑧𝑒𝑑</m:t>
-                          </m:r>
-                        </m:sub>
-                      </m:sSub>
-                      <m:r>
-                        <a:rPr lang="nl-NL" sz="2400" b="0" i="1" smtClean="0">
-                          <a:latin typeface="Cambria Math" panose="02040503050406030204" pitchFamily="18" charset="0"/>
-                        </a:rPr>
-                        <m:t>= </m:t>
-                      </m:r>
-                      <m:f>
-                        <m:fPr>
-                          <m:ctrlPr>
-                            <a:rPr lang="nl-NL" sz="2400" b="0" i="1" smtClean="0">
-                              <a:latin typeface="Cambria Math" panose="02040503050406030204" pitchFamily="18" charset="0"/>
-                            </a:rPr>
-                          </m:ctrlPr>
-                        </m:fPr>
-                        <m:num>
-                          <m:r>
-                            <a:rPr lang="nl-NL" sz="2400" b="0" i="1" smtClean="0">
-                              <a:latin typeface="Cambria Math" panose="02040503050406030204" pitchFamily="18" charset="0"/>
-                            </a:rPr>
-                            <m:t>𝑥</m:t>
-                          </m:r>
-                          <m:r>
-                            <a:rPr lang="nl-NL" sz="2400" b="0" i="1" smtClean="0">
-                              <a:latin typeface="Cambria Math" panose="02040503050406030204" pitchFamily="18" charset="0"/>
-                            </a:rPr>
-                            <m:t> −</m:t>
-                          </m:r>
-                          <m:acc>
-                            <m:accPr>
-                              <m:chr m:val="̅"/>
-                              <m:ctrlPr>
-                                <a:rPr lang="nl-NL" sz="2400" b="0" i="1" smtClean="0">
-                                  <a:latin typeface="Cambria Math" panose="02040503050406030204" pitchFamily="18" charset="0"/>
-                                </a:rPr>
-                              </m:ctrlPr>
-                            </m:accPr>
-                            <m:e>
-                              <m:r>
-                                <a:rPr lang="nl-NL" sz="2400" b="0" i="1" smtClean="0">
-                                  <a:latin typeface="Cambria Math" panose="02040503050406030204" pitchFamily="18" charset="0"/>
-                                </a:rPr>
-                                <m:t>𝑥</m:t>
-                              </m:r>
-                            </m:e>
-                          </m:acc>
-                        </m:num>
-                        <m:den>
-                          <m:r>
-                            <a:rPr lang="nl-NL" sz="2400" b="0" i="1" smtClean="0">
-                              <a:latin typeface="Cambria Math" panose="02040503050406030204" pitchFamily="18" charset="0"/>
-                            </a:rPr>
-                            <m:t>𝑠</m:t>
-                          </m:r>
-                        </m:den>
-                      </m:f>
-                    </m:oMath>
-                  </m:oMathPara>
-                </a14:m>
-                <a:endParaRPr lang="nl-NL" sz="1800" dirty="0" smtClean="0"/>
-              </a:p>
-              <a:p>
-                <a:pPr marL="0" indent="0">
-                  <a:buNone/>
-                </a:pPr>
-                <a:endParaRPr lang="nl-NL" sz="1800" dirty="0"/>
-              </a:p>
-              <a:p>
-                <a:pPr marL="0" indent="0">
-                  <a:buNone/>
-                </a:pPr>
-                <a:endParaRPr lang="nl-NL" sz="1800" dirty="0"/>
-              </a:p>
-            </p:txBody>
-          </p:sp>
-        </mc:Choice>
-        <mc:Fallback xmlns="">
-          <p:sp>
-            <p:nvSpPr>
-              <p:cNvPr id="3" name="Tijdelijke aanduiding voor inhoud 2"/>
-              <p:cNvSpPr>
-                <a:spLocks noGrp="1" noRot="1" noChangeAspect="1" noMove="1" noResize="1" noEditPoints="1" noAdjustHandles="1" noChangeArrowheads="1" noChangeShapeType="1" noTextEdit="1"/>
-              </p:cNvSpPr>
-              <p:nvPr>
-                <p:ph idx="1"/>
-              </p:nvPr>
-            </p:nvSpPr>
-            <p:spPr>
-              <a:xfrm>
-                <a:off x="1323237" y="1491160"/>
-                <a:ext cx="6546304" cy="3267626"/>
-              </a:xfrm>
-              <a:blipFill>
-                <a:blip r:embed="rId2"/>
-                <a:stretch>
-                  <a:fillRect t="-1119"/>
-                </a:stretch>
-              </a:blipFill>
-            </p:spPr>
-            <p:txBody>
-              <a:bodyPr/>
-              <a:lstStyle/>
-              <a:p>
-                <a:r>
-                  <a:rPr lang="nl-NL">
-                    <a:noFill/>
-                  </a:rPr>
-                  <a:t> </a:t>
-                </a:r>
-              </a:p>
-            </p:txBody>
-          </p:sp>
-        </mc:Fallback>
-      </mc:AlternateContent>
-      <p:graphicFrame>
-        <p:nvGraphicFramePr>
-          <p:cNvPr id="5" name="Tabel 4"/>
-          <p:cNvGraphicFramePr>
-            <a:graphicFrameLocks noGrp="1"/>
-          </p:cNvGraphicFramePr>
-          <p:nvPr>
-            <p:extLst>
-              <p:ext uri="{D42A27DB-BD31-4B8C-83A1-F6EECF244321}">
-                <p14:modId xmlns:p14="http://schemas.microsoft.com/office/powerpoint/2010/main" val="2174944986"/>
-              </p:ext>
-            </p:extLst>
-          </p:nvPr>
-        </p:nvGraphicFramePr>
-        <p:xfrm>
-          <a:off x="763028" y="4941168"/>
-          <a:ext cx="3672408" cy="1178124"/>
-        </p:xfrm>
-        <a:graphic>
-          <a:graphicData uri="http://schemas.openxmlformats.org/drawingml/2006/table">
-            <a:tbl>
-              <a:tblPr firstRow="1" bandRow="1">
-                <a:tableStyleId>{5C22544A-7EE6-4342-B048-85BDC9FD1C3A}</a:tableStyleId>
-              </a:tblPr>
-              <a:tblGrid>
-                <a:gridCol w="1224136">
-                  <a:extLst>
-                    <a:ext uri="{9D8B030D-6E8A-4147-A177-3AD203B41FA5}">
-                      <a16:colId xmlns:a16="http://schemas.microsoft.com/office/drawing/2014/main" val="26041744"/>
-                    </a:ext>
-                  </a:extLst>
-                </a:gridCol>
-                <a:gridCol w="1224136">
-                  <a:extLst>
-                    <a:ext uri="{9D8B030D-6E8A-4147-A177-3AD203B41FA5}">
-                      <a16:colId xmlns:a16="http://schemas.microsoft.com/office/drawing/2014/main" val="2902479022"/>
-                    </a:ext>
-                  </a:extLst>
-                </a:gridCol>
-                <a:gridCol w="1224136">
-                  <a:extLst>
-                    <a:ext uri="{9D8B030D-6E8A-4147-A177-3AD203B41FA5}">
-                      <a16:colId xmlns:a16="http://schemas.microsoft.com/office/drawing/2014/main" val="3268538225"/>
-                    </a:ext>
-                  </a:extLst>
-                </a:gridCol>
-              </a:tblGrid>
-              <a:tr h="392708">
-                <a:tc>
-                  <a:txBody>
-                    <a:bodyPr/>
-                    <a:lstStyle/>
-                    <a:p>
-                      <a:pPr algn="r"/>
-                      <a:r>
-                        <a:rPr lang="nl-NL" dirty="0" smtClean="0"/>
-                        <a:t>20</a:t>
-                      </a:r>
-                      <a:endParaRPr lang="nl-NL" dirty="0"/>
-                    </a:p>
-                  </a:txBody>
-                  <a:tcPr/>
-                </a:tc>
-                <a:tc>
-                  <a:txBody>
-                    <a:bodyPr/>
-                    <a:lstStyle/>
-                    <a:p>
-                      <a:pPr algn="r"/>
-                      <a:r>
-                        <a:rPr lang="nl-NL" dirty="0" smtClean="0"/>
-                        <a:t>10</a:t>
-                      </a:r>
-                      <a:endParaRPr lang="nl-NL" dirty="0"/>
-                    </a:p>
-                  </a:txBody>
-                  <a:tcPr/>
-                </a:tc>
-                <a:tc>
-                  <a:txBody>
-                    <a:bodyPr/>
-                    <a:lstStyle/>
-                    <a:p>
-                      <a:pPr algn="r"/>
-                      <a:r>
-                        <a:rPr lang="nl-NL" dirty="0" smtClean="0"/>
-                        <a:t>30</a:t>
-                      </a:r>
-                      <a:endParaRPr lang="nl-NL" dirty="0"/>
-                    </a:p>
-                  </a:txBody>
-                  <a:tcPr/>
-                </a:tc>
-                <a:extLst>
-                  <a:ext uri="{0D108BD9-81ED-4DB2-BD59-A6C34878D82A}">
-                    <a16:rowId xmlns:a16="http://schemas.microsoft.com/office/drawing/2014/main" val="3305753543"/>
-                  </a:ext>
-                </a:extLst>
-              </a:tr>
-              <a:tr h="392708">
-                <a:tc>
-                  <a:txBody>
-                    <a:bodyPr/>
-                    <a:lstStyle/>
-                    <a:p>
-                      <a:pPr algn="r"/>
-                      <a:r>
-                        <a:rPr lang="nl-NL" dirty="0" smtClean="0"/>
-                        <a:t>0</a:t>
-                      </a:r>
-                      <a:endParaRPr lang="nl-NL" dirty="0"/>
-                    </a:p>
-                  </a:txBody>
-                  <a:tcPr/>
-                </a:tc>
-                <a:tc>
-                  <a:txBody>
-                    <a:bodyPr/>
-                    <a:lstStyle/>
-                    <a:p>
-                      <a:pPr algn="r"/>
-                      <a:r>
-                        <a:rPr lang="nl-NL" dirty="0" smtClean="0"/>
-                        <a:t>-10</a:t>
-                      </a:r>
-                      <a:endParaRPr lang="nl-NL" dirty="0"/>
-                    </a:p>
-                  </a:txBody>
-                  <a:tcPr/>
-                </a:tc>
-                <a:tc>
-                  <a:txBody>
-                    <a:bodyPr/>
-                    <a:lstStyle/>
-                    <a:p>
-                      <a:pPr algn="r"/>
-                      <a:r>
-                        <a:rPr lang="nl-NL" dirty="0" smtClean="0"/>
-                        <a:t>10</a:t>
-                      </a:r>
-                      <a:endParaRPr lang="nl-NL" dirty="0"/>
-                    </a:p>
-                  </a:txBody>
-                  <a:tcPr/>
-                </a:tc>
-                <a:extLst>
-                  <a:ext uri="{0D108BD9-81ED-4DB2-BD59-A6C34878D82A}">
-                    <a16:rowId xmlns:a16="http://schemas.microsoft.com/office/drawing/2014/main" val="2835981045"/>
-                  </a:ext>
-                </a:extLst>
-              </a:tr>
-              <a:tr h="392708">
-                <a:tc>
-                  <a:txBody>
-                    <a:bodyPr/>
-                    <a:lstStyle/>
-                    <a:p>
-                      <a:pPr algn="r"/>
-                      <a:r>
-                        <a:rPr lang="nl-NL" dirty="0" smtClean="0"/>
-                        <a:t>0</a:t>
-                      </a:r>
-                      <a:endParaRPr lang="nl-NL" dirty="0"/>
-                    </a:p>
-                  </a:txBody>
-                  <a:tcPr/>
-                </a:tc>
-                <a:tc>
-                  <a:txBody>
-                    <a:bodyPr/>
-                    <a:lstStyle/>
-                    <a:p>
-                      <a:pPr algn="r"/>
-                      <a:r>
-                        <a:rPr lang="nl-NL" dirty="0" smtClean="0"/>
-                        <a:t>-1.2</a:t>
-                      </a:r>
-                      <a:endParaRPr lang="nl-NL" dirty="0"/>
-                    </a:p>
-                  </a:txBody>
-                  <a:tcPr/>
-                </a:tc>
-                <a:tc>
-                  <a:txBody>
-                    <a:bodyPr/>
-                    <a:lstStyle/>
-                    <a:p>
-                      <a:pPr algn="r"/>
-                      <a:r>
-                        <a:rPr lang="nl-NL" dirty="0" smtClean="0"/>
-                        <a:t>1.2</a:t>
-                      </a:r>
-                      <a:endParaRPr lang="nl-NL" dirty="0"/>
-                    </a:p>
-                  </a:txBody>
-                  <a:tcPr/>
-                </a:tc>
-                <a:extLst>
-                  <a:ext uri="{0D108BD9-81ED-4DB2-BD59-A6C34878D82A}">
-                    <a16:rowId xmlns:a16="http://schemas.microsoft.com/office/drawing/2014/main" val="1156060425"/>
-                  </a:ext>
-                </a:extLst>
-              </a:tr>
-            </a:tbl>
-          </a:graphicData>
-        </a:graphic>
-      </p:graphicFrame>
-      <p:graphicFrame>
-        <p:nvGraphicFramePr>
-          <p:cNvPr id="6" name="Tabel 5"/>
-          <p:cNvGraphicFramePr>
-            <a:graphicFrameLocks noGrp="1"/>
-          </p:cNvGraphicFramePr>
-          <p:nvPr>
-            <p:extLst>
-              <p:ext uri="{D42A27DB-BD31-4B8C-83A1-F6EECF244321}">
-                <p14:modId xmlns:p14="http://schemas.microsoft.com/office/powerpoint/2010/main" val="1102766580"/>
-              </p:ext>
-            </p:extLst>
-          </p:nvPr>
-        </p:nvGraphicFramePr>
-        <p:xfrm>
-          <a:off x="5174196" y="4941168"/>
-          <a:ext cx="3672408" cy="1178124"/>
-        </p:xfrm>
-        <a:graphic>
-          <a:graphicData uri="http://schemas.openxmlformats.org/drawingml/2006/table">
-            <a:tbl>
-              <a:tblPr firstRow="1" bandRow="1">
-                <a:tableStyleId>{5C22544A-7EE6-4342-B048-85BDC9FD1C3A}</a:tableStyleId>
-              </a:tblPr>
-              <a:tblGrid>
-                <a:gridCol w="1224136">
-                  <a:extLst>
-                    <a:ext uri="{9D8B030D-6E8A-4147-A177-3AD203B41FA5}">
-                      <a16:colId xmlns:a16="http://schemas.microsoft.com/office/drawing/2014/main" val="26041744"/>
-                    </a:ext>
-                  </a:extLst>
-                </a:gridCol>
-                <a:gridCol w="1224136">
-                  <a:extLst>
-                    <a:ext uri="{9D8B030D-6E8A-4147-A177-3AD203B41FA5}">
-                      <a16:colId xmlns:a16="http://schemas.microsoft.com/office/drawing/2014/main" val="2902479022"/>
-                    </a:ext>
-                  </a:extLst>
-                </a:gridCol>
-                <a:gridCol w="1224136">
-                  <a:extLst>
-                    <a:ext uri="{9D8B030D-6E8A-4147-A177-3AD203B41FA5}">
-                      <a16:colId xmlns:a16="http://schemas.microsoft.com/office/drawing/2014/main" val="3268538225"/>
-                    </a:ext>
-                  </a:extLst>
-                </a:gridCol>
-              </a:tblGrid>
-              <a:tr h="392708">
-                <a:tc>
-                  <a:txBody>
-                    <a:bodyPr/>
-                    <a:lstStyle/>
-                    <a:p>
-                      <a:pPr algn="r"/>
-                      <a:r>
-                        <a:rPr lang="nl-NL" dirty="0" smtClean="0"/>
-                        <a:t>2</a:t>
-                      </a:r>
-                      <a:endParaRPr lang="nl-NL" dirty="0"/>
-                    </a:p>
-                  </a:txBody>
-                  <a:tcPr/>
-                </a:tc>
-                <a:tc>
-                  <a:txBody>
-                    <a:bodyPr/>
-                    <a:lstStyle/>
-                    <a:p>
-                      <a:pPr algn="r"/>
-                      <a:r>
-                        <a:rPr lang="nl-NL" dirty="0" smtClean="0"/>
-                        <a:t>1</a:t>
-                      </a:r>
-                      <a:endParaRPr lang="nl-NL" dirty="0"/>
-                    </a:p>
-                  </a:txBody>
-                  <a:tcPr/>
-                </a:tc>
-                <a:tc>
-                  <a:txBody>
-                    <a:bodyPr/>
-                    <a:lstStyle/>
-                    <a:p>
-                      <a:pPr algn="r"/>
-                      <a:r>
-                        <a:rPr lang="nl-NL" dirty="0" smtClean="0"/>
-                        <a:t>3</a:t>
-                      </a:r>
-                      <a:endParaRPr lang="nl-NL" dirty="0"/>
-                    </a:p>
-                  </a:txBody>
-                  <a:tcPr/>
-                </a:tc>
-                <a:extLst>
-                  <a:ext uri="{0D108BD9-81ED-4DB2-BD59-A6C34878D82A}">
-                    <a16:rowId xmlns:a16="http://schemas.microsoft.com/office/drawing/2014/main" val="3305753543"/>
-                  </a:ext>
-                </a:extLst>
-              </a:tr>
-              <a:tr h="392708">
-                <a:tc>
-                  <a:txBody>
-                    <a:bodyPr/>
-                    <a:lstStyle/>
-                    <a:p>
-                      <a:pPr algn="r"/>
-                      <a:r>
-                        <a:rPr lang="nl-NL" dirty="0" smtClean="0"/>
-                        <a:t>0</a:t>
-                      </a:r>
-                      <a:endParaRPr lang="nl-NL" dirty="0"/>
-                    </a:p>
-                  </a:txBody>
-                  <a:tcPr/>
-                </a:tc>
-                <a:tc>
-                  <a:txBody>
-                    <a:bodyPr/>
-                    <a:lstStyle/>
-                    <a:p>
-                      <a:pPr algn="r"/>
-                      <a:r>
-                        <a:rPr lang="nl-NL" dirty="0" smtClean="0"/>
-                        <a:t>-1</a:t>
-                      </a:r>
-                      <a:endParaRPr lang="nl-NL" dirty="0"/>
-                    </a:p>
-                  </a:txBody>
-                  <a:tcPr/>
-                </a:tc>
-                <a:tc>
-                  <a:txBody>
-                    <a:bodyPr/>
-                    <a:lstStyle/>
-                    <a:p>
-                      <a:pPr algn="r"/>
-                      <a:r>
-                        <a:rPr lang="nl-NL" dirty="0" smtClean="0"/>
-                        <a:t>1</a:t>
-                      </a:r>
-                      <a:endParaRPr lang="nl-NL" dirty="0"/>
-                    </a:p>
-                  </a:txBody>
-                  <a:tcPr/>
-                </a:tc>
-                <a:extLst>
-                  <a:ext uri="{0D108BD9-81ED-4DB2-BD59-A6C34878D82A}">
-                    <a16:rowId xmlns:a16="http://schemas.microsoft.com/office/drawing/2014/main" val="2835981045"/>
-                  </a:ext>
-                </a:extLst>
-              </a:tr>
-              <a:tr h="392708">
-                <a:tc>
-                  <a:txBody>
-                    <a:bodyPr/>
-                    <a:lstStyle/>
-                    <a:p>
-                      <a:pPr algn="r"/>
-                      <a:r>
-                        <a:rPr lang="nl-NL" dirty="0" smtClean="0"/>
-                        <a:t>0</a:t>
-                      </a:r>
-                      <a:endParaRPr lang="nl-NL" dirty="0"/>
-                    </a:p>
-                  </a:txBody>
-                  <a:tcPr/>
-                </a:tc>
-                <a:tc>
-                  <a:txBody>
-                    <a:bodyPr/>
-                    <a:lstStyle/>
-                    <a:p>
-                      <a:pPr algn="r"/>
-                      <a:r>
-                        <a:rPr lang="nl-NL" dirty="0" smtClean="0"/>
-                        <a:t>-1.2</a:t>
-                      </a:r>
-                      <a:endParaRPr lang="nl-NL" dirty="0"/>
-                    </a:p>
-                  </a:txBody>
-                  <a:tcPr/>
-                </a:tc>
-                <a:tc>
-                  <a:txBody>
-                    <a:bodyPr/>
-                    <a:lstStyle/>
-                    <a:p>
-                      <a:pPr algn="r"/>
-                      <a:r>
-                        <a:rPr lang="nl-NL" dirty="0" smtClean="0"/>
-                        <a:t>1.2</a:t>
-                      </a:r>
-                      <a:endParaRPr lang="nl-NL" dirty="0"/>
-                    </a:p>
-                  </a:txBody>
-                  <a:tcPr/>
-                </a:tc>
-                <a:extLst>
-                  <a:ext uri="{0D108BD9-81ED-4DB2-BD59-A6C34878D82A}">
-                    <a16:rowId xmlns:a16="http://schemas.microsoft.com/office/drawing/2014/main" val="1156060425"/>
-                  </a:ext>
-                </a:extLst>
-              </a:tr>
-            </a:tbl>
-          </a:graphicData>
-        </a:graphic>
-      </p:graphicFrame>
-      <p:sp>
-        <p:nvSpPr>
-          <p:cNvPr id="7" name="Tekstvak 6"/>
-          <p:cNvSpPr txBox="1"/>
-          <p:nvPr/>
-        </p:nvSpPr>
-        <p:spPr>
-          <a:xfrm>
-            <a:off x="853088" y="4293096"/>
-            <a:ext cx="2098651" cy="523220"/>
-          </a:xfrm>
-          <a:prstGeom prst="rect">
-            <a:avLst/>
-          </a:prstGeom>
-          <a:noFill/>
-        </p:spPr>
-        <p:txBody>
-          <a:bodyPr wrap="none" rtlCol="0">
-            <a:spAutoFit/>
-          </a:bodyPr>
-          <a:lstStyle/>
-          <a:p>
-            <a:r>
-              <a:rPr lang="nl-NL" dirty="0"/>
-              <a:t>m</a:t>
-            </a:r>
-            <a:r>
-              <a:rPr lang="nl-NL" dirty="0" smtClean="0"/>
-              <a:t>ean = 20</a:t>
-            </a:r>
-          </a:p>
-          <a:p>
-            <a:r>
-              <a:rPr lang="nl-NL" dirty="0" smtClean="0"/>
-              <a:t>standard </a:t>
-            </a:r>
-            <a:r>
-              <a:rPr lang="nl-NL" dirty="0" err="1" smtClean="0"/>
-              <a:t>deviation</a:t>
-            </a:r>
-            <a:r>
-              <a:rPr lang="nl-NL" dirty="0" smtClean="0"/>
-              <a:t> = 8.2</a:t>
-            </a:r>
-            <a:endParaRPr lang="nl-NL" dirty="0"/>
-          </a:p>
-        </p:txBody>
-      </p:sp>
-      <p:sp>
-        <p:nvSpPr>
-          <p:cNvPr id="8" name="Tekstvak 7"/>
-          <p:cNvSpPr txBox="1"/>
-          <p:nvPr/>
-        </p:nvSpPr>
-        <p:spPr>
-          <a:xfrm>
-            <a:off x="5138788" y="4293096"/>
-            <a:ext cx="2198038" cy="523220"/>
-          </a:xfrm>
-          <a:prstGeom prst="rect">
-            <a:avLst/>
-          </a:prstGeom>
-          <a:noFill/>
-        </p:spPr>
-        <p:txBody>
-          <a:bodyPr wrap="none" rtlCol="0">
-            <a:spAutoFit/>
-          </a:bodyPr>
-          <a:lstStyle/>
-          <a:p>
-            <a:r>
-              <a:rPr lang="nl-NL" dirty="0"/>
-              <a:t>m</a:t>
-            </a:r>
-            <a:r>
-              <a:rPr lang="nl-NL" dirty="0" smtClean="0"/>
-              <a:t>ean = 2</a:t>
-            </a:r>
-          </a:p>
-          <a:p>
-            <a:r>
-              <a:rPr lang="nl-NL" dirty="0" smtClean="0"/>
-              <a:t>standard </a:t>
-            </a:r>
-            <a:r>
-              <a:rPr lang="nl-NL" dirty="0" err="1" smtClean="0"/>
-              <a:t>deviation</a:t>
-            </a:r>
-            <a:r>
-              <a:rPr lang="nl-NL" dirty="0" smtClean="0"/>
-              <a:t> = 0.82</a:t>
-            </a:r>
-            <a:endParaRPr lang="nl-NL" dirty="0"/>
-          </a:p>
-        </p:txBody>
-      </p:sp>
-      <p:sp>
-        <p:nvSpPr>
-          <p:cNvPr id="9" name="Tekstvak 8"/>
-          <p:cNvSpPr txBox="1"/>
-          <p:nvPr/>
-        </p:nvSpPr>
-        <p:spPr>
-          <a:xfrm>
-            <a:off x="310046" y="5373216"/>
-            <a:ext cx="442750" cy="523220"/>
-          </a:xfrm>
-          <a:prstGeom prst="rect">
-            <a:avLst/>
-          </a:prstGeom>
-          <a:noFill/>
-        </p:spPr>
-        <p:txBody>
-          <a:bodyPr wrap="none" rtlCol="0">
-            <a:spAutoFit/>
-          </a:bodyPr>
-          <a:lstStyle/>
-          <a:p>
-            <a:r>
-              <a:rPr lang="nl-NL" dirty="0" smtClean="0"/>
-              <a:t>-20</a:t>
-            </a:r>
-          </a:p>
-          <a:p>
-            <a:endParaRPr lang="nl-NL" dirty="0"/>
-          </a:p>
-        </p:txBody>
-      </p:sp>
-      <p:sp>
-        <p:nvSpPr>
-          <p:cNvPr id="10" name="Tekstvak 9"/>
-          <p:cNvSpPr txBox="1"/>
-          <p:nvPr/>
-        </p:nvSpPr>
-        <p:spPr>
-          <a:xfrm>
-            <a:off x="4809112" y="5373216"/>
-            <a:ext cx="343364" cy="523220"/>
-          </a:xfrm>
-          <a:prstGeom prst="rect">
-            <a:avLst/>
-          </a:prstGeom>
-          <a:noFill/>
-        </p:spPr>
-        <p:txBody>
-          <a:bodyPr wrap="none" rtlCol="0">
-            <a:spAutoFit/>
-          </a:bodyPr>
-          <a:lstStyle/>
-          <a:p>
-            <a:r>
-              <a:rPr lang="nl-NL" dirty="0" smtClean="0"/>
-              <a:t>-2</a:t>
-            </a:r>
-          </a:p>
-          <a:p>
-            <a:endParaRPr lang="nl-NL" dirty="0"/>
-          </a:p>
-        </p:txBody>
-      </p:sp>
-      <p:sp>
-        <p:nvSpPr>
-          <p:cNvPr id="11" name="Tekstvak 10"/>
-          <p:cNvSpPr txBox="1"/>
-          <p:nvPr/>
-        </p:nvSpPr>
-        <p:spPr>
-          <a:xfrm>
-            <a:off x="334430" y="5720924"/>
-            <a:ext cx="482824" cy="523220"/>
-          </a:xfrm>
-          <a:prstGeom prst="rect">
-            <a:avLst/>
-          </a:prstGeom>
-          <a:noFill/>
-        </p:spPr>
-        <p:txBody>
-          <a:bodyPr wrap="none" rtlCol="0">
-            <a:spAutoFit/>
-          </a:bodyPr>
-          <a:lstStyle/>
-          <a:p>
-            <a:r>
-              <a:rPr lang="nl-NL" dirty="0" smtClean="0"/>
-              <a:t>/8.2</a:t>
-            </a:r>
-          </a:p>
-          <a:p>
-            <a:endParaRPr lang="nl-NL" dirty="0"/>
-          </a:p>
-        </p:txBody>
-      </p:sp>
-      <p:sp>
-        <p:nvSpPr>
-          <p:cNvPr id="12" name="Tekstvak 11"/>
-          <p:cNvSpPr txBox="1"/>
-          <p:nvPr/>
-        </p:nvSpPr>
-        <p:spPr>
-          <a:xfrm>
-            <a:off x="4596389" y="5708560"/>
-            <a:ext cx="582211" cy="523220"/>
-          </a:xfrm>
-          <a:prstGeom prst="rect">
-            <a:avLst/>
-          </a:prstGeom>
-          <a:noFill/>
-        </p:spPr>
-        <p:txBody>
-          <a:bodyPr wrap="none" rtlCol="0">
-            <a:spAutoFit/>
-          </a:bodyPr>
-          <a:lstStyle/>
-          <a:p>
-            <a:r>
-              <a:rPr lang="nl-NL" dirty="0" smtClean="0"/>
-              <a:t>/0.82</a:t>
-            </a:r>
-          </a:p>
-          <a:p>
-            <a:endParaRPr lang="nl-NL" dirty="0"/>
-          </a:p>
-        </p:txBody>
-      </p:sp>
-    </p:spTree>
-    <p:extLst>
-      <p:ext uri="{BB962C8B-B14F-4D97-AF65-F5344CB8AC3E}">
-        <p14:creationId xmlns:p14="http://schemas.microsoft.com/office/powerpoint/2010/main" val="1011345249"/>
-      </p:ext>
-    </p:extLst>
-  </p:cSld>
-  <p:clrMapOvr>
-    <a:masterClrMapping/>
-  </p:clrMapOvr>
-</p:sld>
-</file>
-
-<file path=ppt/slides/slide25.xml><?xml version="1.0" encoding="utf-8"?>
-<p:sld xmlns:a="http://schemas.openxmlformats.org/drawingml/2006/main" xmlns:r="http://schemas.openxmlformats.org/officeDocument/2006/relationships" xmlns:p="http://schemas.openxmlformats.org/presentationml/2006/main">
-  <p:cSld>
-    <p:spTree>
-      <p:nvGrpSpPr>
-        <p:cNvPr id="1" name=""/>
-        <p:cNvGrpSpPr/>
-        <p:nvPr/>
-      </p:nvGrpSpPr>
-      <p:grpSpPr>
-        <a:xfrm>
-          <a:off x="0" y="0"/>
-          <a:ext cx="0" cy="0"/>
-          <a:chOff x="0" y="0"/>
-          <a:chExt cx="0" cy="0"/>
-        </a:xfrm>
-      </p:grpSpPr>
-      <p:sp>
-        <p:nvSpPr>
-          <p:cNvPr id="2" name="Titel 1"/>
-          <p:cNvSpPr>
-            <a:spLocks noGrp="1"/>
-          </p:cNvSpPr>
-          <p:nvPr>
-            <p:ph type="title"/>
-          </p:nvPr>
-        </p:nvSpPr>
-        <p:spPr/>
-        <p:txBody>
-          <a:bodyPr/>
-          <a:lstStyle/>
-          <a:p>
-            <a:r>
-              <a:rPr lang="nl-NL" dirty="0" smtClean="0"/>
-              <a:t>Evaluation of </a:t>
-            </a:r>
-            <a:r>
-              <a:rPr lang="nl-NL" dirty="0" err="1" smtClean="0"/>
-              <a:t>classification</a:t>
-            </a:r>
-            <a:endParaRPr lang="nl-NL" dirty="0"/>
-          </a:p>
-        </p:txBody>
-      </p:sp>
-      <p:graphicFrame>
-        <p:nvGraphicFramePr>
-          <p:cNvPr id="4" name="Tabel 3"/>
-          <p:cNvGraphicFramePr>
-            <a:graphicFrameLocks noGrp="1"/>
-          </p:cNvGraphicFramePr>
-          <p:nvPr>
-            <p:extLst>
-              <p:ext uri="{D42A27DB-BD31-4B8C-83A1-F6EECF244321}">
-                <p14:modId xmlns:p14="http://schemas.microsoft.com/office/powerpoint/2010/main" val="1103777112"/>
-              </p:ext>
-            </p:extLst>
-          </p:nvPr>
-        </p:nvGraphicFramePr>
-        <p:xfrm>
-          <a:off x="3415853" y="1601843"/>
-          <a:ext cx="5184576" cy="1737360"/>
-        </p:xfrm>
-        <a:graphic>
-          <a:graphicData uri="http://schemas.openxmlformats.org/drawingml/2006/table">
-            <a:tbl>
-              <a:tblPr firstRow="1" firstCol="1" bandRow="1">
-                <a:tableStyleId>{5C22544A-7EE6-4342-B048-85BDC9FD1C3A}</a:tableStyleId>
-              </a:tblPr>
-              <a:tblGrid>
-                <a:gridCol w="1577915">
-                  <a:extLst>
-                    <a:ext uri="{9D8B030D-6E8A-4147-A177-3AD203B41FA5}">
-                      <a16:colId xmlns:a16="http://schemas.microsoft.com/office/drawing/2014/main" val="26041744"/>
-                    </a:ext>
-                  </a:extLst>
-                </a:gridCol>
-                <a:gridCol w="1653053">
-                  <a:extLst>
-                    <a:ext uri="{9D8B030D-6E8A-4147-A177-3AD203B41FA5}">
-                      <a16:colId xmlns:a16="http://schemas.microsoft.com/office/drawing/2014/main" val="2902479022"/>
-                    </a:ext>
-                  </a:extLst>
-                </a:gridCol>
-                <a:gridCol w="1953608">
-                  <a:extLst>
-                    <a:ext uri="{9D8B030D-6E8A-4147-A177-3AD203B41FA5}">
-                      <a16:colId xmlns:a16="http://schemas.microsoft.com/office/drawing/2014/main" val="1314794491"/>
-                    </a:ext>
-                  </a:extLst>
-                </a:gridCol>
-              </a:tblGrid>
-              <a:tr h="426936">
-                <a:tc>
-                  <a:txBody>
-                    <a:bodyPr/>
-                    <a:lstStyle/>
-                    <a:p>
-                      <a:pPr algn="r"/>
-                      <a:endParaRPr lang="nl-NL" sz="1600" dirty="0"/>
-                    </a:p>
-                  </a:txBody>
-                  <a:tcPr/>
-                </a:tc>
-                <a:tc>
-                  <a:txBody>
-                    <a:bodyPr/>
-                    <a:lstStyle/>
-                    <a:p>
-                      <a:pPr algn="l"/>
-                      <a:r>
-                        <a:rPr lang="nl-NL" sz="1600" dirty="0" err="1" smtClean="0"/>
-                        <a:t>Actual</a:t>
-                      </a:r>
-                      <a:r>
-                        <a:rPr lang="nl-NL" sz="1600" dirty="0" smtClean="0"/>
-                        <a:t>: </a:t>
-                      </a:r>
-                    </a:p>
-                    <a:p>
-                      <a:pPr algn="l"/>
-                      <a:r>
-                        <a:rPr lang="nl-NL" sz="1600" dirty="0" smtClean="0"/>
-                        <a:t>Spam</a:t>
-                      </a:r>
-                      <a:endParaRPr lang="nl-NL" sz="1600" dirty="0"/>
-                    </a:p>
-                  </a:txBody>
-                  <a:tcPr/>
-                </a:tc>
-                <a:tc>
-                  <a:txBody>
-                    <a:bodyPr/>
-                    <a:lstStyle/>
-                    <a:p>
-                      <a:pPr algn="l"/>
-                      <a:r>
-                        <a:rPr lang="nl-NL" sz="1600" dirty="0" err="1" smtClean="0"/>
-                        <a:t>Actual</a:t>
-                      </a:r>
-                      <a:r>
-                        <a:rPr lang="nl-NL" sz="1600" dirty="0" smtClean="0"/>
-                        <a:t>: </a:t>
-                      </a:r>
-                    </a:p>
-                    <a:p>
-                      <a:pPr algn="l"/>
-                      <a:r>
-                        <a:rPr lang="nl-NL" sz="1600" dirty="0" err="1" smtClean="0"/>
-                        <a:t>Not</a:t>
-                      </a:r>
-                      <a:r>
-                        <a:rPr lang="nl-NL" sz="1600" dirty="0" smtClean="0"/>
-                        <a:t> spam</a:t>
-                      </a:r>
-                      <a:endParaRPr lang="nl-NL" sz="1600" dirty="0"/>
-                    </a:p>
-                  </a:txBody>
-                  <a:tcPr/>
-                </a:tc>
-                <a:extLst>
-                  <a:ext uri="{0D108BD9-81ED-4DB2-BD59-A6C34878D82A}">
-                    <a16:rowId xmlns:a16="http://schemas.microsoft.com/office/drawing/2014/main" val="3305753543"/>
-                  </a:ext>
-                </a:extLst>
-              </a:tr>
-              <a:tr h="426936">
-                <a:tc>
-                  <a:txBody>
-                    <a:bodyPr/>
-                    <a:lstStyle/>
-                    <a:p>
-                      <a:pPr algn="l"/>
-                      <a:r>
-                        <a:rPr lang="nl-NL" sz="1600" dirty="0" err="1" smtClean="0"/>
-                        <a:t>Predicted</a:t>
-                      </a:r>
-                      <a:r>
-                        <a:rPr lang="nl-NL" sz="1600" dirty="0" smtClean="0"/>
-                        <a:t>: </a:t>
-                      </a:r>
-                    </a:p>
-                    <a:p>
-                      <a:pPr algn="l"/>
-                      <a:r>
-                        <a:rPr lang="nl-NL" sz="1600" dirty="0" smtClean="0"/>
-                        <a:t>Spam</a:t>
-                      </a:r>
-                      <a:endParaRPr lang="nl-NL" sz="1600" dirty="0"/>
-                    </a:p>
-                  </a:txBody>
-                  <a:tcPr/>
-                </a:tc>
-                <a:tc>
-                  <a:txBody>
-                    <a:bodyPr/>
-                    <a:lstStyle/>
-                    <a:p>
-                      <a:pPr algn="r"/>
-                      <a:r>
-                        <a:rPr lang="nl-NL" sz="1600" dirty="0" smtClean="0"/>
-                        <a:t>20</a:t>
-                      </a:r>
-                      <a:endParaRPr lang="nl-NL" sz="1600" dirty="0"/>
-                    </a:p>
-                  </a:txBody>
-                  <a:tcPr/>
-                </a:tc>
-                <a:tc>
-                  <a:txBody>
-                    <a:bodyPr/>
-                    <a:lstStyle/>
-                    <a:p>
-                      <a:pPr algn="r"/>
-                      <a:r>
-                        <a:rPr lang="nl-NL" sz="1600" dirty="0" smtClean="0"/>
-                        <a:t>10</a:t>
-                      </a:r>
-                      <a:endParaRPr lang="nl-NL" sz="1600" dirty="0"/>
-                    </a:p>
-                  </a:txBody>
-                  <a:tcPr/>
-                </a:tc>
-                <a:extLst>
-                  <a:ext uri="{0D108BD9-81ED-4DB2-BD59-A6C34878D82A}">
-                    <a16:rowId xmlns:a16="http://schemas.microsoft.com/office/drawing/2014/main" val="2835981045"/>
-                  </a:ext>
-                </a:extLst>
-              </a:tr>
-              <a:tr h="514278">
-                <a:tc>
-                  <a:txBody>
-                    <a:bodyPr/>
-                    <a:lstStyle/>
-                    <a:p>
-                      <a:pPr algn="l"/>
-                      <a:r>
-                        <a:rPr lang="nl-NL" sz="1600" dirty="0" err="1" smtClean="0"/>
-                        <a:t>Predicted</a:t>
-                      </a:r>
-                      <a:r>
-                        <a:rPr lang="nl-NL" sz="1600" dirty="0" smtClean="0"/>
-                        <a:t>:</a:t>
-                      </a:r>
-                    </a:p>
-                    <a:p>
-                      <a:pPr algn="l"/>
-                      <a:r>
-                        <a:rPr lang="nl-NL" sz="1600" dirty="0" err="1" smtClean="0"/>
-                        <a:t>Not</a:t>
-                      </a:r>
-                      <a:r>
-                        <a:rPr lang="nl-NL" sz="1600" baseline="0" dirty="0" smtClean="0"/>
-                        <a:t> </a:t>
-                      </a:r>
-                      <a:r>
-                        <a:rPr lang="nl-NL" sz="1600" dirty="0" smtClean="0"/>
-                        <a:t>spam</a:t>
-                      </a:r>
-                      <a:endParaRPr lang="nl-NL" sz="1600" dirty="0"/>
-                    </a:p>
-                  </a:txBody>
-                  <a:tcPr/>
-                </a:tc>
-                <a:tc>
-                  <a:txBody>
-                    <a:bodyPr/>
-                    <a:lstStyle/>
-                    <a:p>
-                      <a:pPr algn="r"/>
-                      <a:r>
-                        <a:rPr lang="nl-NL" sz="1600" dirty="0" smtClean="0"/>
-                        <a:t>30</a:t>
-                      </a:r>
-                      <a:endParaRPr lang="nl-NL" sz="1600" dirty="0"/>
-                    </a:p>
-                  </a:txBody>
-                  <a:tcPr/>
-                </a:tc>
-                <a:tc>
-                  <a:txBody>
-                    <a:bodyPr/>
-                    <a:lstStyle/>
-                    <a:p>
-                      <a:pPr algn="r"/>
-                      <a:r>
-                        <a:rPr lang="nl-NL" sz="1600" dirty="0" smtClean="0"/>
-                        <a:t>50</a:t>
-                      </a:r>
-                      <a:endParaRPr lang="nl-NL" sz="1600" dirty="0"/>
-                    </a:p>
-                  </a:txBody>
-                  <a:tcPr/>
-                </a:tc>
-                <a:extLst>
-                  <a:ext uri="{0D108BD9-81ED-4DB2-BD59-A6C34878D82A}">
-                    <a16:rowId xmlns:a16="http://schemas.microsoft.com/office/drawing/2014/main" val="1156060425"/>
-                  </a:ext>
-                </a:extLst>
-              </a:tr>
-            </a:tbl>
-          </a:graphicData>
-        </a:graphic>
-      </p:graphicFrame>
-      <mc:AlternateContent xmlns:mc="http://schemas.openxmlformats.org/markup-compatibility/2006" xmlns:a14="http://schemas.microsoft.com/office/drawing/2010/main">
-        <mc:Choice Requires="a14">
-          <p:sp>
-            <p:nvSpPr>
-              <p:cNvPr id="6" name="Tekstvak 5"/>
-              <p:cNvSpPr txBox="1"/>
-              <p:nvPr/>
-            </p:nvSpPr>
-            <p:spPr>
-              <a:xfrm>
-                <a:off x="3851920" y="3740638"/>
-                <a:ext cx="4691156" cy="530594"/>
-              </a:xfrm>
-              <a:prstGeom prst="rect">
-                <a:avLst/>
-              </a:prstGeom>
-              <a:noFill/>
-            </p:spPr>
-            <p:txBody>
-              <a:bodyPr wrap="none" lIns="0" tIns="0" rIns="0" bIns="0" rtlCol="0">
-                <a:spAutoFit/>
-              </a:bodyPr>
-              <a:lstStyle/>
-              <a:p>
-                <a:pPr/>
-                <a14:m>
-                  <m:oMathPara xmlns:m="http://schemas.openxmlformats.org/officeDocument/2006/math">
-                    <m:oMathParaPr>
-                      <m:jc m:val="centerGroup"/>
-                    </m:oMathParaPr>
-                    <m:oMath xmlns:m="http://schemas.openxmlformats.org/officeDocument/2006/math">
-                      <m:r>
-                        <a:rPr lang="nl-NL" sz="1800" b="0" i="1" smtClean="0">
-                          <a:latin typeface="Cambria Math" panose="02040503050406030204" pitchFamily="18" charset="0"/>
-                        </a:rPr>
-                        <m:t>𝑎𝑐𝑐𝑢𝑟𝑎𝑐𝑦</m:t>
-                      </m:r>
-                      <m:r>
-                        <a:rPr lang="nl-NL" sz="1800" b="0" i="1" smtClean="0">
-                          <a:latin typeface="Cambria Math" panose="02040503050406030204" pitchFamily="18" charset="0"/>
-                        </a:rPr>
-                        <m:t>= </m:t>
-                      </m:r>
-                      <m:f>
-                        <m:fPr>
-                          <m:ctrlPr>
-                            <a:rPr lang="nl-NL" sz="1800" b="0" i="1" smtClean="0">
-                              <a:latin typeface="Cambria Math" panose="02040503050406030204" pitchFamily="18" charset="0"/>
-                            </a:rPr>
-                          </m:ctrlPr>
-                        </m:fPr>
-                        <m:num>
-                          <m:r>
-                            <a:rPr lang="nl-NL" sz="1800" b="0" i="1" smtClean="0">
-                              <a:latin typeface="Cambria Math" panose="02040503050406030204" pitchFamily="18" charset="0"/>
-                            </a:rPr>
-                            <m:t>20+50</m:t>
-                          </m:r>
-                        </m:num>
-                        <m:den>
-                          <m:r>
-                            <a:rPr lang="nl-NL" sz="1800" b="0" i="1" smtClean="0">
-                              <a:latin typeface="Cambria Math" panose="02040503050406030204" pitchFamily="18" charset="0"/>
-                            </a:rPr>
-                            <m:t>20+30+10+50</m:t>
-                          </m:r>
-                        </m:den>
-                      </m:f>
-                      <m:r>
-                        <a:rPr lang="nl-NL" sz="1800" b="0" i="1" smtClean="0">
-                          <a:latin typeface="Cambria Math" panose="02040503050406030204" pitchFamily="18" charset="0"/>
-                        </a:rPr>
-                        <m:t>=</m:t>
-                      </m:r>
-                      <m:f>
-                        <m:fPr>
-                          <m:ctrlPr>
-                            <a:rPr lang="nl-NL" sz="1800" b="0" i="1" smtClean="0">
-                              <a:latin typeface="Cambria Math" panose="02040503050406030204" pitchFamily="18" charset="0"/>
-                            </a:rPr>
-                          </m:ctrlPr>
-                        </m:fPr>
-                        <m:num>
-                          <m:r>
-                            <a:rPr lang="nl-NL" sz="1800" b="0" i="1" smtClean="0">
-                              <a:latin typeface="Cambria Math" panose="02040503050406030204" pitchFamily="18" charset="0"/>
-                            </a:rPr>
-                            <m:t>70</m:t>
-                          </m:r>
-                        </m:num>
-                        <m:den>
-                          <m:r>
-                            <a:rPr lang="nl-NL" sz="1800" b="0" i="1" smtClean="0">
-                              <a:latin typeface="Cambria Math" panose="02040503050406030204" pitchFamily="18" charset="0"/>
-                            </a:rPr>
-                            <m:t>110</m:t>
-                          </m:r>
-                        </m:den>
-                      </m:f>
-                      <m:r>
-                        <a:rPr lang="nl-NL" sz="1800" b="0" i="1" smtClean="0">
-                          <a:latin typeface="Cambria Math" panose="02040503050406030204" pitchFamily="18" charset="0"/>
-                        </a:rPr>
-                        <m:t>=0.63 </m:t>
-                      </m:r>
-                    </m:oMath>
-                  </m:oMathPara>
-                </a14:m>
-                <a:endParaRPr lang="nl-NL" sz="1800" dirty="0"/>
-              </a:p>
-            </p:txBody>
-          </p:sp>
-        </mc:Choice>
-        <mc:Fallback xmlns="">
-          <p:sp>
-            <p:nvSpPr>
-              <p:cNvPr id="6" name="Tekstvak 5"/>
-              <p:cNvSpPr txBox="1">
-                <a:spLocks noRot="1" noChangeAspect="1" noMove="1" noResize="1" noEditPoints="1" noAdjustHandles="1" noChangeArrowheads="1" noChangeShapeType="1" noTextEdit="1"/>
-              </p:cNvSpPr>
-              <p:nvPr/>
-            </p:nvSpPr>
-            <p:spPr>
-              <a:xfrm>
-                <a:off x="3851920" y="3740638"/>
-                <a:ext cx="4691156" cy="530594"/>
-              </a:xfrm>
-              <a:prstGeom prst="rect">
-                <a:avLst/>
-              </a:prstGeom>
-              <a:blipFill>
-                <a:blip r:embed="rId2"/>
-                <a:stretch>
-                  <a:fillRect/>
-                </a:stretch>
-              </a:blipFill>
-            </p:spPr>
-            <p:txBody>
-              <a:bodyPr/>
-              <a:lstStyle/>
-              <a:p>
-                <a:r>
-                  <a:rPr lang="nl-NL">
-                    <a:noFill/>
-                  </a:rPr>
-                  <a:t> </a:t>
-                </a:r>
-              </a:p>
-            </p:txBody>
-          </p:sp>
-        </mc:Fallback>
-      </mc:AlternateContent>
-      <mc:AlternateContent xmlns:mc="http://schemas.openxmlformats.org/markup-compatibility/2006" xmlns:a14="http://schemas.microsoft.com/office/drawing/2010/main">
-        <mc:Choice Requires="a14">
-          <p:sp>
-            <p:nvSpPr>
-              <p:cNvPr id="7" name="Tekstvak 6"/>
-              <p:cNvSpPr txBox="1"/>
-              <p:nvPr/>
-            </p:nvSpPr>
-            <p:spPr>
-              <a:xfrm>
-                <a:off x="3851920" y="4705073"/>
-                <a:ext cx="3572260" cy="525016"/>
-              </a:xfrm>
-              <a:prstGeom prst="rect">
-                <a:avLst/>
-              </a:prstGeom>
-              <a:noFill/>
-            </p:spPr>
-            <p:txBody>
-              <a:bodyPr wrap="none" lIns="0" tIns="0" rIns="0" bIns="0" rtlCol="0">
-                <a:spAutoFit/>
-              </a:bodyPr>
-              <a:lstStyle/>
-              <a:p>
-                <a:pPr/>
-                <a14:m>
-                  <m:oMathPara xmlns:m="http://schemas.openxmlformats.org/officeDocument/2006/math">
-                    <m:oMathParaPr>
-                      <m:jc m:val="centerGroup"/>
-                    </m:oMathParaPr>
-                    <m:oMath xmlns:m="http://schemas.openxmlformats.org/officeDocument/2006/math">
-                      <m:r>
-                        <a:rPr lang="nl-NL" sz="1800" b="0" i="1" smtClean="0">
-                          <a:latin typeface="Cambria Math" panose="02040503050406030204" pitchFamily="18" charset="0"/>
-                        </a:rPr>
-                        <m:t>𝑝𝑟𝑒𝑐𝑖𝑠𝑖𝑜𝑛</m:t>
-                      </m:r>
-                      <m:r>
-                        <a:rPr lang="nl-NL" sz="1800" b="0" i="1" smtClean="0">
-                          <a:latin typeface="Cambria Math" panose="02040503050406030204" pitchFamily="18" charset="0"/>
-                        </a:rPr>
-                        <m:t>= </m:t>
-                      </m:r>
-                      <m:f>
-                        <m:fPr>
-                          <m:ctrlPr>
-                            <a:rPr lang="nl-NL" sz="1800" b="0" i="1" smtClean="0">
-                              <a:latin typeface="Cambria Math" panose="02040503050406030204" pitchFamily="18" charset="0"/>
-                            </a:rPr>
-                          </m:ctrlPr>
-                        </m:fPr>
-                        <m:num>
-                          <m:r>
-                            <a:rPr lang="nl-NL" sz="1800" b="0" i="1" smtClean="0">
-                              <a:latin typeface="Cambria Math" panose="02040503050406030204" pitchFamily="18" charset="0"/>
-                            </a:rPr>
-                            <m:t>20</m:t>
-                          </m:r>
-                        </m:num>
-                        <m:den>
-                          <m:r>
-                            <a:rPr lang="nl-NL" sz="1800" b="0" i="1" smtClean="0">
-                              <a:latin typeface="Cambria Math" panose="02040503050406030204" pitchFamily="18" charset="0"/>
-                            </a:rPr>
-                            <m:t>20+10</m:t>
-                          </m:r>
-                        </m:den>
-                      </m:f>
-                      <m:r>
-                        <a:rPr lang="nl-NL" sz="1800" b="0" i="1" smtClean="0">
-                          <a:latin typeface="Cambria Math" panose="02040503050406030204" pitchFamily="18" charset="0"/>
-                        </a:rPr>
-                        <m:t>=</m:t>
-                      </m:r>
-                      <m:f>
-                        <m:fPr>
-                          <m:ctrlPr>
-                            <a:rPr lang="nl-NL" sz="1800" b="0" i="1" smtClean="0">
-                              <a:latin typeface="Cambria Math" panose="02040503050406030204" pitchFamily="18" charset="0"/>
-                            </a:rPr>
-                          </m:ctrlPr>
-                        </m:fPr>
-                        <m:num>
-                          <m:r>
-                            <a:rPr lang="nl-NL" sz="1800" b="0" i="1" smtClean="0">
-                              <a:latin typeface="Cambria Math" panose="02040503050406030204" pitchFamily="18" charset="0"/>
-                            </a:rPr>
-                            <m:t>20</m:t>
-                          </m:r>
-                        </m:num>
-                        <m:den>
-                          <m:r>
-                            <a:rPr lang="nl-NL" sz="1800" b="0" i="1" smtClean="0">
-                              <a:latin typeface="Cambria Math" panose="02040503050406030204" pitchFamily="18" charset="0"/>
-                            </a:rPr>
-                            <m:t>30</m:t>
-                          </m:r>
-                        </m:den>
-                      </m:f>
-                      <m:r>
-                        <a:rPr lang="nl-NL" sz="1800" b="0" i="1" smtClean="0">
-                          <a:latin typeface="Cambria Math" panose="02040503050406030204" pitchFamily="18" charset="0"/>
-                        </a:rPr>
-                        <m:t>= 0.66 </m:t>
-                      </m:r>
-                    </m:oMath>
-                  </m:oMathPara>
-                </a14:m>
-                <a:endParaRPr lang="nl-NL" sz="1800" dirty="0"/>
-              </a:p>
-            </p:txBody>
-          </p:sp>
-        </mc:Choice>
-        <mc:Fallback xmlns="">
-          <p:sp>
-            <p:nvSpPr>
-              <p:cNvPr id="7" name="Tekstvak 6"/>
-              <p:cNvSpPr txBox="1">
-                <a:spLocks noRot="1" noChangeAspect="1" noMove="1" noResize="1" noEditPoints="1" noAdjustHandles="1" noChangeArrowheads="1" noChangeShapeType="1" noTextEdit="1"/>
-              </p:cNvSpPr>
-              <p:nvPr/>
-            </p:nvSpPr>
-            <p:spPr>
-              <a:xfrm>
-                <a:off x="3851920" y="4705073"/>
-                <a:ext cx="3572260" cy="525016"/>
-              </a:xfrm>
-              <a:prstGeom prst="rect">
-                <a:avLst/>
-              </a:prstGeom>
-              <a:blipFill>
-                <a:blip r:embed="rId3"/>
-                <a:stretch>
-                  <a:fillRect/>
-                </a:stretch>
-              </a:blipFill>
-            </p:spPr>
-            <p:txBody>
-              <a:bodyPr/>
-              <a:lstStyle/>
-              <a:p>
-                <a:r>
-                  <a:rPr lang="nl-NL">
-                    <a:noFill/>
-                  </a:rPr>
-                  <a:t> </a:t>
-                </a:r>
-              </a:p>
-            </p:txBody>
-          </p:sp>
-        </mc:Fallback>
-      </mc:AlternateContent>
-      <mc:AlternateContent xmlns:mc="http://schemas.openxmlformats.org/markup-compatibility/2006" xmlns:a14="http://schemas.microsoft.com/office/drawing/2010/main">
-        <mc:Choice Requires="a14">
-          <p:sp>
-            <p:nvSpPr>
-              <p:cNvPr id="8" name="Tekstvak 7"/>
-              <p:cNvSpPr txBox="1"/>
-              <p:nvPr/>
-            </p:nvSpPr>
-            <p:spPr>
-              <a:xfrm>
-                <a:off x="3851920" y="5656179"/>
-                <a:ext cx="3028971" cy="525016"/>
-              </a:xfrm>
-              <a:prstGeom prst="rect">
-                <a:avLst/>
-              </a:prstGeom>
-              <a:noFill/>
-            </p:spPr>
-            <p:txBody>
-              <a:bodyPr wrap="none" lIns="0" tIns="0" rIns="0" bIns="0" rtlCol="0">
-                <a:spAutoFit/>
-              </a:bodyPr>
-              <a:lstStyle/>
-              <a:p>
-                <a:pPr/>
-                <a14:m>
-                  <m:oMathPara xmlns:m="http://schemas.openxmlformats.org/officeDocument/2006/math">
-                    <m:oMathParaPr>
-                      <m:jc m:val="centerGroup"/>
-                    </m:oMathParaPr>
-                    <m:oMath xmlns:m="http://schemas.openxmlformats.org/officeDocument/2006/math">
-                      <m:r>
-                        <a:rPr lang="nl-NL" sz="1800" b="0" i="1" smtClean="0">
-                          <a:latin typeface="Cambria Math" panose="02040503050406030204" pitchFamily="18" charset="0"/>
-                        </a:rPr>
-                        <m:t>𝑟𝑒𝑐𝑎𝑙𝑙</m:t>
-                      </m:r>
-                      <m:r>
-                        <a:rPr lang="nl-NL" sz="1800" b="0" i="1" smtClean="0">
-                          <a:latin typeface="Cambria Math" panose="02040503050406030204" pitchFamily="18" charset="0"/>
-                        </a:rPr>
-                        <m:t>= </m:t>
-                      </m:r>
-                      <m:f>
-                        <m:fPr>
-                          <m:ctrlPr>
-                            <a:rPr lang="nl-NL" sz="1800" b="0" i="1" smtClean="0">
-                              <a:latin typeface="Cambria Math" panose="02040503050406030204" pitchFamily="18" charset="0"/>
-                            </a:rPr>
-                          </m:ctrlPr>
-                        </m:fPr>
-                        <m:num>
-                          <m:r>
-                            <a:rPr lang="nl-NL" sz="1800" b="0" i="1" smtClean="0">
-                              <a:latin typeface="Cambria Math" panose="02040503050406030204" pitchFamily="18" charset="0"/>
-                            </a:rPr>
-                            <m:t>20</m:t>
-                          </m:r>
-                        </m:num>
-                        <m:den>
-                          <m:r>
-                            <a:rPr lang="nl-NL" sz="1800" b="0" i="1" smtClean="0">
-                              <a:latin typeface="Cambria Math" panose="02040503050406030204" pitchFamily="18" charset="0"/>
-                            </a:rPr>
-                            <m:t>20+30</m:t>
-                          </m:r>
-                        </m:den>
-                      </m:f>
-                      <m:r>
-                        <a:rPr lang="nl-NL" sz="1800" b="0" i="1" smtClean="0">
-                          <a:latin typeface="Cambria Math" panose="02040503050406030204" pitchFamily="18" charset="0"/>
-                        </a:rPr>
-                        <m:t>=</m:t>
-                      </m:r>
-                      <m:f>
-                        <m:fPr>
-                          <m:ctrlPr>
-                            <a:rPr lang="nl-NL" sz="1800" b="0" i="1" smtClean="0">
-                              <a:latin typeface="Cambria Math" panose="02040503050406030204" pitchFamily="18" charset="0"/>
-                            </a:rPr>
-                          </m:ctrlPr>
-                        </m:fPr>
-                        <m:num>
-                          <m:r>
-                            <a:rPr lang="nl-NL" sz="1800" b="0" i="1" smtClean="0">
-                              <a:latin typeface="Cambria Math" panose="02040503050406030204" pitchFamily="18" charset="0"/>
-                            </a:rPr>
-                            <m:t>20</m:t>
-                          </m:r>
-                        </m:num>
-                        <m:den>
-                          <m:r>
-                            <a:rPr lang="nl-NL" sz="1800" b="0" i="1" smtClean="0">
-                              <a:latin typeface="Cambria Math" panose="02040503050406030204" pitchFamily="18" charset="0"/>
-                            </a:rPr>
-                            <m:t>50</m:t>
-                          </m:r>
-                        </m:den>
-                      </m:f>
-                      <m:r>
-                        <a:rPr lang="nl-NL" sz="1800" b="0" i="1" smtClean="0">
-                          <a:latin typeface="Cambria Math" panose="02040503050406030204" pitchFamily="18" charset="0"/>
-                        </a:rPr>
-                        <m:t>=0.4 </m:t>
-                      </m:r>
-                    </m:oMath>
-                  </m:oMathPara>
-                </a14:m>
-                <a:endParaRPr lang="nl-NL" sz="1800" dirty="0"/>
-              </a:p>
-            </p:txBody>
-          </p:sp>
-        </mc:Choice>
-        <mc:Fallback xmlns="">
-          <p:sp>
-            <p:nvSpPr>
-              <p:cNvPr id="8" name="Tekstvak 7"/>
-              <p:cNvSpPr txBox="1">
-                <a:spLocks noRot="1" noChangeAspect="1" noMove="1" noResize="1" noEditPoints="1" noAdjustHandles="1" noChangeArrowheads="1" noChangeShapeType="1" noTextEdit="1"/>
-              </p:cNvSpPr>
-              <p:nvPr/>
-            </p:nvSpPr>
-            <p:spPr>
-              <a:xfrm>
-                <a:off x="3851920" y="5656179"/>
-                <a:ext cx="3028971" cy="525016"/>
-              </a:xfrm>
-              <a:prstGeom prst="rect">
-                <a:avLst/>
-              </a:prstGeom>
-              <a:blipFill>
-                <a:blip r:embed="rId4"/>
-                <a:stretch>
-                  <a:fillRect/>
-                </a:stretch>
-              </a:blipFill>
-            </p:spPr>
-            <p:txBody>
-              <a:bodyPr/>
-              <a:lstStyle/>
-              <a:p>
-                <a:r>
-                  <a:rPr lang="nl-NL">
-                    <a:noFill/>
-                  </a:rPr>
-                  <a:t> </a:t>
-                </a:r>
-              </a:p>
-            </p:txBody>
-          </p:sp>
-        </mc:Fallback>
-      </mc:AlternateContent>
-      <p:sp>
-        <p:nvSpPr>
-          <p:cNvPr id="9" name="Tekstvak 8"/>
-          <p:cNvSpPr txBox="1"/>
-          <p:nvPr/>
-        </p:nvSpPr>
-        <p:spPr>
-          <a:xfrm>
-            <a:off x="395536" y="3799117"/>
-            <a:ext cx="2683748" cy="584775"/>
-          </a:xfrm>
-          <a:prstGeom prst="rect">
-            <a:avLst/>
-          </a:prstGeom>
-          <a:noFill/>
-        </p:spPr>
-        <p:txBody>
-          <a:bodyPr wrap="none" rtlCol="0">
-            <a:spAutoFit/>
-          </a:bodyPr>
-          <a:lstStyle/>
-          <a:p>
-            <a:r>
-              <a:rPr lang="nl-NL" sz="1600" dirty="0" err="1" smtClean="0"/>
-              <a:t>What</a:t>
-            </a:r>
-            <a:r>
-              <a:rPr lang="nl-NL" sz="1600" dirty="0" smtClean="0"/>
-              <a:t> </a:t>
-            </a:r>
-            <a:r>
-              <a:rPr lang="nl-NL" sz="1600" dirty="0" err="1" smtClean="0"/>
-              <a:t>proportion</a:t>
-            </a:r>
-            <a:r>
-              <a:rPr lang="nl-NL" sz="1600" dirty="0" smtClean="0"/>
-              <a:t> is </a:t>
-            </a:r>
-            <a:r>
-              <a:rPr lang="nl-NL" sz="1600" dirty="0" err="1" smtClean="0"/>
-              <a:t>correctly</a:t>
-            </a:r>
-            <a:endParaRPr lang="nl-NL" sz="1600" dirty="0" smtClean="0"/>
-          </a:p>
-          <a:p>
-            <a:r>
-              <a:rPr lang="nl-NL" sz="1600" dirty="0" err="1" smtClean="0"/>
-              <a:t>predicted</a:t>
-            </a:r>
-            <a:r>
-              <a:rPr lang="nl-NL" sz="1600" dirty="0" smtClean="0"/>
-              <a:t>?</a:t>
-            </a:r>
-            <a:endParaRPr lang="nl-NL" sz="1600" dirty="0"/>
-          </a:p>
-        </p:txBody>
-      </p:sp>
-      <p:sp>
-        <p:nvSpPr>
-          <p:cNvPr id="10" name="Tekstvak 9"/>
-          <p:cNvSpPr txBox="1"/>
-          <p:nvPr/>
-        </p:nvSpPr>
-        <p:spPr>
-          <a:xfrm>
-            <a:off x="395536" y="4740753"/>
-            <a:ext cx="3020317" cy="584775"/>
-          </a:xfrm>
-          <a:prstGeom prst="rect">
-            <a:avLst/>
-          </a:prstGeom>
-          <a:noFill/>
-        </p:spPr>
-        <p:txBody>
-          <a:bodyPr wrap="square" rtlCol="0">
-            <a:spAutoFit/>
-          </a:bodyPr>
-          <a:lstStyle/>
-          <a:p>
-            <a:r>
-              <a:rPr lang="nl-NL" sz="1600" dirty="0" smtClean="0"/>
-              <a:t>How </a:t>
-            </a:r>
-            <a:r>
-              <a:rPr lang="nl-NL" sz="1600" dirty="0" err="1" smtClean="0"/>
-              <a:t>much</a:t>
-            </a:r>
-            <a:r>
-              <a:rPr lang="nl-NL" sz="1600" dirty="0" smtClean="0"/>
-              <a:t> of the </a:t>
-            </a:r>
-            <a:r>
-              <a:rPr lang="nl-NL" sz="1600" dirty="0" err="1" smtClean="0"/>
-              <a:t>predicted</a:t>
-            </a:r>
-            <a:r>
-              <a:rPr lang="nl-NL" sz="1600" dirty="0" smtClean="0"/>
-              <a:t> ‘spam’ is </a:t>
-            </a:r>
-            <a:r>
-              <a:rPr lang="nl-NL" sz="1600" dirty="0" err="1" smtClean="0"/>
-              <a:t>actually</a:t>
-            </a:r>
-            <a:r>
-              <a:rPr lang="nl-NL" sz="1600" dirty="0" smtClean="0"/>
-              <a:t> spam? </a:t>
-            </a:r>
-            <a:endParaRPr lang="nl-NL" sz="1600" dirty="0"/>
-          </a:p>
-        </p:txBody>
-      </p:sp>
-      <p:sp>
-        <p:nvSpPr>
-          <p:cNvPr id="11" name="Tekstvak 10"/>
-          <p:cNvSpPr txBox="1"/>
-          <p:nvPr/>
-        </p:nvSpPr>
-        <p:spPr>
-          <a:xfrm>
-            <a:off x="395536" y="5656179"/>
-            <a:ext cx="3020317" cy="584775"/>
-          </a:xfrm>
-          <a:prstGeom prst="rect">
-            <a:avLst/>
-          </a:prstGeom>
-          <a:noFill/>
-        </p:spPr>
-        <p:txBody>
-          <a:bodyPr wrap="square" rtlCol="0">
-            <a:spAutoFit/>
-          </a:bodyPr>
-          <a:lstStyle/>
-          <a:p>
-            <a:r>
-              <a:rPr lang="nl-NL" sz="1600" dirty="0" smtClean="0"/>
-              <a:t>How </a:t>
-            </a:r>
-            <a:r>
-              <a:rPr lang="nl-NL" sz="1600" dirty="0" err="1" smtClean="0"/>
-              <a:t>much</a:t>
-            </a:r>
-            <a:r>
-              <a:rPr lang="nl-NL" sz="1600" dirty="0" smtClean="0"/>
-              <a:t> of the real spam is </a:t>
-            </a:r>
-            <a:r>
-              <a:rPr lang="nl-NL" sz="1600" dirty="0" err="1" smtClean="0"/>
-              <a:t>predicted</a:t>
-            </a:r>
-            <a:r>
-              <a:rPr lang="nl-NL" sz="1600" dirty="0" smtClean="0"/>
-              <a:t> as spam?</a:t>
-            </a:r>
-            <a:endParaRPr lang="nl-NL" sz="1600" dirty="0"/>
-          </a:p>
-        </p:txBody>
-      </p:sp>
-      <p:sp>
-        <p:nvSpPr>
-          <p:cNvPr id="12" name="Tekstvak 11"/>
-          <p:cNvSpPr txBox="1"/>
-          <p:nvPr/>
-        </p:nvSpPr>
-        <p:spPr>
-          <a:xfrm>
-            <a:off x="505344" y="1710954"/>
-            <a:ext cx="2581156" cy="461665"/>
-          </a:xfrm>
-          <a:prstGeom prst="rect">
-            <a:avLst/>
-          </a:prstGeom>
-          <a:noFill/>
-        </p:spPr>
-        <p:txBody>
-          <a:bodyPr wrap="none" rtlCol="0">
-            <a:spAutoFit/>
-          </a:bodyPr>
-          <a:lstStyle/>
-          <a:p>
-            <a:r>
-              <a:rPr lang="nl-NL" sz="2400" dirty="0" err="1" smtClean="0"/>
-              <a:t>Confusion</a:t>
-            </a:r>
-            <a:r>
-              <a:rPr lang="nl-NL" sz="2400" dirty="0" smtClean="0"/>
-              <a:t> matrix:</a:t>
-            </a:r>
-            <a:endParaRPr lang="nl-NL" sz="2400" dirty="0"/>
-          </a:p>
-        </p:txBody>
-      </p:sp>
-    </p:spTree>
-    <p:extLst>
-      <p:ext uri="{BB962C8B-B14F-4D97-AF65-F5344CB8AC3E}">
-        <p14:creationId xmlns:p14="http://schemas.microsoft.com/office/powerpoint/2010/main" val="1359567096"/>
-      </p:ext>
-    </p:extLst>
-  </p:cSld>
-  <p:clrMapOvr>
-    <a:masterClrMapping/>
-  </p:clrMapOvr>
-</p:sld>
-</file>
-
-<file path=ppt/slides/slide26.xml><?xml version="1.0" encoding="utf-8"?>
-<p:sld xmlns:a="http://schemas.openxmlformats.org/drawingml/2006/main" xmlns:r="http://schemas.openxmlformats.org/officeDocument/2006/relationships" xmlns:p="http://schemas.openxmlformats.org/presentationml/2006/main">
-  <p:cSld>
-    <p:spTree>
-      <p:nvGrpSpPr>
-        <p:cNvPr id="1" name=""/>
-        <p:cNvGrpSpPr/>
-        <p:nvPr/>
-      </p:nvGrpSpPr>
-      <p:grpSpPr>
-        <a:xfrm>
-          <a:off x="0" y="0"/>
-          <a:ext cx="0" cy="0"/>
-          <a:chOff x="0" y="0"/>
-          <a:chExt cx="0" cy="0"/>
-        </a:xfrm>
-      </p:grpSpPr>
-      <p:sp>
-        <p:nvSpPr>
-          <p:cNvPr id="2" name="Titel 1"/>
-          <p:cNvSpPr>
-            <a:spLocks noGrp="1"/>
-          </p:cNvSpPr>
-          <p:nvPr>
-            <p:ph type="title"/>
-          </p:nvPr>
-        </p:nvSpPr>
-        <p:spPr/>
-        <p:txBody>
-          <a:bodyPr/>
-          <a:lstStyle/>
-          <a:p>
-            <a:r>
-              <a:rPr lang="nl-NL" dirty="0" err="1" smtClean="0"/>
-              <a:t>Exercise</a:t>
-            </a:r>
-            <a:r>
-              <a:rPr lang="nl-NL" dirty="0" smtClean="0"/>
-              <a:t> 3: </a:t>
-            </a:r>
-            <a:r>
-              <a:rPr lang="nl-NL" i="1" dirty="0" smtClean="0"/>
-              <a:t>k</a:t>
-            </a:r>
-            <a:r>
-              <a:rPr lang="nl-NL" dirty="0" smtClean="0"/>
-              <a:t>-NN</a:t>
-            </a:r>
-            <a:endParaRPr lang="nl-NL" i="1" dirty="0"/>
-          </a:p>
-        </p:txBody>
-      </p:sp>
-      <p:sp>
-        <p:nvSpPr>
-          <p:cNvPr id="4" name="Tijdelijke aanduiding voor inhoud 2"/>
-          <p:cNvSpPr txBox="1">
-            <a:spLocks/>
-          </p:cNvSpPr>
-          <p:nvPr/>
-        </p:nvSpPr>
-        <p:spPr bwMode="auto">
-          <a:xfrm>
-            <a:off x="838200" y="1340768"/>
-            <a:ext cx="7881938" cy="7429726"/>
-          </a:xfrm>
-          <a:prstGeom prst="rect">
-            <a:avLst/>
-          </a:prstGeom>
-          <a:noFill/>
-          <a:ln w="9525">
-            <a:noFill/>
-            <a:miter lim="800000"/>
-            <a:headEnd/>
-            <a:tailEnd/>
-          </a:ln>
-          <a:effectLst/>
-        </p:spPr>
-        <p:txBody>
-          <a:bodyPr vert="horz" wrap="square" lIns="91440" tIns="45720" rIns="91440" bIns="45720" numCol="1" anchor="t" anchorCtr="0" compatLnSpc="1">
-            <a:prstTxWarp prst="textNoShape">
-              <a:avLst/>
-            </a:prstTxWarp>
-            <a:spAutoFit/>
-          </a:bodyPr>
-          <a:lstStyle>
-            <a:lvl1pPr marL="342900" indent="-342900" algn="l" rtl="0" fontAlgn="base">
-              <a:spcBef>
-                <a:spcPct val="20000"/>
-              </a:spcBef>
-              <a:spcAft>
-                <a:spcPct val="0"/>
-              </a:spcAft>
-              <a:buClr>
-                <a:srgbClr val="ED0010"/>
-              </a:buClr>
-              <a:buSzPct val="60000"/>
-              <a:buFont typeface="Zapf Dingbats" charset="2"/>
-              <a:buChar char="n"/>
-              <a:defRPr sz="2800">
-                <a:solidFill>
-                  <a:srgbClr val="000000"/>
-                </a:solidFill>
-                <a:latin typeface="+mn-lt"/>
-                <a:ea typeface="+mn-ea"/>
-                <a:cs typeface="+mn-cs"/>
-              </a:defRPr>
-            </a:lvl1pPr>
-            <a:lvl2pPr marL="819150" indent="-285750" algn="l" rtl="0" fontAlgn="base">
-              <a:spcBef>
-                <a:spcPct val="20000"/>
-              </a:spcBef>
-              <a:spcAft>
-                <a:spcPct val="0"/>
-              </a:spcAft>
-              <a:buClr>
-                <a:schemeClr val="accent1"/>
-              </a:buClr>
-              <a:buSzPct val="60000"/>
-              <a:buFont typeface="Zapf Dingbats" charset="2"/>
-              <a:buChar char="n"/>
-              <a:defRPr sz="2600">
-                <a:solidFill>
-                  <a:srgbClr val="000000"/>
-                </a:solidFill>
-                <a:latin typeface="+mn-lt"/>
-              </a:defRPr>
-            </a:lvl2pPr>
-            <a:lvl3pPr marL="1143000" indent="-228600" algn="l" rtl="0" fontAlgn="base">
-              <a:spcBef>
-                <a:spcPct val="20000"/>
-              </a:spcBef>
-              <a:spcAft>
-                <a:spcPct val="0"/>
-              </a:spcAft>
-              <a:buClr>
-                <a:schemeClr val="accent1"/>
-              </a:buClr>
-              <a:buSzPct val="60000"/>
-              <a:buFont typeface="Zapf Dingbats" charset="2"/>
-              <a:buChar char="n"/>
-              <a:defRPr sz="2400">
-                <a:solidFill>
-                  <a:srgbClr val="000000"/>
-                </a:solidFill>
-                <a:latin typeface="+mn-lt"/>
-              </a:defRPr>
-            </a:lvl3pPr>
-            <a:lvl4pPr marL="1562100" indent="-228600" algn="l" rtl="0" fontAlgn="base">
-              <a:spcBef>
-                <a:spcPct val="20000"/>
-              </a:spcBef>
-              <a:spcAft>
-                <a:spcPct val="0"/>
-              </a:spcAft>
-              <a:buClr>
-                <a:schemeClr val="accent1"/>
-              </a:buClr>
-              <a:buSzPct val="60000"/>
-              <a:buFont typeface="Zapf Dingbats" charset="2"/>
-              <a:buChar char="n"/>
-              <a:defRPr sz="2200">
-                <a:solidFill>
-                  <a:srgbClr val="000000"/>
-                </a:solidFill>
-                <a:latin typeface="+mn-lt"/>
-              </a:defRPr>
-            </a:lvl4pPr>
-            <a:lvl5pPr marL="1981200" indent="-228600" algn="l" rtl="0" fontAlgn="base">
-              <a:spcBef>
-                <a:spcPct val="20000"/>
-              </a:spcBef>
-              <a:spcAft>
-                <a:spcPct val="0"/>
-              </a:spcAft>
-              <a:buClr>
-                <a:schemeClr val="accent1"/>
-              </a:buClr>
-              <a:buSzPct val="60000"/>
-              <a:buFont typeface="Zapf Dingbats" charset="2"/>
-              <a:buChar char="n"/>
-              <a:defRPr sz="2000">
-                <a:solidFill>
-                  <a:srgbClr val="000000"/>
-                </a:solidFill>
-                <a:latin typeface="+mn-lt"/>
-              </a:defRPr>
-            </a:lvl5pPr>
-            <a:lvl6pPr marL="2438400" indent="-228600" algn="l" rtl="0" fontAlgn="base">
-              <a:spcBef>
-                <a:spcPct val="20000"/>
-              </a:spcBef>
-              <a:spcAft>
-                <a:spcPct val="0"/>
-              </a:spcAft>
-              <a:buClr>
-                <a:schemeClr val="accent1"/>
-              </a:buClr>
-              <a:buSzPct val="60000"/>
-              <a:buFont typeface="Zapf Dingbats" charset="2"/>
-              <a:buChar char="n"/>
-              <a:defRPr sz="2000">
-                <a:solidFill>
-                  <a:srgbClr val="000000"/>
-                </a:solidFill>
-                <a:latin typeface="+mn-lt"/>
-              </a:defRPr>
-            </a:lvl6pPr>
-            <a:lvl7pPr marL="2895600" indent="-228600" algn="l" rtl="0" fontAlgn="base">
-              <a:spcBef>
-                <a:spcPct val="20000"/>
-              </a:spcBef>
-              <a:spcAft>
-                <a:spcPct val="0"/>
-              </a:spcAft>
-              <a:buClr>
-                <a:schemeClr val="accent1"/>
-              </a:buClr>
-              <a:buSzPct val="60000"/>
-              <a:buFont typeface="Zapf Dingbats" charset="2"/>
-              <a:buChar char="n"/>
-              <a:defRPr sz="2000">
-                <a:solidFill>
-                  <a:srgbClr val="000000"/>
-                </a:solidFill>
-                <a:latin typeface="+mn-lt"/>
-              </a:defRPr>
-            </a:lvl7pPr>
-            <a:lvl8pPr marL="3352800" indent="-228600" algn="l" rtl="0" fontAlgn="base">
-              <a:spcBef>
-                <a:spcPct val="20000"/>
-              </a:spcBef>
-              <a:spcAft>
-                <a:spcPct val="0"/>
-              </a:spcAft>
-              <a:buClr>
-                <a:schemeClr val="accent1"/>
-              </a:buClr>
-              <a:buSzPct val="60000"/>
-              <a:buFont typeface="Zapf Dingbats" charset="2"/>
-              <a:buChar char="n"/>
-              <a:defRPr sz="2000">
-                <a:solidFill>
-                  <a:srgbClr val="000000"/>
-                </a:solidFill>
-                <a:latin typeface="+mn-lt"/>
-              </a:defRPr>
-            </a:lvl8pPr>
-            <a:lvl9pPr marL="3810000" indent="-228600" algn="l" rtl="0" fontAlgn="base">
-              <a:spcBef>
-                <a:spcPct val="20000"/>
-              </a:spcBef>
-              <a:spcAft>
-                <a:spcPct val="0"/>
-              </a:spcAft>
-              <a:buClr>
-                <a:schemeClr val="accent1"/>
-              </a:buClr>
-              <a:buSzPct val="60000"/>
-              <a:buFont typeface="Zapf Dingbats" charset="2"/>
-              <a:buChar char="n"/>
-              <a:defRPr sz="2000">
-                <a:solidFill>
-                  <a:srgbClr val="000000"/>
-                </a:solidFill>
-                <a:latin typeface="+mn-lt"/>
-              </a:defRPr>
-            </a:lvl9pPr>
-          </a:lstStyle>
-          <a:p>
-            <a:pPr marL="0" indent="0">
-              <a:buFont typeface="Zapf Dingbats" charset="2"/>
-              <a:buNone/>
-            </a:pPr>
-            <a:r>
-              <a:rPr lang="nl-NL" sz="1400" kern="0" dirty="0" smtClean="0">
-                <a:latin typeface="Courier New" panose="02070309020205020404" pitchFamily="49" charset="0"/>
-                <a:cs typeface="Courier New" panose="02070309020205020404" pitchFamily="49" charset="0"/>
-              </a:rPr>
-              <a:t>We are </a:t>
-            </a:r>
-            <a:r>
-              <a:rPr lang="nl-NL" sz="1400" kern="0" dirty="0" err="1" smtClean="0">
-                <a:latin typeface="Courier New" panose="02070309020205020404" pitchFamily="49" charset="0"/>
-                <a:cs typeface="Courier New" panose="02070309020205020404" pitchFamily="49" charset="0"/>
-              </a:rPr>
-              <a:t>going</a:t>
-            </a:r>
-            <a:r>
-              <a:rPr lang="nl-NL" sz="1400" kern="0" dirty="0" smtClean="0">
-                <a:latin typeface="Courier New" panose="02070309020205020404" pitchFamily="49" charset="0"/>
-                <a:cs typeface="Courier New" panose="02070309020205020404" pitchFamily="49" charset="0"/>
-              </a:rPr>
-              <a:t> </a:t>
-            </a:r>
-            <a:r>
-              <a:rPr lang="nl-NL" sz="1400" kern="0" dirty="0" err="1" smtClean="0">
-                <a:latin typeface="Courier New" panose="02070309020205020404" pitchFamily="49" charset="0"/>
-                <a:cs typeface="Courier New" panose="02070309020205020404" pitchFamily="49" charset="0"/>
-              </a:rPr>
-              <a:t>to</a:t>
-            </a:r>
-            <a:r>
-              <a:rPr lang="nl-NL" sz="1400" kern="0" dirty="0" smtClean="0">
-                <a:latin typeface="Courier New" panose="02070309020205020404" pitchFamily="49" charset="0"/>
-                <a:cs typeface="Courier New" panose="02070309020205020404" pitchFamily="49" charset="0"/>
-              </a:rPr>
-              <a:t> </a:t>
-            </a:r>
-            <a:r>
-              <a:rPr lang="nl-NL" sz="1400" kern="0" dirty="0" err="1" smtClean="0">
-                <a:latin typeface="Courier New" panose="02070309020205020404" pitchFamily="49" charset="0"/>
-                <a:cs typeface="Courier New" panose="02070309020205020404" pitchFamily="49" charset="0"/>
-              </a:rPr>
-              <a:t>predict</a:t>
-            </a:r>
-            <a:r>
-              <a:rPr lang="nl-NL" sz="1400" kern="0" dirty="0" smtClean="0">
-                <a:latin typeface="Courier New" panose="02070309020205020404" pitchFamily="49" charset="0"/>
-                <a:cs typeface="Courier New" panose="02070309020205020404" pitchFamily="49" charset="0"/>
-              </a:rPr>
-              <a:t> </a:t>
-            </a:r>
-            <a:r>
-              <a:rPr lang="nl-NL" sz="1400" kern="0" dirty="0" err="1" smtClean="0">
-                <a:latin typeface="Courier New" panose="02070309020205020404" pitchFamily="49" charset="0"/>
-                <a:cs typeface="Courier New" panose="02070309020205020404" pitchFamily="49" charset="0"/>
-              </a:rPr>
-              <a:t>survivors</a:t>
-            </a:r>
-            <a:r>
-              <a:rPr lang="nl-NL" sz="1400" kern="0" dirty="0" smtClean="0">
-                <a:latin typeface="Courier New" panose="02070309020205020404" pitchFamily="49" charset="0"/>
-                <a:cs typeface="Courier New" panose="02070309020205020404" pitchFamily="49" charset="0"/>
-              </a:rPr>
-              <a:t> on the </a:t>
-            </a:r>
-            <a:r>
-              <a:rPr lang="nl-NL" sz="1400" i="1" kern="0" dirty="0" smtClean="0">
-                <a:latin typeface="Courier New" panose="02070309020205020404" pitchFamily="49" charset="0"/>
-                <a:cs typeface="Courier New" panose="02070309020205020404" pitchFamily="49" charset="0"/>
-              </a:rPr>
-              <a:t>Titanic. </a:t>
-            </a:r>
-            <a:r>
-              <a:rPr lang="nl-NL" sz="1400" kern="0" dirty="0" smtClean="0">
-                <a:latin typeface="Courier New" panose="02070309020205020404" pitchFamily="49" charset="0"/>
-                <a:cs typeface="Courier New" panose="02070309020205020404" pitchFamily="49" charset="0"/>
-              </a:rPr>
-              <a:t>This is a classic data set in machine </a:t>
-            </a:r>
-            <a:r>
-              <a:rPr lang="nl-NL" sz="1400" kern="0" dirty="0" err="1" smtClean="0">
-                <a:latin typeface="Courier New" panose="02070309020205020404" pitchFamily="49" charset="0"/>
-                <a:cs typeface="Courier New" panose="02070309020205020404" pitchFamily="49" charset="0"/>
-              </a:rPr>
-              <a:t>learning</a:t>
-            </a:r>
-            <a:r>
-              <a:rPr lang="nl-NL" sz="1400" kern="0" dirty="0" smtClean="0">
-                <a:latin typeface="Courier New" panose="02070309020205020404" pitchFamily="49" charset="0"/>
-                <a:cs typeface="Courier New" panose="02070309020205020404" pitchFamily="49" charset="0"/>
-              </a:rPr>
-              <a:t>. </a:t>
-            </a:r>
-            <a:r>
-              <a:rPr lang="nl-NL" sz="1400" kern="0" dirty="0" err="1" smtClean="0">
-                <a:latin typeface="Courier New" panose="02070309020205020404" pitchFamily="49" charset="0"/>
-                <a:cs typeface="Courier New" panose="02070309020205020404" pitchFamily="49" charset="0"/>
-              </a:rPr>
-              <a:t>So</a:t>
-            </a:r>
-            <a:r>
-              <a:rPr lang="nl-NL" sz="1400" kern="0" dirty="0" smtClean="0">
-                <a:latin typeface="Courier New" panose="02070309020205020404" pitchFamily="49" charset="0"/>
-                <a:cs typeface="Courier New" panose="02070309020205020404" pitchFamily="49" charset="0"/>
-              </a:rPr>
-              <a:t> </a:t>
-            </a:r>
-            <a:r>
-              <a:rPr lang="nl-NL" sz="1400" kern="0" dirty="0" err="1" smtClean="0">
-                <a:latin typeface="Courier New" panose="02070309020205020404" pitchFamily="49" charset="0"/>
-                <a:cs typeface="Courier New" panose="02070309020205020404" pitchFamily="49" charset="0"/>
-              </a:rPr>
-              <a:t>there</a:t>
-            </a:r>
-            <a:r>
-              <a:rPr lang="nl-NL" sz="1400" kern="0" dirty="0" smtClean="0">
-                <a:latin typeface="Courier New" panose="02070309020205020404" pitchFamily="49" charset="0"/>
-                <a:cs typeface="Courier New" panose="02070309020205020404" pitchFamily="49" charset="0"/>
-              </a:rPr>
-              <a:t> are plenty of </a:t>
-            </a:r>
-            <a:r>
-              <a:rPr lang="nl-NL" sz="1400" kern="0" dirty="0" err="1" smtClean="0">
-                <a:latin typeface="Courier New" panose="02070309020205020404" pitchFamily="49" charset="0"/>
-                <a:cs typeface="Courier New" panose="02070309020205020404" pitchFamily="49" charset="0"/>
-              </a:rPr>
-              <a:t>ideas</a:t>
-            </a:r>
-            <a:r>
-              <a:rPr lang="nl-NL" sz="1400" kern="0" dirty="0" smtClean="0">
-                <a:latin typeface="Courier New" panose="02070309020205020404" pitchFamily="49" charset="0"/>
-                <a:cs typeface="Courier New" panose="02070309020205020404" pitchFamily="49" charset="0"/>
-              </a:rPr>
-              <a:t> on the web. For </a:t>
-            </a:r>
-            <a:r>
-              <a:rPr lang="nl-NL" sz="1400" kern="0" dirty="0" err="1" smtClean="0">
-                <a:latin typeface="Courier New" panose="02070309020205020404" pitchFamily="49" charset="0"/>
-                <a:cs typeface="Courier New" panose="02070309020205020404" pitchFamily="49" charset="0"/>
-              </a:rPr>
-              <a:t>an</a:t>
-            </a:r>
-            <a:r>
-              <a:rPr lang="nl-NL" sz="1400" kern="0" dirty="0" smtClean="0">
-                <a:latin typeface="Courier New" panose="02070309020205020404" pitchFamily="49" charset="0"/>
-                <a:cs typeface="Courier New" panose="02070309020205020404" pitchFamily="49" charset="0"/>
-              </a:rPr>
-              <a:t> </a:t>
-            </a:r>
-            <a:r>
-              <a:rPr lang="nl-NL" sz="1400" kern="0" dirty="0" err="1" smtClean="0">
-                <a:latin typeface="Courier New" panose="02070309020205020404" pitchFamily="49" charset="0"/>
-                <a:cs typeface="Courier New" panose="02070309020205020404" pitchFamily="49" charset="0"/>
-              </a:rPr>
-              <a:t>explanation</a:t>
-            </a:r>
-            <a:r>
-              <a:rPr lang="nl-NL" sz="1400" kern="0" dirty="0" smtClean="0">
-                <a:latin typeface="Courier New" panose="02070309020205020404" pitchFamily="49" charset="0"/>
-                <a:cs typeface="Courier New" panose="02070309020205020404" pitchFamily="49" charset="0"/>
-              </a:rPr>
-              <a:t> of the variables, </a:t>
-            </a:r>
-            <a:r>
-              <a:rPr lang="nl-NL" sz="1400" kern="0" dirty="0" err="1" smtClean="0">
-                <a:latin typeface="Courier New" panose="02070309020205020404" pitchFamily="49" charset="0"/>
-                <a:cs typeface="Courier New" panose="02070309020205020404" pitchFamily="49" charset="0"/>
-              </a:rPr>
-              <a:t>see</a:t>
-            </a:r>
-            <a:r>
-              <a:rPr lang="nl-NL" sz="1400" kern="0" dirty="0" smtClean="0">
-                <a:latin typeface="Courier New" panose="02070309020205020404" pitchFamily="49" charset="0"/>
-                <a:cs typeface="Courier New" panose="02070309020205020404" pitchFamily="49" charset="0"/>
-              </a:rPr>
-              <a:t> </a:t>
-            </a:r>
-            <a:r>
-              <a:rPr lang="nl-NL" sz="1400" kern="0" dirty="0" smtClean="0">
-                <a:latin typeface="Courier New" panose="02070309020205020404" pitchFamily="49" charset="0"/>
-                <a:cs typeface="Courier New" panose="02070309020205020404" pitchFamily="49" charset="0"/>
-                <a:hlinkClick r:id="rId2"/>
-              </a:rPr>
-              <a:t>here</a:t>
-            </a:r>
-            <a:r>
-              <a:rPr lang="nl-NL" sz="1400" kern="0" dirty="0" smtClean="0">
-                <a:latin typeface="Courier New" panose="02070309020205020404" pitchFamily="49" charset="0"/>
-                <a:cs typeface="Courier New" panose="02070309020205020404" pitchFamily="49" charset="0"/>
-              </a:rPr>
-              <a:t>.</a:t>
-            </a:r>
-          </a:p>
-          <a:p>
-            <a:pPr marL="0" indent="0">
-              <a:buFont typeface="Zapf Dingbats" charset="2"/>
-              <a:buNone/>
-            </a:pPr>
-            <a:endParaRPr lang="nl-NL" sz="1400" kern="0" dirty="0">
-              <a:latin typeface="Courier New" panose="02070309020205020404" pitchFamily="49" charset="0"/>
-              <a:cs typeface="Courier New" panose="02070309020205020404" pitchFamily="49" charset="0"/>
-            </a:endParaRPr>
-          </a:p>
-          <a:p>
-            <a:pPr marL="0" indent="0">
-              <a:buFont typeface="Zapf Dingbats" charset="2"/>
-              <a:buNone/>
-            </a:pPr>
-            <a:r>
-              <a:rPr lang="nl-NL" sz="1400" kern="0" dirty="0" err="1" smtClean="0">
-                <a:latin typeface="Courier New" panose="02070309020205020404" pitchFamily="49" charset="0"/>
-                <a:cs typeface="Courier New" panose="02070309020205020404" pitchFamily="49" charset="0"/>
-              </a:rPr>
-              <a:t>You</a:t>
-            </a:r>
-            <a:r>
-              <a:rPr lang="nl-NL" sz="1400" kern="0" dirty="0" smtClean="0">
-                <a:latin typeface="Courier New" panose="02070309020205020404" pitchFamily="49" charset="0"/>
-                <a:cs typeface="Courier New" panose="02070309020205020404" pitchFamily="49" charset="0"/>
-              </a:rPr>
-              <a:t> </a:t>
-            </a:r>
-            <a:r>
-              <a:rPr lang="nl-NL" sz="1400" kern="0" dirty="0" err="1" smtClean="0">
-                <a:latin typeface="Courier New" panose="02070309020205020404" pitchFamily="49" charset="0"/>
-                <a:cs typeface="Courier New" panose="02070309020205020404" pitchFamily="49" charset="0"/>
-              </a:rPr>
-              <a:t>can</a:t>
-            </a:r>
-            <a:r>
-              <a:rPr lang="nl-NL" sz="1400" kern="0" dirty="0" smtClean="0">
-                <a:latin typeface="Courier New" panose="02070309020205020404" pitchFamily="49" charset="0"/>
-                <a:cs typeface="Courier New" panose="02070309020205020404" pitchFamily="49" charset="0"/>
-              </a:rPr>
-              <a:t> </a:t>
-            </a:r>
-            <a:r>
-              <a:rPr lang="nl-NL" sz="1400" kern="0" dirty="0" err="1" smtClean="0">
-                <a:latin typeface="Courier New" panose="02070309020205020404" pitchFamily="49" charset="0"/>
-                <a:cs typeface="Courier New" panose="02070309020205020404" pitchFamily="49" charset="0"/>
-              </a:rPr>
-              <a:t>find</a:t>
-            </a:r>
-            <a:r>
-              <a:rPr lang="nl-NL" sz="1400" kern="0" dirty="0" smtClean="0">
-                <a:latin typeface="Courier New" panose="02070309020205020404" pitchFamily="49" charset="0"/>
-                <a:cs typeface="Courier New" panose="02070309020205020404" pitchFamily="49" charset="0"/>
-              </a:rPr>
-              <a:t> the data set in the </a:t>
-            </a:r>
-            <a:r>
-              <a:rPr lang="nl-NL" sz="1400" kern="0" dirty="0" err="1" smtClean="0">
-                <a:latin typeface="Courier New" panose="02070309020205020404" pitchFamily="49" charset="0"/>
-                <a:cs typeface="Courier New" panose="02070309020205020404" pitchFamily="49" charset="0"/>
-              </a:rPr>
-              <a:t>Exercises</a:t>
-            </a:r>
-            <a:r>
-              <a:rPr lang="nl-NL" sz="1400" kern="0" dirty="0" smtClean="0">
-                <a:latin typeface="Courier New" panose="02070309020205020404" pitchFamily="49" charset="0"/>
-                <a:cs typeface="Courier New" panose="02070309020205020404" pitchFamily="49" charset="0"/>
-              </a:rPr>
-              <a:t> folder. </a:t>
-            </a:r>
-            <a:r>
-              <a:rPr lang="nl-NL" sz="1400" kern="0" dirty="0" smtClean="0">
-                <a:latin typeface="Courier New" panose="02070309020205020404" pitchFamily="49" charset="0"/>
-                <a:cs typeface="Courier New" panose="02070309020205020404" pitchFamily="49" charset="0"/>
-              </a:rPr>
-              <a:t>See the Notebook </a:t>
-            </a:r>
-            <a:r>
-              <a:rPr lang="nl-NL" sz="1400" i="1" kern="0" dirty="0" smtClean="0">
-                <a:latin typeface="Courier New" panose="02070309020205020404" pitchFamily="49" charset="0"/>
-                <a:cs typeface="Courier New" panose="02070309020205020404" pitchFamily="49" charset="0"/>
-              </a:rPr>
-              <a:t>k-</a:t>
-            </a:r>
-            <a:r>
-              <a:rPr lang="nl-NL" sz="1400" i="1" kern="0" dirty="0" err="1" smtClean="0">
-                <a:latin typeface="Courier New" panose="02070309020205020404" pitchFamily="49" charset="0"/>
-                <a:cs typeface="Courier New" panose="02070309020205020404" pitchFamily="49" charset="0"/>
-              </a:rPr>
-              <a:t>nn</a:t>
-            </a:r>
-            <a:r>
-              <a:rPr lang="nl-NL" sz="1400" i="1" kern="0" dirty="0" smtClean="0">
-                <a:latin typeface="Courier New" panose="02070309020205020404" pitchFamily="49" charset="0"/>
-                <a:cs typeface="Courier New" panose="02070309020205020404" pitchFamily="49" charset="0"/>
-              </a:rPr>
-              <a:t> </a:t>
-            </a:r>
-            <a:r>
-              <a:rPr lang="nl-NL" sz="1400" kern="0" dirty="0" smtClean="0">
-                <a:latin typeface="Courier New" panose="02070309020205020404" pitchFamily="49" charset="0"/>
-                <a:cs typeface="Courier New" panose="02070309020205020404" pitchFamily="49" charset="0"/>
-              </a:rPr>
-              <a:t>in the </a:t>
-            </a:r>
-            <a:r>
-              <a:rPr lang="nl-NL" sz="1400" kern="0" dirty="0" err="1" smtClean="0">
-                <a:latin typeface="Courier New" panose="02070309020205020404" pitchFamily="49" charset="0"/>
-                <a:cs typeface="Courier New" panose="02070309020205020404" pitchFamily="49" charset="0"/>
-              </a:rPr>
-              <a:t>Examples</a:t>
-            </a:r>
-            <a:r>
-              <a:rPr lang="nl-NL" sz="1400" kern="0" dirty="0" smtClean="0">
-                <a:latin typeface="Courier New" panose="02070309020205020404" pitchFamily="49" charset="0"/>
-                <a:cs typeface="Courier New" panose="02070309020205020404" pitchFamily="49" charset="0"/>
-              </a:rPr>
-              <a:t> folder </a:t>
-            </a:r>
-            <a:r>
-              <a:rPr lang="nl-NL" sz="1400" kern="0" dirty="0" err="1" smtClean="0">
-                <a:latin typeface="Courier New" panose="02070309020205020404" pitchFamily="49" charset="0"/>
-                <a:cs typeface="Courier New" panose="02070309020205020404" pitchFamily="49" charset="0"/>
-              </a:rPr>
-              <a:t>for</a:t>
-            </a:r>
-            <a:r>
-              <a:rPr lang="nl-NL" sz="1400" kern="0" dirty="0" smtClean="0">
-                <a:latin typeface="Courier New" panose="02070309020205020404" pitchFamily="49" charset="0"/>
-                <a:cs typeface="Courier New" panose="02070309020205020404" pitchFamily="49" charset="0"/>
-              </a:rPr>
-              <a:t> </a:t>
-            </a:r>
-            <a:r>
-              <a:rPr lang="nl-NL" sz="1400" kern="0" dirty="0" err="1" smtClean="0">
-                <a:latin typeface="Courier New" panose="02070309020205020404" pitchFamily="49" charset="0"/>
-                <a:cs typeface="Courier New" panose="02070309020205020404" pitchFamily="49" charset="0"/>
-              </a:rPr>
-              <a:t>example</a:t>
-            </a:r>
-            <a:r>
-              <a:rPr lang="nl-NL" sz="1400" kern="0" dirty="0" smtClean="0">
-                <a:latin typeface="Courier New" panose="02070309020205020404" pitchFamily="49" charset="0"/>
-                <a:cs typeface="Courier New" panose="02070309020205020404" pitchFamily="49" charset="0"/>
-              </a:rPr>
-              <a:t> code, </a:t>
-            </a:r>
-            <a:r>
-              <a:rPr lang="nl-NL" sz="1400" kern="0" dirty="0" err="1" smtClean="0">
-                <a:latin typeface="Courier New" panose="02070309020205020404" pitchFamily="49" charset="0"/>
-                <a:cs typeface="Courier New" panose="02070309020205020404" pitchFamily="49" charset="0"/>
-              </a:rPr>
-              <a:t>and</a:t>
-            </a:r>
-            <a:r>
-              <a:rPr lang="nl-NL" sz="1400" kern="0" dirty="0" smtClean="0">
-                <a:latin typeface="Courier New" panose="02070309020205020404" pitchFamily="49" charset="0"/>
-                <a:cs typeface="Courier New" panose="02070309020205020404" pitchFamily="49" charset="0"/>
-              </a:rPr>
-              <a:t> the </a:t>
-            </a:r>
-            <a:r>
-              <a:rPr lang="nl-NL" sz="1400" i="1" kern="0" dirty="0" err="1" smtClean="0">
-                <a:latin typeface="Courier New" panose="02070309020205020404" pitchFamily="49" charset="0"/>
-                <a:cs typeface="Courier New" panose="02070309020205020404" pitchFamily="49" charset="0"/>
-              </a:rPr>
-              <a:t>cookbook</a:t>
-            </a:r>
-            <a:r>
-              <a:rPr lang="nl-NL" sz="1400" i="1" kern="0" dirty="0" smtClean="0">
-                <a:latin typeface="Courier New" panose="02070309020205020404" pitchFamily="49" charset="0"/>
-                <a:cs typeface="Courier New" panose="02070309020205020404" pitchFamily="49" charset="0"/>
-              </a:rPr>
-              <a:t> </a:t>
-            </a:r>
-            <a:r>
-              <a:rPr lang="nl-NL" sz="1400" kern="0" dirty="0" smtClean="0">
-                <a:latin typeface="Courier New" panose="02070309020205020404" pitchFamily="49" charset="0"/>
-                <a:cs typeface="Courier New" panose="02070309020205020404" pitchFamily="49" charset="0"/>
-              </a:rPr>
-              <a:t>Notebook.</a:t>
-            </a:r>
-            <a:endParaRPr lang="nl-NL" sz="1400" kern="0" dirty="0" smtClean="0">
-              <a:latin typeface="Courier New" panose="02070309020205020404" pitchFamily="49" charset="0"/>
-              <a:cs typeface="Courier New" panose="02070309020205020404" pitchFamily="49" charset="0"/>
-            </a:endParaRPr>
-          </a:p>
-          <a:p>
-            <a:pPr marL="0" indent="0">
-              <a:buFont typeface="Zapf Dingbats" charset="2"/>
-              <a:buNone/>
-            </a:pPr>
-            <a:endParaRPr lang="nl-NL" sz="1400" kern="0" dirty="0">
-              <a:latin typeface="Courier New" panose="02070309020205020404" pitchFamily="49" charset="0"/>
-              <a:cs typeface="Courier New" panose="02070309020205020404" pitchFamily="49" charset="0"/>
-            </a:endParaRPr>
-          </a:p>
-          <a:p>
-            <a:pPr>
-              <a:buFont typeface="Zapf Dingbats" charset="2"/>
-              <a:buAutoNum type="arabicPeriod"/>
-            </a:pPr>
-            <a:r>
-              <a:rPr lang="nl-NL" sz="1400" kern="0" dirty="0" err="1" smtClean="0">
-                <a:latin typeface="Courier New" panose="02070309020205020404" pitchFamily="49" charset="0"/>
-                <a:cs typeface="Courier New" panose="02070309020205020404" pitchFamily="49" charset="0"/>
-              </a:rPr>
-              <a:t>Inspect</a:t>
-            </a:r>
-            <a:r>
-              <a:rPr lang="nl-NL" sz="1400" kern="0" dirty="0" smtClean="0">
-                <a:latin typeface="Courier New" panose="02070309020205020404" pitchFamily="49" charset="0"/>
-                <a:cs typeface="Courier New" panose="02070309020205020404" pitchFamily="49" charset="0"/>
-              </a:rPr>
-              <a:t> the data set. </a:t>
-            </a:r>
-            <a:r>
-              <a:rPr lang="nl-NL" sz="1400" kern="0" dirty="0" err="1" smtClean="0">
-                <a:latin typeface="Courier New" panose="02070309020205020404" pitchFamily="49" charset="0"/>
-                <a:cs typeface="Courier New" panose="02070309020205020404" pitchFamily="49" charset="0"/>
-              </a:rPr>
-              <a:t>There</a:t>
-            </a:r>
-            <a:r>
-              <a:rPr lang="nl-NL" sz="1400" kern="0" dirty="0" smtClean="0">
-                <a:latin typeface="Courier New" panose="02070309020205020404" pitchFamily="49" charset="0"/>
-                <a:cs typeface="Courier New" panose="02070309020205020404" pitchFamily="49" charset="0"/>
-              </a:rPr>
-              <a:t> </a:t>
-            </a:r>
-            <a:r>
-              <a:rPr lang="nl-NL" sz="1400" kern="0" dirty="0">
-                <a:latin typeface="Courier New" panose="02070309020205020404" pitchFamily="49" charset="0"/>
-                <a:cs typeface="Courier New" panose="02070309020205020404" pitchFamily="49" charset="0"/>
-              </a:rPr>
-              <a:t>are </a:t>
-            </a:r>
-            <a:r>
-              <a:rPr lang="nl-NL" sz="1400" kern="0" dirty="0" smtClean="0">
-                <a:latin typeface="Courier New" panose="02070309020205020404" pitchFamily="49" charset="0"/>
-                <a:cs typeface="Courier New" panose="02070309020205020404" pitchFamily="49" charset="0"/>
-              </a:rPr>
-              <a:t>5 </a:t>
-            </a:r>
-            <a:r>
-              <a:rPr lang="nl-NL" sz="1400" kern="0" dirty="0">
-                <a:latin typeface="Courier New" panose="02070309020205020404" pitchFamily="49" charset="0"/>
-                <a:cs typeface="Courier New" panose="02070309020205020404" pitchFamily="49" charset="0"/>
-              </a:rPr>
-              <a:t>columns </a:t>
-            </a:r>
-            <a:r>
-              <a:rPr lang="nl-NL" sz="1400" kern="0" dirty="0" err="1">
-                <a:latin typeface="Courier New" panose="02070309020205020404" pitchFamily="49" charset="0"/>
-                <a:cs typeface="Courier New" panose="02070309020205020404" pitchFamily="49" charset="0"/>
-              </a:rPr>
-              <a:t>which</a:t>
-            </a:r>
-            <a:r>
-              <a:rPr lang="nl-NL" sz="1400" kern="0" dirty="0">
-                <a:latin typeface="Courier New" panose="02070309020205020404" pitchFamily="49" charset="0"/>
-                <a:cs typeface="Courier New" panose="02070309020205020404" pitchFamily="49" charset="0"/>
-              </a:rPr>
-              <a:t> </a:t>
-            </a:r>
-            <a:r>
-              <a:rPr lang="nl-NL" sz="1400" kern="0" dirty="0" err="1">
-                <a:latin typeface="Courier New" panose="02070309020205020404" pitchFamily="49" charset="0"/>
-                <a:cs typeface="Courier New" panose="02070309020205020404" pitchFamily="49" charset="0"/>
-              </a:rPr>
-              <a:t>contain</a:t>
-            </a:r>
-            <a:r>
-              <a:rPr lang="nl-NL" sz="1400" kern="0" dirty="0">
-                <a:latin typeface="Courier New" panose="02070309020205020404" pitchFamily="49" charset="0"/>
-                <a:cs typeface="Courier New" panose="02070309020205020404" pitchFamily="49" charset="0"/>
-              </a:rPr>
-              <a:t> ‘easy </a:t>
-            </a:r>
-            <a:r>
-              <a:rPr lang="nl-NL" sz="1400" kern="0" dirty="0" err="1">
-                <a:latin typeface="Courier New" panose="02070309020205020404" pitchFamily="49" charset="0"/>
-                <a:cs typeface="Courier New" panose="02070309020205020404" pitchFamily="49" charset="0"/>
-              </a:rPr>
-              <a:t>to</a:t>
-            </a:r>
-            <a:r>
-              <a:rPr lang="nl-NL" sz="1400" kern="0" dirty="0">
-                <a:latin typeface="Courier New" panose="02070309020205020404" pitchFamily="49" charset="0"/>
-                <a:cs typeface="Courier New" panose="02070309020205020404" pitchFamily="49" charset="0"/>
-              </a:rPr>
-              <a:t> </a:t>
-            </a:r>
-            <a:r>
-              <a:rPr lang="nl-NL" sz="1400" kern="0" dirty="0" err="1">
-                <a:latin typeface="Courier New" panose="02070309020205020404" pitchFamily="49" charset="0"/>
-                <a:cs typeface="Courier New" panose="02070309020205020404" pitchFamily="49" charset="0"/>
-              </a:rPr>
-              <a:t>work</a:t>
-            </a:r>
-            <a:r>
-              <a:rPr lang="nl-NL" sz="1400" kern="0" dirty="0">
-                <a:latin typeface="Courier New" panose="02070309020205020404" pitchFamily="49" charset="0"/>
-                <a:cs typeface="Courier New" panose="02070309020205020404" pitchFamily="49" charset="0"/>
-              </a:rPr>
-              <a:t> </a:t>
-            </a:r>
-            <a:r>
-              <a:rPr lang="nl-NL" sz="1400" kern="0" dirty="0" err="1">
-                <a:latin typeface="Courier New" panose="02070309020205020404" pitchFamily="49" charset="0"/>
-                <a:cs typeface="Courier New" panose="02070309020205020404" pitchFamily="49" charset="0"/>
-              </a:rPr>
-              <a:t>with</a:t>
-            </a:r>
-            <a:r>
-              <a:rPr lang="nl-NL" sz="1400" kern="0" dirty="0">
-                <a:latin typeface="Courier New" panose="02070309020205020404" pitchFamily="49" charset="0"/>
-                <a:cs typeface="Courier New" panose="02070309020205020404" pitchFamily="49" charset="0"/>
-              </a:rPr>
-              <a:t>’ </a:t>
-            </a:r>
-            <a:r>
-              <a:rPr lang="nl-NL" sz="1400" kern="0" dirty="0" err="1">
-                <a:latin typeface="Courier New" panose="02070309020205020404" pitchFamily="49" charset="0"/>
-                <a:cs typeface="Courier New" panose="02070309020205020404" pitchFamily="49" charset="0"/>
-              </a:rPr>
-              <a:t>qualitative</a:t>
-            </a:r>
-            <a:r>
-              <a:rPr lang="nl-NL" sz="1400" kern="0" dirty="0">
-                <a:latin typeface="Courier New" panose="02070309020205020404" pitchFamily="49" charset="0"/>
-                <a:cs typeface="Courier New" panose="02070309020205020404" pitchFamily="49" charset="0"/>
-              </a:rPr>
-              <a:t> or </a:t>
-            </a:r>
-            <a:r>
-              <a:rPr lang="nl-NL" sz="1400" kern="0" dirty="0" err="1">
-                <a:latin typeface="Courier New" panose="02070309020205020404" pitchFamily="49" charset="0"/>
-                <a:cs typeface="Courier New" panose="02070309020205020404" pitchFamily="49" charset="0"/>
-              </a:rPr>
-              <a:t>quantitative</a:t>
-            </a:r>
-            <a:r>
-              <a:rPr lang="nl-NL" sz="1400" kern="0" dirty="0">
-                <a:latin typeface="Courier New" panose="02070309020205020404" pitchFamily="49" charset="0"/>
-                <a:cs typeface="Courier New" panose="02070309020205020404" pitchFamily="49" charset="0"/>
-              </a:rPr>
-              <a:t> variables. </a:t>
-            </a:r>
-            <a:r>
-              <a:rPr lang="nl-NL" sz="1400" kern="0" dirty="0" err="1">
-                <a:latin typeface="Courier New" panose="02070309020205020404" pitchFamily="49" charset="0"/>
-                <a:cs typeface="Courier New" panose="02070309020205020404" pitchFamily="49" charset="0"/>
-              </a:rPr>
-              <a:t>Which</a:t>
-            </a:r>
-            <a:r>
-              <a:rPr lang="nl-NL" sz="1400" kern="0" dirty="0">
-                <a:latin typeface="Courier New" panose="02070309020205020404" pitchFamily="49" charset="0"/>
-                <a:cs typeface="Courier New" panose="02070309020205020404" pitchFamily="49" charset="0"/>
-              </a:rPr>
-              <a:t> are </a:t>
-            </a:r>
-            <a:r>
-              <a:rPr lang="nl-NL" sz="1400" kern="0" dirty="0" err="1">
-                <a:latin typeface="Courier New" panose="02070309020205020404" pitchFamily="49" charset="0"/>
-                <a:cs typeface="Courier New" panose="02070309020205020404" pitchFamily="49" charset="0"/>
-              </a:rPr>
-              <a:t>they</a:t>
-            </a:r>
-            <a:r>
-              <a:rPr lang="nl-NL" sz="1400" kern="0" dirty="0">
-                <a:latin typeface="Courier New" panose="02070309020205020404" pitchFamily="49" charset="0"/>
-                <a:cs typeface="Courier New" panose="02070309020205020404" pitchFamily="49" charset="0"/>
-              </a:rPr>
-              <a:t>? Select these.</a:t>
-            </a:r>
-          </a:p>
-          <a:p>
-            <a:pPr>
-              <a:buFont typeface="Zapf Dingbats" charset="2"/>
-              <a:buAutoNum type="arabicPeriod"/>
-            </a:pPr>
-            <a:endParaRPr lang="nl-NL" sz="1400" kern="0" dirty="0">
-              <a:latin typeface="Courier New" panose="02070309020205020404" pitchFamily="49" charset="0"/>
-              <a:cs typeface="Courier New" panose="02070309020205020404" pitchFamily="49" charset="0"/>
-            </a:endParaRPr>
-          </a:p>
-          <a:p>
-            <a:pPr>
-              <a:buFont typeface="Zapf Dingbats" charset="2"/>
-              <a:buAutoNum type="arabicPeriod"/>
-            </a:pPr>
-            <a:r>
-              <a:rPr lang="nl-NL" sz="1400" kern="0" dirty="0" err="1" smtClean="0">
-                <a:latin typeface="Courier New" panose="02070309020205020404" pitchFamily="49" charset="0"/>
-                <a:cs typeface="Courier New" panose="02070309020205020404" pitchFamily="49" charset="0"/>
-              </a:rPr>
-              <a:t>Then</a:t>
-            </a:r>
-            <a:r>
-              <a:rPr lang="nl-NL" sz="1400" kern="0" dirty="0" smtClean="0">
-                <a:latin typeface="Courier New" panose="02070309020205020404" pitchFamily="49" charset="0"/>
-                <a:cs typeface="Courier New" panose="02070309020205020404" pitchFamily="49" charset="0"/>
-              </a:rPr>
-              <a:t>, get </a:t>
-            </a:r>
-            <a:r>
-              <a:rPr lang="nl-NL" sz="1400" kern="0" dirty="0" err="1" smtClean="0">
-                <a:latin typeface="Courier New" panose="02070309020205020404" pitchFamily="49" charset="0"/>
-                <a:cs typeface="Courier New" panose="02070309020205020404" pitchFamily="49" charset="0"/>
-              </a:rPr>
-              <a:t>rid</a:t>
-            </a:r>
-            <a:r>
-              <a:rPr lang="nl-NL" sz="1400" kern="0" dirty="0" smtClean="0">
-                <a:latin typeface="Courier New" panose="02070309020205020404" pitchFamily="49" charset="0"/>
-                <a:cs typeface="Courier New" panose="02070309020205020404" pitchFamily="49" charset="0"/>
-              </a:rPr>
-              <a:t> of the </a:t>
-            </a:r>
-            <a:r>
-              <a:rPr lang="nl-NL" sz="1400" kern="0" dirty="0" err="1" smtClean="0">
-                <a:latin typeface="Courier New" panose="02070309020205020404" pitchFamily="49" charset="0"/>
-                <a:cs typeface="Courier New" panose="02070309020205020404" pitchFamily="49" charset="0"/>
-              </a:rPr>
-              <a:t>row</a:t>
-            </a:r>
-            <a:r>
-              <a:rPr lang="nl-NL" sz="1400" kern="0" dirty="0" err="1" smtClean="0">
-                <a:latin typeface="Courier New" panose="02070309020205020404" pitchFamily="49" charset="0"/>
-                <a:cs typeface="Courier New" panose="02070309020205020404" pitchFamily="49" charset="0"/>
-              </a:rPr>
-              <a:t>s</a:t>
-            </a:r>
-            <a:r>
-              <a:rPr lang="nl-NL" sz="1400" kern="0" dirty="0" smtClean="0">
-                <a:latin typeface="Courier New" panose="02070309020205020404" pitchFamily="49" charset="0"/>
-                <a:cs typeface="Courier New" panose="02070309020205020404" pitchFamily="49" charset="0"/>
-              </a:rPr>
-              <a:t> </a:t>
-            </a:r>
-            <a:r>
-              <a:rPr lang="nl-NL" sz="1400" kern="0" dirty="0" err="1" smtClean="0">
-                <a:latin typeface="Courier New" panose="02070309020205020404" pitchFamily="49" charset="0"/>
-                <a:cs typeface="Courier New" panose="02070309020205020404" pitchFamily="49" charset="0"/>
-              </a:rPr>
-              <a:t>with</a:t>
-            </a:r>
-            <a:r>
-              <a:rPr lang="nl-NL" sz="1400" kern="0" dirty="0" smtClean="0">
-                <a:latin typeface="Courier New" panose="02070309020205020404" pitchFamily="49" charset="0"/>
-                <a:cs typeface="Courier New" panose="02070309020205020404" pitchFamily="49" charset="0"/>
-              </a:rPr>
-              <a:t> empty </a:t>
-            </a:r>
-            <a:r>
-              <a:rPr lang="nl-NL" sz="1400" kern="0" dirty="0" err="1" smtClean="0">
-                <a:latin typeface="Courier New" panose="02070309020205020404" pitchFamily="49" charset="0"/>
-                <a:cs typeface="Courier New" panose="02070309020205020404" pitchFamily="49" charset="0"/>
-              </a:rPr>
-              <a:t>cells</a:t>
-            </a:r>
-            <a:r>
-              <a:rPr lang="nl-NL" sz="1400" kern="0" dirty="0" smtClean="0">
-                <a:latin typeface="Courier New" panose="02070309020205020404" pitchFamily="49" charset="0"/>
-                <a:cs typeface="Courier New" panose="02070309020205020404" pitchFamily="49" charset="0"/>
-              </a:rPr>
-              <a:t>. </a:t>
-            </a:r>
-            <a:r>
-              <a:rPr lang="nl-NL" sz="1400" kern="0" dirty="0" err="1" smtClean="0">
-                <a:latin typeface="Courier New" panose="02070309020205020404" pitchFamily="49" charset="0"/>
-                <a:cs typeface="Courier New" panose="02070309020205020404" pitchFamily="49" charset="0"/>
-              </a:rPr>
-              <a:t>Why</a:t>
-            </a:r>
-            <a:r>
-              <a:rPr lang="nl-NL" sz="1400" kern="0" dirty="0" smtClean="0">
-                <a:latin typeface="Courier New" panose="02070309020205020404" pitchFamily="49" charset="0"/>
-                <a:cs typeface="Courier New" panose="02070309020205020404" pitchFamily="49" charset="0"/>
-              </a:rPr>
-              <a:t> </a:t>
-            </a:r>
-            <a:r>
-              <a:rPr lang="nl-NL" sz="1400" kern="0" dirty="0" err="1" smtClean="0">
-                <a:latin typeface="Courier New" panose="02070309020205020404" pitchFamily="49" charset="0"/>
-                <a:cs typeface="Courier New" panose="02070309020205020404" pitchFamily="49" charset="0"/>
-              </a:rPr>
-              <a:t>should</a:t>
-            </a:r>
-            <a:r>
-              <a:rPr lang="nl-NL" sz="1400" kern="0" dirty="0" smtClean="0">
-                <a:latin typeface="Courier New" panose="02070309020205020404" pitchFamily="49" charset="0"/>
-                <a:cs typeface="Courier New" panose="02070309020205020404" pitchFamily="49" charset="0"/>
-              </a:rPr>
-              <a:t> we do this </a:t>
-            </a:r>
-            <a:r>
-              <a:rPr lang="nl-NL" sz="1400" i="1" kern="0" dirty="0" err="1" smtClean="0">
-                <a:latin typeface="Courier New" panose="02070309020205020404" pitchFamily="49" charset="0"/>
-                <a:cs typeface="Courier New" panose="02070309020205020404" pitchFamily="49" charset="0"/>
-              </a:rPr>
-              <a:t>after</a:t>
-            </a:r>
-            <a:r>
-              <a:rPr lang="nl-NL" sz="1400" i="1" kern="0" dirty="0" smtClean="0">
-                <a:latin typeface="Courier New" panose="02070309020205020404" pitchFamily="49" charset="0"/>
-                <a:cs typeface="Courier New" panose="02070309020205020404" pitchFamily="49" charset="0"/>
-              </a:rPr>
-              <a:t> </a:t>
-            </a:r>
-            <a:r>
-              <a:rPr lang="nl-NL" sz="1400" kern="0" dirty="0" smtClean="0">
-                <a:latin typeface="Courier New" panose="02070309020205020404" pitchFamily="49" charset="0"/>
-                <a:cs typeface="Courier New" panose="02070309020205020404" pitchFamily="49" charset="0"/>
-              </a:rPr>
-              <a:t>step 1?</a:t>
-            </a:r>
-          </a:p>
-          <a:p>
-            <a:pPr>
-              <a:buFont typeface="Zapf Dingbats" charset="2"/>
-              <a:buAutoNum type="arabicPeriod"/>
-            </a:pPr>
-            <a:endParaRPr lang="nl-NL" sz="1400" kern="0" dirty="0">
-              <a:latin typeface="Courier New" panose="02070309020205020404" pitchFamily="49" charset="0"/>
-              <a:cs typeface="Courier New" panose="02070309020205020404" pitchFamily="49" charset="0"/>
-            </a:endParaRPr>
-          </a:p>
-          <a:p>
-            <a:pPr>
-              <a:buFont typeface="Zapf Dingbats" charset="2"/>
-              <a:buAutoNum type="arabicPeriod"/>
-            </a:pPr>
-            <a:r>
-              <a:rPr lang="nl-NL" sz="1400" kern="0" dirty="0" err="1" smtClean="0">
-                <a:latin typeface="Courier New" panose="02070309020205020404" pitchFamily="49" charset="0"/>
-                <a:cs typeface="Courier New" panose="02070309020205020404" pitchFamily="49" charset="0"/>
-              </a:rPr>
-              <a:t>Create</a:t>
-            </a:r>
-            <a:r>
-              <a:rPr lang="nl-NL" sz="1400" kern="0" dirty="0" smtClean="0">
-                <a:latin typeface="Courier New" panose="02070309020205020404" pitchFamily="49" charset="0"/>
-                <a:cs typeface="Courier New" panose="02070309020205020404" pitchFamily="49" charset="0"/>
-              </a:rPr>
-              <a:t> dummy variables </a:t>
-            </a:r>
-            <a:r>
-              <a:rPr lang="nl-NL" sz="1400" kern="0" dirty="0" err="1" smtClean="0">
-                <a:latin typeface="Courier New" panose="02070309020205020404" pitchFamily="49" charset="0"/>
-                <a:cs typeface="Courier New" panose="02070309020205020404" pitchFamily="49" charset="0"/>
-              </a:rPr>
-              <a:t>for</a:t>
-            </a:r>
-            <a:r>
-              <a:rPr lang="nl-NL" sz="1400" kern="0" dirty="0" smtClean="0">
-                <a:latin typeface="Courier New" panose="02070309020205020404" pitchFamily="49" charset="0"/>
-                <a:cs typeface="Courier New" panose="02070309020205020404" pitchFamily="49" charset="0"/>
-              </a:rPr>
-              <a:t> the </a:t>
-            </a:r>
-            <a:r>
-              <a:rPr lang="nl-NL" sz="1400" kern="0" dirty="0" err="1" smtClean="0">
-                <a:latin typeface="Courier New" panose="02070309020205020404" pitchFamily="49" charset="0"/>
-                <a:cs typeface="Courier New" panose="02070309020205020404" pitchFamily="49" charset="0"/>
-              </a:rPr>
-              <a:t>qualitative</a:t>
-            </a:r>
-            <a:r>
-              <a:rPr lang="nl-NL" sz="1400" kern="0" dirty="0" smtClean="0">
-                <a:latin typeface="Courier New" panose="02070309020205020404" pitchFamily="49" charset="0"/>
-                <a:cs typeface="Courier New" panose="02070309020205020404" pitchFamily="49" charset="0"/>
-              </a:rPr>
-              <a:t> </a:t>
-            </a:r>
-            <a:r>
-              <a:rPr lang="nl-NL" sz="1400" kern="0" dirty="0" err="1" smtClean="0">
-                <a:latin typeface="Courier New" panose="02070309020205020404" pitchFamily="49" charset="0"/>
-                <a:cs typeface="Courier New" panose="02070309020205020404" pitchFamily="49" charset="0"/>
-              </a:rPr>
-              <a:t>variable</a:t>
-            </a:r>
-            <a:r>
-              <a:rPr lang="nl-NL" sz="1400" kern="0" dirty="0" smtClean="0">
-                <a:latin typeface="Courier New" panose="02070309020205020404" pitchFamily="49" charset="0"/>
-                <a:cs typeface="Courier New" panose="02070309020205020404" pitchFamily="49" charset="0"/>
-              </a:rPr>
-              <a:t> </a:t>
-            </a:r>
-            <a:r>
-              <a:rPr lang="nl-NL" sz="1400" kern="0" dirty="0" err="1" smtClean="0">
-                <a:latin typeface="Courier New" panose="02070309020205020404" pitchFamily="49" charset="0"/>
-                <a:cs typeface="Courier New" panose="02070309020205020404" pitchFamily="49" charset="0"/>
-              </a:rPr>
-              <a:t>and</a:t>
-            </a:r>
-            <a:r>
-              <a:rPr lang="nl-NL" sz="1400" kern="0" dirty="0" smtClean="0">
-                <a:latin typeface="Courier New" panose="02070309020205020404" pitchFamily="49" charset="0"/>
-                <a:cs typeface="Courier New" panose="02070309020205020404" pitchFamily="49" charset="0"/>
-              </a:rPr>
-              <a:t> </a:t>
-            </a:r>
-            <a:r>
-              <a:rPr lang="nl-NL" sz="1400" kern="0" dirty="0" err="1" smtClean="0">
-                <a:latin typeface="Courier New" panose="02070309020205020404" pitchFamily="49" charset="0"/>
-                <a:cs typeface="Courier New" panose="02070309020205020404" pitchFamily="49" charset="0"/>
-              </a:rPr>
-              <a:t>add</a:t>
-            </a:r>
-            <a:r>
-              <a:rPr lang="nl-NL" sz="1400" kern="0" dirty="0" smtClean="0">
-                <a:latin typeface="Courier New" panose="02070309020205020404" pitchFamily="49" charset="0"/>
-                <a:cs typeface="Courier New" panose="02070309020205020404" pitchFamily="49" charset="0"/>
-              </a:rPr>
-              <a:t> </a:t>
-            </a:r>
-            <a:r>
-              <a:rPr lang="nl-NL" sz="1400" kern="0" dirty="0" err="1" smtClean="0">
-                <a:latin typeface="Courier New" panose="02070309020205020404" pitchFamily="49" charset="0"/>
-                <a:cs typeface="Courier New" panose="02070309020205020404" pitchFamily="49" charset="0"/>
-              </a:rPr>
-              <a:t>them</a:t>
-            </a:r>
-            <a:r>
-              <a:rPr lang="nl-NL" sz="1400" kern="0" dirty="0" smtClean="0">
-                <a:latin typeface="Courier New" panose="02070309020205020404" pitchFamily="49" charset="0"/>
-                <a:cs typeface="Courier New" panose="02070309020205020404" pitchFamily="49" charset="0"/>
-              </a:rPr>
-              <a:t>.</a:t>
-            </a:r>
-          </a:p>
-          <a:p>
-            <a:pPr>
-              <a:buFont typeface="Zapf Dingbats" charset="2"/>
-              <a:buAutoNum type="arabicPeriod"/>
-            </a:pPr>
-            <a:endParaRPr lang="nl-NL" sz="1400" kern="0" dirty="0" smtClean="0">
-              <a:latin typeface="Courier New" panose="02070309020205020404" pitchFamily="49" charset="0"/>
-              <a:cs typeface="Courier New" panose="02070309020205020404" pitchFamily="49" charset="0"/>
-            </a:endParaRPr>
-          </a:p>
-          <a:p>
-            <a:pPr>
-              <a:buFont typeface="Zapf Dingbats" charset="2"/>
-              <a:buAutoNum type="arabicPeriod"/>
-            </a:pPr>
-            <a:r>
-              <a:rPr lang="nl-NL" sz="1400" kern="0" dirty="0" smtClean="0">
-                <a:latin typeface="Courier New" panose="02070309020205020404" pitchFamily="49" charset="0"/>
-                <a:cs typeface="Courier New" panose="02070309020205020404" pitchFamily="49" charset="0"/>
-              </a:rPr>
-              <a:t>Split the data </a:t>
-            </a:r>
-            <a:r>
-              <a:rPr lang="nl-NL" sz="1400" kern="0" dirty="0" err="1" smtClean="0">
-                <a:latin typeface="Courier New" panose="02070309020205020404" pitchFamily="49" charset="0"/>
-                <a:cs typeface="Courier New" panose="02070309020205020404" pitchFamily="49" charset="0"/>
-              </a:rPr>
-              <a:t>into</a:t>
-            </a:r>
-            <a:r>
-              <a:rPr lang="nl-NL" sz="1400" kern="0" dirty="0" smtClean="0">
-                <a:latin typeface="Courier New" panose="02070309020205020404" pitchFamily="49" charset="0"/>
-                <a:cs typeface="Courier New" panose="02070309020205020404" pitchFamily="49" charset="0"/>
-              </a:rPr>
-              <a:t> a training </a:t>
-            </a:r>
-            <a:r>
-              <a:rPr lang="nl-NL" sz="1400" kern="0" dirty="0" err="1" smtClean="0">
-                <a:latin typeface="Courier New" panose="02070309020205020404" pitchFamily="49" charset="0"/>
-                <a:cs typeface="Courier New" panose="02070309020205020404" pitchFamily="49" charset="0"/>
-              </a:rPr>
-              <a:t>and</a:t>
-            </a:r>
-            <a:r>
-              <a:rPr lang="nl-NL" sz="1400" kern="0" dirty="0" smtClean="0">
-                <a:latin typeface="Courier New" panose="02070309020205020404" pitchFamily="49" charset="0"/>
-                <a:cs typeface="Courier New" panose="02070309020205020404" pitchFamily="49" charset="0"/>
-              </a:rPr>
-              <a:t> data set.</a:t>
-            </a:r>
-          </a:p>
-          <a:p>
-            <a:pPr>
-              <a:buFont typeface="Zapf Dingbats" charset="2"/>
-              <a:buAutoNum type="arabicPeriod"/>
-            </a:pPr>
-            <a:endParaRPr lang="nl-NL" sz="1400" kern="0" dirty="0">
-              <a:latin typeface="Courier New" panose="02070309020205020404" pitchFamily="49" charset="0"/>
-              <a:cs typeface="Courier New" panose="02070309020205020404" pitchFamily="49" charset="0"/>
-            </a:endParaRPr>
-          </a:p>
-          <a:p>
-            <a:pPr>
-              <a:buFont typeface="Zapf Dingbats" charset="2"/>
-              <a:buAutoNum type="arabicPeriod"/>
-            </a:pPr>
-            <a:r>
-              <a:rPr lang="nl-NL" sz="1400" kern="0" dirty="0" smtClean="0">
-                <a:latin typeface="Courier New" panose="02070309020205020404" pitchFamily="49" charset="0"/>
-                <a:cs typeface="Courier New" panose="02070309020205020404" pitchFamily="49" charset="0"/>
-              </a:rPr>
-              <a:t>Train a </a:t>
-            </a:r>
-            <a:r>
-              <a:rPr lang="nl-NL" sz="1400" kern="0" dirty="0" err="1" smtClean="0">
-                <a:latin typeface="Courier New" panose="02070309020205020404" pitchFamily="49" charset="0"/>
-                <a:cs typeface="Courier New" panose="02070309020205020404" pitchFamily="49" charset="0"/>
-              </a:rPr>
-              <a:t>kNN-algorithm</a:t>
-            </a:r>
-            <a:r>
-              <a:rPr lang="nl-NL" sz="1400" kern="0" dirty="0" smtClean="0">
-                <a:latin typeface="Courier New" panose="02070309020205020404" pitchFamily="49" charset="0"/>
-                <a:cs typeface="Courier New" panose="02070309020205020404" pitchFamily="49" charset="0"/>
-              </a:rPr>
-              <a:t> on the data, </a:t>
-            </a:r>
-            <a:r>
-              <a:rPr lang="nl-NL" sz="1400" kern="0" dirty="0" err="1" smtClean="0">
-                <a:latin typeface="Courier New" panose="02070309020205020404" pitchFamily="49" charset="0"/>
-                <a:cs typeface="Courier New" panose="02070309020205020404" pitchFamily="49" charset="0"/>
-              </a:rPr>
-              <a:t>with</a:t>
-            </a:r>
-            <a:r>
-              <a:rPr lang="nl-NL" sz="1400" kern="0" dirty="0" smtClean="0">
-                <a:latin typeface="Courier New" panose="02070309020205020404" pitchFamily="49" charset="0"/>
-                <a:cs typeface="Courier New" panose="02070309020205020404" pitchFamily="49" charset="0"/>
-              </a:rPr>
-              <a:t> </a:t>
-            </a:r>
-            <a:r>
-              <a:rPr lang="nl-NL" sz="1400" i="1" kern="0" dirty="0" smtClean="0">
-                <a:latin typeface="Courier New" panose="02070309020205020404" pitchFamily="49" charset="0"/>
-                <a:cs typeface="Courier New" panose="02070309020205020404" pitchFamily="49" charset="0"/>
-              </a:rPr>
-              <a:t>k = </a:t>
-            </a:r>
-            <a:r>
-              <a:rPr lang="nl-NL" sz="1400" kern="0" dirty="0">
-                <a:latin typeface="Courier New" panose="02070309020205020404" pitchFamily="49" charset="0"/>
-                <a:cs typeface="Courier New" panose="02070309020205020404" pitchFamily="49" charset="0"/>
-              </a:rPr>
-              <a:t>3</a:t>
-            </a:r>
-            <a:endParaRPr lang="nl-NL" sz="1400" kern="0" dirty="0" smtClean="0">
-              <a:latin typeface="Courier New" panose="02070309020205020404" pitchFamily="49" charset="0"/>
-              <a:cs typeface="Courier New" panose="02070309020205020404" pitchFamily="49" charset="0"/>
-            </a:endParaRPr>
-          </a:p>
-          <a:p>
-            <a:pPr lvl="1"/>
-            <a:r>
-              <a:rPr lang="nl-NL" sz="1200" kern="0" dirty="0" err="1" smtClean="0">
-                <a:latin typeface="Courier New" panose="02070309020205020404" pitchFamily="49" charset="0"/>
-                <a:cs typeface="Courier New" panose="02070309020205020404" pitchFamily="49" charset="0"/>
-              </a:rPr>
-              <a:t>Calculate</a:t>
-            </a:r>
-            <a:r>
-              <a:rPr lang="nl-NL" sz="1200" kern="0" dirty="0" smtClean="0">
-                <a:latin typeface="Courier New" panose="02070309020205020404" pitchFamily="49" charset="0"/>
-                <a:cs typeface="Courier New" panose="02070309020205020404" pitchFamily="49" charset="0"/>
-              </a:rPr>
-              <a:t> </a:t>
-            </a:r>
-            <a:r>
-              <a:rPr lang="nl-NL" sz="1200" kern="0" dirty="0" err="1" smtClean="0">
-                <a:latin typeface="Courier New" panose="02070309020205020404" pitchFamily="49" charset="0"/>
-                <a:cs typeface="Courier New" panose="02070309020205020404" pitchFamily="49" charset="0"/>
-              </a:rPr>
-              <a:t>accuracy</a:t>
-            </a:r>
-            <a:r>
-              <a:rPr lang="nl-NL" sz="1200" kern="0" dirty="0" smtClean="0">
-                <a:latin typeface="Courier New" panose="02070309020205020404" pitchFamily="49" charset="0"/>
-                <a:cs typeface="Courier New" panose="02070309020205020404" pitchFamily="49" charset="0"/>
-              </a:rPr>
-              <a:t>, </a:t>
-            </a:r>
-            <a:r>
-              <a:rPr lang="nl-NL" sz="1200" kern="0" dirty="0" err="1" smtClean="0">
-                <a:latin typeface="Courier New" panose="02070309020205020404" pitchFamily="49" charset="0"/>
-                <a:cs typeface="Courier New" panose="02070309020205020404" pitchFamily="49" charset="0"/>
-              </a:rPr>
-              <a:t>precision</a:t>
-            </a:r>
-            <a:r>
-              <a:rPr lang="nl-NL" sz="1200" kern="0" dirty="0" smtClean="0">
-                <a:latin typeface="Courier New" panose="02070309020205020404" pitchFamily="49" charset="0"/>
-                <a:cs typeface="Courier New" panose="02070309020205020404" pitchFamily="49" charset="0"/>
-              </a:rPr>
-              <a:t> </a:t>
-            </a:r>
-            <a:r>
-              <a:rPr lang="nl-NL" sz="1200" kern="0" dirty="0" err="1" smtClean="0">
-                <a:latin typeface="Courier New" panose="02070309020205020404" pitchFamily="49" charset="0"/>
-                <a:cs typeface="Courier New" panose="02070309020205020404" pitchFamily="49" charset="0"/>
-              </a:rPr>
-              <a:t>and</a:t>
-            </a:r>
-            <a:r>
-              <a:rPr lang="nl-NL" sz="1200" kern="0" dirty="0" smtClean="0">
-                <a:latin typeface="Courier New" panose="02070309020205020404" pitchFamily="49" charset="0"/>
-                <a:cs typeface="Courier New" panose="02070309020205020404" pitchFamily="49" charset="0"/>
-              </a:rPr>
-              <a:t> </a:t>
-            </a:r>
-            <a:r>
-              <a:rPr lang="nl-NL" sz="1200" kern="0" dirty="0" err="1" smtClean="0">
-                <a:latin typeface="Courier New" panose="02070309020205020404" pitchFamily="49" charset="0"/>
-                <a:cs typeface="Courier New" panose="02070309020205020404" pitchFamily="49" charset="0"/>
-              </a:rPr>
-              <a:t>recall</a:t>
-            </a:r>
-            <a:r>
-              <a:rPr lang="nl-NL" sz="1200" kern="0" dirty="0">
-                <a:latin typeface="Courier New" panose="02070309020205020404" pitchFamily="49" charset="0"/>
-                <a:cs typeface="Courier New" panose="02070309020205020404" pitchFamily="49" charset="0"/>
-              </a:rPr>
-              <a:t> </a:t>
-            </a:r>
-            <a:r>
-              <a:rPr lang="nl-NL" sz="1200" b="1" kern="0" dirty="0" smtClean="0">
-                <a:latin typeface="Courier New" panose="02070309020205020404" pitchFamily="49" charset="0"/>
-                <a:cs typeface="Courier New" panose="02070309020205020404" pitchFamily="49" charset="0"/>
-              </a:rPr>
-              <a:t>on the test set</a:t>
-            </a:r>
-            <a:endParaRPr lang="nl-NL" sz="1200" i="1" kern="0" dirty="0">
-              <a:latin typeface="Courier New" panose="02070309020205020404" pitchFamily="49" charset="0"/>
-              <a:cs typeface="Courier New" panose="02070309020205020404" pitchFamily="49" charset="0"/>
-            </a:endParaRPr>
-          </a:p>
-          <a:p>
-            <a:pPr lvl="1"/>
-            <a:endParaRPr lang="nl-NL" sz="1200" kern="0" dirty="0" smtClean="0">
-              <a:latin typeface="Courier New" panose="02070309020205020404" pitchFamily="49" charset="0"/>
-              <a:cs typeface="Courier New" panose="02070309020205020404" pitchFamily="49" charset="0"/>
-            </a:endParaRPr>
-          </a:p>
-          <a:p>
-            <a:pPr>
-              <a:buFont typeface="+mj-lt"/>
-              <a:buAutoNum type="arabicPeriod"/>
-            </a:pPr>
-            <a:r>
-              <a:rPr lang="nl-NL" sz="1400" kern="0" dirty="0" err="1" smtClean="0">
-                <a:latin typeface="Courier New" panose="02070309020205020404" pitchFamily="49" charset="0"/>
-                <a:cs typeface="Courier New" panose="02070309020205020404" pitchFamily="49" charset="0"/>
-              </a:rPr>
-              <a:t>Try</a:t>
-            </a:r>
-            <a:r>
-              <a:rPr lang="nl-NL" sz="1400" kern="0" dirty="0" smtClean="0">
-                <a:latin typeface="Courier New" panose="02070309020205020404" pitchFamily="49" charset="0"/>
-                <a:cs typeface="Courier New" panose="02070309020205020404" pitchFamily="49" charset="0"/>
-              </a:rPr>
-              <a:t> out different </a:t>
-            </a:r>
-            <a:r>
-              <a:rPr lang="nl-NL" sz="1400" kern="0" dirty="0" err="1" smtClean="0">
-                <a:latin typeface="Courier New" panose="02070309020205020404" pitchFamily="49" charset="0"/>
-                <a:cs typeface="Courier New" panose="02070309020205020404" pitchFamily="49" charset="0"/>
-              </a:rPr>
-              <a:t>settings</a:t>
-            </a:r>
-            <a:r>
-              <a:rPr lang="nl-NL" sz="1400" kern="0" dirty="0" smtClean="0">
-                <a:latin typeface="Courier New" panose="02070309020205020404" pitchFamily="49" charset="0"/>
-                <a:cs typeface="Courier New" panose="02070309020205020404" pitchFamily="49" charset="0"/>
-              </a:rPr>
-              <a:t> </a:t>
-            </a:r>
-            <a:r>
-              <a:rPr lang="nl-NL" sz="1400" kern="0" dirty="0" err="1" smtClean="0">
-                <a:latin typeface="Courier New" panose="02070309020205020404" pitchFamily="49" charset="0"/>
-                <a:cs typeface="Courier New" panose="02070309020205020404" pitchFamily="49" charset="0"/>
-              </a:rPr>
-              <a:t>for</a:t>
-            </a:r>
-            <a:r>
-              <a:rPr lang="nl-NL" sz="1400" kern="0" dirty="0" smtClean="0">
-                <a:latin typeface="Courier New" panose="02070309020205020404" pitchFamily="49" charset="0"/>
-                <a:cs typeface="Courier New" panose="02070309020205020404" pitchFamily="49" charset="0"/>
-              </a:rPr>
-              <a:t> </a:t>
-            </a:r>
-            <a:r>
-              <a:rPr lang="nl-NL" sz="1400" i="1" kern="0" dirty="0" smtClean="0">
-                <a:latin typeface="Courier New" panose="02070309020205020404" pitchFamily="49" charset="0"/>
-                <a:cs typeface="Courier New" panose="02070309020205020404" pitchFamily="49" charset="0"/>
-              </a:rPr>
-              <a:t>k</a:t>
-            </a:r>
-            <a:r>
-              <a:rPr lang="nl-NL" sz="1400" kern="0" dirty="0" smtClean="0">
-                <a:latin typeface="Courier New" panose="02070309020205020404" pitchFamily="49" charset="0"/>
-                <a:cs typeface="Courier New" panose="02070309020205020404" pitchFamily="49" charset="0"/>
-              </a:rPr>
-              <a:t>. </a:t>
-            </a:r>
-            <a:r>
-              <a:rPr lang="nl-NL" sz="1400" kern="0" dirty="0" err="1" smtClean="0">
-                <a:latin typeface="Courier New" panose="02070309020205020404" pitchFamily="49" charset="0"/>
-                <a:cs typeface="Courier New" panose="02070309020205020404" pitchFamily="49" charset="0"/>
-              </a:rPr>
-              <a:t>Which</a:t>
-            </a:r>
-            <a:r>
-              <a:rPr lang="nl-NL" sz="1400" kern="0" dirty="0" smtClean="0">
-                <a:latin typeface="Courier New" panose="02070309020205020404" pitchFamily="49" charset="0"/>
-                <a:cs typeface="Courier New" panose="02070309020205020404" pitchFamily="49" charset="0"/>
-              </a:rPr>
-              <a:t> </a:t>
-            </a:r>
-            <a:r>
-              <a:rPr lang="nl-NL" sz="1400" i="1" kern="0" dirty="0" smtClean="0">
-                <a:latin typeface="Courier New" panose="02070309020205020404" pitchFamily="49" charset="0"/>
-                <a:cs typeface="Courier New" panose="02070309020205020404" pitchFamily="49" charset="0"/>
-              </a:rPr>
-              <a:t>k </a:t>
-            </a:r>
-            <a:r>
-              <a:rPr lang="nl-NL" sz="1400" kern="0" dirty="0" err="1" smtClean="0">
-                <a:latin typeface="Courier New" panose="02070309020205020404" pitchFamily="49" charset="0"/>
-                <a:cs typeface="Courier New" panose="02070309020205020404" pitchFamily="49" charset="0"/>
-              </a:rPr>
-              <a:t>works</a:t>
-            </a:r>
-            <a:r>
-              <a:rPr lang="nl-NL" sz="1400" kern="0" dirty="0" smtClean="0">
-                <a:latin typeface="Courier New" panose="02070309020205020404" pitchFamily="49" charset="0"/>
-                <a:cs typeface="Courier New" panose="02070309020205020404" pitchFamily="49" charset="0"/>
-              </a:rPr>
-              <a:t> best?</a:t>
-            </a:r>
-          </a:p>
-          <a:p>
-            <a:pPr marL="0" indent="0">
-              <a:buNone/>
-            </a:pPr>
-            <a:endParaRPr lang="nl-NL" sz="1400" kern="0" dirty="0" smtClean="0">
-              <a:latin typeface="Courier New" panose="02070309020205020404" pitchFamily="49" charset="0"/>
-              <a:cs typeface="Courier New" panose="02070309020205020404" pitchFamily="49" charset="0"/>
-            </a:endParaRPr>
-          </a:p>
-          <a:p>
-            <a:pPr>
-              <a:buFont typeface="Zapf Dingbats" charset="2"/>
-              <a:buAutoNum type="arabicPeriod"/>
-            </a:pPr>
-            <a:endParaRPr lang="nl-NL" sz="1400" kern="0" dirty="0">
-              <a:latin typeface="Courier New" panose="02070309020205020404" pitchFamily="49" charset="0"/>
-              <a:cs typeface="Courier New" panose="02070309020205020404" pitchFamily="49" charset="0"/>
-            </a:endParaRPr>
-          </a:p>
-          <a:p>
-            <a:pPr>
-              <a:buFont typeface="Zapf Dingbats" charset="2"/>
-              <a:buAutoNum type="arabicPeriod"/>
-            </a:pPr>
-            <a:endParaRPr lang="nl-NL" sz="1400" kern="0" dirty="0" smtClean="0">
-              <a:latin typeface="Courier New" panose="02070309020205020404" pitchFamily="49" charset="0"/>
-              <a:cs typeface="Courier New" panose="02070309020205020404" pitchFamily="49" charset="0"/>
-            </a:endParaRPr>
-          </a:p>
-          <a:p>
-            <a:pPr>
-              <a:buFont typeface="Zapf Dingbats" charset="2"/>
-              <a:buAutoNum type="arabicPeriod"/>
-            </a:pPr>
-            <a:endParaRPr lang="nl-NL" sz="1400" kern="0" dirty="0">
-              <a:latin typeface="Courier New" panose="02070309020205020404" pitchFamily="49" charset="0"/>
-              <a:cs typeface="Courier New" panose="02070309020205020404" pitchFamily="49" charset="0"/>
-            </a:endParaRPr>
-          </a:p>
-          <a:p>
-            <a:pPr>
-              <a:buFont typeface="Zapf Dingbats" charset="2"/>
-              <a:buAutoNum type="arabicPeriod"/>
-            </a:pPr>
-            <a:endParaRPr lang="nl-NL" sz="1400" kern="0" dirty="0" smtClean="0">
-              <a:latin typeface="Courier New" panose="02070309020205020404" pitchFamily="49" charset="0"/>
-              <a:cs typeface="Courier New" panose="02070309020205020404" pitchFamily="49" charset="0"/>
-            </a:endParaRPr>
-          </a:p>
-          <a:p>
-            <a:pPr>
-              <a:buFont typeface="Zapf Dingbats" charset="2"/>
-              <a:buAutoNum type="arabicPeriod"/>
-            </a:pPr>
-            <a:endParaRPr lang="nl-NL" sz="1400" kern="0" dirty="0">
-              <a:latin typeface="Courier New" panose="02070309020205020404" pitchFamily="49" charset="0"/>
-              <a:cs typeface="Courier New" panose="02070309020205020404" pitchFamily="49" charset="0"/>
-            </a:endParaRPr>
-          </a:p>
-          <a:p>
-            <a:pPr>
-              <a:buFont typeface="Zapf Dingbats" charset="2"/>
-              <a:buAutoNum type="arabicPeriod"/>
-            </a:pPr>
-            <a:endParaRPr lang="nl-NL" sz="1400" kern="0" dirty="0" smtClean="0">
-              <a:latin typeface="Courier New" panose="02070309020205020404" pitchFamily="49" charset="0"/>
-              <a:cs typeface="Courier New" panose="02070309020205020404" pitchFamily="49" charset="0"/>
-            </a:endParaRPr>
-          </a:p>
-        </p:txBody>
-      </p:sp>
-    </p:spTree>
-    <p:extLst>
-      <p:ext uri="{BB962C8B-B14F-4D97-AF65-F5344CB8AC3E}">
-        <p14:creationId xmlns:p14="http://schemas.microsoft.com/office/powerpoint/2010/main" val="3175089938"/>
-      </p:ext>
-    </p:extLst>
-  </p:cSld>
-  <p:clrMapOvr>
-    <a:masterClrMapping/>
-  </p:clrMapOvr>
-</p:sld>
-</file>
-
-<file path=ppt/slides/slide27.xml><?xml version="1.0" encoding="utf-8"?>
 <p:sld xmlns:a="http://schemas.openxmlformats.org/drawingml/2006/main" xmlns:r="http://schemas.openxmlformats.org/officeDocument/2006/relationships" xmlns:p="http://schemas.openxmlformats.org/presentationml/2006/main">
   <p:cSld>
     <p:spTree>
@@ -17633,6 +14243,13 @@
   <p:clrMapOvr>
     <a:masterClrMapping/>
   </p:clrMapOvr>
+  <p:timing>
+    <p:tnLst>
+      <p:par>
+        <p:cTn id="1" dur="indefinite" restart="never" nodeType="tmRoot"/>
+      </p:par>
+    </p:tnLst>
+  </p:timing>
 </p:sld>
 </file>
 
@@ -17884,6 +14501,13 @@
   <p:clrMapOvr>
     <a:masterClrMapping/>
   </p:clrMapOvr>
+  <p:timing>
+    <p:tnLst>
+      <p:par>
+        <p:cTn id="1" dur="indefinite" restart="never" nodeType="tmRoot"/>
+      </p:par>
+    </p:tnLst>
+  </p:timing>
 </p:sld>
 </file>
 
@@ -18058,6 +14682,13 @@
   <p:clrMapOvr>
     <a:masterClrMapping/>
   </p:clrMapOvr>
+  <p:timing>
+    <p:tnLst>
+      <p:par>
+        <p:cTn id="1" dur="indefinite" restart="never" nodeType="tmRoot"/>
+      </p:par>
+    </p:tnLst>
+  </p:timing>
 </p:sld>
 </file>
 
@@ -18361,6 +14992,13 @@
   <p:clrMapOvr>
     <a:masterClrMapping/>
   </p:clrMapOvr>
+  <p:timing>
+    <p:tnLst>
+      <p:par>
+        <p:cTn id="1" dur="indefinite" restart="never" nodeType="tmRoot"/>
+      </p:par>
+    </p:tnLst>
+  </p:timing>
 </p:sld>
 </file>
 
@@ -18557,6 +15195,13 @@
   <p:clrMapOvr>
     <a:masterClrMapping/>
   </p:clrMapOvr>
+  <p:timing>
+    <p:tnLst>
+      <p:par>
+        <p:cTn id="1" dur="indefinite" restart="never" nodeType="tmRoot"/>
+      </p:par>
+    </p:tnLst>
+  </p:timing>
 </p:sld>
 </file>
 
@@ -18927,6 +15572,13 @@
   <p:clrMapOvr>
     <a:masterClrMapping/>
   </p:clrMapOvr>
+  <p:timing>
+    <p:tnLst>
+      <p:par>
+        <p:cTn id="1" dur="indefinite" restart="never" nodeType="tmRoot"/>
+      </p:par>
+    </p:tnLst>
+  </p:timing>
 </p:sld>
 </file>
 
@@ -19101,6 +15753,13 @@
   <p:clrMapOvr>
     <a:masterClrMapping/>
   </p:clrMapOvr>
+  <p:timing>
+    <p:tnLst>
+      <p:par>
+        <p:cTn id="1" dur="indefinite" restart="never" nodeType="tmRoot"/>
+      </p:par>
+    </p:tnLst>
+  </p:timing>
 </p:sld>
 </file>
 

--- a/slides/ddl-w6l1.pptx
+++ b/slides/ddl-w6l1.pptx
@@ -260,7 +260,6 @@
           <c:dLbls>
             <c:dLbl>
               <c:idx val="0"/>
-              <c:layout/>
               <c:tx>
                 <c:rich>
                   <a:bodyPr/>
@@ -286,9 +285,7 @@
               <c:showPercent val="0"/>
               <c:showBubbleSize val="0"/>
               <c:extLst>
-                <c:ext xmlns:c15="http://schemas.microsoft.com/office/drawing/2012/chart" uri="{CE6537A1-D6FC-4f65-9D91-7224C49458BB}">
-                  <c15:layout/>
-                </c:ext>
+                <c:ext xmlns:c15="http://schemas.microsoft.com/office/drawing/2012/chart" uri="{CE6537A1-D6FC-4f65-9D91-7224C49458BB}"/>
                 <c:ext xmlns:c16="http://schemas.microsoft.com/office/drawing/2014/chart" uri="{C3380CC4-5D6E-409C-BE32-E72D297353CC}">
                   <c16:uniqueId val="{00000000-2E23-48E9-A739-930E51C69A1C}"/>
                 </c:ext>
@@ -296,7 +293,6 @@
             </c:dLbl>
             <c:dLbl>
               <c:idx val="1"/>
-              <c:layout/>
               <c:tx>
                 <c:rich>
                   <a:bodyPr/>
@@ -317,9 +313,7 @@
               <c:showPercent val="0"/>
               <c:showBubbleSize val="0"/>
               <c:extLst>
-                <c:ext xmlns:c15="http://schemas.microsoft.com/office/drawing/2012/chart" uri="{CE6537A1-D6FC-4f65-9D91-7224C49458BB}">
-                  <c15:layout/>
-                </c:ext>
+                <c:ext xmlns:c15="http://schemas.microsoft.com/office/drawing/2012/chart" uri="{CE6537A1-D6FC-4f65-9D91-7224C49458BB}"/>
                 <c:ext xmlns:c16="http://schemas.microsoft.com/office/drawing/2014/chart" uri="{C3380CC4-5D6E-409C-BE32-E72D297353CC}">
                   <c16:uniqueId val="{00000001-2E23-48E9-A739-930E51C69A1C}"/>
                 </c:ext>
@@ -327,7 +321,6 @@
             </c:dLbl>
             <c:dLbl>
               <c:idx val="2"/>
-              <c:layout/>
               <c:tx>
                 <c:rich>
                   <a:bodyPr/>
@@ -348,9 +341,7 @@
               <c:showPercent val="0"/>
               <c:showBubbleSize val="0"/>
               <c:extLst>
-                <c:ext xmlns:c15="http://schemas.microsoft.com/office/drawing/2012/chart" uri="{CE6537A1-D6FC-4f65-9D91-7224C49458BB}">
-                  <c15:layout/>
-                </c:ext>
+                <c:ext xmlns:c15="http://schemas.microsoft.com/office/drawing/2012/chart" uri="{CE6537A1-D6FC-4f65-9D91-7224C49458BB}"/>
                 <c:ext xmlns:c16="http://schemas.microsoft.com/office/drawing/2014/chart" uri="{C3380CC4-5D6E-409C-BE32-E72D297353CC}">
                   <c16:uniqueId val="{00000002-2E23-48E9-A739-930E51C69A1C}"/>
                 </c:ext>
@@ -519,7 +510,6 @@
               </a:p>
             </c:rich>
           </c:tx>
-          <c:layout/>
           <c:overlay val="0"/>
           <c:spPr>
             <a:noFill/>
@@ -648,7 +638,6 @@
               </a:p>
             </c:rich>
           </c:tx>
-          <c:layout/>
           <c:overlay val="0"/>
           <c:spPr>
             <a:noFill/>
@@ -1424,7 +1413,7 @@
             <a:fld id="{373F1B60-BDF4-4D63-AD79-99D5A5B1DF99}" type="datetime1">
               <a:rPr lang="en-US"/>
               <a:pPr/>
-              <a:t>12/18/2018</a:t>
+              <a:t>12/31/2018</a:t>
             </a:fld>
             <a:endParaRPr lang="en-US"/>
           </a:p>
@@ -1643,7 +1632,7 @@
             <a:fld id="{4387A7AA-DFE9-4771-BEDE-3294FCEBFB02}" type="datetime1">
               <a:rPr lang="en-US"/>
               <a:pPr/>
-              <a:t>12/18/2018</a:t>
+              <a:t>12/31/2018</a:t>
             </a:fld>
             <a:endParaRPr lang="en-US"/>
           </a:p>
@@ -2034,7 +2023,7 @@
             <a:fld id="{8541E2CD-DBF4-40F9-B6F8-EEFD0DF8A138}" type="datetime1">
               <a:rPr lang="en-US"/>
               <a:pPr/>
-              <a:t>12/18/2018</a:t>
+              <a:t>12/31/2018</a:t>
             </a:fld>
             <a:endParaRPr lang="en-US"/>
           </a:p>
@@ -2225,7 +2214,7 @@
             <a:fld id="{4387A7AA-DFE9-4771-BEDE-3294FCEBFB02}" type="datetime1">
               <a:rPr lang="en-US" smtClean="0"/>
               <a:pPr/>
-              <a:t>12/18/2018</a:t>
+              <a:t>12/31/2018</a:t>
             </a:fld>
             <a:endParaRPr lang="en-US"/>
           </a:p>
@@ -2409,7 +2398,7 @@
             <a:fld id="{93F21019-3A00-48AC-9663-40DF67A83229}" type="datetime1">
               <a:rPr lang="en-US"/>
               <a:pPr/>
-              <a:t>12/18/2018</a:t>
+              <a:t>12/31/2018</a:t>
             </a:fld>
             <a:endParaRPr lang="en-US">
               <a:solidFill>
@@ -2595,7 +2584,7 @@
             <a:fld id="{8B2EF9C8-0AC3-4A53-9A61-1834A571F420}" type="datetime1">
               <a:rPr lang="en-US"/>
               <a:pPr/>
-              <a:t>12/18/2018</a:t>
+              <a:t>12/31/2018</a:t>
             </a:fld>
             <a:endParaRPr lang="en-US" sz="1400">
               <a:solidFill>
@@ -2792,7 +2781,7 @@
             <a:fld id="{F02960F3-A385-4905-A491-FDC17E063DD1}" type="datetime1">
               <a:rPr lang="en-US"/>
               <a:pPr/>
-              <a:t>12/18/2018</a:t>
+              <a:t>12/31/2018</a:t>
             </a:fld>
             <a:endParaRPr lang="en-US" sz="1400">
               <a:solidFill>
@@ -3051,7 +3040,7 @@
             <a:fld id="{CD3AD70A-8E2A-47B5-AC18-ABBB5A8E737D}" type="datetime1">
               <a:rPr lang="en-US"/>
               <a:pPr/>
-              <a:t>12/18/2018</a:t>
+              <a:t>12/31/2018</a:t>
             </a:fld>
             <a:endParaRPr lang="en-US" sz="1400">
               <a:solidFill>
@@ -3287,7 +3276,7 @@
             <a:fld id="{07008C2E-9BD6-496B-BFC3-B4A975EBC85E}" type="datetime1">
               <a:rPr lang="en-US"/>
               <a:pPr/>
-              <a:t>12/18/2018</a:t>
+              <a:t>12/31/2018</a:t>
             </a:fld>
             <a:endParaRPr lang="en-US" sz="1400">
               <a:solidFill>
@@ -3466,7 +3455,7 @@
             <a:fld id="{1AA2C3CF-866C-4FDE-B76D-4E9536901630}" type="datetime1">
               <a:rPr lang="en-US"/>
               <a:pPr/>
-              <a:t>12/18/2018</a:t>
+              <a:t>12/31/2018</a:t>
             </a:fld>
             <a:endParaRPr lang="en-US" sz="1400">
               <a:solidFill>
@@ -3645,7 +3634,7 @@
             <a:fld id="{555EE259-FE08-4558-B721-B189FFE77284}" type="datetime1">
               <a:rPr lang="en-US"/>
               <a:pPr/>
-              <a:t>12/18/2018</a:t>
+              <a:t>12/31/2018</a:t>
             </a:fld>
             <a:endParaRPr lang="en-US" sz="1400">
               <a:solidFill>
@@ -3914,7 +3903,7 @@
             <a:fld id="{0AF4064E-5624-49AB-B7C6-E301A8F6B1FF}" type="datetime1">
               <a:rPr lang="en-US"/>
               <a:pPr/>
-              <a:t>12/18/2018</a:t>
+              <a:t>12/31/2018</a:t>
             </a:fld>
             <a:endParaRPr lang="en-US" sz="1400">
               <a:solidFill>
@@ -4111,7 +4100,7 @@
             <a:fld id="{CBC97FCD-6C54-4833-B032-BFBCDFA8379D}" type="datetime1">
               <a:rPr lang="en-US"/>
               <a:pPr/>
-              <a:t>12/18/2018</a:t>
+              <a:t>12/31/2018</a:t>
             </a:fld>
             <a:endParaRPr lang="en-US" sz="1400">
               <a:solidFill>
@@ -4320,7 +4309,7 @@
             <a:fld id="{F04AA577-515A-431F-98B6-3B03494ABB11}" type="datetime1">
               <a:rPr lang="en-US"/>
               <a:pPr/>
-              <a:t>12/18/2018</a:t>
+              <a:t>12/31/2018</a:t>
             </a:fld>
             <a:endParaRPr lang="en-US" sz="1400">
               <a:solidFill>
@@ -4625,7 +4614,7 @@
             <a:fld id="{6475F1A4-C474-4345-A800-2F40B0E4E70C}" type="datetime1">
               <a:rPr lang="en-US"/>
               <a:pPr/>
-              <a:t>12/18/2018</a:t>
+              <a:t>12/31/2018</a:t>
             </a:fld>
             <a:endParaRPr lang="en-US" sz="1400">
               <a:solidFill>
@@ -5069,7 +5058,7 @@
             <a:fld id="{7BA535AB-820E-4207-9DA8-5F37106C7AF4}" type="datetime1">
               <a:rPr lang="en-US"/>
               <a:pPr/>
-              <a:t>12/18/2018</a:t>
+              <a:t>12/31/2018</a:t>
             </a:fld>
             <a:endParaRPr lang="en-US" sz="1400">
               <a:solidFill>
@@ -5204,7 +5193,7 @@
             <a:fld id="{0A7E69FA-D7EE-42C0-9117-1971B541885F}" type="datetime1">
               <a:rPr lang="en-US"/>
               <a:pPr/>
-              <a:t>12/18/2018</a:t>
+              <a:t>12/31/2018</a:t>
             </a:fld>
             <a:endParaRPr lang="en-US" sz="1400">
               <a:solidFill>
@@ -5316,7 +5305,7 @@
             <a:fld id="{10D7644E-1B5D-4325-BA79-338DF2B89B56}" type="datetime1">
               <a:rPr lang="en-US"/>
               <a:pPr/>
-              <a:t>12/18/2018</a:t>
+              <a:t>12/31/2018</a:t>
             </a:fld>
             <a:endParaRPr lang="en-US" sz="1400">
               <a:solidFill>
@@ -5610,7 +5599,7 @@
             <a:fld id="{B790C882-0B74-4932-8998-E9ABB8AF1740}" type="datetime1">
               <a:rPr lang="en-US"/>
               <a:pPr/>
-              <a:t>12/18/2018</a:t>
+              <a:t>12/31/2018</a:t>
             </a:fld>
             <a:endParaRPr lang="en-US" sz="1400">
               <a:solidFill>
@@ -5880,7 +5869,7 @@
             <a:fld id="{9DC585DC-AE7D-44C1-90AB-C3A391DEA065}" type="datetime1">
               <a:rPr lang="en-US"/>
               <a:pPr/>
-              <a:t>12/18/2018</a:t>
+              <a:t>12/31/2018</a:t>
             </a:fld>
             <a:endParaRPr lang="en-US" sz="1400">
               <a:solidFill>
@@ -6144,7 +6133,7 @@
             <a:fld id="{256CE565-1940-4E5F-9190-C0815CEAAA9D}" type="datetime1">
               <a:rPr lang="en-US"/>
               <a:pPr/>
-              <a:t>12/18/2018</a:t>
+              <a:t>12/31/2018</a:t>
             </a:fld>
             <a:endParaRPr lang="en-US"/>
           </a:p>
@@ -10984,12 +10973,57 @@
         <p:spPr>
           <a:xfrm>
             <a:off x="762000" y="1762125"/>
-            <a:ext cx="4314056" cy="2086725"/>
+            <a:ext cx="4314056" cy="3342453"/>
           </a:xfrm>
         </p:spPr>
         <p:txBody>
           <a:bodyPr/>
           <a:lstStyle/>
+          <a:p>
+            <a:r>
+              <a:rPr lang="nl-NL" sz="2400" dirty="0" err="1" smtClean="0"/>
+              <a:t>Within</a:t>
+            </a:r>
+            <a:r>
+              <a:rPr lang="nl-NL" sz="2400" dirty="0" smtClean="0"/>
+              <a:t> </a:t>
+            </a:r>
+            <a:r>
+              <a:rPr lang="nl-NL" sz="2400" dirty="0" err="1" smtClean="0"/>
+              <a:t>supervised</a:t>
+            </a:r>
+            <a:r>
+              <a:rPr lang="nl-NL" sz="2400" dirty="0" smtClean="0"/>
+              <a:t> </a:t>
+            </a:r>
+            <a:r>
+              <a:rPr lang="nl-NL" sz="2400" dirty="0" err="1" smtClean="0"/>
+              <a:t>learning</a:t>
+            </a:r>
+            <a:r>
+              <a:rPr lang="nl-NL" sz="2400" dirty="0" smtClean="0"/>
+              <a:t>, </a:t>
+            </a:r>
+            <a:r>
+              <a:rPr lang="nl-NL" sz="2400" dirty="0" err="1" smtClean="0"/>
+              <a:t>there</a:t>
+            </a:r>
+            <a:r>
+              <a:rPr lang="nl-NL" sz="2400" dirty="0" smtClean="0"/>
+              <a:t> are </a:t>
+            </a:r>
+            <a:r>
+              <a:rPr lang="nl-NL" sz="2400" dirty="0" err="1" smtClean="0"/>
+              <a:t>two</a:t>
+            </a:r>
+            <a:r>
+              <a:rPr lang="nl-NL" sz="2400" dirty="0" smtClean="0"/>
+              <a:t> types:</a:t>
+            </a:r>
+          </a:p>
+          <a:p>
+            <a:endParaRPr lang="nl-NL" sz="2400" dirty="0" smtClean="0"/>
+          </a:p>
           <a:p>
             <a:r>
               <a:rPr lang="nl-NL" sz="2400" dirty="0" err="1" smtClean="0"/>
@@ -11060,8 +11094,8 @@
         </p:blipFill>
         <p:spPr>
           <a:xfrm>
-            <a:off x="5724128" y="3652738"/>
-            <a:ext cx="2398562" cy="2357649"/>
+            <a:off x="5868144" y="4293096"/>
+            <a:ext cx="2124470" cy="2088232"/>
           </a:xfrm>
           <a:prstGeom prst="rect">
             <a:avLst/>
@@ -11090,8 +11124,8 @@
         </p:blipFill>
         <p:spPr>
           <a:xfrm>
-            <a:off x="5784900" y="1628800"/>
-            <a:ext cx="2387500" cy="1584176"/>
+            <a:off x="5868144" y="2420888"/>
+            <a:ext cx="2149178" cy="1426042"/>
           </a:xfrm>
           <a:prstGeom prst="rect">
             <a:avLst/>
